--- a/Slides/Chuong3_Heutistic.pptx
+++ b/Slides/Chuong3_Heutistic.pptx
@@ -5,7 +5,7 @@
     <p:sldMasterId id="2147483690" r:id="rId1"/>
   </p:sldMasterIdLst>
   <p:notesMasterIdLst>
-    <p:notesMasterId r:id="rId24"/>
+    <p:notesMasterId r:id="rId31"/>
   </p:notesMasterIdLst>
   <p:sldIdLst>
     <p:sldId id="256" r:id="rId2"/>
@@ -30,6 +30,13 @@
     <p:sldId id="288" r:id="rId21"/>
     <p:sldId id="289" r:id="rId22"/>
     <p:sldId id="290" r:id="rId23"/>
+    <p:sldId id="309" r:id="rId24"/>
+    <p:sldId id="310" r:id="rId25"/>
+    <p:sldId id="311" r:id="rId26"/>
+    <p:sldId id="312" r:id="rId27"/>
+    <p:sldId id="313" r:id="rId28"/>
+    <p:sldId id="314" r:id="rId29"/>
+    <p:sldId id="315" r:id="rId30"/>
   </p:sldIdLst>
   <p:sldSz cx="19010313" cy="10693400"/>
   <p:notesSz cx="7556500" cy="10693400"/>
@@ -181,6 +188,25 @@
             <p14:sldId id="290"/>
           </p14:sldIdLst>
         </p14:section>
+        <p14:section name="Hill Climbing Search" id="{B8C04934-133B-4062-98C5-600CBA134374}">
+          <p14:sldIdLst>
+            <p14:sldId id="309"/>
+            <p14:sldId id="310"/>
+            <p14:sldId id="311"/>
+          </p14:sldIdLst>
+        </p14:section>
+        <p14:section name="Hill Climbing - vd2" id="{92C9F6C8-1B77-4ACE-8824-033DC6F15B82}">
+          <p14:sldIdLst>
+            <p14:sldId id="312"/>
+            <p14:sldId id="313"/>
+          </p14:sldIdLst>
+        </p14:section>
+        <p14:section name="Hill Climbing - vd3" id="{4E8E216F-5E0D-4953-893B-CAEEC2AE6E10}">
+          <p14:sldIdLst>
+            <p14:sldId id="314"/>
+            <p14:sldId id="315"/>
+          </p14:sldIdLst>
+        </p14:section>
       </p14:sectionLst>
     </p:ext>
     <p:ext uri="{EFAFB233-063F-42B5-8137-9DF3F51BA10A}">
@@ -293,7 +319,7 @@
           <a:p>
             <a:fld id="{A2BF3456-A29E-41FE-BFB7-B24F24BEE47B}" type="datetimeFigureOut">
               <a:rPr lang="cs-CZ" smtClean="0"/>
-              <a:t>11.06.2023</a:t>
+              <a:t>14.06.2023</a:t>
             </a:fld>
             <a:endParaRPr lang="cs-CZ"/>
           </a:p>
@@ -1821,6 +1847,594 @@
 </p:notes>
 </file>
 
+<file path=ppt/notesSlides/notesSlide23.xml><?xml version="1.0" encoding="utf-8"?>
+<p:notes xmlns:a="http://schemas.openxmlformats.org/drawingml/2006/main" xmlns:r="http://schemas.openxmlformats.org/officeDocument/2006/relationships" xmlns:p="http://schemas.openxmlformats.org/presentationml/2006/main">
+  <p:cSld>
+    <p:spTree>
+      <p:nvGrpSpPr>
+        <p:cNvPr id="1" name=""/>
+        <p:cNvGrpSpPr/>
+        <p:nvPr/>
+      </p:nvGrpSpPr>
+      <p:grpSpPr>
+        <a:xfrm>
+          <a:off x="0" y="0"/>
+          <a:ext cx="0" cy="0"/>
+          <a:chOff x="0" y="0"/>
+          <a:chExt cx="0" cy="0"/>
+        </a:xfrm>
+      </p:grpSpPr>
+      <p:sp>
+        <p:nvSpPr>
+          <p:cNvPr id="2" name="Slide Image Placeholder 1"/>
+          <p:cNvSpPr>
+            <a:spLocks noGrp="1" noRot="1" noChangeAspect="1"/>
+          </p:cNvSpPr>
+          <p:nvPr>
+            <p:ph type="sldImg"/>
+          </p:nvPr>
+        </p:nvSpPr>
+        <p:spPr/>
+      </p:sp>
+      <p:sp>
+        <p:nvSpPr>
+          <p:cNvPr id="3" name="Notes Placeholder 2"/>
+          <p:cNvSpPr>
+            <a:spLocks noGrp="1"/>
+          </p:cNvSpPr>
+          <p:nvPr>
+            <p:ph type="body" idx="1"/>
+          </p:nvPr>
+        </p:nvSpPr>
+        <p:spPr/>
+        <p:txBody>
+          <a:bodyPr/>
+          <a:lstStyle/>
+          <a:p>
+            <a:endParaRPr lang="cs-CZ" dirty="0"/>
+          </a:p>
+        </p:txBody>
+      </p:sp>
+      <p:sp>
+        <p:nvSpPr>
+          <p:cNvPr id="4" name="Slide Number Placeholder 3"/>
+          <p:cNvSpPr>
+            <a:spLocks noGrp="1"/>
+          </p:cNvSpPr>
+          <p:nvPr>
+            <p:ph type="sldNum" sz="quarter" idx="5"/>
+          </p:nvPr>
+        </p:nvSpPr>
+        <p:spPr/>
+        <p:txBody>
+          <a:bodyPr/>
+          <a:lstStyle/>
+          <a:p>
+            <a:fld id="{DD95B543-0236-4AEE-9F15-C7CF1150485F}" type="slidenum">
+              <a:rPr lang="cs-CZ" smtClean="0"/>
+              <a:t>23</a:t>
+            </a:fld>
+            <a:endParaRPr lang="cs-CZ"/>
+          </a:p>
+        </p:txBody>
+      </p:sp>
+    </p:spTree>
+    <p:extLst>
+      <p:ext uri="{BB962C8B-B14F-4D97-AF65-F5344CB8AC3E}">
+        <p14:creationId xmlns:p14="http://schemas.microsoft.com/office/powerpoint/2010/main" val="3891661341"/>
+      </p:ext>
+    </p:extLst>
+  </p:cSld>
+  <p:clrMapOvr>
+    <a:masterClrMapping/>
+  </p:clrMapOvr>
+</p:notes>
+</file>
+
+<file path=ppt/notesSlides/notesSlide24.xml><?xml version="1.0" encoding="utf-8"?>
+<p:notes xmlns:a="http://schemas.openxmlformats.org/drawingml/2006/main" xmlns:r="http://schemas.openxmlformats.org/officeDocument/2006/relationships" xmlns:p="http://schemas.openxmlformats.org/presentationml/2006/main">
+  <p:cSld>
+    <p:spTree>
+      <p:nvGrpSpPr>
+        <p:cNvPr id="1" name=""/>
+        <p:cNvGrpSpPr/>
+        <p:nvPr/>
+      </p:nvGrpSpPr>
+      <p:grpSpPr>
+        <a:xfrm>
+          <a:off x="0" y="0"/>
+          <a:ext cx="0" cy="0"/>
+          <a:chOff x="0" y="0"/>
+          <a:chExt cx="0" cy="0"/>
+        </a:xfrm>
+      </p:grpSpPr>
+      <p:sp>
+        <p:nvSpPr>
+          <p:cNvPr id="2" name="Slide Image Placeholder 1"/>
+          <p:cNvSpPr>
+            <a:spLocks noGrp="1" noRot="1" noChangeAspect="1"/>
+          </p:cNvSpPr>
+          <p:nvPr>
+            <p:ph type="sldImg"/>
+          </p:nvPr>
+        </p:nvSpPr>
+        <p:spPr/>
+      </p:sp>
+      <p:sp>
+        <p:nvSpPr>
+          <p:cNvPr id="3" name="Notes Placeholder 2"/>
+          <p:cNvSpPr>
+            <a:spLocks noGrp="1"/>
+          </p:cNvSpPr>
+          <p:nvPr>
+            <p:ph type="body" idx="1"/>
+          </p:nvPr>
+        </p:nvSpPr>
+        <p:spPr/>
+        <p:txBody>
+          <a:bodyPr/>
+          <a:lstStyle/>
+          <a:p>
+            <a:endParaRPr lang="cs-CZ" dirty="0"/>
+          </a:p>
+        </p:txBody>
+      </p:sp>
+      <p:sp>
+        <p:nvSpPr>
+          <p:cNvPr id="4" name="Slide Number Placeholder 3"/>
+          <p:cNvSpPr>
+            <a:spLocks noGrp="1"/>
+          </p:cNvSpPr>
+          <p:nvPr>
+            <p:ph type="sldNum" sz="quarter" idx="5"/>
+          </p:nvPr>
+        </p:nvSpPr>
+        <p:spPr/>
+        <p:txBody>
+          <a:bodyPr/>
+          <a:lstStyle/>
+          <a:p>
+            <a:fld id="{DD95B543-0236-4AEE-9F15-C7CF1150485F}" type="slidenum">
+              <a:rPr lang="cs-CZ" smtClean="0"/>
+              <a:t>24</a:t>
+            </a:fld>
+            <a:endParaRPr lang="cs-CZ"/>
+          </a:p>
+        </p:txBody>
+      </p:sp>
+    </p:spTree>
+    <p:extLst>
+      <p:ext uri="{BB962C8B-B14F-4D97-AF65-F5344CB8AC3E}">
+        <p14:creationId xmlns:p14="http://schemas.microsoft.com/office/powerpoint/2010/main" val="4133559840"/>
+      </p:ext>
+    </p:extLst>
+  </p:cSld>
+  <p:clrMapOvr>
+    <a:masterClrMapping/>
+  </p:clrMapOvr>
+</p:notes>
+</file>
+
+<file path=ppt/notesSlides/notesSlide25.xml><?xml version="1.0" encoding="utf-8"?>
+<p:notes xmlns:a="http://schemas.openxmlformats.org/drawingml/2006/main" xmlns:r="http://schemas.openxmlformats.org/officeDocument/2006/relationships" xmlns:p="http://schemas.openxmlformats.org/presentationml/2006/main">
+  <p:cSld>
+    <p:spTree>
+      <p:nvGrpSpPr>
+        <p:cNvPr id="1" name=""/>
+        <p:cNvGrpSpPr/>
+        <p:nvPr/>
+      </p:nvGrpSpPr>
+      <p:grpSpPr>
+        <a:xfrm>
+          <a:off x="0" y="0"/>
+          <a:ext cx="0" cy="0"/>
+          <a:chOff x="0" y="0"/>
+          <a:chExt cx="0" cy="0"/>
+        </a:xfrm>
+      </p:grpSpPr>
+      <p:sp>
+        <p:nvSpPr>
+          <p:cNvPr id="2" name="Slide Image Placeholder 1"/>
+          <p:cNvSpPr>
+            <a:spLocks noGrp="1" noRot="1" noChangeAspect="1"/>
+          </p:cNvSpPr>
+          <p:nvPr>
+            <p:ph type="sldImg"/>
+          </p:nvPr>
+        </p:nvSpPr>
+        <p:spPr/>
+      </p:sp>
+      <p:sp>
+        <p:nvSpPr>
+          <p:cNvPr id="3" name="Notes Placeholder 2"/>
+          <p:cNvSpPr>
+            <a:spLocks noGrp="1"/>
+          </p:cNvSpPr>
+          <p:nvPr>
+            <p:ph type="body" idx="1"/>
+          </p:nvPr>
+        </p:nvSpPr>
+        <p:spPr/>
+        <p:txBody>
+          <a:bodyPr/>
+          <a:lstStyle/>
+          <a:p>
+            <a:endParaRPr lang="cs-CZ" dirty="0"/>
+          </a:p>
+        </p:txBody>
+      </p:sp>
+      <p:sp>
+        <p:nvSpPr>
+          <p:cNvPr id="4" name="Slide Number Placeholder 3"/>
+          <p:cNvSpPr>
+            <a:spLocks noGrp="1"/>
+          </p:cNvSpPr>
+          <p:nvPr>
+            <p:ph type="sldNum" sz="quarter" idx="5"/>
+          </p:nvPr>
+        </p:nvSpPr>
+        <p:spPr/>
+        <p:txBody>
+          <a:bodyPr/>
+          <a:lstStyle/>
+          <a:p>
+            <a:fld id="{DD95B543-0236-4AEE-9F15-C7CF1150485F}" type="slidenum">
+              <a:rPr lang="cs-CZ" smtClean="0"/>
+              <a:t>25</a:t>
+            </a:fld>
+            <a:endParaRPr lang="cs-CZ"/>
+          </a:p>
+        </p:txBody>
+      </p:sp>
+    </p:spTree>
+    <p:extLst>
+      <p:ext uri="{BB962C8B-B14F-4D97-AF65-F5344CB8AC3E}">
+        <p14:creationId xmlns:p14="http://schemas.microsoft.com/office/powerpoint/2010/main" val="2393365378"/>
+      </p:ext>
+    </p:extLst>
+  </p:cSld>
+  <p:clrMapOvr>
+    <a:masterClrMapping/>
+  </p:clrMapOvr>
+</p:notes>
+</file>
+
+<file path=ppt/notesSlides/notesSlide26.xml><?xml version="1.0" encoding="utf-8"?>
+<p:notes xmlns:a="http://schemas.openxmlformats.org/drawingml/2006/main" xmlns:r="http://schemas.openxmlformats.org/officeDocument/2006/relationships" xmlns:p="http://schemas.openxmlformats.org/presentationml/2006/main">
+  <p:cSld>
+    <p:spTree>
+      <p:nvGrpSpPr>
+        <p:cNvPr id="1" name=""/>
+        <p:cNvGrpSpPr/>
+        <p:nvPr/>
+      </p:nvGrpSpPr>
+      <p:grpSpPr>
+        <a:xfrm>
+          <a:off x="0" y="0"/>
+          <a:ext cx="0" cy="0"/>
+          <a:chOff x="0" y="0"/>
+          <a:chExt cx="0" cy="0"/>
+        </a:xfrm>
+      </p:grpSpPr>
+      <p:sp>
+        <p:nvSpPr>
+          <p:cNvPr id="2" name="Slide Image Placeholder 1"/>
+          <p:cNvSpPr>
+            <a:spLocks noGrp="1" noRot="1" noChangeAspect="1"/>
+          </p:cNvSpPr>
+          <p:nvPr>
+            <p:ph type="sldImg"/>
+          </p:nvPr>
+        </p:nvSpPr>
+        <p:spPr/>
+      </p:sp>
+      <p:sp>
+        <p:nvSpPr>
+          <p:cNvPr id="3" name="Notes Placeholder 2"/>
+          <p:cNvSpPr>
+            <a:spLocks noGrp="1"/>
+          </p:cNvSpPr>
+          <p:nvPr>
+            <p:ph type="body" idx="1"/>
+          </p:nvPr>
+        </p:nvSpPr>
+        <p:spPr/>
+        <p:txBody>
+          <a:bodyPr/>
+          <a:lstStyle/>
+          <a:p>
+            <a:endParaRPr lang="cs-CZ" dirty="0"/>
+          </a:p>
+        </p:txBody>
+      </p:sp>
+      <p:sp>
+        <p:nvSpPr>
+          <p:cNvPr id="4" name="Slide Number Placeholder 3"/>
+          <p:cNvSpPr>
+            <a:spLocks noGrp="1"/>
+          </p:cNvSpPr>
+          <p:nvPr>
+            <p:ph type="sldNum" sz="quarter" idx="5"/>
+          </p:nvPr>
+        </p:nvSpPr>
+        <p:spPr/>
+        <p:txBody>
+          <a:bodyPr/>
+          <a:lstStyle/>
+          <a:p>
+            <a:fld id="{DD95B543-0236-4AEE-9F15-C7CF1150485F}" type="slidenum">
+              <a:rPr lang="cs-CZ" smtClean="0"/>
+              <a:t>26</a:t>
+            </a:fld>
+            <a:endParaRPr lang="cs-CZ"/>
+          </a:p>
+        </p:txBody>
+      </p:sp>
+    </p:spTree>
+    <p:extLst>
+      <p:ext uri="{BB962C8B-B14F-4D97-AF65-F5344CB8AC3E}">
+        <p14:creationId xmlns:p14="http://schemas.microsoft.com/office/powerpoint/2010/main" val="3796008024"/>
+      </p:ext>
+    </p:extLst>
+  </p:cSld>
+  <p:clrMapOvr>
+    <a:masterClrMapping/>
+  </p:clrMapOvr>
+</p:notes>
+</file>
+
+<file path=ppt/notesSlides/notesSlide27.xml><?xml version="1.0" encoding="utf-8"?>
+<p:notes xmlns:a="http://schemas.openxmlformats.org/drawingml/2006/main" xmlns:r="http://schemas.openxmlformats.org/officeDocument/2006/relationships" xmlns:p="http://schemas.openxmlformats.org/presentationml/2006/main">
+  <p:cSld>
+    <p:spTree>
+      <p:nvGrpSpPr>
+        <p:cNvPr id="1" name=""/>
+        <p:cNvGrpSpPr/>
+        <p:nvPr/>
+      </p:nvGrpSpPr>
+      <p:grpSpPr>
+        <a:xfrm>
+          <a:off x="0" y="0"/>
+          <a:ext cx="0" cy="0"/>
+          <a:chOff x="0" y="0"/>
+          <a:chExt cx="0" cy="0"/>
+        </a:xfrm>
+      </p:grpSpPr>
+      <p:sp>
+        <p:nvSpPr>
+          <p:cNvPr id="2" name="Slide Image Placeholder 1"/>
+          <p:cNvSpPr>
+            <a:spLocks noGrp="1" noRot="1" noChangeAspect="1"/>
+          </p:cNvSpPr>
+          <p:nvPr>
+            <p:ph type="sldImg"/>
+          </p:nvPr>
+        </p:nvSpPr>
+        <p:spPr/>
+      </p:sp>
+      <p:sp>
+        <p:nvSpPr>
+          <p:cNvPr id="3" name="Notes Placeholder 2"/>
+          <p:cNvSpPr>
+            <a:spLocks noGrp="1"/>
+          </p:cNvSpPr>
+          <p:nvPr>
+            <p:ph type="body" idx="1"/>
+          </p:nvPr>
+        </p:nvSpPr>
+        <p:spPr/>
+        <p:txBody>
+          <a:bodyPr/>
+          <a:lstStyle/>
+          <a:p>
+            <a:endParaRPr lang="cs-CZ" dirty="0"/>
+          </a:p>
+        </p:txBody>
+      </p:sp>
+      <p:sp>
+        <p:nvSpPr>
+          <p:cNvPr id="4" name="Slide Number Placeholder 3"/>
+          <p:cNvSpPr>
+            <a:spLocks noGrp="1"/>
+          </p:cNvSpPr>
+          <p:nvPr>
+            <p:ph type="sldNum" sz="quarter" idx="5"/>
+          </p:nvPr>
+        </p:nvSpPr>
+        <p:spPr/>
+        <p:txBody>
+          <a:bodyPr/>
+          <a:lstStyle/>
+          <a:p>
+            <a:fld id="{DD95B543-0236-4AEE-9F15-C7CF1150485F}" type="slidenum">
+              <a:rPr lang="cs-CZ" smtClean="0"/>
+              <a:t>27</a:t>
+            </a:fld>
+            <a:endParaRPr lang="cs-CZ"/>
+          </a:p>
+        </p:txBody>
+      </p:sp>
+    </p:spTree>
+    <p:extLst>
+      <p:ext uri="{BB962C8B-B14F-4D97-AF65-F5344CB8AC3E}">
+        <p14:creationId xmlns:p14="http://schemas.microsoft.com/office/powerpoint/2010/main" val="298494378"/>
+      </p:ext>
+    </p:extLst>
+  </p:cSld>
+  <p:clrMapOvr>
+    <a:masterClrMapping/>
+  </p:clrMapOvr>
+</p:notes>
+</file>
+
+<file path=ppt/notesSlides/notesSlide28.xml><?xml version="1.0" encoding="utf-8"?>
+<p:notes xmlns:a="http://schemas.openxmlformats.org/drawingml/2006/main" xmlns:r="http://schemas.openxmlformats.org/officeDocument/2006/relationships" xmlns:p="http://schemas.openxmlformats.org/presentationml/2006/main">
+  <p:cSld>
+    <p:spTree>
+      <p:nvGrpSpPr>
+        <p:cNvPr id="1" name=""/>
+        <p:cNvGrpSpPr/>
+        <p:nvPr/>
+      </p:nvGrpSpPr>
+      <p:grpSpPr>
+        <a:xfrm>
+          <a:off x="0" y="0"/>
+          <a:ext cx="0" cy="0"/>
+          <a:chOff x="0" y="0"/>
+          <a:chExt cx="0" cy="0"/>
+        </a:xfrm>
+      </p:grpSpPr>
+      <p:sp>
+        <p:nvSpPr>
+          <p:cNvPr id="2" name="Slide Image Placeholder 1"/>
+          <p:cNvSpPr>
+            <a:spLocks noGrp="1" noRot="1" noChangeAspect="1"/>
+          </p:cNvSpPr>
+          <p:nvPr>
+            <p:ph type="sldImg"/>
+          </p:nvPr>
+        </p:nvSpPr>
+        <p:spPr/>
+      </p:sp>
+      <p:sp>
+        <p:nvSpPr>
+          <p:cNvPr id="3" name="Notes Placeholder 2"/>
+          <p:cNvSpPr>
+            <a:spLocks noGrp="1"/>
+          </p:cNvSpPr>
+          <p:nvPr>
+            <p:ph type="body" idx="1"/>
+          </p:nvPr>
+        </p:nvSpPr>
+        <p:spPr/>
+        <p:txBody>
+          <a:bodyPr/>
+          <a:lstStyle/>
+          <a:p>
+            <a:endParaRPr lang="cs-CZ" dirty="0"/>
+          </a:p>
+        </p:txBody>
+      </p:sp>
+      <p:sp>
+        <p:nvSpPr>
+          <p:cNvPr id="4" name="Slide Number Placeholder 3"/>
+          <p:cNvSpPr>
+            <a:spLocks noGrp="1"/>
+          </p:cNvSpPr>
+          <p:nvPr>
+            <p:ph type="sldNum" sz="quarter" idx="5"/>
+          </p:nvPr>
+        </p:nvSpPr>
+        <p:spPr/>
+        <p:txBody>
+          <a:bodyPr/>
+          <a:lstStyle/>
+          <a:p>
+            <a:fld id="{DD95B543-0236-4AEE-9F15-C7CF1150485F}" type="slidenum">
+              <a:rPr lang="cs-CZ" smtClean="0"/>
+              <a:t>28</a:t>
+            </a:fld>
+            <a:endParaRPr lang="cs-CZ"/>
+          </a:p>
+        </p:txBody>
+      </p:sp>
+    </p:spTree>
+    <p:extLst>
+      <p:ext uri="{BB962C8B-B14F-4D97-AF65-F5344CB8AC3E}">
+        <p14:creationId xmlns:p14="http://schemas.microsoft.com/office/powerpoint/2010/main" val="2089979191"/>
+      </p:ext>
+    </p:extLst>
+  </p:cSld>
+  <p:clrMapOvr>
+    <a:masterClrMapping/>
+  </p:clrMapOvr>
+</p:notes>
+</file>
+
+<file path=ppt/notesSlides/notesSlide29.xml><?xml version="1.0" encoding="utf-8"?>
+<p:notes xmlns:a="http://schemas.openxmlformats.org/drawingml/2006/main" xmlns:r="http://schemas.openxmlformats.org/officeDocument/2006/relationships" xmlns:p="http://schemas.openxmlformats.org/presentationml/2006/main">
+  <p:cSld>
+    <p:spTree>
+      <p:nvGrpSpPr>
+        <p:cNvPr id="1" name=""/>
+        <p:cNvGrpSpPr/>
+        <p:nvPr/>
+      </p:nvGrpSpPr>
+      <p:grpSpPr>
+        <a:xfrm>
+          <a:off x="0" y="0"/>
+          <a:ext cx="0" cy="0"/>
+          <a:chOff x="0" y="0"/>
+          <a:chExt cx="0" cy="0"/>
+        </a:xfrm>
+      </p:grpSpPr>
+      <p:sp>
+        <p:nvSpPr>
+          <p:cNvPr id="2" name="Slide Image Placeholder 1"/>
+          <p:cNvSpPr>
+            <a:spLocks noGrp="1" noRot="1" noChangeAspect="1"/>
+          </p:cNvSpPr>
+          <p:nvPr>
+            <p:ph type="sldImg"/>
+          </p:nvPr>
+        </p:nvSpPr>
+        <p:spPr/>
+      </p:sp>
+      <p:sp>
+        <p:nvSpPr>
+          <p:cNvPr id="3" name="Notes Placeholder 2"/>
+          <p:cNvSpPr>
+            <a:spLocks noGrp="1"/>
+          </p:cNvSpPr>
+          <p:nvPr>
+            <p:ph type="body" idx="1"/>
+          </p:nvPr>
+        </p:nvSpPr>
+        <p:spPr/>
+        <p:txBody>
+          <a:bodyPr/>
+          <a:lstStyle/>
+          <a:p>
+            <a:endParaRPr lang="cs-CZ" dirty="0"/>
+          </a:p>
+        </p:txBody>
+      </p:sp>
+      <p:sp>
+        <p:nvSpPr>
+          <p:cNvPr id="4" name="Slide Number Placeholder 3"/>
+          <p:cNvSpPr>
+            <a:spLocks noGrp="1"/>
+          </p:cNvSpPr>
+          <p:nvPr>
+            <p:ph type="sldNum" sz="quarter" idx="5"/>
+          </p:nvPr>
+        </p:nvSpPr>
+        <p:spPr/>
+        <p:txBody>
+          <a:bodyPr/>
+          <a:lstStyle/>
+          <a:p>
+            <a:fld id="{DD95B543-0236-4AEE-9F15-C7CF1150485F}" type="slidenum">
+              <a:rPr lang="cs-CZ" smtClean="0"/>
+              <a:t>29</a:t>
+            </a:fld>
+            <a:endParaRPr lang="cs-CZ"/>
+          </a:p>
+        </p:txBody>
+      </p:sp>
+    </p:spTree>
+    <p:extLst>
+      <p:ext uri="{BB962C8B-B14F-4D97-AF65-F5344CB8AC3E}">
+        <p14:creationId xmlns:p14="http://schemas.microsoft.com/office/powerpoint/2010/main" val="3704501909"/>
+      </p:ext>
+    </p:extLst>
+  </p:cSld>
+  <p:clrMapOvr>
+    <a:masterClrMapping/>
+  </p:clrMapOvr>
+</p:notes>
+</file>
+
 <file path=ppt/notesSlides/notesSlide3.xml><?xml version="1.0" encoding="utf-8"?>
 <p:notes xmlns:a="http://schemas.openxmlformats.org/drawingml/2006/main" xmlns:r="http://schemas.openxmlformats.org/officeDocument/2006/relationships" xmlns:p="http://schemas.openxmlformats.org/presentationml/2006/main">
   <p:cSld>
@@ -2540,7 +3154,7 @@
           <a:p>
             <a:fld id="{1D8BD707-D9CF-40AE-B4C6-C98DA3205C09}" type="datetimeFigureOut">
               <a:rPr lang="en-US" smtClean="0"/>
-              <a:t>11/06/2023</a:t>
+              <a:t>14/06/2023</a:t>
             </a:fld>
             <a:endParaRPr lang="en-US" dirty="0"/>
           </a:p>
@@ -2710,7 +3324,7 @@
           <a:p>
             <a:fld id="{1D8BD707-D9CF-40AE-B4C6-C98DA3205C09}" type="datetimeFigureOut">
               <a:rPr lang="en-US" smtClean="0"/>
-              <a:t>11/06/2023</a:t>
+              <a:t>14/06/2023</a:t>
             </a:fld>
             <a:endParaRPr lang="en-US" dirty="0"/>
           </a:p>
@@ -2890,7 +3504,7 @@
           <a:p>
             <a:fld id="{1D8BD707-D9CF-40AE-B4C6-C98DA3205C09}" type="datetimeFigureOut">
               <a:rPr lang="en-US" smtClean="0"/>
-              <a:t>11/06/2023</a:t>
+              <a:t>14/06/2023</a:t>
             </a:fld>
             <a:endParaRPr lang="en-US" dirty="0"/>
           </a:p>
@@ -3060,7 +3674,7 @@
           <a:p>
             <a:fld id="{1D8BD707-D9CF-40AE-B4C6-C98DA3205C09}" type="datetimeFigureOut">
               <a:rPr lang="en-US" smtClean="0"/>
-              <a:t>11/06/2023</a:t>
+              <a:t>14/06/2023</a:t>
             </a:fld>
             <a:endParaRPr lang="en-US" dirty="0"/>
           </a:p>
@@ -3306,7 +3920,7 @@
           <a:p>
             <a:fld id="{1D8BD707-D9CF-40AE-B4C6-C98DA3205C09}" type="datetimeFigureOut">
               <a:rPr lang="en-US" smtClean="0"/>
-              <a:t>11/06/2023</a:t>
+              <a:t>14/06/2023</a:t>
             </a:fld>
             <a:endParaRPr lang="en-US" dirty="0"/>
           </a:p>
@@ -3538,7 +4152,7 @@
           <a:p>
             <a:fld id="{1D8BD707-D9CF-40AE-B4C6-C98DA3205C09}" type="datetimeFigureOut">
               <a:rPr lang="en-US" smtClean="0"/>
-              <a:t>11/06/2023</a:t>
+              <a:t>14/06/2023</a:t>
             </a:fld>
             <a:endParaRPr lang="en-US" dirty="0"/>
           </a:p>
@@ -3905,7 +4519,7 @@
           <a:p>
             <a:fld id="{1D8BD707-D9CF-40AE-B4C6-C98DA3205C09}" type="datetimeFigureOut">
               <a:rPr lang="en-US" smtClean="0"/>
-              <a:t>11/06/2023</a:t>
+              <a:t>14/06/2023</a:t>
             </a:fld>
             <a:endParaRPr lang="en-US" dirty="0"/>
           </a:p>
@@ -4023,7 +4637,7 @@
           <a:p>
             <a:fld id="{1D8BD707-D9CF-40AE-B4C6-C98DA3205C09}" type="datetimeFigureOut">
               <a:rPr lang="en-US" smtClean="0"/>
-              <a:t>11/06/2023</a:t>
+              <a:t>14/06/2023</a:t>
             </a:fld>
             <a:endParaRPr lang="en-US" dirty="0"/>
           </a:p>
@@ -4118,7 +4732,7 @@
           <a:p>
             <a:fld id="{1D8BD707-D9CF-40AE-B4C6-C98DA3205C09}" type="datetimeFigureOut">
               <a:rPr lang="en-US" smtClean="0"/>
-              <a:t>11/06/2023</a:t>
+              <a:t>14/06/2023</a:t>
             </a:fld>
             <a:endParaRPr lang="en-US" dirty="0"/>
           </a:p>
@@ -4395,7 +5009,7 @@
           <a:p>
             <a:fld id="{1D8BD707-D9CF-40AE-B4C6-C98DA3205C09}" type="datetimeFigureOut">
               <a:rPr lang="en-US" smtClean="0"/>
-              <a:t>11/06/2023</a:t>
+              <a:t>14/06/2023</a:t>
             </a:fld>
             <a:endParaRPr lang="en-US" dirty="0"/>
           </a:p>
@@ -4652,7 +5266,7 @@
           <a:p>
             <a:fld id="{1D8BD707-D9CF-40AE-B4C6-C98DA3205C09}" type="datetimeFigureOut">
               <a:rPr lang="en-US" smtClean="0"/>
-              <a:t>11/06/2023</a:t>
+              <a:t>14/06/2023</a:t>
             </a:fld>
             <a:endParaRPr lang="en-US" dirty="0"/>
           </a:p>
@@ -4850,7 +5464,7 @@
           <a:p>
             <a:fld id="{1D8BD707-D9CF-40AE-B4C6-C98DA3205C09}" type="datetimeFigureOut">
               <a:rPr lang="en-US" smtClean="0"/>
-              <a:t>11/06/2023</a:t>
+              <a:t>14/06/2023</a:t>
             </a:fld>
             <a:endParaRPr lang="en-US" dirty="0"/>
           </a:p>
@@ -22759,6 +23373,5383 @@
     <p:extLst>
       <p:ext uri="{BB962C8B-B14F-4D97-AF65-F5344CB8AC3E}">
         <p14:creationId xmlns:p14="http://schemas.microsoft.com/office/powerpoint/2010/main" val="2686414252"/>
+      </p:ext>
+    </p:extLst>
+  </p:cSld>
+  <p:clrMapOvr>
+    <a:masterClrMapping/>
+  </p:clrMapOvr>
+</p:sld>
+</file>
+
+<file path=ppt/slides/slide23.xml><?xml version="1.0" encoding="utf-8"?>
+<p:sld xmlns:a="http://schemas.openxmlformats.org/drawingml/2006/main" xmlns:r="http://schemas.openxmlformats.org/officeDocument/2006/relationships" xmlns:p="http://schemas.openxmlformats.org/presentationml/2006/main">
+  <p:cSld>
+    <p:spTree>
+      <p:nvGrpSpPr>
+        <p:cNvPr id="1" name=""/>
+        <p:cNvGrpSpPr/>
+        <p:nvPr/>
+      </p:nvGrpSpPr>
+      <p:grpSpPr>
+        <a:xfrm>
+          <a:off x="0" y="0"/>
+          <a:ext cx="0" cy="0"/>
+          <a:chOff x="0" y="0"/>
+          <a:chExt cx="0" cy="0"/>
+        </a:xfrm>
+      </p:grpSpPr>
+      <p:sp>
+        <p:nvSpPr>
+          <p:cNvPr id="2" name="object 2"/>
+          <p:cNvSpPr/>
+          <p:nvPr/>
+        </p:nvSpPr>
+        <p:spPr>
+          <a:xfrm>
+            <a:off x="-1" y="0"/>
+            <a:ext cx="19010313" cy="1112119"/>
+          </a:xfrm>
+          <a:custGeom>
+            <a:avLst/>
+            <a:gdLst/>
+            <a:ahLst/>
+            <a:cxnLst/>
+            <a:rect l="l" t="t" r="r" b="b"/>
+            <a:pathLst>
+              <a:path w="1892300" h="440055">
+                <a:moveTo>
+                  <a:pt x="0" y="439737"/>
+                </a:moveTo>
+                <a:lnTo>
+                  <a:pt x="1892300" y="439737"/>
+                </a:lnTo>
+                <a:lnTo>
+                  <a:pt x="1892300" y="0"/>
+                </a:lnTo>
+                <a:lnTo>
+                  <a:pt x="0" y="0"/>
+                </a:lnTo>
+                <a:lnTo>
+                  <a:pt x="0" y="439737"/>
+                </a:lnTo>
+                <a:close/>
+              </a:path>
+            </a:pathLst>
+          </a:custGeom>
+          <a:solidFill>
+            <a:srgbClr val="009EF3"/>
+          </a:solidFill>
+        </p:spPr>
+        <p:txBody>
+          <a:bodyPr wrap="square" lIns="0" tIns="0" rIns="0" bIns="0" rtlCol="0"/>
+          <a:lstStyle/>
+          <a:p>
+            <a:endParaRPr dirty="0"/>
+          </a:p>
+        </p:txBody>
+      </p:sp>
+      <p:sp>
+        <p:nvSpPr>
+          <p:cNvPr id="4" name="object 4"/>
+          <p:cNvSpPr txBox="1"/>
+          <p:nvPr/>
+        </p:nvSpPr>
+        <p:spPr>
+          <a:xfrm>
+            <a:off x="818356" y="317499"/>
+            <a:ext cx="17145000" cy="751488"/>
+          </a:xfrm>
+          <a:prstGeom prst="rect">
+            <a:avLst/>
+          </a:prstGeom>
+        </p:spPr>
+        <p:txBody>
+          <a:bodyPr vert="horz" wrap="square" lIns="0" tIns="12700" rIns="0" bIns="0" rtlCol="0">
+            <a:spAutoFit/>
+          </a:bodyPr>
+          <a:lstStyle/>
+          <a:p>
+            <a:pPr marL="12700">
+              <a:spcBef>
+                <a:spcPts val="100"/>
+              </a:spcBef>
+            </a:pPr>
+            <a:r>
+              <a:rPr lang="vi-VN" sz="4800" spc="-10">
+                <a:solidFill>
+                  <a:srgbClr val="FFFFFF"/>
+                </a:solidFill>
+                <a:cs typeface="Source Sans Pro Light"/>
+              </a:rPr>
+              <a:t>Chương 3. HEURISTIC</a:t>
+            </a:r>
+            <a:endParaRPr lang="vi-VN" sz="4800" dirty="0">
+              <a:cs typeface="Source Sans Pro Light"/>
+            </a:endParaRPr>
+          </a:p>
+        </p:txBody>
+      </p:sp>
+      <p:sp>
+        <p:nvSpPr>
+          <p:cNvPr id="20" name="object 20"/>
+          <p:cNvSpPr txBox="1"/>
+          <p:nvPr/>
+        </p:nvSpPr>
+        <p:spPr>
+          <a:xfrm>
+            <a:off x="757564" y="2181739"/>
+            <a:ext cx="16916400" cy="6677790"/>
+          </a:xfrm>
+          <a:prstGeom prst="rect">
+            <a:avLst/>
+          </a:prstGeom>
+        </p:spPr>
+        <p:txBody>
+          <a:bodyPr vert="horz" wrap="square" lIns="0" tIns="12700" rIns="0" bIns="0" rtlCol="0">
+            <a:spAutoFit/>
+          </a:bodyPr>
+          <a:lstStyle/>
+          <a:p>
+            <a:pPr marL="583565" marR="5080" indent="-571500" algn="just">
+              <a:lnSpc>
+                <a:spcPct val="130000"/>
+              </a:lnSpc>
+              <a:buFont typeface="Wingdings" panose="05000000000000000000" pitchFamily="2" charset="2"/>
+              <a:buChar char="§"/>
+            </a:pPr>
+            <a:r>
+              <a:rPr lang="en-US" sz="3600" spc="-5"/>
+              <a:t>Là giải thuật tối ưu của tìm kiếm cục bộ (Stefanie Gunther, 1983) nhằm tìm kiếm trạng thái tốt hơn có sử dụng hàm lượng giá h’.</a:t>
+            </a:r>
+          </a:p>
+          <a:p>
+            <a:pPr marL="583565" marR="5080" indent="-571500" algn="just">
+              <a:lnSpc>
+                <a:spcPct val="130000"/>
+              </a:lnSpc>
+              <a:buFont typeface="Wingdings" panose="05000000000000000000" pitchFamily="2" charset="2"/>
+              <a:buChar char="§"/>
+            </a:pPr>
+            <a:r>
+              <a:rPr lang="en-US" sz="3600" spc="-5"/>
+              <a:t>Bước 1. Khởi tạo ngăn xếp OPEN = start</a:t>
+            </a:r>
+          </a:p>
+          <a:p>
+            <a:pPr marL="583565" marR="5080" indent="-571500" algn="just">
+              <a:lnSpc>
+                <a:spcPct val="130000"/>
+              </a:lnSpc>
+              <a:buFont typeface="Wingdings" panose="05000000000000000000" pitchFamily="2" charset="2"/>
+              <a:buChar char="§"/>
+            </a:pPr>
+            <a:r>
+              <a:rPr lang="en-US" sz="3600" spc="-5"/>
+              <a:t>Bước 2. Loop:</a:t>
+            </a:r>
+          </a:p>
+          <a:p>
+            <a:pPr marL="2412365" marR="5080" lvl="4" indent="-571500" algn="just">
+              <a:lnSpc>
+                <a:spcPct val="130000"/>
+              </a:lnSpc>
+              <a:buFont typeface="Wingdings" panose="05000000000000000000" pitchFamily="2" charset="2"/>
+              <a:buChar char="§"/>
+            </a:pPr>
+            <a:r>
+              <a:rPr lang="en-US" sz="3200" spc="-5"/>
+              <a:t>if (OPEN</a:t>
+            </a:r>
+            <a:r>
+              <a:rPr lang="en-US" sz="3200" spc="-5">
+                <a:sym typeface="Symbol" panose="05050102010706020507" pitchFamily="18" charset="2"/>
+              </a:rPr>
+              <a:t></a:t>
+            </a:r>
+            <a:r>
+              <a:rPr lang="en-US" sz="3200" spc="-5"/>
+              <a:t>): thất bại</a:t>
+            </a:r>
+          </a:p>
+          <a:p>
+            <a:pPr marL="2412365" marR="5080" lvl="4" indent="-571500" algn="just">
+              <a:lnSpc>
+                <a:spcPct val="130000"/>
+              </a:lnSpc>
+              <a:buFont typeface="Wingdings" panose="05000000000000000000" pitchFamily="2" charset="2"/>
+              <a:buChar char="§"/>
+            </a:pPr>
+            <a:r>
+              <a:rPr lang="en-US" sz="3200" spc="-5"/>
+              <a:t>n = phần tử đầu danh sách OPEN</a:t>
+            </a:r>
+          </a:p>
+          <a:p>
+            <a:pPr marL="2412365" marR="5080" lvl="4" indent="-571500" algn="just">
+              <a:lnSpc>
+                <a:spcPct val="130000"/>
+              </a:lnSpc>
+              <a:buFont typeface="Wingdings" panose="05000000000000000000" pitchFamily="2" charset="2"/>
+              <a:buChar char="§"/>
+            </a:pPr>
+            <a:r>
+              <a:rPr lang="en-US" sz="3200" spc="-5"/>
+              <a:t>if (n</a:t>
+            </a:r>
+            <a:r>
+              <a:rPr lang="en-US" sz="3200" spc="-5">
+                <a:sym typeface="Symbol" panose="05050102010706020507" pitchFamily="18" charset="2"/>
+              </a:rPr>
+              <a:t>goal</a:t>
+            </a:r>
+            <a:r>
+              <a:rPr lang="en-US" sz="3200" spc="-5"/>
+              <a:t>): thành công (END)</a:t>
+            </a:r>
+          </a:p>
+          <a:p>
+            <a:pPr marL="2412365" marR="5080" lvl="4" indent="-571500" algn="just">
+              <a:lnSpc>
+                <a:spcPct val="130000"/>
+              </a:lnSpc>
+              <a:buFont typeface="Wingdings" panose="05000000000000000000" pitchFamily="2" charset="2"/>
+              <a:buChar char="§"/>
+            </a:pPr>
+            <a:r>
+              <a:rPr lang="en-US" sz="3200" spc="-5"/>
+              <a:t>for (m: mỗi đỉnh kề </a:t>
+            </a:r>
+            <a:r>
+              <a:rPr lang="en-US" sz="3200" b="1" spc="-5">
+                <a:sym typeface="Symbol" panose="05050102010706020507" pitchFamily="18" charset="2"/>
+              </a:rPr>
+              <a:t>{OPEN  CLOSE</a:t>
+            </a:r>
+            <a:r>
+              <a:rPr lang="en-US" sz="3200" spc="-5">
+                <a:sym typeface="Symbol" panose="05050102010706020507" pitchFamily="18" charset="2"/>
+              </a:rPr>
+              <a:t>}</a:t>
+            </a:r>
+            <a:r>
+              <a:rPr lang="en-US" sz="3200" spc="-5"/>
+              <a:t>) </a:t>
+            </a:r>
+            <a:r>
+              <a:rPr lang="en-US" sz="3200" spc="-5">
+                <a:sym typeface="Symbol" panose="05050102010706020507" pitchFamily="18" charset="2"/>
+              </a:rPr>
+              <a:t> (n)//n chưa xét đến</a:t>
+            </a:r>
+          </a:p>
+          <a:p>
+            <a:pPr marL="2412365" marR="5080" lvl="4" indent="-571500" algn="just">
+              <a:lnSpc>
+                <a:spcPct val="130000"/>
+              </a:lnSpc>
+              <a:buFont typeface="Wingdings" panose="05000000000000000000" pitchFamily="2" charset="2"/>
+              <a:buChar char="§"/>
+            </a:pPr>
+            <a:r>
+              <a:rPr lang="en-US" sz="3200" spc="-5">
+                <a:sym typeface="Symbol" panose="05050102010706020507" pitchFamily="18" charset="2"/>
+              </a:rPr>
+              <a:t>Sắp xếp danh sách (n) theo thứ tự tăng dần của hàm đánh giá h’</a:t>
+            </a:r>
+          </a:p>
+          <a:p>
+            <a:pPr marL="2412365" marR="5080" lvl="4" indent="-571500" algn="just">
+              <a:lnSpc>
+                <a:spcPct val="130000"/>
+              </a:lnSpc>
+              <a:buFont typeface="Wingdings" panose="05000000000000000000" pitchFamily="2" charset="2"/>
+              <a:buChar char="§"/>
+            </a:pPr>
+            <a:r>
+              <a:rPr lang="en-US" sz="3200" spc="-5">
+                <a:sym typeface="Symbol" panose="05050102010706020507" pitchFamily="18" charset="2"/>
+              </a:rPr>
+              <a:t>Chèn (n) vào đầu danh sách OPEN</a:t>
+            </a:r>
+            <a:endParaRPr lang="vi-VN" sz="3200" spc="-5"/>
+          </a:p>
+        </p:txBody>
+      </p:sp>
+      <p:sp>
+        <p:nvSpPr>
+          <p:cNvPr id="3" name="Freeform: Shape 2">
+            <a:extLst>
+              <a:ext uri="{FF2B5EF4-FFF2-40B4-BE49-F238E27FC236}">
+                <a16:creationId xmlns:a16="http://schemas.microsoft.com/office/drawing/2014/main" id="{5A35C8CA-EC7D-38C1-C466-3E3510053E7C}"/>
+              </a:ext>
+            </a:extLst>
+          </p:cNvPr>
+          <p:cNvSpPr/>
+          <p:nvPr/>
+        </p:nvSpPr>
+        <p:spPr>
+          <a:xfrm>
+            <a:off x="0" y="1124818"/>
+            <a:ext cx="17963356" cy="1000863"/>
+          </a:xfrm>
+          <a:custGeom>
+            <a:avLst/>
+            <a:gdLst>
+              <a:gd name="connsiteX0" fmla="*/ 0 w 19044896"/>
+              <a:gd name="connsiteY0" fmla="*/ 0 h 814838"/>
+              <a:gd name="connsiteX1" fmla="*/ 17382432 w 19044896"/>
+              <a:gd name="connsiteY1" fmla="*/ 0 h 814838"/>
+              <a:gd name="connsiteX2" fmla="*/ 18288000 w 19044896"/>
+              <a:gd name="connsiteY2" fmla="*/ 0 h 814838"/>
+              <a:gd name="connsiteX3" fmla="*/ 18726162 w 19044896"/>
+              <a:gd name="connsiteY3" fmla="*/ 0 h 814838"/>
+              <a:gd name="connsiteX4" fmla="*/ 19044896 w 19044896"/>
+              <a:gd name="connsiteY4" fmla="*/ 407419 h 814838"/>
+              <a:gd name="connsiteX5" fmla="*/ 18726162 w 19044896"/>
+              <a:gd name="connsiteY5" fmla="*/ 814838 h 814838"/>
+              <a:gd name="connsiteX6" fmla="*/ 18288000 w 19044896"/>
+              <a:gd name="connsiteY6" fmla="*/ 814838 h 814838"/>
+              <a:gd name="connsiteX7" fmla="*/ 17382432 w 19044896"/>
+              <a:gd name="connsiteY7" fmla="*/ 814838 h 814838"/>
+              <a:gd name="connsiteX8" fmla="*/ 0 w 19044896"/>
+              <a:gd name="connsiteY8" fmla="*/ 814838 h 814838"/>
+            </a:gdLst>
+            <a:ahLst/>
+            <a:cxnLst>
+              <a:cxn ang="0">
+                <a:pos x="connsiteX0" y="connsiteY0"/>
+              </a:cxn>
+              <a:cxn ang="0">
+                <a:pos x="connsiteX1" y="connsiteY1"/>
+              </a:cxn>
+              <a:cxn ang="0">
+                <a:pos x="connsiteX2" y="connsiteY2"/>
+              </a:cxn>
+              <a:cxn ang="0">
+                <a:pos x="connsiteX3" y="connsiteY3"/>
+              </a:cxn>
+              <a:cxn ang="0">
+                <a:pos x="connsiteX4" y="connsiteY4"/>
+              </a:cxn>
+              <a:cxn ang="0">
+                <a:pos x="connsiteX5" y="connsiteY5"/>
+              </a:cxn>
+              <a:cxn ang="0">
+                <a:pos x="connsiteX6" y="connsiteY6"/>
+              </a:cxn>
+              <a:cxn ang="0">
+                <a:pos x="connsiteX7" y="connsiteY7"/>
+              </a:cxn>
+              <a:cxn ang="0">
+                <a:pos x="connsiteX8" y="connsiteY8"/>
+              </a:cxn>
+            </a:cxnLst>
+            <a:rect l="l" t="t" r="r" b="b"/>
+            <a:pathLst>
+              <a:path w="19044896" h="814838">
+                <a:moveTo>
+                  <a:pt x="0" y="0"/>
+                </a:moveTo>
+                <a:lnTo>
+                  <a:pt x="17382432" y="0"/>
+                </a:lnTo>
+                <a:lnTo>
+                  <a:pt x="18288000" y="0"/>
+                </a:lnTo>
+                <a:lnTo>
+                  <a:pt x="18726162" y="0"/>
+                </a:lnTo>
+                <a:cubicBezTo>
+                  <a:pt x="18902178" y="0"/>
+                  <a:pt x="19044896" y="182396"/>
+                  <a:pt x="19044896" y="407419"/>
+                </a:cubicBezTo>
+                <a:cubicBezTo>
+                  <a:pt x="19044896" y="632443"/>
+                  <a:pt x="18902178" y="814838"/>
+                  <a:pt x="18726162" y="814838"/>
+                </a:cubicBezTo>
+                <a:lnTo>
+                  <a:pt x="18288000" y="814838"/>
+                </a:lnTo>
+                <a:lnTo>
+                  <a:pt x="17382432" y="814838"/>
+                </a:lnTo>
+                <a:lnTo>
+                  <a:pt x="0" y="814838"/>
+                </a:lnTo>
+                <a:close/>
+              </a:path>
+            </a:pathLst>
+          </a:custGeom>
+          <a:ln>
+            <a:noFill/>
+          </a:ln>
+        </p:spPr>
+        <p:style>
+          <a:lnRef idx="3">
+            <a:schemeClr val="lt1"/>
+          </a:lnRef>
+          <a:fillRef idx="1">
+            <a:schemeClr val="accent2"/>
+          </a:fillRef>
+          <a:effectRef idx="1">
+            <a:schemeClr val="accent2"/>
+          </a:effectRef>
+          <a:fontRef idx="minor">
+            <a:schemeClr val="lt1"/>
+          </a:fontRef>
+        </p:style>
+        <p:txBody>
+          <a:bodyPr wrap="square" rtlCol="0" anchor="ctr">
+            <a:noAutofit/>
+          </a:bodyPr>
+          <a:lstStyle/>
+          <a:p>
+            <a:pPr algn="ctr"/>
+            <a:endParaRPr lang="en-US"/>
+          </a:p>
+        </p:txBody>
+      </p:sp>
+      <p:sp>
+        <p:nvSpPr>
+          <p:cNvPr id="5" name="object 20">
+            <a:extLst>
+              <a:ext uri="{FF2B5EF4-FFF2-40B4-BE49-F238E27FC236}">
+                <a16:creationId xmlns:a16="http://schemas.microsoft.com/office/drawing/2014/main" id="{3F042C35-B62C-BAB3-0123-EA2CFC8E5BEF}"/>
+              </a:ext>
+            </a:extLst>
+          </p:cNvPr>
+          <p:cNvSpPr txBox="1"/>
+          <p:nvPr/>
+        </p:nvSpPr>
+        <p:spPr>
+          <a:xfrm>
+            <a:off x="757564" y="1179062"/>
+            <a:ext cx="17205792" cy="814838"/>
+          </a:xfrm>
+          <a:prstGeom prst="rect">
+            <a:avLst/>
+          </a:prstGeom>
+        </p:spPr>
+        <p:txBody>
+          <a:bodyPr vert="horz" wrap="square" lIns="0" tIns="12700" rIns="0" bIns="0" rtlCol="0">
+            <a:spAutoFit/>
+          </a:bodyPr>
+          <a:lstStyle/>
+          <a:p>
+            <a:pPr marL="583565" marR="5080" indent="-571500" algn="just">
+              <a:lnSpc>
+                <a:spcPct val="130000"/>
+              </a:lnSpc>
+              <a:buFont typeface="Wingdings" panose="05000000000000000000" pitchFamily="2" charset="2"/>
+              <a:buChar char="§"/>
+            </a:pPr>
+            <a:r>
+              <a:rPr lang="en-US" sz="4400" spc="-5">
+                <a:cs typeface="Source Sans Pro Light"/>
+              </a:rPr>
+              <a:t>Tìm kiếm leo đồi (Hill Climbing Search)</a:t>
+            </a:r>
+            <a:endParaRPr lang="vi-VN" sz="4400" spc="-5">
+              <a:cs typeface="Source Sans Pro Light"/>
+            </a:endParaRPr>
+          </a:p>
+        </p:txBody>
+      </p:sp>
+    </p:spTree>
+    <p:extLst>
+      <p:ext uri="{BB962C8B-B14F-4D97-AF65-F5344CB8AC3E}">
+        <p14:creationId xmlns:p14="http://schemas.microsoft.com/office/powerpoint/2010/main" val="1420206869"/>
+      </p:ext>
+    </p:extLst>
+  </p:cSld>
+  <p:clrMapOvr>
+    <a:masterClrMapping/>
+  </p:clrMapOvr>
+</p:sld>
+</file>
+
+<file path=ppt/slides/slide24.xml><?xml version="1.0" encoding="utf-8"?>
+<p:sld xmlns:a="http://schemas.openxmlformats.org/drawingml/2006/main" xmlns:r="http://schemas.openxmlformats.org/officeDocument/2006/relationships" xmlns:p="http://schemas.openxmlformats.org/presentationml/2006/main">
+  <p:cSld>
+    <p:spTree>
+      <p:nvGrpSpPr>
+        <p:cNvPr id="1" name=""/>
+        <p:cNvGrpSpPr/>
+        <p:nvPr/>
+      </p:nvGrpSpPr>
+      <p:grpSpPr>
+        <a:xfrm>
+          <a:off x="0" y="0"/>
+          <a:ext cx="0" cy="0"/>
+          <a:chOff x="0" y="0"/>
+          <a:chExt cx="0" cy="0"/>
+        </a:xfrm>
+      </p:grpSpPr>
+      <p:sp>
+        <p:nvSpPr>
+          <p:cNvPr id="2" name="object 2"/>
+          <p:cNvSpPr/>
+          <p:nvPr/>
+        </p:nvSpPr>
+        <p:spPr>
+          <a:xfrm>
+            <a:off x="-1" y="0"/>
+            <a:ext cx="19010313" cy="1112119"/>
+          </a:xfrm>
+          <a:custGeom>
+            <a:avLst/>
+            <a:gdLst/>
+            <a:ahLst/>
+            <a:cxnLst/>
+            <a:rect l="l" t="t" r="r" b="b"/>
+            <a:pathLst>
+              <a:path w="1892300" h="440055">
+                <a:moveTo>
+                  <a:pt x="0" y="439737"/>
+                </a:moveTo>
+                <a:lnTo>
+                  <a:pt x="1892300" y="439737"/>
+                </a:lnTo>
+                <a:lnTo>
+                  <a:pt x="1892300" y="0"/>
+                </a:lnTo>
+                <a:lnTo>
+                  <a:pt x="0" y="0"/>
+                </a:lnTo>
+                <a:lnTo>
+                  <a:pt x="0" y="439737"/>
+                </a:lnTo>
+                <a:close/>
+              </a:path>
+            </a:pathLst>
+          </a:custGeom>
+          <a:solidFill>
+            <a:srgbClr val="009EF3"/>
+          </a:solidFill>
+        </p:spPr>
+        <p:txBody>
+          <a:bodyPr wrap="square" lIns="0" tIns="0" rIns="0" bIns="0" rtlCol="0"/>
+          <a:lstStyle/>
+          <a:p>
+            <a:endParaRPr dirty="0"/>
+          </a:p>
+        </p:txBody>
+      </p:sp>
+      <p:sp>
+        <p:nvSpPr>
+          <p:cNvPr id="4" name="object 4"/>
+          <p:cNvSpPr txBox="1"/>
+          <p:nvPr/>
+        </p:nvSpPr>
+        <p:spPr>
+          <a:xfrm>
+            <a:off x="818356" y="317499"/>
+            <a:ext cx="17145000" cy="751488"/>
+          </a:xfrm>
+          <a:prstGeom prst="rect">
+            <a:avLst/>
+          </a:prstGeom>
+        </p:spPr>
+        <p:txBody>
+          <a:bodyPr vert="horz" wrap="square" lIns="0" tIns="12700" rIns="0" bIns="0" rtlCol="0">
+            <a:spAutoFit/>
+          </a:bodyPr>
+          <a:lstStyle/>
+          <a:p>
+            <a:pPr marL="12700">
+              <a:spcBef>
+                <a:spcPts val="100"/>
+              </a:spcBef>
+            </a:pPr>
+            <a:r>
+              <a:rPr lang="vi-VN" sz="4800" spc="-10">
+                <a:solidFill>
+                  <a:srgbClr val="FFFFFF"/>
+                </a:solidFill>
+                <a:cs typeface="Source Sans Pro Light"/>
+              </a:rPr>
+              <a:t>Chương 3. HEURISTIC</a:t>
+            </a:r>
+            <a:endParaRPr lang="vi-VN" sz="4800" dirty="0">
+              <a:cs typeface="Source Sans Pro Light"/>
+            </a:endParaRPr>
+          </a:p>
+        </p:txBody>
+      </p:sp>
+      <p:sp>
+        <p:nvSpPr>
+          <p:cNvPr id="3" name="Freeform: Shape 2">
+            <a:extLst>
+              <a:ext uri="{FF2B5EF4-FFF2-40B4-BE49-F238E27FC236}">
+                <a16:creationId xmlns:a16="http://schemas.microsoft.com/office/drawing/2014/main" id="{5A35C8CA-EC7D-38C1-C466-3E3510053E7C}"/>
+              </a:ext>
+            </a:extLst>
+          </p:cNvPr>
+          <p:cNvSpPr/>
+          <p:nvPr/>
+        </p:nvSpPr>
+        <p:spPr>
+          <a:xfrm>
+            <a:off x="0" y="1124818"/>
+            <a:ext cx="17963356" cy="1000863"/>
+          </a:xfrm>
+          <a:custGeom>
+            <a:avLst/>
+            <a:gdLst>
+              <a:gd name="connsiteX0" fmla="*/ 0 w 19044896"/>
+              <a:gd name="connsiteY0" fmla="*/ 0 h 814838"/>
+              <a:gd name="connsiteX1" fmla="*/ 17382432 w 19044896"/>
+              <a:gd name="connsiteY1" fmla="*/ 0 h 814838"/>
+              <a:gd name="connsiteX2" fmla="*/ 18288000 w 19044896"/>
+              <a:gd name="connsiteY2" fmla="*/ 0 h 814838"/>
+              <a:gd name="connsiteX3" fmla="*/ 18726162 w 19044896"/>
+              <a:gd name="connsiteY3" fmla="*/ 0 h 814838"/>
+              <a:gd name="connsiteX4" fmla="*/ 19044896 w 19044896"/>
+              <a:gd name="connsiteY4" fmla="*/ 407419 h 814838"/>
+              <a:gd name="connsiteX5" fmla="*/ 18726162 w 19044896"/>
+              <a:gd name="connsiteY5" fmla="*/ 814838 h 814838"/>
+              <a:gd name="connsiteX6" fmla="*/ 18288000 w 19044896"/>
+              <a:gd name="connsiteY6" fmla="*/ 814838 h 814838"/>
+              <a:gd name="connsiteX7" fmla="*/ 17382432 w 19044896"/>
+              <a:gd name="connsiteY7" fmla="*/ 814838 h 814838"/>
+              <a:gd name="connsiteX8" fmla="*/ 0 w 19044896"/>
+              <a:gd name="connsiteY8" fmla="*/ 814838 h 814838"/>
+            </a:gdLst>
+            <a:ahLst/>
+            <a:cxnLst>
+              <a:cxn ang="0">
+                <a:pos x="connsiteX0" y="connsiteY0"/>
+              </a:cxn>
+              <a:cxn ang="0">
+                <a:pos x="connsiteX1" y="connsiteY1"/>
+              </a:cxn>
+              <a:cxn ang="0">
+                <a:pos x="connsiteX2" y="connsiteY2"/>
+              </a:cxn>
+              <a:cxn ang="0">
+                <a:pos x="connsiteX3" y="connsiteY3"/>
+              </a:cxn>
+              <a:cxn ang="0">
+                <a:pos x="connsiteX4" y="connsiteY4"/>
+              </a:cxn>
+              <a:cxn ang="0">
+                <a:pos x="connsiteX5" y="connsiteY5"/>
+              </a:cxn>
+              <a:cxn ang="0">
+                <a:pos x="connsiteX6" y="connsiteY6"/>
+              </a:cxn>
+              <a:cxn ang="0">
+                <a:pos x="connsiteX7" y="connsiteY7"/>
+              </a:cxn>
+              <a:cxn ang="0">
+                <a:pos x="connsiteX8" y="connsiteY8"/>
+              </a:cxn>
+            </a:cxnLst>
+            <a:rect l="l" t="t" r="r" b="b"/>
+            <a:pathLst>
+              <a:path w="19044896" h="814838">
+                <a:moveTo>
+                  <a:pt x="0" y="0"/>
+                </a:moveTo>
+                <a:lnTo>
+                  <a:pt x="17382432" y="0"/>
+                </a:lnTo>
+                <a:lnTo>
+                  <a:pt x="18288000" y="0"/>
+                </a:lnTo>
+                <a:lnTo>
+                  <a:pt x="18726162" y="0"/>
+                </a:lnTo>
+                <a:cubicBezTo>
+                  <a:pt x="18902178" y="0"/>
+                  <a:pt x="19044896" y="182396"/>
+                  <a:pt x="19044896" y="407419"/>
+                </a:cubicBezTo>
+                <a:cubicBezTo>
+                  <a:pt x="19044896" y="632443"/>
+                  <a:pt x="18902178" y="814838"/>
+                  <a:pt x="18726162" y="814838"/>
+                </a:cubicBezTo>
+                <a:lnTo>
+                  <a:pt x="18288000" y="814838"/>
+                </a:lnTo>
+                <a:lnTo>
+                  <a:pt x="17382432" y="814838"/>
+                </a:lnTo>
+                <a:lnTo>
+                  <a:pt x="0" y="814838"/>
+                </a:lnTo>
+                <a:close/>
+              </a:path>
+            </a:pathLst>
+          </a:custGeom>
+          <a:ln>
+            <a:noFill/>
+          </a:ln>
+        </p:spPr>
+        <p:style>
+          <a:lnRef idx="3">
+            <a:schemeClr val="lt1"/>
+          </a:lnRef>
+          <a:fillRef idx="1">
+            <a:schemeClr val="accent2"/>
+          </a:fillRef>
+          <a:effectRef idx="1">
+            <a:schemeClr val="accent2"/>
+          </a:effectRef>
+          <a:fontRef idx="minor">
+            <a:schemeClr val="lt1"/>
+          </a:fontRef>
+        </p:style>
+        <p:txBody>
+          <a:bodyPr wrap="square" rtlCol="0" anchor="ctr">
+            <a:noAutofit/>
+          </a:bodyPr>
+          <a:lstStyle/>
+          <a:p>
+            <a:pPr algn="ctr"/>
+            <a:endParaRPr lang="en-US"/>
+          </a:p>
+        </p:txBody>
+      </p:sp>
+      <p:sp>
+        <p:nvSpPr>
+          <p:cNvPr id="5" name="object 20">
+            <a:extLst>
+              <a:ext uri="{FF2B5EF4-FFF2-40B4-BE49-F238E27FC236}">
+                <a16:creationId xmlns:a16="http://schemas.microsoft.com/office/drawing/2014/main" id="{3F042C35-B62C-BAB3-0123-EA2CFC8E5BEF}"/>
+              </a:ext>
+            </a:extLst>
+          </p:cNvPr>
+          <p:cNvSpPr txBox="1"/>
+          <p:nvPr/>
+        </p:nvSpPr>
+        <p:spPr>
+          <a:xfrm>
+            <a:off x="757564" y="1179062"/>
+            <a:ext cx="17205792" cy="814838"/>
+          </a:xfrm>
+          <a:prstGeom prst="rect">
+            <a:avLst/>
+          </a:prstGeom>
+        </p:spPr>
+        <p:txBody>
+          <a:bodyPr vert="horz" wrap="square" lIns="0" tIns="12700" rIns="0" bIns="0" rtlCol="0">
+            <a:spAutoFit/>
+          </a:bodyPr>
+          <a:lstStyle/>
+          <a:p>
+            <a:pPr marL="583565" marR="5080" indent="-571500" algn="just">
+              <a:lnSpc>
+                <a:spcPct val="130000"/>
+              </a:lnSpc>
+              <a:buFont typeface="Wingdings" panose="05000000000000000000" pitchFamily="2" charset="2"/>
+              <a:buChar char="§"/>
+            </a:pPr>
+            <a:r>
+              <a:rPr lang="en-US" sz="4400" spc="-5">
+                <a:cs typeface="Source Sans Pro Light"/>
+              </a:rPr>
+              <a:t>Tìm kiếm leo đồi (Hill Climbing Search)</a:t>
+            </a:r>
+            <a:endParaRPr lang="vi-VN" sz="4400" spc="-5">
+              <a:cs typeface="Source Sans Pro Light"/>
+            </a:endParaRPr>
+          </a:p>
+        </p:txBody>
+      </p:sp>
+      <p:sp>
+        <p:nvSpPr>
+          <p:cNvPr id="7" name="object 20">
+            <a:extLst>
+              <a:ext uri="{FF2B5EF4-FFF2-40B4-BE49-F238E27FC236}">
+                <a16:creationId xmlns:a16="http://schemas.microsoft.com/office/drawing/2014/main" id="{99CAFD30-61EA-2AF6-98B6-D9FD92AD26C8}"/>
+              </a:ext>
+            </a:extLst>
+          </p:cNvPr>
+          <p:cNvSpPr txBox="1"/>
+          <p:nvPr/>
+        </p:nvSpPr>
+        <p:spPr>
+          <a:xfrm>
+            <a:off x="748606" y="2212279"/>
+            <a:ext cx="11118751" cy="3942811"/>
+          </a:xfrm>
+          <a:prstGeom prst="rect">
+            <a:avLst/>
+          </a:prstGeom>
+        </p:spPr>
+        <p:txBody>
+          <a:bodyPr vert="horz" wrap="square" lIns="0" tIns="12700" rIns="0" bIns="0" rtlCol="0">
+            <a:spAutoFit/>
+          </a:bodyPr>
+          <a:lstStyle/>
+          <a:p>
+            <a:pPr marL="583565" marR="5080" indent="-571500" algn="just">
+              <a:lnSpc>
+                <a:spcPct val="130000"/>
+              </a:lnSpc>
+              <a:buFont typeface="Wingdings" panose="05000000000000000000" pitchFamily="2" charset="2"/>
+              <a:buChar char="§"/>
+            </a:pPr>
+            <a:r>
+              <a:rPr lang="vi-VN" sz="4000" spc="-5"/>
+              <a:t>Trình bày thuật toán leo đồi dốc đứng. Áp dụng thuật toán để tìm đường đi ngắn nhất từ đỉnh </a:t>
+            </a:r>
+            <a:r>
+              <a:rPr lang="en-US" sz="4000" spc="-5"/>
+              <a:t>A</a:t>
+            </a:r>
+            <a:r>
+              <a:rPr lang="vi-VN" sz="4000" spc="-5"/>
+              <a:t> đến </a:t>
+            </a:r>
+            <a:r>
+              <a:rPr lang="en-US" sz="4000" spc="-5"/>
+              <a:t>M</a:t>
+            </a:r>
+            <a:r>
+              <a:rPr lang="vi-VN" sz="4000" spc="-5"/>
+              <a:t> trên đồ thị, với các ước lượng heuristic của các trạng thái so với trạng thái đích được cho trong </a:t>
+            </a:r>
+            <a:r>
+              <a:rPr lang="en-US" sz="4000" spc="-5"/>
+              <a:t>hình</a:t>
+            </a:r>
+            <a:r>
+              <a:rPr lang="vi-VN" sz="4000" spc="-5"/>
+              <a:t>.</a:t>
+            </a:r>
+            <a:endParaRPr lang="en-US" sz="3600" i="1" spc="-5">
+              <a:highlight>
+                <a:srgbClr val="FF0000"/>
+              </a:highlight>
+            </a:endParaRPr>
+          </a:p>
+        </p:txBody>
+      </p:sp>
+      <p:pic>
+        <p:nvPicPr>
+          <p:cNvPr id="11" name="Picture 10">
+            <a:extLst>
+              <a:ext uri="{FF2B5EF4-FFF2-40B4-BE49-F238E27FC236}">
+                <a16:creationId xmlns:a16="http://schemas.microsoft.com/office/drawing/2014/main" id="{148C2C68-860A-F9AC-5436-E330E7E0A0E1}"/>
+              </a:ext>
+            </a:extLst>
+          </p:cNvPr>
+          <p:cNvPicPr>
+            <a:picLocks noChangeAspect="1"/>
+          </p:cNvPicPr>
+          <p:nvPr/>
+        </p:nvPicPr>
+        <p:blipFill>
+          <a:blip r:embed="rId3">
+            <a:extLst>
+              <a:ext uri="{28A0092B-C50C-407E-A947-70E740481C1C}">
+                <a14:useLocalDpi xmlns:a14="http://schemas.microsoft.com/office/drawing/2010/main" val="0"/>
+              </a:ext>
+            </a:extLst>
+          </a:blip>
+          <a:stretch>
+            <a:fillRect/>
+          </a:stretch>
+        </p:blipFill>
+        <p:spPr>
+          <a:xfrm>
+            <a:off x="11867357" y="2330027"/>
+            <a:ext cx="6096000" cy="6593633"/>
+          </a:xfrm>
+          <a:prstGeom prst="rect">
+            <a:avLst/>
+          </a:prstGeom>
+        </p:spPr>
+      </p:pic>
+    </p:spTree>
+    <p:extLst>
+      <p:ext uri="{BB962C8B-B14F-4D97-AF65-F5344CB8AC3E}">
+        <p14:creationId xmlns:p14="http://schemas.microsoft.com/office/powerpoint/2010/main" val="1899441399"/>
+      </p:ext>
+    </p:extLst>
+  </p:cSld>
+  <p:clrMapOvr>
+    <a:masterClrMapping/>
+  </p:clrMapOvr>
+</p:sld>
+</file>
+
+<file path=ppt/slides/slide25.xml><?xml version="1.0" encoding="utf-8"?>
+<p:sld xmlns:a="http://schemas.openxmlformats.org/drawingml/2006/main" xmlns:r="http://schemas.openxmlformats.org/officeDocument/2006/relationships" xmlns:p="http://schemas.openxmlformats.org/presentationml/2006/main">
+  <p:cSld>
+    <p:spTree>
+      <p:nvGrpSpPr>
+        <p:cNvPr id="1" name=""/>
+        <p:cNvGrpSpPr/>
+        <p:nvPr/>
+      </p:nvGrpSpPr>
+      <p:grpSpPr>
+        <a:xfrm>
+          <a:off x="0" y="0"/>
+          <a:ext cx="0" cy="0"/>
+          <a:chOff x="0" y="0"/>
+          <a:chExt cx="0" cy="0"/>
+        </a:xfrm>
+      </p:grpSpPr>
+      <p:sp>
+        <p:nvSpPr>
+          <p:cNvPr id="2" name="object 2"/>
+          <p:cNvSpPr/>
+          <p:nvPr/>
+        </p:nvSpPr>
+        <p:spPr>
+          <a:xfrm>
+            <a:off x="-1" y="0"/>
+            <a:ext cx="19010313" cy="1112119"/>
+          </a:xfrm>
+          <a:custGeom>
+            <a:avLst/>
+            <a:gdLst/>
+            <a:ahLst/>
+            <a:cxnLst/>
+            <a:rect l="l" t="t" r="r" b="b"/>
+            <a:pathLst>
+              <a:path w="1892300" h="440055">
+                <a:moveTo>
+                  <a:pt x="0" y="439737"/>
+                </a:moveTo>
+                <a:lnTo>
+                  <a:pt x="1892300" y="439737"/>
+                </a:lnTo>
+                <a:lnTo>
+                  <a:pt x="1892300" y="0"/>
+                </a:lnTo>
+                <a:lnTo>
+                  <a:pt x="0" y="0"/>
+                </a:lnTo>
+                <a:lnTo>
+                  <a:pt x="0" y="439737"/>
+                </a:lnTo>
+                <a:close/>
+              </a:path>
+            </a:pathLst>
+          </a:custGeom>
+          <a:solidFill>
+            <a:srgbClr val="009EF3"/>
+          </a:solidFill>
+        </p:spPr>
+        <p:txBody>
+          <a:bodyPr wrap="square" lIns="0" tIns="0" rIns="0" bIns="0" rtlCol="0"/>
+          <a:lstStyle/>
+          <a:p>
+            <a:endParaRPr dirty="0"/>
+          </a:p>
+        </p:txBody>
+      </p:sp>
+      <p:sp>
+        <p:nvSpPr>
+          <p:cNvPr id="4" name="object 4"/>
+          <p:cNvSpPr txBox="1"/>
+          <p:nvPr/>
+        </p:nvSpPr>
+        <p:spPr>
+          <a:xfrm>
+            <a:off x="818356" y="317499"/>
+            <a:ext cx="17145000" cy="751488"/>
+          </a:xfrm>
+          <a:prstGeom prst="rect">
+            <a:avLst/>
+          </a:prstGeom>
+        </p:spPr>
+        <p:txBody>
+          <a:bodyPr vert="horz" wrap="square" lIns="0" tIns="12700" rIns="0" bIns="0" rtlCol="0">
+            <a:spAutoFit/>
+          </a:bodyPr>
+          <a:lstStyle/>
+          <a:p>
+            <a:pPr marL="12700">
+              <a:spcBef>
+                <a:spcPts val="100"/>
+              </a:spcBef>
+            </a:pPr>
+            <a:r>
+              <a:rPr lang="vi-VN" sz="4800" spc="-10">
+                <a:solidFill>
+                  <a:srgbClr val="FFFFFF"/>
+                </a:solidFill>
+                <a:cs typeface="Source Sans Pro Light"/>
+              </a:rPr>
+              <a:t>Chương 3. HEURISTIC</a:t>
+            </a:r>
+            <a:endParaRPr lang="vi-VN" sz="4800" dirty="0">
+              <a:cs typeface="Source Sans Pro Light"/>
+            </a:endParaRPr>
+          </a:p>
+        </p:txBody>
+      </p:sp>
+      <p:sp>
+        <p:nvSpPr>
+          <p:cNvPr id="3" name="Freeform: Shape 2">
+            <a:extLst>
+              <a:ext uri="{FF2B5EF4-FFF2-40B4-BE49-F238E27FC236}">
+                <a16:creationId xmlns:a16="http://schemas.microsoft.com/office/drawing/2014/main" id="{5A35C8CA-EC7D-38C1-C466-3E3510053E7C}"/>
+              </a:ext>
+            </a:extLst>
+          </p:cNvPr>
+          <p:cNvSpPr/>
+          <p:nvPr/>
+        </p:nvSpPr>
+        <p:spPr>
+          <a:xfrm>
+            <a:off x="0" y="1124818"/>
+            <a:ext cx="17963356" cy="1000863"/>
+          </a:xfrm>
+          <a:custGeom>
+            <a:avLst/>
+            <a:gdLst>
+              <a:gd name="connsiteX0" fmla="*/ 0 w 19044896"/>
+              <a:gd name="connsiteY0" fmla="*/ 0 h 814838"/>
+              <a:gd name="connsiteX1" fmla="*/ 17382432 w 19044896"/>
+              <a:gd name="connsiteY1" fmla="*/ 0 h 814838"/>
+              <a:gd name="connsiteX2" fmla="*/ 18288000 w 19044896"/>
+              <a:gd name="connsiteY2" fmla="*/ 0 h 814838"/>
+              <a:gd name="connsiteX3" fmla="*/ 18726162 w 19044896"/>
+              <a:gd name="connsiteY3" fmla="*/ 0 h 814838"/>
+              <a:gd name="connsiteX4" fmla="*/ 19044896 w 19044896"/>
+              <a:gd name="connsiteY4" fmla="*/ 407419 h 814838"/>
+              <a:gd name="connsiteX5" fmla="*/ 18726162 w 19044896"/>
+              <a:gd name="connsiteY5" fmla="*/ 814838 h 814838"/>
+              <a:gd name="connsiteX6" fmla="*/ 18288000 w 19044896"/>
+              <a:gd name="connsiteY6" fmla="*/ 814838 h 814838"/>
+              <a:gd name="connsiteX7" fmla="*/ 17382432 w 19044896"/>
+              <a:gd name="connsiteY7" fmla="*/ 814838 h 814838"/>
+              <a:gd name="connsiteX8" fmla="*/ 0 w 19044896"/>
+              <a:gd name="connsiteY8" fmla="*/ 814838 h 814838"/>
+            </a:gdLst>
+            <a:ahLst/>
+            <a:cxnLst>
+              <a:cxn ang="0">
+                <a:pos x="connsiteX0" y="connsiteY0"/>
+              </a:cxn>
+              <a:cxn ang="0">
+                <a:pos x="connsiteX1" y="connsiteY1"/>
+              </a:cxn>
+              <a:cxn ang="0">
+                <a:pos x="connsiteX2" y="connsiteY2"/>
+              </a:cxn>
+              <a:cxn ang="0">
+                <a:pos x="connsiteX3" y="connsiteY3"/>
+              </a:cxn>
+              <a:cxn ang="0">
+                <a:pos x="connsiteX4" y="connsiteY4"/>
+              </a:cxn>
+              <a:cxn ang="0">
+                <a:pos x="connsiteX5" y="connsiteY5"/>
+              </a:cxn>
+              <a:cxn ang="0">
+                <a:pos x="connsiteX6" y="connsiteY6"/>
+              </a:cxn>
+              <a:cxn ang="0">
+                <a:pos x="connsiteX7" y="connsiteY7"/>
+              </a:cxn>
+              <a:cxn ang="0">
+                <a:pos x="connsiteX8" y="connsiteY8"/>
+              </a:cxn>
+            </a:cxnLst>
+            <a:rect l="l" t="t" r="r" b="b"/>
+            <a:pathLst>
+              <a:path w="19044896" h="814838">
+                <a:moveTo>
+                  <a:pt x="0" y="0"/>
+                </a:moveTo>
+                <a:lnTo>
+                  <a:pt x="17382432" y="0"/>
+                </a:lnTo>
+                <a:lnTo>
+                  <a:pt x="18288000" y="0"/>
+                </a:lnTo>
+                <a:lnTo>
+                  <a:pt x="18726162" y="0"/>
+                </a:lnTo>
+                <a:cubicBezTo>
+                  <a:pt x="18902178" y="0"/>
+                  <a:pt x="19044896" y="182396"/>
+                  <a:pt x="19044896" y="407419"/>
+                </a:cubicBezTo>
+                <a:cubicBezTo>
+                  <a:pt x="19044896" y="632443"/>
+                  <a:pt x="18902178" y="814838"/>
+                  <a:pt x="18726162" y="814838"/>
+                </a:cubicBezTo>
+                <a:lnTo>
+                  <a:pt x="18288000" y="814838"/>
+                </a:lnTo>
+                <a:lnTo>
+                  <a:pt x="17382432" y="814838"/>
+                </a:lnTo>
+                <a:lnTo>
+                  <a:pt x="0" y="814838"/>
+                </a:lnTo>
+                <a:close/>
+              </a:path>
+            </a:pathLst>
+          </a:custGeom>
+          <a:ln>
+            <a:noFill/>
+          </a:ln>
+        </p:spPr>
+        <p:style>
+          <a:lnRef idx="3">
+            <a:schemeClr val="lt1"/>
+          </a:lnRef>
+          <a:fillRef idx="1">
+            <a:schemeClr val="accent2"/>
+          </a:fillRef>
+          <a:effectRef idx="1">
+            <a:schemeClr val="accent2"/>
+          </a:effectRef>
+          <a:fontRef idx="minor">
+            <a:schemeClr val="lt1"/>
+          </a:fontRef>
+        </p:style>
+        <p:txBody>
+          <a:bodyPr wrap="square" rtlCol="0" anchor="ctr">
+            <a:noAutofit/>
+          </a:bodyPr>
+          <a:lstStyle/>
+          <a:p>
+            <a:pPr algn="ctr"/>
+            <a:endParaRPr lang="en-US"/>
+          </a:p>
+        </p:txBody>
+      </p:sp>
+      <p:sp>
+        <p:nvSpPr>
+          <p:cNvPr id="5" name="object 20">
+            <a:extLst>
+              <a:ext uri="{FF2B5EF4-FFF2-40B4-BE49-F238E27FC236}">
+                <a16:creationId xmlns:a16="http://schemas.microsoft.com/office/drawing/2014/main" id="{3F042C35-B62C-BAB3-0123-EA2CFC8E5BEF}"/>
+              </a:ext>
+            </a:extLst>
+          </p:cNvPr>
+          <p:cNvSpPr txBox="1"/>
+          <p:nvPr/>
+        </p:nvSpPr>
+        <p:spPr>
+          <a:xfrm>
+            <a:off x="757564" y="1179062"/>
+            <a:ext cx="17205792" cy="814838"/>
+          </a:xfrm>
+          <a:prstGeom prst="rect">
+            <a:avLst/>
+          </a:prstGeom>
+        </p:spPr>
+        <p:txBody>
+          <a:bodyPr vert="horz" wrap="square" lIns="0" tIns="12700" rIns="0" bIns="0" rtlCol="0">
+            <a:spAutoFit/>
+          </a:bodyPr>
+          <a:lstStyle/>
+          <a:p>
+            <a:pPr marL="583565" marR="5080" indent="-571500" algn="just">
+              <a:lnSpc>
+                <a:spcPct val="130000"/>
+              </a:lnSpc>
+              <a:buFont typeface="Wingdings" panose="05000000000000000000" pitchFamily="2" charset="2"/>
+              <a:buChar char="§"/>
+            </a:pPr>
+            <a:r>
+              <a:rPr lang="en-US" sz="4400" spc="-5">
+                <a:cs typeface="Source Sans Pro Light"/>
+              </a:rPr>
+              <a:t>Tìm kiếm leo đồi (Hill Climbing Search)</a:t>
+            </a:r>
+            <a:endParaRPr lang="vi-VN" sz="4400" spc="-5">
+              <a:cs typeface="Source Sans Pro Light"/>
+            </a:endParaRPr>
+          </a:p>
+        </p:txBody>
+      </p:sp>
+      <p:pic>
+        <p:nvPicPr>
+          <p:cNvPr id="11" name="Picture 10">
+            <a:extLst>
+              <a:ext uri="{FF2B5EF4-FFF2-40B4-BE49-F238E27FC236}">
+                <a16:creationId xmlns:a16="http://schemas.microsoft.com/office/drawing/2014/main" id="{148C2C68-860A-F9AC-5436-E330E7E0A0E1}"/>
+              </a:ext>
+            </a:extLst>
+          </p:cNvPr>
+          <p:cNvPicPr>
+            <a:picLocks noChangeAspect="1"/>
+          </p:cNvPicPr>
+          <p:nvPr/>
+        </p:nvPicPr>
+        <p:blipFill>
+          <a:blip r:embed="rId3">
+            <a:extLst>
+              <a:ext uri="{28A0092B-C50C-407E-A947-70E740481C1C}">
+                <a14:useLocalDpi xmlns:a14="http://schemas.microsoft.com/office/drawing/2010/main" val="0"/>
+              </a:ext>
+            </a:extLst>
+          </a:blip>
+          <a:stretch>
+            <a:fillRect/>
+          </a:stretch>
+        </p:blipFill>
+        <p:spPr>
+          <a:xfrm>
+            <a:off x="13772355" y="2330028"/>
+            <a:ext cx="4191001" cy="4533124"/>
+          </a:xfrm>
+          <a:prstGeom prst="rect">
+            <a:avLst/>
+          </a:prstGeom>
+        </p:spPr>
+      </p:pic>
+      <p:graphicFrame>
+        <p:nvGraphicFramePr>
+          <p:cNvPr id="6" name="Table 7">
+            <a:extLst>
+              <a:ext uri="{FF2B5EF4-FFF2-40B4-BE49-F238E27FC236}">
+                <a16:creationId xmlns:a16="http://schemas.microsoft.com/office/drawing/2014/main" id="{040EA5F2-350A-1D21-6882-91AB466377ED}"/>
+              </a:ext>
+            </a:extLst>
+          </p:cNvPr>
+          <p:cNvGraphicFramePr>
+            <a:graphicFrameLocks noGrp="1"/>
+          </p:cNvGraphicFramePr>
+          <p:nvPr/>
+        </p:nvGraphicFramePr>
+        <p:xfrm>
+          <a:off x="513556" y="2603500"/>
+          <a:ext cx="12902344" cy="3115440"/>
+        </p:xfrm>
+        <a:graphic>
+          <a:graphicData uri="http://schemas.openxmlformats.org/drawingml/2006/table">
+            <a:tbl>
+              <a:tblPr firstRow="1" bandRow="1">
+                <a:tableStyleId>{5C22544A-7EE6-4342-B048-85BDC9FD1C3A}</a:tableStyleId>
+              </a:tblPr>
+              <a:tblGrid>
+                <a:gridCol w="1187768">
+                  <a:extLst>
+                    <a:ext uri="{9D8B030D-6E8A-4147-A177-3AD203B41FA5}">
+                      <a16:colId xmlns:a16="http://schemas.microsoft.com/office/drawing/2014/main" val="3447785761"/>
+                    </a:ext>
+                  </a:extLst>
+                </a:gridCol>
+                <a:gridCol w="555176">
+                  <a:extLst>
+                    <a:ext uri="{9D8B030D-6E8A-4147-A177-3AD203B41FA5}">
+                      <a16:colId xmlns:a16="http://schemas.microsoft.com/office/drawing/2014/main" val="2962333438"/>
+                    </a:ext>
+                  </a:extLst>
+                </a:gridCol>
+                <a:gridCol w="3895856">
+                  <a:extLst>
+                    <a:ext uri="{9D8B030D-6E8A-4147-A177-3AD203B41FA5}">
+                      <a16:colId xmlns:a16="http://schemas.microsoft.com/office/drawing/2014/main" val="880620419"/>
+                    </a:ext>
+                  </a:extLst>
+                </a:gridCol>
+                <a:gridCol w="5766863">
+                  <a:extLst>
+                    <a:ext uri="{9D8B030D-6E8A-4147-A177-3AD203B41FA5}">
+                      <a16:colId xmlns:a16="http://schemas.microsoft.com/office/drawing/2014/main" val="862872195"/>
+                    </a:ext>
+                  </a:extLst>
+                </a:gridCol>
+                <a:gridCol w="1496681">
+                  <a:extLst>
+                    <a:ext uri="{9D8B030D-6E8A-4147-A177-3AD203B41FA5}">
+                      <a16:colId xmlns:a16="http://schemas.microsoft.com/office/drawing/2014/main" val="2348659563"/>
+                    </a:ext>
+                  </a:extLst>
+                </a:gridCol>
+              </a:tblGrid>
+              <a:tr h="370840">
+                <a:tc>
+                  <a:txBody>
+                    <a:bodyPr/>
+                    <a:lstStyle/>
+                    <a:p>
+                      <a:r>
+                        <a:rPr lang="en-US"/>
+                        <a:t>Bước</a:t>
+                      </a:r>
+                    </a:p>
+                  </a:txBody>
+                  <a:tcPr/>
+                </a:tc>
+                <a:tc>
+                  <a:txBody>
+                    <a:bodyPr/>
+                    <a:lstStyle/>
+                    <a:p>
+                      <a:r>
+                        <a:rPr lang="en-US"/>
+                        <a:t>n</a:t>
+                      </a:r>
+                    </a:p>
+                  </a:txBody>
+                  <a:tcPr/>
+                </a:tc>
+                <a:tc>
+                  <a:txBody>
+                    <a:bodyPr/>
+                    <a:lstStyle/>
+                    <a:p>
+                      <a:r>
+                        <a:rPr lang="en-US">
+                          <a:sym typeface="Symbol" panose="05050102010706020507" pitchFamily="18" charset="2"/>
+                        </a:rPr>
+                        <a:t>(n)</a:t>
+                      </a:r>
+                      <a:endParaRPr lang="en-US"/>
+                    </a:p>
+                  </a:txBody>
+                  <a:tcPr/>
+                </a:tc>
+                <a:tc>
+                  <a:txBody>
+                    <a:bodyPr/>
+                    <a:lstStyle/>
+                    <a:p>
+                      <a:r>
+                        <a:rPr lang="en-US"/>
+                        <a:t>OPEN</a:t>
+                      </a:r>
+                    </a:p>
+                  </a:txBody>
+                  <a:tcPr/>
+                </a:tc>
+                <a:tc>
+                  <a:txBody>
+                    <a:bodyPr/>
+                    <a:lstStyle/>
+                    <a:p>
+                      <a:r>
+                        <a:rPr lang="en-US"/>
+                        <a:t>CLOSE</a:t>
+                      </a:r>
+                    </a:p>
+                  </a:txBody>
+                  <a:tcPr/>
+                </a:tc>
+                <a:extLst>
+                  <a:ext uri="{0D108BD9-81ED-4DB2-BD59-A6C34878D82A}">
+                    <a16:rowId xmlns:a16="http://schemas.microsoft.com/office/drawing/2014/main" val="2535001764"/>
+                  </a:ext>
+                </a:extLst>
+              </a:tr>
+              <a:tr h="370840">
+                <a:tc>
+                  <a:txBody>
+                    <a:bodyPr/>
+                    <a:lstStyle/>
+                    <a:p>
+                      <a:pPr algn="ctr"/>
+                      <a:r>
+                        <a:rPr lang="en-US"/>
+                        <a:t>0</a:t>
+                      </a:r>
+                    </a:p>
+                  </a:txBody>
+                  <a:tcPr/>
+                </a:tc>
+                <a:tc>
+                  <a:txBody>
+                    <a:bodyPr/>
+                    <a:lstStyle/>
+                    <a:p>
+                      <a:endParaRPr lang="en-US"/>
+                    </a:p>
+                  </a:txBody>
+                  <a:tcPr/>
+                </a:tc>
+                <a:tc>
+                  <a:txBody>
+                    <a:bodyPr/>
+                    <a:lstStyle/>
+                    <a:p>
+                      <a:endParaRPr lang="en-US" baseline="0"/>
+                    </a:p>
+                  </a:txBody>
+                  <a:tcPr/>
+                </a:tc>
+                <a:tc>
+                  <a:txBody>
+                    <a:bodyPr/>
+                    <a:lstStyle/>
+                    <a:p>
+                      <a:r>
+                        <a:rPr lang="en-US">
+                          <a:sym typeface="Symbol" panose="05050102010706020507" pitchFamily="18" charset="2"/>
+                        </a:rPr>
+                        <a:t></a:t>
+                      </a:r>
+                      <a:endParaRPr lang="en-US"/>
+                    </a:p>
+                  </a:txBody>
+                  <a:tcPr/>
+                </a:tc>
+                <a:tc>
+                  <a:txBody>
+                    <a:bodyPr/>
+                    <a:lstStyle/>
+                    <a:p>
+                      <a:pPr algn="ctr"/>
+                      <a:r>
+                        <a:rPr lang="en-US">
+                          <a:sym typeface="Symbol" panose="05050102010706020507" pitchFamily="18" charset="2"/>
+                        </a:rPr>
+                        <a:t></a:t>
+                      </a:r>
+                      <a:endParaRPr lang="en-US"/>
+                    </a:p>
+                  </a:txBody>
+                  <a:tcPr/>
+                </a:tc>
+                <a:extLst>
+                  <a:ext uri="{0D108BD9-81ED-4DB2-BD59-A6C34878D82A}">
+                    <a16:rowId xmlns:a16="http://schemas.microsoft.com/office/drawing/2014/main" val="1128574199"/>
+                  </a:ext>
+                </a:extLst>
+              </a:tr>
+              <a:tr h="370840">
+                <a:tc>
+                  <a:txBody>
+                    <a:bodyPr/>
+                    <a:lstStyle/>
+                    <a:p>
+                      <a:pPr algn="ctr"/>
+                      <a:r>
+                        <a:rPr lang="en-US"/>
+                        <a:t>1</a:t>
+                      </a:r>
+                    </a:p>
+                  </a:txBody>
+                  <a:tcPr/>
+                </a:tc>
+                <a:tc>
+                  <a:txBody>
+                    <a:bodyPr/>
+                    <a:lstStyle/>
+                    <a:p>
+                      <a:r>
+                        <a:rPr lang="en-US"/>
+                        <a:t>A</a:t>
+                      </a:r>
+                    </a:p>
+                  </a:txBody>
+                  <a:tcPr/>
+                </a:tc>
+                <a:tc>
+                  <a:txBody>
+                    <a:bodyPr/>
+                    <a:lstStyle/>
+                    <a:p>
+                      <a:r>
+                        <a:rPr lang="en-US"/>
+                        <a:t>B</a:t>
+                      </a:r>
+                      <a:r>
+                        <a:rPr lang="en-US" baseline="30000"/>
+                        <a:t>(35)</a:t>
+                      </a:r>
+                      <a:r>
+                        <a:rPr lang="en-US"/>
+                        <a:t>,C</a:t>
+                      </a:r>
+                      <a:r>
+                        <a:rPr lang="en-US" baseline="30000"/>
+                        <a:t>(37)</a:t>
+                      </a:r>
+                      <a:r>
+                        <a:rPr lang="en-US"/>
+                        <a:t>,D</a:t>
+                      </a:r>
+                      <a:r>
+                        <a:rPr lang="en-US" baseline="30000"/>
+                        <a:t>(30)</a:t>
+                      </a:r>
+                      <a:r>
+                        <a:rPr lang="en-US"/>
+                        <a:t>,E</a:t>
+                      </a:r>
+                      <a:r>
+                        <a:rPr lang="en-US" baseline="30000"/>
+                        <a:t>(20)</a:t>
+                      </a:r>
+                    </a:p>
+                  </a:txBody>
+                  <a:tcPr/>
+                </a:tc>
+                <a:tc>
+                  <a:txBody>
+                    <a:bodyPr/>
+                    <a:lstStyle/>
+                    <a:p>
+                      <a:r>
+                        <a:rPr lang="en-US"/>
+                        <a:t>E</a:t>
+                      </a:r>
+                      <a:r>
+                        <a:rPr lang="en-US" baseline="30000"/>
+                        <a:t>(20)</a:t>
+                      </a:r>
+                      <a:r>
+                        <a:rPr lang="en-US" baseline="0"/>
+                        <a:t>,</a:t>
+                      </a:r>
+                      <a:r>
+                        <a:rPr lang="en-US"/>
+                        <a:t>D</a:t>
+                      </a:r>
+                      <a:r>
+                        <a:rPr lang="en-US" baseline="30000"/>
+                        <a:t>(30)</a:t>
+                      </a:r>
+                      <a:r>
+                        <a:rPr lang="en-US"/>
+                        <a:t>, B</a:t>
+                      </a:r>
+                      <a:r>
+                        <a:rPr lang="en-US" baseline="30000"/>
+                        <a:t>(35)</a:t>
+                      </a:r>
+                      <a:r>
+                        <a:rPr lang="en-US"/>
+                        <a:t>,C</a:t>
+                      </a:r>
+                      <a:r>
+                        <a:rPr lang="en-US" baseline="30000"/>
+                        <a:t>(37)</a:t>
+                      </a:r>
+                    </a:p>
+                  </a:txBody>
+                  <a:tcPr/>
+                </a:tc>
+                <a:tc>
+                  <a:txBody>
+                    <a:bodyPr/>
+                    <a:lstStyle/>
+                    <a:p>
+                      <a:pPr algn="ctr"/>
+                      <a:r>
+                        <a:rPr lang="en-US"/>
+                        <a:t>A</a:t>
+                      </a:r>
+                    </a:p>
+                  </a:txBody>
+                  <a:tcPr/>
+                </a:tc>
+                <a:extLst>
+                  <a:ext uri="{0D108BD9-81ED-4DB2-BD59-A6C34878D82A}">
+                    <a16:rowId xmlns:a16="http://schemas.microsoft.com/office/drawing/2014/main" val="1474527544"/>
+                  </a:ext>
+                </a:extLst>
+              </a:tr>
+              <a:tr h="370840">
+                <a:tc>
+                  <a:txBody>
+                    <a:bodyPr/>
+                    <a:lstStyle/>
+                    <a:p>
+                      <a:pPr algn="ctr"/>
+                      <a:r>
+                        <a:rPr lang="en-US"/>
+                        <a:t>2</a:t>
+                      </a:r>
+                    </a:p>
+                  </a:txBody>
+                  <a:tcPr/>
+                </a:tc>
+                <a:tc>
+                  <a:txBody>
+                    <a:bodyPr/>
+                    <a:lstStyle/>
+                    <a:p>
+                      <a:r>
+                        <a:rPr lang="en-US"/>
+                        <a:t>E</a:t>
+                      </a:r>
+                    </a:p>
+                  </a:txBody>
+                  <a:tcPr/>
+                </a:tc>
+                <a:tc>
+                  <a:txBody>
+                    <a:bodyPr/>
+                    <a:lstStyle/>
+                    <a:p>
+                      <a:r>
+                        <a:rPr lang="en-US"/>
+                        <a:t>G</a:t>
+                      </a:r>
+                      <a:r>
+                        <a:rPr lang="en-US" baseline="30000"/>
+                        <a:t>(19)</a:t>
+                      </a:r>
+                      <a:r>
+                        <a:rPr lang="en-US"/>
+                        <a:t>,Y</a:t>
+                      </a:r>
+                      <a:r>
+                        <a:rPr lang="en-US" baseline="30000"/>
+                        <a:t>(17)</a:t>
+                      </a:r>
+                    </a:p>
+                  </a:txBody>
+                  <a:tcPr/>
+                </a:tc>
+                <a:tc>
+                  <a:txBody>
+                    <a:bodyPr/>
+                    <a:lstStyle/>
+                    <a:p>
+                      <a:r>
+                        <a:rPr lang="en-US"/>
+                        <a:t>Y</a:t>
+                      </a:r>
+                      <a:r>
+                        <a:rPr lang="en-US" sz="2807" kern="1200" baseline="30000">
+                          <a:solidFill>
+                            <a:schemeClr val="dk1"/>
+                          </a:solidFill>
+                          <a:latin typeface="+mn-lt"/>
+                          <a:ea typeface="+mn-ea"/>
+                          <a:cs typeface="+mn-cs"/>
+                        </a:rPr>
+                        <a:t>(17)</a:t>
+                      </a:r>
+                      <a:r>
+                        <a:rPr lang="en-US"/>
+                        <a:t>, G</a:t>
+                      </a:r>
+                      <a:r>
+                        <a:rPr lang="en-US" sz="2807" kern="1200" baseline="30000">
+                          <a:solidFill>
+                            <a:schemeClr val="dk1"/>
+                          </a:solidFill>
+                          <a:latin typeface="+mn-lt"/>
+                          <a:ea typeface="+mn-ea"/>
+                          <a:cs typeface="+mn-cs"/>
+                        </a:rPr>
+                        <a:t>(19)</a:t>
+                      </a:r>
+                      <a:r>
+                        <a:rPr lang="en-US"/>
+                        <a:t>, D</a:t>
+                      </a:r>
+                      <a:r>
+                        <a:rPr lang="en-US" baseline="30000"/>
+                        <a:t>(30)</a:t>
+                      </a:r>
+                      <a:r>
+                        <a:rPr lang="en-US"/>
+                        <a:t>, B</a:t>
+                      </a:r>
+                      <a:r>
+                        <a:rPr lang="en-US" baseline="30000"/>
+                        <a:t>(35)</a:t>
+                      </a:r>
+                      <a:r>
+                        <a:rPr lang="en-US"/>
+                        <a:t>,C</a:t>
+                      </a:r>
+                      <a:r>
+                        <a:rPr lang="en-US" baseline="30000"/>
+                        <a:t>(37)</a:t>
+                      </a:r>
+                    </a:p>
+                  </a:txBody>
+                  <a:tcPr/>
+                </a:tc>
+                <a:tc>
+                  <a:txBody>
+                    <a:bodyPr/>
+                    <a:lstStyle/>
+                    <a:p>
+                      <a:pPr algn="ctr"/>
+                      <a:r>
+                        <a:rPr lang="en-US"/>
+                        <a:t>E</a:t>
+                      </a:r>
+                    </a:p>
+                  </a:txBody>
+                  <a:tcPr/>
+                </a:tc>
+                <a:extLst>
+                  <a:ext uri="{0D108BD9-81ED-4DB2-BD59-A6C34878D82A}">
+                    <a16:rowId xmlns:a16="http://schemas.microsoft.com/office/drawing/2014/main" val="3800380317"/>
+                  </a:ext>
+                </a:extLst>
+              </a:tr>
+              <a:tr h="370840">
+                <a:tc>
+                  <a:txBody>
+                    <a:bodyPr/>
+                    <a:lstStyle/>
+                    <a:p>
+                      <a:pPr algn="ctr"/>
+                      <a:r>
+                        <a:rPr lang="en-US"/>
+                        <a:t>3</a:t>
+                      </a:r>
+                    </a:p>
+                  </a:txBody>
+                  <a:tcPr/>
+                </a:tc>
+                <a:tc>
+                  <a:txBody>
+                    <a:bodyPr/>
+                    <a:lstStyle/>
+                    <a:p>
+                      <a:r>
+                        <a:rPr lang="en-US"/>
+                        <a:t>Y</a:t>
+                      </a:r>
+                    </a:p>
+                  </a:txBody>
+                  <a:tcPr/>
+                </a:tc>
+                <a:tc>
+                  <a:txBody>
+                    <a:bodyPr/>
+                    <a:lstStyle/>
+                    <a:p>
+                      <a:r>
+                        <a:rPr lang="en-US"/>
+                        <a:t>M</a:t>
+                      </a:r>
+                      <a:r>
+                        <a:rPr lang="en-US" baseline="30000"/>
+                        <a:t>(0)</a:t>
+                      </a:r>
+                    </a:p>
+                  </a:txBody>
+                  <a:tcPr/>
+                </a:tc>
+                <a:tc>
+                  <a:txBody>
+                    <a:bodyPr/>
+                    <a:lstStyle/>
+                    <a:p>
+                      <a:pPr marL="0" marR="0" lvl="0" indent="0" algn="l" defTabSz="1425732" rtl="0" eaLnBrk="1" fontAlgn="auto" latinLnBrk="0" hangingPunct="1">
+                        <a:lnSpc>
+                          <a:spcPct val="100000"/>
+                        </a:lnSpc>
+                        <a:spcBef>
+                          <a:spcPts val="0"/>
+                        </a:spcBef>
+                        <a:spcAft>
+                          <a:spcPts val="0"/>
+                        </a:spcAft>
+                        <a:buClrTx/>
+                        <a:buSzTx/>
+                        <a:buFontTx/>
+                        <a:buNone/>
+                        <a:tabLst/>
+                        <a:defRPr/>
+                      </a:pPr>
+                      <a:r>
+                        <a:rPr lang="en-US"/>
+                        <a:t>M</a:t>
+                      </a:r>
+                      <a:r>
+                        <a:rPr lang="en-US" baseline="30000"/>
+                        <a:t>(0)</a:t>
+                      </a:r>
+                      <a:r>
+                        <a:rPr lang="en-US"/>
+                        <a:t>, G</a:t>
+                      </a:r>
+                      <a:r>
+                        <a:rPr lang="en-US" baseline="30000"/>
+                        <a:t>(19)</a:t>
+                      </a:r>
+                      <a:r>
+                        <a:rPr lang="en-US"/>
+                        <a:t>, D</a:t>
+                      </a:r>
+                      <a:r>
+                        <a:rPr lang="en-US" baseline="30000"/>
+                        <a:t>(30)</a:t>
+                      </a:r>
+                      <a:r>
+                        <a:rPr lang="en-US"/>
+                        <a:t>, B</a:t>
+                      </a:r>
+                      <a:r>
+                        <a:rPr lang="en-US" baseline="30000"/>
+                        <a:t>(35)</a:t>
+                      </a:r>
+                      <a:r>
+                        <a:rPr lang="en-US"/>
+                        <a:t>,C</a:t>
+                      </a:r>
+                      <a:r>
+                        <a:rPr lang="en-US" baseline="30000"/>
+                        <a:t>(37)</a:t>
+                      </a:r>
+                    </a:p>
+                  </a:txBody>
+                  <a:tcPr/>
+                </a:tc>
+                <a:tc>
+                  <a:txBody>
+                    <a:bodyPr/>
+                    <a:lstStyle/>
+                    <a:p>
+                      <a:pPr algn="ctr"/>
+                      <a:r>
+                        <a:rPr lang="en-US"/>
+                        <a:t>Y</a:t>
+                      </a:r>
+                    </a:p>
+                  </a:txBody>
+                  <a:tcPr/>
+                </a:tc>
+                <a:extLst>
+                  <a:ext uri="{0D108BD9-81ED-4DB2-BD59-A6C34878D82A}">
+                    <a16:rowId xmlns:a16="http://schemas.microsoft.com/office/drawing/2014/main" val="2763049288"/>
+                  </a:ext>
+                </a:extLst>
+              </a:tr>
+              <a:tr h="370840">
+                <a:tc>
+                  <a:txBody>
+                    <a:bodyPr/>
+                    <a:lstStyle/>
+                    <a:p>
+                      <a:pPr algn="ctr"/>
+                      <a:r>
+                        <a:rPr lang="en-US"/>
+                        <a:t>4</a:t>
+                      </a:r>
+                    </a:p>
+                  </a:txBody>
+                  <a:tcPr/>
+                </a:tc>
+                <a:tc>
+                  <a:txBody>
+                    <a:bodyPr/>
+                    <a:lstStyle/>
+                    <a:p>
+                      <a:r>
+                        <a:rPr lang="en-US"/>
+                        <a:t>M</a:t>
+                      </a:r>
+                    </a:p>
+                  </a:txBody>
+                  <a:tcPr/>
+                </a:tc>
+                <a:tc>
+                  <a:txBody>
+                    <a:bodyPr/>
+                    <a:lstStyle/>
+                    <a:p>
+                      <a:r>
+                        <a:rPr lang="en-US"/>
+                        <a:t>TRUE</a:t>
+                      </a:r>
+                    </a:p>
+                  </a:txBody>
+                  <a:tcPr/>
+                </a:tc>
+                <a:tc>
+                  <a:txBody>
+                    <a:bodyPr/>
+                    <a:lstStyle/>
+                    <a:p>
+                      <a:pPr marL="0" marR="0" lvl="0" indent="0" algn="l" defTabSz="1425732" rtl="0" eaLnBrk="1" fontAlgn="auto" latinLnBrk="0" hangingPunct="1">
+                        <a:lnSpc>
+                          <a:spcPct val="100000"/>
+                        </a:lnSpc>
+                        <a:spcBef>
+                          <a:spcPts val="0"/>
+                        </a:spcBef>
+                        <a:spcAft>
+                          <a:spcPts val="0"/>
+                        </a:spcAft>
+                        <a:buClrTx/>
+                        <a:buSzTx/>
+                        <a:buFontTx/>
+                        <a:buNone/>
+                        <a:tabLst/>
+                        <a:defRPr/>
+                      </a:pPr>
+                      <a:endParaRPr lang="en-US"/>
+                    </a:p>
+                  </a:txBody>
+                  <a:tcPr/>
+                </a:tc>
+                <a:tc>
+                  <a:txBody>
+                    <a:bodyPr/>
+                    <a:lstStyle/>
+                    <a:p>
+                      <a:pPr algn="ctr"/>
+                      <a:endParaRPr lang="en-US"/>
+                    </a:p>
+                  </a:txBody>
+                  <a:tcPr/>
+                </a:tc>
+                <a:extLst>
+                  <a:ext uri="{0D108BD9-81ED-4DB2-BD59-A6C34878D82A}">
+                    <a16:rowId xmlns:a16="http://schemas.microsoft.com/office/drawing/2014/main" val="991579569"/>
+                  </a:ext>
+                </a:extLst>
+              </a:tr>
+            </a:tbl>
+          </a:graphicData>
+        </a:graphic>
+      </p:graphicFrame>
+      <p:sp>
+        <p:nvSpPr>
+          <p:cNvPr id="9" name="object 20">
+            <a:extLst>
+              <a:ext uri="{FF2B5EF4-FFF2-40B4-BE49-F238E27FC236}">
+                <a16:creationId xmlns:a16="http://schemas.microsoft.com/office/drawing/2014/main" id="{833B066A-6216-4521-63E5-8516F6BF33DB}"/>
+              </a:ext>
+            </a:extLst>
+          </p:cNvPr>
+          <p:cNvSpPr txBox="1"/>
+          <p:nvPr/>
+        </p:nvSpPr>
+        <p:spPr>
+          <a:xfrm>
+            <a:off x="13772355" y="7069313"/>
+            <a:ext cx="4876800" cy="814838"/>
+          </a:xfrm>
+          <a:prstGeom prst="rect">
+            <a:avLst/>
+          </a:prstGeom>
+        </p:spPr>
+        <p:style>
+          <a:lnRef idx="1">
+            <a:schemeClr val="dk1"/>
+          </a:lnRef>
+          <a:fillRef idx="2">
+            <a:schemeClr val="dk1"/>
+          </a:fillRef>
+          <a:effectRef idx="1">
+            <a:schemeClr val="dk1"/>
+          </a:effectRef>
+          <a:fontRef idx="minor">
+            <a:schemeClr val="dk1"/>
+          </a:fontRef>
+        </p:style>
+        <p:txBody>
+          <a:bodyPr vert="horz" wrap="square" lIns="0" tIns="12700" rIns="0" bIns="0" rtlCol="0">
+            <a:spAutoFit/>
+          </a:bodyPr>
+          <a:lstStyle/>
+          <a:p>
+            <a:pPr marL="583565" marR="5080" indent="-571500" algn="just">
+              <a:lnSpc>
+                <a:spcPct val="130000"/>
+              </a:lnSpc>
+              <a:buFont typeface="Wingdings" panose="05000000000000000000" pitchFamily="2" charset="2"/>
+              <a:buChar char="§"/>
+            </a:pPr>
+            <a:r>
+              <a:rPr lang="en-US" sz="4400" spc="-5">
+                <a:solidFill>
+                  <a:schemeClr val="bg1"/>
+                </a:solidFill>
+                <a:cs typeface="Source Sans Pro Light"/>
+              </a:rPr>
+              <a:t>A </a:t>
+            </a:r>
+            <a:r>
+              <a:rPr lang="en-US" sz="4400" spc="-5">
+                <a:solidFill>
+                  <a:schemeClr val="bg1"/>
+                </a:solidFill>
+                <a:cs typeface="Source Sans Pro Light"/>
+                <a:sym typeface="Wingdings" panose="05000000000000000000" pitchFamily="2" charset="2"/>
+              </a:rPr>
+              <a:t> E  Y  M </a:t>
+            </a:r>
+            <a:endParaRPr lang="vi-VN" sz="4400" spc="-5">
+              <a:solidFill>
+                <a:schemeClr val="bg1"/>
+              </a:solidFill>
+              <a:cs typeface="Source Sans Pro Light"/>
+            </a:endParaRPr>
+          </a:p>
+        </p:txBody>
+      </p:sp>
+      <p:sp>
+        <p:nvSpPr>
+          <p:cNvPr id="10" name="object 20">
+            <a:extLst>
+              <a:ext uri="{FF2B5EF4-FFF2-40B4-BE49-F238E27FC236}">
+                <a16:creationId xmlns:a16="http://schemas.microsoft.com/office/drawing/2014/main" id="{C1105EE0-A433-775F-31D2-51D1AEF143A5}"/>
+              </a:ext>
+            </a:extLst>
+          </p:cNvPr>
+          <p:cNvSpPr txBox="1"/>
+          <p:nvPr/>
+        </p:nvSpPr>
+        <p:spPr>
+          <a:xfrm>
+            <a:off x="757564" y="5912745"/>
+            <a:ext cx="13395792" cy="3942811"/>
+          </a:xfrm>
+          <a:prstGeom prst="rect">
+            <a:avLst/>
+          </a:prstGeom>
+        </p:spPr>
+        <p:txBody>
+          <a:bodyPr vert="horz" wrap="square" lIns="0" tIns="12700" rIns="0" bIns="0" rtlCol="0">
+            <a:spAutoFit/>
+          </a:bodyPr>
+          <a:lstStyle/>
+          <a:p>
+            <a:pPr marL="583565" marR="5080" indent="-571500" algn="just">
+              <a:lnSpc>
+                <a:spcPct val="130000"/>
+              </a:lnSpc>
+              <a:buFont typeface="Wingdings" panose="05000000000000000000" pitchFamily="2" charset="2"/>
+              <a:buChar char="§"/>
+            </a:pPr>
+            <a:r>
+              <a:rPr lang="en-US" sz="4000" spc="-5"/>
+              <a:t>Giải thuật có khuynh hướng sa lầy ở cực đại cục bộ</a:t>
+            </a:r>
+          </a:p>
+          <a:p>
+            <a:pPr marL="583565" marR="5080" indent="-571500" algn="just">
+              <a:lnSpc>
+                <a:spcPct val="130000"/>
+              </a:lnSpc>
+              <a:buFont typeface="Wingdings" panose="05000000000000000000" pitchFamily="2" charset="2"/>
+              <a:buChar char="§"/>
+            </a:pPr>
+            <a:r>
+              <a:rPr lang="en-US" sz="4000" spc="-5"/>
+              <a:t>Lời giải tìm được không tối ưu</a:t>
+            </a:r>
+          </a:p>
+          <a:p>
+            <a:pPr marL="583565" marR="5080" indent="-571500" algn="just">
+              <a:lnSpc>
+                <a:spcPct val="130000"/>
+              </a:lnSpc>
+              <a:buFont typeface="Wingdings" panose="05000000000000000000" pitchFamily="2" charset="2"/>
+              <a:buChar char="§"/>
+            </a:pPr>
+            <a:r>
+              <a:rPr lang="en-US" sz="4000" spc="-5"/>
+              <a:t>Không tìm được lời giải dù rằng có lời giải</a:t>
+            </a:r>
+            <a:endParaRPr lang="en-US" sz="3600" spc="-5"/>
+          </a:p>
+          <a:p>
+            <a:pPr marL="583565" marR="5080" indent="-571500" algn="just">
+              <a:lnSpc>
+                <a:spcPct val="130000"/>
+              </a:lnSpc>
+              <a:buFont typeface="Wingdings" panose="05000000000000000000" pitchFamily="2" charset="2"/>
+              <a:buChar char="§"/>
+            </a:pPr>
+            <a:r>
+              <a:rPr lang="en-US" sz="4000" spc="-5"/>
+              <a:t>Có thể rơi vào vòng lặp vô hạn vì không lưu giữ trạng thái của các đỉnh đã xét.</a:t>
+            </a:r>
+          </a:p>
+        </p:txBody>
+      </p:sp>
+    </p:spTree>
+    <p:extLst>
+      <p:ext uri="{BB962C8B-B14F-4D97-AF65-F5344CB8AC3E}">
+        <p14:creationId xmlns:p14="http://schemas.microsoft.com/office/powerpoint/2010/main" val="3421634068"/>
+      </p:ext>
+    </p:extLst>
+  </p:cSld>
+  <p:clrMapOvr>
+    <a:masterClrMapping/>
+  </p:clrMapOvr>
+</p:sld>
+</file>
+
+<file path=ppt/slides/slide26.xml><?xml version="1.0" encoding="utf-8"?>
+<p:sld xmlns:a="http://schemas.openxmlformats.org/drawingml/2006/main" xmlns:r="http://schemas.openxmlformats.org/officeDocument/2006/relationships" xmlns:p="http://schemas.openxmlformats.org/presentationml/2006/main">
+  <p:cSld>
+    <p:spTree>
+      <p:nvGrpSpPr>
+        <p:cNvPr id="1" name=""/>
+        <p:cNvGrpSpPr/>
+        <p:nvPr/>
+      </p:nvGrpSpPr>
+      <p:grpSpPr>
+        <a:xfrm>
+          <a:off x="0" y="0"/>
+          <a:ext cx="0" cy="0"/>
+          <a:chOff x="0" y="0"/>
+          <a:chExt cx="0" cy="0"/>
+        </a:xfrm>
+      </p:grpSpPr>
+      <p:sp>
+        <p:nvSpPr>
+          <p:cNvPr id="2" name="object 2"/>
+          <p:cNvSpPr/>
+          <p:nvPr/>
+        </p:nvSpPr>
+        <p:spPr>
+          <a:xfrm>
+            <a:off x="-1" y="0"/>
+            <a:ext cx="19010313" cy="1112119"/>
+          </a:xfrm>
+          <a:custGeom>
+            <a:avLst/>
+            <a:gdLst/>
+            <a:ahLst/>
+            <a:cxnLst/>
+            <a:rect l="l" t="t" r="r" b="b"/>
+            <a:pathLst>
+              <a:path w="1892300" h="440055">
+                <a:moveTo>
+                  <a:pt x="0" y="439737"/>
+                </a:moveTo>
+                <a:lnTo>
+                  <a:pt x="1892300" y="439737"/>
+                </a:lnTo>
+                <a:lnTo>
+                  <a:pt x="1892300" y="0"/>
+                </a:lnTo>
+                <a:lnTo>
+                  <a:pt x="0" y="0"/>
+                </a:lnTo>
+                <a:lnTo>
+                  <a:pt x="0" y="439737"/>
+                </a:lnTo>
+                <a:close/>
+              </a:path>
+            </a:pathLst>
+          </a:custGeom>
+          <a:solidFill>
+            <a:srgbClr val="009EF3"/>
+          </a:solidFill>
+        </p:spPr>
+        <p:txBody>
+          <a:bodyPr wrap="square" lIns="0" tIns="0" rIns="0" bIns="0" rtlCol="0"/>
+          <a:lstStyle/>
+          <a:p>
+            <a:endParaRPr dirty="0"/>
+          </a:p>
+        </p:txBody>
+      </p:sp>
+      <p:sp>
+        <p:nvSpPr>
+          <p:cNvPr id="4" name="object 4"/>
+          <p:cNvSpPr txBox="1"/>
+          <p:nvPr/>
+        </p:nvSpPr>
+        <p:spPr>
+          <a:xfrm>
+            <a:off x="818356" y="317499"/>
+            <a:ext cx="17145000" cy="751488"/>
+          </a:xfrm>
+          <a:prstGeom prst="rect">
+            <a:avLst/>
+          </a:prstGeom>
+        </p:spPr>
+        <p:txBody>
+          <a:bodyPr vert="horz" wrap="square" lIns="0" tIns="12700" rIns="0" bIns="0" rtlCol="0">
+            <a:spAutoFit/>
+          </a:bodyPr>
+          <a:lstStyle/>
+          <a:p>
+            <a:pPr marL="12700">
+              <a:spcBef>
+                <a:spcPts val="100"/>
+              </a:spcBef>
+            </a:pPr>
+            <a:r>
+              <a:rPr lang="vi-VN" sz="4800" spc="-10">
+                <a:solidFill>
+                  <a:srgbClr val="FFFFFF"/>
+                </a:solidFill>
+                <a:cs typeface="Source Sans Pro Light"/>
+              </a:rPr>
+              <a:t>Chương 3. HEURISTIC</a:t>
+            </a:r>
+            <a:endParaRPr lang="vi-VN" sz="4800" dirty="0">
+              <a:cs typeface="Source Sans Pro Light"/>
+            </a:endParaRPr>
+          </a:p>
+        </p:txBody>
+      </p:sp>
+      <p:sp>
+        <p:nvSpPr>
+          <p:cNvPr id="3" name="Freeform: Shape 2">
+            <a:extLst>
+              <a:ext uri="{FF2B5EF4-FFF2-40B4-BE49-F238E27FC236}">
+                <a16:creationId xmlns:a16="http://schemas.microsoft.com/office/drawing/2014/main" id="{5A35C8CA-EC7D-38C1-C466-3E3510053E7C}"/>
+              </a:ext>
+            </a:extLst>
+          </p:cNvPr>
+          <p:cNvSpPr/>
+          <p:nvPr/>
+        </p:nvSpPr>
+        <p:spPr>
+          <a:xfrm>
+            <a:off x="0" y="1124818"/>
+            <a:ext cx="17963356" cy="1000863"/>
+          </a:xfrm>
+          <a:custGeom>
+            <a:avLst/>
+            <a:gdLst>
+              <a:gd name="connsiteX0" fmla="*/ 0 w 19044896"/>
+              <a:gd name="connsiteY0" fmla="*/ 0 h 814838"/>
+              <a:gd name="connsiteX1" fmla="*/ 17382432 w 19044896"/>
+              <a:gd name="connsiteY1" fmla="*/ 0 h 814838"/>
+              <a:gd name="connsiteX2" fmla="*/ 18288000 w 19044896"/>
+              <a:gd name="connsiteY2" fmla="*/ 0 h 814838"/>
+              <a:gd name="connsiteX3" fmla="*/ 18726162 w 19044896"/>
+              <a:gd name="connsiteY3" fmla="*/ 0 h 814838"/>
+              <a:gd name="connsiteX4" fmla="*/ 19044896 w 19044896"/>
+              <a:gd name="connsiteY4" fmla="*/ 407419 h 814838"/>
+              <a:gd name="connsiteX5" fmla="*/ 18726162 w 19044896"/>
+              <a:gd name="connsiteY5" fmla="*/ 814838 h 814838"/>
+              <a:gd name="connsiteX6" fmla="*/ 18288000 w 19044896"/>
+              <a:gd name="connsiteY6" fmla="*/ 814838 h 814838"/>
+              <a:gd name="connsiteX7" fmla="*/ 17382432 w 19044896"/>
+              <a:gd name="connsiteY7" fmla="*/ 814838 h 814838"/>
+              <a:gd name="connsiteX8" fmla="*/ 0 w 19044896"/>
+              <a:gd name="connsiteY8" fmla="*/ 814838 h 814838"/>
+            </a:gdLst>
+            <a:ahLst/>
+            <a:cxnLst>
+              <a:cxn ang="0">
+                <a:pos x="connsiteX0" y="connsiteY0"/>
+              </a:cxn>
+              <a:cxn ang="0">
+                <a:pos x="connsiteX1" y="connsiteY1"/>
+              </a:cxn>
+              <a:cxn ang="0">
+                <a:pos x="connsiteX2" y="connsiteY2"/>
+              </a:cxn>
+              <a:cxn ang="0">
+                <a:pos x="connsiteX3" y="connsiteY3"/>
+              </a:cxn>
+              <a:cxn ang="0">
+                <a:pos x="connsiteX4" y="connsiteY4"/>
+              </a:cxn>
+              <a:cxn ang="0">
+                <a:pos x="connsiteX5" y="connsiteY5"/>
+              </a:cxn>
+              <a:cxn ang="0">
+                <a:pos x="connsiteX6" y="connsiteY6"/>
+              </a:cxn>
+              <a:cxn ang="0">
+                <a:pos x="connsiteX7" y="connsiteY7"/>
+              </a:cxn>
+              <a:cxn ang="0">
+                <a:pos x="connsiteX8" y="connsiteY8"/>
+              </a:cxn>
+            </a:cxnLst>
+            <a:rect l="l" t="t" r="r" b="b"/>
+            <a:pathLst>
+              <a:path w="19044896" h="814838">
+                <a:moveTo>
+                  <a:pt x="0" y="0"/>
+                </a:moveTo>
+                <a:lnTo>
+                  <a:pt x="17382432" y="0"/>
+                </a:lnTo>
+                <a:lnTo>
+                  <a:pt x="18288000" y="0"/>
+                </a:lnTo>
+                <a:lnTo>
+                  <a:pt x="18726162" y="0"/>
+                </a:lnTo>
+                <a:cubicBezTo>
+                  <a:pt x="18902178" y="0"/>
+                  <a:pt x="19044896" y="182396"/>
+                  <a:pt x="19044896" y="407419"/>
+                </a:cubicBezTo>
+                <a:cubicBezTo>
+                  <a:pt x="19044896" y="632443"/>
+                  <a:pt x="18902178" y="814838"/>
+                  <a:pt x="18726162" y="814838"/>
+                </a:cubicBezTo>
+                <a:lnTo>
+                  <a:pt x="18288000" y="814838"/>
+                </a:lnTo>
+                <a:lnTo>
+                  <a:pt x="17382432" y="814838"/>
+                </a:lnTo>
+                <a:lnTo>
+                  <a:pt x="0" y="814838"/>
+                </a:lnTo>
+                <a:close/>
+              </a:path>
+            </a:pathLst>
+          </a:custGeom>
+          <a:ln>
+            <a:noFill/>
+          </a:ln>
+        </p:spPr>
+        <p:style>
+          <a:lnRef idx="3">
+            <a:schemeClr val="lt1"/>
+          </a:lnRef>
+          <a:fillRef idx="1">
+            <a:schemeClr val="accent2"/>
+          </a:fillRef>
+          <a:effectRef idx="1">
+            <a:schemeClr val="accent2"/>
+          </a:effectRef>
+          <a:fontRef idx="minor">
+            <a:schemeClr val="lt1"/>
+          </a:fontRef>
+        </p:style>
+        <p:txBody>
+          <a:bodyPr wrap="square" rtlCol="0" anchor="ctr">
+            <a:noAutofit/>
+          </a:bodyPr>
+          <a:lstStyle/>
+          <a:p>
+            <a:pPr algn="ctr"/>
+            <a:endParaRPr lang="en-US"/>
+          </a:p>
+        </p:txBody>
+      </p:sp>
+      <p:sp>
+        <p:nvSpPr>
+          <p:cNvPr id="5" name="object 20">
+            <a:extLst>
+              <a:ext uri="{FF2B5EF4-FFF2-40B4-BE49-F238E27FC236}">
+                <a16:creationId xmlns:a16="http://schemas.microsoft.com/office/drawing/2014/main" id="{3F042C35-B62C-BAB3-0123-EA2CFC8E5BEF}"/>
+              </a:ext>
+            </a:extLst>
+          </p:cNvPr>
+          <p:cNvSpPr txBox="1"/>
+          <p:nvPr/>
+        </p:nvSpPr>
+        <p:spPr>
+          <a:xfrm>
+            <a:off x="757564" y="1179062"/>
+            <a:ext cx="17205792" cy="814838"/>
+          </a:xfrm>
+          <a:prstGeom prst="rect">
+            <a:avLst/>
+          </a:prstGeom>
+        </p:spPr>
+        <p:txBody>
+          <a:bodyPr vert="horz" wrap="square" lIns="0" tIns="12700" rIns="0" bIns="0" rtlCol="0">
+            <a:spAutoFit/>
+          </a:bodyPr>
+          <a:lstStyle/>
+          <a:p>
+            <a:pPr marL="583565" marR="5080" indent="-571500" algn="just">
+              <a:lnSpc>
+                <a:spcPct val="130000"/>
+              </a:lnSpc>
+              <a:buFont typeface="Wingdings" panose="05000000000000000000" pitchFamily="2" charset="2"/>
+              <a:buChar char="§"/>
+            </a:pPr>
+            <a:r>
+              <a:rPr lang="en-US" sz="4400" spc="-5">
+                <a:cs typeface="Source Sans Pro Light"/>
+              </a:rPr>
+              <a:t>Tìm kiếm leo đồi (Hill Climbing Search)</a:t>
+            </a:r>
+            <a:endParaRPr lang="vi-VN" sz="4400" spc="-5">
+              <a:cs typeface="Source Sans Pro Light"/>
+            </a:endParaRPr>
+          </a:p>
+        </p:txBody>
+      </p:sp>
+      <p:sp>
+        <p:nvSpPr>
+          <p:cNvPr id="7" name="object 20">
+            <a:extLst>
+              <a:ext uri="{FF2B5EF4-FFF2-40B4-BE49-F238E27FC236}">
+                <a16:creationId xmlns:a16="http://schemas.microsoft.com/office/drawing/2014/main" id="{99CAFD30-61EA-2AF6-98B6-D9FD92AD26C8}"/>
+              </a:ext>
+            </a:extLst>
+          </p:cNvPr>
+          <p:cNvSpPr txBox="1"/>
+          <p:nvPr/>
+        </p:nvSpPr>
+        <p:spPr>
+          <a:xfrm>
+            <a:off x="748606" y="2212279"/>
+            <a:ext cx="11118751" cy="3942811"/>
+          </a:xfrm>
+          <a:prstGeom prst="rect">
+            <a:avLst/>
+          </a:prstGeom>
+        </p:spPr>
+        <p:txBody>
+          <a:bodyPr vert="horz" wrap="square" lIns="0" tIns="12700" rIns="0" bIns="0" rtlCol="0">
+            <a:spAutoFit/>
+          </a:bodyPr>
+          <a:lstStyle/>
+          <a:p>
+            <a:pPr marL="583565" marR="5080" indent="-571500" algn="just">
+              <a:lnSpc>
+                <a:spcPct val="130000"/>
+              </a:lnSpc>
+              <a:buFont typeface="Wingdings" panose="05000000000000000000" pitchFamily="2" charset="2"/>
+              <a:buChar char="§"/>
+            </a:pPr>
+            <a:r>
+              <a:rPr lang="vi-VN" sz="4000" spc="-5"/>
+              <a:t>Trình bày thuật toán leo đồi dốc đứng. Áp dụng thuật toán để tìm đường đi ngắn nhất từ đỉnh </a:t>
+            </a:r>
+            <a:r>
+              <a:rPr lang="en-US" sz="4000" spc="-5"/>
+              <a:t>A</a:t>
+            </a:r>
+            <a:r>
+              <a:rPr lang="vi-VN" sz="4000" spc="-5"/>
+              <a:t> đến </a:t>
+            </a:r>
+            <a:r>
+              <a:rPr lang="en-US" sz="4000" spc="-5"/>
+              <a:t>M</a:t>
+            </a:r>
+            <a:r>
+              <a:rPr lang="vi-VN" sz="4000" spc="-5"/>
+              <a:t> trên đồ thị, với các ước lượng heuristic của các trạng thái so với trạng thái đích được cho trong </a:t>
+            </a:r>
+            <a:r>
+              <a:rPr lang="en-US" sz="4000" spc="-5"/>
+              <a:t>hình</a:t>
+            </a:r>
+            <a:r>
+              <a:rPr lang="vi-VN" sz="4000" spc="-5"/>
+              <a:t>.</a:t>
+            </a:r>
+            <a:endParaRPr lang="en-US" sz="3600" i="1" spc="-5">
+              <a:highlight>
+                <a:srgbClr val="FF0000"/>
+              </a:highlight>
+            </a:endParaRPr>
+          </a:p>
+        </p:txBody>
+      </p:sp>
+      <p:pic>
+        <p:nvPicPr>
+          <p:cNvPr id="8" name="Picture 7">
+            <a:extLst>
+              <a:ext uri="{FF2B5EF4-FFF2-40B4-BE49-F238E27FC236}">
+                <a16:creationId xmlns:a16="http://schemas.microsoft.com/office/drawing/2014/main" id="{5C587F58-1FB1-8DDC-E7A7-C138B5C4698F}"/>
+              </a:ext>
+            </a:extLst>
+          </p:cNvPr>
+          <p:cNvPicPr>
+            <a:picLocks noChangeAspect="1"/>
+          </p:cNvPicPr>
+          <p:nvPr/>
+        </p:nvPicPr>
+        <p:blipFill>
+          <a:blip r:embed="rId3">
+            <a:clrChange>
+              <a:clrFrom>
+                <a:srgbClr val="FFFFFF"/>
+              </a:clrFrom>
+              <a:clrTo>
+                <a:srgbClr val="FFFFFF">
+                  <a:alpha val="0"/>
+                </a:srgbClr>
+              </a:clrTo>
+            </a:clrChange>
+            <a:extLst>
+              <a:ext uri="{28A0092B-C50C-407E-A947-70E740481C1C}">
+                <a14:useLocalDpi xmlns:a14="http://schemas.microsoft.com/office/drawing/2010/main" val="0"/>
+              </a:ext>
+            </a:extLst>
+          </a:blip>
+          <a:stretch>
+            <a:fillRect/>
+          </a:stretch>
+        </p:blipFill>
+        <p:spPr>
+          <a:xfrm>
+            <a:off x="12144490" y="1984829"/>
+            <a:ext cx="6576430" cy="6030021"/>
+          </a:xfrm>
+          <a:prstGeom prst="rect">
+            <a:avLst/>
+          </a:prstGeom>
+        </p:spPr>
+      </p:pic>
+    </p:spTree>
+    <p:extLst>
+      <p:ext uri="{BB962C8B-B14F-4D97-AF65-F5344CB8AC3E}">
+        <p14:creationId xmlns:p14="http://schemas.microsoft.com/office/powerpoint/2010/main" val="3385293342"/>
+      </p:ext>
+    </p:extLst>
+  </p:cSld>
+  <p:clrMapOvr>
+    <a:masterClrMapping/>
+  </p:clrMapOvr>
+</p:sld>
+</file>
+
+<file path=ppt/slides/slide27.xml><?xml version="1.0" encoding="utf-8"?>
+<p:sld xmlns:a="http://schemas.openxmlformats.org/drawingml/2006/main" xmlns:r="http://schemas.openxmlformats.org/officeDocument/2006/relationships" xmlns:p="http://schemas.openxmlformats.org/presentationml/2006/main" show="0">
+  <p:cSld>
+    <p:spTree>
+      <p:nvGrpSpPr>
+        <p:cNvPr id="1" name=""/>
+        <p:cNvGrpSpPr/>
+        <p:nvPr/>
+      </p:nvGrpSpPr>
+      <p:grpSpPr>
+        <a:xfrm>
+          <a:off x="0" y="0"/>
+          <a:ext cx="0" cy="0"/>
+          <a:chOff x="0" y="0"/>
+          <a:chExt cx="0" cy="0"/>
+        </a:xfrm>
+      </p:grpSpPr>
+      <p:sp>
+        <p:nvSpPr>
+          <p:cNvPr id="2" name="object 2"/>
+          <p:cNvSpPr/>
+          <p:nvPr/>
+        </p:nvSpPr>
+        <p:spPr>
+          <a:xfrm>
+            <a:off x="-1" y="0"/>
+            <a:ext cx="19010313" cy="1112119"/>
+          </a:xfrm>
+          <a:custGeom>
+            <a:avLst/>
+            <a:gdLst/>
+            <a:ahLst/>
+            <a:cxnLst/>
+            <a:rect l="l" t="t" r="r" b="b"/>
+            <a:pathLst>
+              <a:path w="1892300" h="440055">
+                <a:moveTo>
+                  <a:pt x="0" y="439737"/>
+                </a:moveTo>
+                <a:lnTo>
+                  <a:pt x="1892300" y="439737"/>
+                </a:lnTo>
+                <a:lnTo>
+                  <a:pt x="1892300" y="0"/>
+                </a:lnTo>
+                <a:lnTo>
+                  <a:pt x="0" y="0"/>
+                </a:lnTo>
+                <a:lnTo>
+                  <a:pt x="0" y="439737"/>
+                </a:lnTo>
+                <a:close/>
+              </a:path>
+            </a:pathLst>
+          </a:custGeom>
+          <a:solidFill>
+            <a:srgbClr val="009EF3"/>
+          </a:solidFill>
+        </p:spPr>
+        <p:txBody>
+          <a:bodyPr wrap="square" lIns="0" tIns="0" rIns="0" bIns="0" rtlCol="0"/>
+          <a:lstStyle/>
+          <a:p>
+            <a:endParaRPr dirty="0"/>
+          </a:p>
+        </p:txBody>
+      </p:sp>
+      <p:sp>
+        <p:nvSpPr>
+          <p:cNvPr id="4" name="object 4"/>
+          <p:cNvSpPr txBox="1"/>
+          <p:nvPr/>
+        </p:nvSpPr>
+        <p:spPr>
+          <a:xfrm>
+            <a:off x="818356" y="317499"/>
+            <a:ext cx="17145000" cy="751488"/>
+          </a:xfrm>
+          <a:prstGeom prst="rect">
+            <a:avLst/>
+          </a:prstGeom>
+        </p:spPr>
+        <p:txBody>
+          <a:bodyPr vert="horz" wrap="square" lIns="0" tIns="12700" rIns="0" bIns="0" rtlCol="0">
+            <a:spAutoFit/>
+          </a:bodyPr>
+          <a:lstStyle/>
+          <a:p>
+            <a:pPr marL="12700">
+              <a:spcBef>
+                <a:spcPts val="100"/>
+              </a:spcBef>
+            </a:pPr>
+            <a:r>
+              <a:rPr lang="vi-VN" sz="4800" spc="-10">
+                <a:solidFill>
+                  <a:srgbClr val="FFFFFF"/>
+                </a:solidFill>
+                <a:cs typeface="Source Sans Pro Light"/>
+              </a:rPr>
+              <a:t>Chương 3. HEURISTIC</a:t>
+            </a:r>
+            <a:endParaRPr lang="vi-VN" sz="4800" dirty="0">
+              <a:cs typeface="Source Sans Pro Light"/>
+            </a:endParaRPr>
+          </a:p>
+        </p:txBody>
+      </p:sp>
+      <p:sp>
+        <p:nvSpPr>
+          <p:cNvPr id="3" name="Freeform: Shape 2">
+            <a:extLst>
+              <a:ext uri="{FF2B5EF4-FFF2-40B4-BE49-F238E27FC236}">
+                <a16:creationId xmlns:a16="http://schemas.microsoft.com/office/drawing/2014/main" id="{5A35C8CA-EC7D-38C1-C466-3E3510053E7C}"/>
+              </a:ext>
+            </a:extLst>
+          </p:cNvPr>
+          <p:cNvSpPr/>
+          <p:nvPr/>
+        </p:nvSpPr>
+        <p:spPr>
+          <a:xfrm>
+            <a:off x="0" y="1124818"/>
+            <a:ext cx="17963356" cy="1000863"/>
+          </a:xfrm>
+          <a:custGeom>
+            <a:avLst/>
+            <a:gdLst>
+              <a:gd name="connsiteX0" fmla="*/ 0 w 19044896"/>
+              <a:gd name="connsiteY0" fmla="*/ 0 h 814838"/>
+              <a:gd name="connsiteX1" fmla="*/ 17382432 w 19044896"/>
+              <a:gd name="connsiteY1" fmla="*/ 0 h 814838"/>
+              <a:gd name="connsiteX2" fmla="*/ 18288000 w 19044896"/>
+              <a:gd name="connsiteY2" fmla="*/ 0 h 814838"/>
+              <a:gd name="connsiteX3" fmla="*/ 18726162 w 19044896"/>
+              <a:gd name="connsiteY3" fmla="*/ 0 h 814838"/>
+              <a:gd name="connsiteX4" fmla="*/ 19044896 w 19044896"/>
+              <a:gd name="connsiteY4" fmla="*/ 407419 h 814838"/>
+              <a:gd name="connsiteX5" fmla="*/ 18726162 w 19044896"/>
+              <a:gd name="connsiteY5" fmla="*/ 814838 h 814838"/>
+              <a:gd name="connsiteX6" fmla="*/ 18288000 w 19044896"/>
+              <a:gd name="connsiteY6" fmla="*/ 814838 h 814838"/>
+              <a:gd name="connsiteX7" fmla="*/ 17382432 w 19044896"/>
+              <a:gd name="connsiteY7" fmla="*/ 814838 h 814838"/>
+              <a:gd name="connsiteX8" fmla="*/ 0 w 19044896"/>
+              <a:gd name="connsiteY8" fmla="*/ 814838 h 814838"/>
+            </a:gdLst>
+            <a:ahLst/>
+            <a:cxnLst>
+              <a:cxn ang="0">
+                <a:pos x="connsiteX0" y="connsiteY0"/>
+              </a:cxn>
+              <a:cxn ang="0">
+                <a:pos x="connsiteX1" y="connsiteY1"/>
+              </a:cxn>
+              <a:cxn ang="0">
+                <a:pos x="connsiteX2" y="connsiteY2"/>
+              </a:cxn>
+              <a:cxn ang="0">
+                <a:pos x="connsiteX3" y="connsiteY3"/>
+              </a:cxn>
+              <a:cxn ang="0">
+                <a:pos x="connsiteX4" y="connsiteY4"/>
+              </a:cxn>
+              <a:cxn ang="0">
+                <a:pos x="connsiteX5" y="connsiteY5"/>
+              </a:cxn>
+              <a:cxn ang="0">
+                <a:pos x="connsiteX6" y="connsiteY6"/>
+              </a:cxn>
+              <a:cxn ang="0">
+                <a:pos x="connsiteX7" y="connsiteY7"/>
+              </a:cxn>
+              <a:cxn ang="0">
+                <a:pos x="connsiteX8" y="connsiteY8"/>
+              </a:cxn>
+            </a:cxnLst>
+            <a:rect l="l" t="t" r="r" b="b"/>
+            <a:pathLst>
+              <a:path w="19044896" h="814838">
+                <a:moveTo>
+                  <a:pt x="0" y="0"/>
+                </a:moveTo>
+                <a:lnTo>
+                  <a:pt x="17382432" y="0"/>
+                </a:lnTo>
+                <a:lnTo>
+                  <a:pt x="18288000" y="0"/>
+                </a:lnTo>
+                <a:lnTo>
+                  <a:pt x="18726162" y="0"/>
+                </a:lnTo>
+                <a:cubicBezTo>
+                  <a:pt x="18902178" y="0"/>
+                  <a:pt x="19044896" y="182396"/>
+                  <a:pt x="19044896" y="407419"/>
+                </a:cubicBezTo>
+                <a:cubicBezTo>
+                  <a:pt x="19044896" y="632443"/>
+                  <a:pt x="18902178" y="814838"/>
+                  <a:pt x="18726162" y="814838"/>
+                </a:cubicBezTo>
+                <a:lnTo>
+                  <a:pt x="18288000" y="814838"/>
+                </a:lnTo>
+                <a:lnTo>
+                  <a:pt x="17382432" y="814838"/>
+                </a:lnTo>
+                <a:lnTo>
+                  <a:pt x="0" y="814838"/>
+                </a:lnTo>
+                <a:close/>
+              </a:path>
+            </a:pathLst>
+          </a:custGeom>
+          <a:ln>
+            <a:noFill/>
+          </a:ln>
+        </p:spPr>
+        <p:style>
+          <a:lnRef idx="3">
+            <a:schemeClr val="lt1"/>
+          </a:lnRef>
+          <a:fillRef idx="1">
+            <a:schemeClr val="accent2"/>
+          </a:fillRef>
+          <a:effectRef idx="1">
+            <a:schemeClr val="accent2"/>
+          </a:effectRef>
+          <a:fontRef idx="minor">
+            <a:schemeClr val="lt1"/>
+          </a:fontRef>
+        </p:style>
+        <p:txBody>
+          <a:bodyPr wrap="square" rtlCol="0" anchor="ctr">
+            <a:noAutofit/>
+          </a:bodyPr>
+          <a:lstStyle/>
+          <a:p>
+            <a:pPr algn="ctr"/>
+            <a:endParaRPr lang="en-US"/>
+          </a:p>
+        </p:txBody>
+      </p:sp>
+      <p:sp>
+        <p:nvSpPr>
+          <p:cNvPr id="5" name="object 20">
+            <a:extLst>
+              <a:ext uri="{FF2B5EF4-FFF2-40B4-BE49-F238E27FC236}">
+                <a16:creationId xmlns:a16="http://schemas.microsoft.com/office/drawing/2014/main" id="{3F042C35-B62C-BAB3-0123-EA2CFC8E5BEF}"/>
+              </a:ext>
+            </a:extLst>
+          </p:cNvPr>
+          <p:cNvSpPr txBox="1"/>
+          <p:nvPr/>
+        </p:nvSpPr>
+        <p:spPr>
+          <a:xfrm>
+            <a:off x="757564" y="1179062"/>
+            <a:ext cx="17205792" cy="814838"/>
+          </a:xfrm>
+          <a:prstGeom prst="rect">
+            <a:avLst/>
+          </a:prstGeom>
+        </p:spPr>
+        <p:txBody>
+          <a:bodyPr vert="horz" wrap="square" lIns="0" tIns="12700" rIns="0" bIns="0" rtlCol="0">
+            <a:spAutoFit/>
+          </a:bodyPr>
+          <a:lstStyle/>
+          <a:p>
+            <a:pPr marL="583565" marR="5080" indent="-571500" algn="just">
+              <a:lnSpc>
+                <a:spcPct val="130000"/>
+              </a:lnSpc>
+              <a:buFont typeface="Wingdings" panose="05000000000000000000" pitchFamily="2" charset="2"/>
+              <a:buChar char="§"/>
+            </a:pPr>
+            <a:r>
+              <a:rPr lang="en-US" sz="4400" spc="-5">
+                <a:cs typeface="Source Sans Pro Light"/>
+              </a:rPr>
+              <a:t>Tìm kiếm leo đồi (Hill Climbing Search)</a:t>
+            </a:r>
+            <a:endParaRPr lang="vi-VN" sz="4400" spc="-5">
+              <a:cs typeface="Source Sans Pro Light"/>
+            </a:endParaRPr>
+          </a:p>
+        </p:txBody>
+      </p:sp>
+      <p:pic>
+        <p:nvPicPr>
+          <p:cNvPr id="11" name="Picture 10">
+            <a:extLst>
+              <a:ext uri="{FF2B5EF4-FFF2-40B4-BE49-F238E27FC236}">
+                <a16:creationId xmlns:a16="http://schemas.microsoft.com/office/drawing/2014/main" id="{148C2C68-860A-F9AC-5436-E330E7E0A0E1}"/>
+              </a:ext>
+            </a:extLst>
+          </p:cNvPr>
+          <p:cNvPicPr>
+            <a:picLocks noChangeAspect="1"/>
+          </p:cNvPicPr>
+          <p:nvPr/>
+        </p:nvPicPr>
+        <p:blipFill>
+          <a:blip r:embed="rId3" cstate="print">
+            <a:extLst>
+              <a:ext uri="{28A0092B-C50C-407E-A947-70E740481C1C}">
+                <a14:useLocalDpi xmlns:a14="http://schemas.microsoft.com/office/drawing/2010/main" val="0"/>
+              </a:ext>
+            </a:extLst>
+          </a:blip>
+          <a:srcRect/>
+          <a:stretch/>
+        </p:blipFill>
+        <p:spPr>
+          <a:xfrm>
+            <a:off x="13772355" y="2675876"/>
+            <a:ext cx="4191001" cy="3841427"/>
+          </a:xfrm>
+          <a:prstGeom prst="rect">
+            <a:avLst/>
+          </a:prstGeom>
+        </p:spPr>
+      </p:pic>
+      <p:graphicFrame>
+        <p:nvGraphicFramePr>
+          <p:cNvPr id="6" name="Table 7">
+            <a:extLst>
+              <a:ext uri="{FF2B5EF4-FFF2-40B4-BE49-F238E27FC236}">
+                <a16:creationId xmlns:a16="http://schemas.microsoft.com/office/drawing/2014/main" id="{040EA5F2-350A-1D21-6882-91AB466377ED}"/>
+              </a:ext>
+            </a:extLst>
+          </p:cNvPr>
+          <p:cNvGraphicFramePr>
+            <a:graphicFrameLocks noGrp="1"/>
+          </p:cNvGraphicFramePr>
+          <p:nvPr/>
+        </p:nvGraphicFramePr>
+        <p:xfrm>
+          <a:off x="513556" y="2603500"/>
+          <a:ext cx="12902344" cy="3634680"/>
+        </p:xfrm>
+        <a:graphic>
+          <a:graphicData uri="http://schemas.openxmlformats.org/drawingml/2006/table">
+            <a:tbl>
+              <a:tblPr firstRow="1" bandRow="1">
+                <a:tableStyleId>{5C22544A-7EE6-4342-B048-85BDC9FD1C3A}</a:tableStyleId>
+              </a:tblPr>
+              <a:tblGrid>
+                <a:gridCol w="1187768">
+                  <a:extLst>
+                    <a:ext uri="{9D8B030D-6E8A-4147-A177-3AD203B41FA5}">
+                      <a16:colId xmlns:a16="http://schemas.microsoft.com/office/drawing/2014/main" val="3447785761"/>
+                    </a:ext>
+                  </a:extLst>
+                </a:gridCol>
+                <a:gridCol w="555176">
+                  <a:extLst>
+                    <a:ext uri="{9D8B030D-6E8A-4147-A177-3AD203B41FA5}">
+                      <a16:colId xmlns:a16="http://schemas.microsoft.com/office/drawing/2014/main" val="2962333438"/>
+                    </a:ext>
+                  </a:extLst>
+                </a:gridCol>
+                <a:gridCol w="3895856">
+                  <a:extLst>
+                    <a:ext uri="{9D8B030D-6E8A-4147-A177-3AD203B41FA5}">
+                      <a16:colId xmlns:a16="http://schemas.microsoft.com/office/drawing/2014/main" val="880620419"/>
+                    </a:ext>
+                  </a:extLst>
+                </a:gridCol>
+                <a:gridCol w="5766863">
+                  <a:extLst>
+                    <a:ext uri="{9D8B030D-6E8A-4147-A177-3AD203B41FA5}">
+                      <a16:colId xmlns:a16="http://schemas.microsoft.com/office/drawing/2014/main" val="862872195"/>
+                    </a:ext>
+                  </a:extLst>
+                </a:gridCol>
+                <a:gridCol w="1496681">
+                  <a:extLst>
+                    <a:ext uri="{9D8B030D-6E8A-4147-A177-3AD203B41FA5}">
+                      <a16:colId xmlns:a16="http://schemas.microsoft.com/office/drawing/2014/main" val="2348659563"/>
+                    </a:ext>
+                  </a:extLst>
+                </a:gridCol>
+              </a:tblGrid>
+              <a:tr h="370840">
+                <a:tc>
+                  <a:txBody>
+                    <a:bodyPr/>
+                    <a:lstStyle/>
+                    <a:p>
+                      <a:r>
+                        <a:rPr lang="en-US"/>
+                        <a:t>Bước</a:t>
+                      </a:r>
+                    </a:p>
+                  </a:txBody>
+                  <a:tcPr/>
+                </a:tc>
+                <a:tc>
+                  <a:txBody>
+                    <a:bodyPr/>
+                    <a:lstStyle/>
+                    <a:p>
+                      <a:r>
+                        <a:rPr lang="en-US"/>
+                        <a:t>n</a:t>
+                      </a:r>
+                    </a:p>
+                  </a:txBody>
+                  <a:tcPr/>
+                </a:tc>
+                <a:tc>
+                  <a:txBody>
+                    <a:bodyPr/>
+                    <a:lstStyle/>
+                    <a:p>
+                      <a:r>
+                        <a:rPr lang="en-US">
+                          <a:sym typeface="Symbol" panose="05050102010706020507" pitchFamily="18" charset="2"/>
+                        </a:rPr>
+                        <a:t>(n)</a:t>
+                      </a:r>
+                      <a:endParaRPr lang="en-US"/>
+                    </a:p>
+                  </a:txBody>
+                  <a:tcPr/>
+                </a:tc>
+                <a:tc>
+                  <a:txBody>
+                    <a:bodyPr/>
+                    <a:lstStyle/>
+                    <a:p>
+                      <a:r>
+                        <a:rPr lang="en-US"/>
+                        <a:t>OPEN</a:t>
+                      </a:r>
+                    </a:p>
+                  </a:txBody>
+                  <a:tcPr/>
+                </a:tc>
+                <a:tc>
+                  <a:txBody>
+                    <a:bodyPr/>
+                    <a:lstStyle/>
+                    <a:p>
+                      <a:r>
+                        <a:rPr lang="en-US"/>
+                        <a:t>CLOSE</a:t>
+                      </a:r>
+                    </a:p>
+                  </a:txBody>
+                  <a:tcPr/>
+                </a:tc>
+                <a:extLst>
+                  <a:ext uri="{0D108BD9-81ED-4DB2-BD59-A6C34878D82A}">
+                    <a16:rowId xmlns:a16="http://schemas.microsoft.com/office/drawing/2014/main" val="2535001764"/>
+                  </a:ext>
+                </a:extLst>
+              </a:tr>
+              <a:tr h="370840">
+                <a:tc>
+                  <a:txBody>
+                    <a:bodyPr/>
+                    <a:lstStyle/>
+                    <a:p>
+                      <a:pPr algn="ctr"/>
+                      <a:r>
+                        <a:rPr lang="en-US"/>
+                        <a:t>0</a:t>
+                      </a:r>
+                    </a:p>
+                  </a:txBody>
+                  <a:tcPr/>
+                </a:tc>
+                <a:tc>
+                  <a:txBody>
+                    <a:bodyPr/>
+                    <a:lstStyle/>
+                    <a:p>
+                      <a:endParaRPr lang="en-US"/>
+                    </a:p>
+                  </a:txBody>
+                  <a:tcPr/>
+                </a:tc>
+                <a:tc>
+                  <a:txBody>
+                    <a:bodyPr/>
+                    <a:lstStyle/>
+                    <a:p>
+                      <a:endParaRPr lang="en-US" baseline="0"/>
+                    </a:p>
+                  </a:txBody>
+                  <a:tcPr/>
+                </a:tc>
+                <a:tc>
+                  <a:txBody>
+                    <a:bodyPr/>
+                    <a:lstStyle/>
+                    <a:p>
+                      <a:r>
+                        <a:rPr lang="en-US">
+                          <a:sym typeface="Symbol" panose="05050102010706020507" pitchFamily="18" charset="2"/>
+                        </a:rPr>
+                        <a:t></a:t>
+                      </a:r>
+                      <a:endParaRPr lang="en-US"/>
+                    </a:p>
+                  </a:txBody>
+                  <a:tcPr/>
+                </a:tc>
+                <a:tc>
+                  <a:txBody>
+                    <a:bodyPr/>
+                    <a:lstStyle/>
+                    <a:p>
+                      <a:pPr algn="ctr"/>
+                      <a:r>
+                        <a:rPr lang="en-US">
+                          <a:sym typeface="Symbol" panose="05050102010706020507" pitchFamily="18" charset="2"/>
+                        </a:rPr>
+                        <a:t></a:t>
+                      </a:r>
+                      <a:endParaRPr lang="en-US"/>
+                    </a:p>
+                  </a:txBody>
+                  <a:tcPr/>
+                </a:tc>
+                <a:extLst>
+                  <a:ext uri="{0D108BD9-81ED-4DB2-BD59-A6C34878D82A}">
+                    <a16:rowId xmlns:a16="http://schemas.microsoft.com/office/drawing/2014/main" val="1128574199"/>
+                  </a:ext>
+                </a:extLst>
+              </a:tr>
+              <a:tr h="370840">
+                <a:tc>
+                  <a:txBody>
+                    <a:bodyPr/>
+                    <a:lstStyle/>
+                    <a:p>
+                      <a:pPr algn="ctr"/>
+                      <a:r>
+                        <a:rPr lang="en-US"/>
+                        <a:t>1</a:t>
+                      </a:r>
+                    </a:p>
+                  </a:txBody>
+                  <a:tcPr/>
+                </a:tc>
+                <a:tc>
+                  <a:txBody>
+                    <a:bodyPr/>
+                    <a:lstStyle/>
+                    <a:p>
+                      <a:r>
+                        <a:rPr lang="en-US"/>
+                        <a:t>A</a:t>
+                      </a:r>
+                    </a:p>
+                  </a:txBody>
+                  <a:tcPr/>
+                </a:tc>
+                <a:tc>
+                  <a:txBody>
+                    <a:bodyPr/>
+                    <a:lstStyle/>
+                    <a:p>
+                      <a:r>
+                        <a:rPr lang="en-US"/>
+                        <a:t>B</a:t>
+                      </a:r>
+                      <a:r>
+                        <a:rPr lang="en-US" baseline="30000"/>
+                        <a:t>(5)</a:t>
+                      </a:r>
+                      <a:r>
+                        <a:rPr lang="en-US"/>
+                        <a:t>,C</a:t>
+                      </a:r>
+                      <a:r>
+                        <a:rPr lang="en-US" baseline="30000"/>
+                        <a:t>(7)</a:t>
+                      </a:r>
+                      <a:r>
+                        <a:rPr lang="en-US"/>
+                        <a:t>,D</a:t>
+                      </a:r>
+                      <a:r>
+                        <a:rPr lang="en-US" baseline="30000"/>
+                        <a:t>(6)</a:t>
+                      </a:r>
+                    </a:p>
+                  </a:txBody>
+                  <a:tcPr/>
+                </a:tc>
+                <a:tc>
+                  <a:txBody>
+                    <a:bodyPr/>
+                    <a:lstStyle/>
+                    <a:p>
+                      <a:r>
+                        <a:rPr lang="en-US"/>
+                        <a:t>B</a:t>
+                      </a:r>
+                      <a:r>
+                        <a:rPr lang="en-US" baseline="30000"/>
+                        <a:t>(5)</a:t>
+                      </a:r>
+                      <a:r>
+                        <a:rPr lang="en-US"/>
+                        <a:t>, D</a:t>
+                      </a:r>
+                      <a:r>
+                        <a:rPr lang="en-US" baseline="30000"/>
+                        <a:t>(6)</a:t>
+                      </a:r>
+                      <a:r>
+                        <a:rPr lang="en-US"/>
+                        <a:t>,C</a:t>
+                      </a:r>
+                      <a:r>
+                        <a:rPr lang="en-US" baseline="30000"/>
+                        <a:t>(7)</a:t>
+                      </a:r>
+                    </a:p>
+                  </a:txBody>
+                  <a:tcPr/>
+                </a:tc>
+                <a:tc>
+                  <a:txBody>
+                    <a:bodyPr/>
+                    <a:lstStyle/>
+                    <a:p>
+                      <a:pPr algn="ctr"/>
+                      <a:r>
+                        <a:rPr lang="en-US"/>
+                        <a:t>A</a:t>
+                      </a:r>
+                    </a:p>
+                  </a:txBody>
+                  <a:tcPr/>
+                </a:tc>
+                <a:extLst>
+                  <a:ext uri="{0D108BD9-81ED-4DB2-BD59-A6C34878D82A}">
+                    <a16:rowId xmlns:a16="http://schemas.microsoft.com/office/drawing/2014/main" val="1474527544"/>
+                  </a:ext>
+                </a:extLst>
+              </a:tr>
+              <a:tr h="370840">
+                <a:tc>
+                  <a:txBody>
+                    <a:bodyPr/>
+                    <a:lstStyle/>
+                    <a:p>
+                      <a:pPr algn="ctr"/>
+                      <a:r>
+                        <a:rPr lang="en-US"/>
+                        <a:t>2</a:t>
+                      </a:r>
+                    </a:p>
+                  </a:txBody>
+                  <a:tcPr/>
+                </a:tc>
+                <a:tc>
+                  <a:txBody>
+                    <a:bodyPr/>
+                    <a:lstStyle/>
+                    <a:p>
+                      <a:r>
+                        <a:rPr lang="en-US"/>
+                        <a:t>B</a:t>
+                      </a:r>
+                    </a:p>
+                  </a:txBody>
+                  <a:tcPr/>
+                </a:tc>
+                <a:tc>
+                  <a:txBody>
+                    <a:bodyPr/>
+                    <a:lstStyle/>
+                    <a:p>
+                      <a:r>
+                        <a:rPr lang="en-US"/>
+                        <a:t>E</a:t>
+                      </a:r>
+                      <a:r>
+                        <a:rPr lang="en-US" baseline="30000"/>
+                        <a:t>(9)</a:t>
+                      </a:r>
+                    </a:p>
+                  </a:txBody>
+                  <a:tcPr/>
+                </a:tc>
+                <a:tc>
+                  <a:txBody>
+                    <a:bodyPr/>
+                    <a:lstStyle/>
+                    <a:p>
+                      <a:r>
+                        <a:rPr lang="en-US"/>
+                        <a:t>E</a:t>
+                      </a:r>
+                      <a:r>
+                        <a:rPr lang="en-US" sz="2807" kern="1200" baseline="30000">
+                          <a:solidFill>
+                            <a:schemeClr val="dk1"/>
+                          </a:solidFill>
+                          <a:latin typeface="+mn-lt"/>
+                          <a:ea typeface="+mn-ea"/>
+                          <a:cs typeface="+mn-cs"/>
+                        </a:rPr>
+                        <a:t>(9)</a:t>
+                      </a:r>
+                      <a:r>
+                        <a:rPr lang="en-US"/>
+                        <a:t>, D</a:t>
+                      </a:r>
+                      <a:r>
+                        <a:rPr lang="en-US" sz="2807" kern="1200" baseline="30000">
+                          <a:solidFill>
+                            <a:schemeClr val="dk1"/>
+                          </a:solidFill>
+                          <a:latin typeface="+mn-lt"/>
+                          <a:ea typeface="+mn-ea"/>
+                          <a:cs typeface="+mn-cs"/>
+                        </a:rPr>
+                        <a:t>(6)</a:t>
+                      </a:r>
+                      <a:r>
+                        <a:rPr lang="en-US"/>
+                        <a:t>, C</a:t>
+                      </a:r>
+                      <a:r>
+                        <a:rPr lang="en-US" baseline="30000"/>
+                        <a:t>(7)</a:t>
+                      </a:r>
+                    </a:p>
+                  </a:txBody>
+                  <a:tcPr/>
+                </a:tc>
+                <a:tc>
+                  <a:txBody>
+                    <a:bodyPr/>
+                    <a:lstStyle/>
+                    <a:p>
+                      <a:pPr algn="ctr"/>
+                      <a:r>
+                        <a:rPr lang="en-US"/>
+                        <a:t>B</a:t>
+                      </a:r>
+                    </a:p>
+                  </a:txBody>
+                  <a:tcPr/>
+                </a:tc>
+                <a:extLst>
+                  <a:ext uri="{0D108BD9-81ED-4DB2-BD59-A6C34878D82A}">
+                    <a16:rowId xmlns:a16="http://schemas.microsoft.com/office/drawing/2014/main" val="3800380317"/>
+                  </a:ext>
+                </a:extLst>
+              </a:tr>
+              <a:tr h="370840">
+                <a:tc>
+                  <a:txBody>
+                    <a:bodyPr/>
+                    <a:lstStyle/>
+                    <a:p>
+                      <a:pPr algn="ctr"/>
+                      <a:r>
+                        <a:rPr lang="en-US"/>
+                        <a:t>3</a:t>
+                      </a:r>
+                    </a:p>
+                  </a:txBody>
+                  <a:tcPr/>
+                </a:tc>
+                <a:tc>
+                  <a:txBody>
+                    <a:bodyPr/>
+                    <a:lstStyle/>
+                    <a:p>
+                      <a:r>
+                        <a:rPr lang="en-US"/>
+                        <a:t>E</a:t>
+                      </a:r>
+                    </a:p>
+                  </a:txBody>
+                  <a:tcPr/>
+                </a:tc>
+                <a:tc>
+                  <a:txBody>
+                    <a:bodyPr/>
+                    <a:lstStyle/>
+                    <a:p>
+                      <a:r>
+                        <a:rPr lang="en-US"/>
+                        <a:t>F</a:t>
+                      </a:r>
+                      <a:r>
+                        <a:rPr lang="en-US" baseline="30000"/>
+                        <a:t>(1)</a:t>
+                      </a:r>
+                    </a:p>
+                  </a:txBody>
+                  <a:tcPr/>
+                </a:tc>
+                <a:tc>
+                  <a:txBody>
+                    <a:bodyPr/>
+                    <a:lstStyle/>
+                    <a:p>
+                      <a:pPr marL="0" marR="0" lvl="0" indent="0" algn="l" defTabSz="1425732" rtl="0" eaLnBrk="1" fontAlgn="auto" latinLnBrk="0" hangingPunct="1">
+                        <a:lnSpc>
+                          <a:spcPct val="100000"/>
+                        </a:lnSpc>
+                        <a:spcBef>
+                          <a:spcPts val="0"/>
+                        </a:spcBef>
+                        <a:spcAft>
+                          <a:spcPts val="0"/>
+                        </a:spcAft>
+                        <a:buClrTx/>
+                        <a:buSzTx/>
+                        <a:buFontTx/>
+                        <a:buNone/>
+                        <a:tabLst/>
+                        <a:defRPr/>
+                      </a:pPr>
+                      <a:r>
+                        <a:rPr lang="en-US"/>
+                        <a:t>F</a:t>
+                      </a:r>
+                      <a:r>
+                        <a:rPr lang="en-US" baseline="30000"/>
+                        <a:t>(1)</a:t>
+                      </a:r>
+                      <a:r>
+                        <a:rPr lang="en-US"/>
+                        <a:t>, D</a:t>
+                      </a:r>
+                      <a:r>
+                        <a:rPr lang="en-US" sz="2807" kern="1200" baseline="30000">
+                          <a:solidFill>
+                            <a:schemeClr val="dk1"/>
+                          </a:solidFill>
+                          <a:latin typeface="+mn-lt"/>
+                          <a:ea typeface="+mn-ea"/>
+                          <a:cs typeface="+mn-cs"/>
+                        </a:rPr>
+                        <a:t>(6)</a:t>
+                      </a:r>
+                      <a:r>
+                        <a:rPr lang="en-US"/>
+                        <a:t>, C</a:t>
+                      </a:r>
+                      <a:r>
+                        <a:rPr lang="en-US" baseline="30000"/>
+                        <a:t>(7)</a:t>
+                      </a:r>
+                    </a:p>
+                  </a:txBody>
+                  <a:tcPr/>
+                </a:tc>
+                <a:tc>
+                  <a:txBody>
+                    <a:bodyPr/>
+                    <a:lstStyle/>
+                    <a:p>
+                      <a:pPr algn="ctr"/>
+                      <a:r>
+                        <a:rPr lang="en-US"/>
+                        <a:t>E</a:t>
+                      </a:r>
+                    </a:p>
+                  </a:txBody>
+                  <a:tcPr/>
+                </a:tc>
+                <a:extLst>
+                  <a:ext uri="{0D108BD9-81ED-4DB2-BD59-A6C34878D82A}">
+                    <a16:rowId xmlns:a16="http://schemas.microsoft.com/office/drawing/2014/main" val="2763049288"/>
+                  </a:ext>
+                </a:extLst>
+              </a:tr>
+              <a:tr h="370840">
+                <a:tc>
+                  <a:txBody>
+                    <a:bodyPr/>
+                    <a:lstStyle/>
+                    <a:p>
+                      <a:pPr algn="ctr"/>
+                      <a:r>
+                        <a:rPr lang="en-US"/>
+                        <a:t>4</a:t>
+                      </a:r>
+                    </a:p>
+                  </a:txBody>
+                  <a:tcPr/>
+                </a:tc>
+                <a:tc>
+                  <a:txBody>
+                    <a:bodyPr/>
+                    <a:lstStyle/>
+                    <a:p>
+                      <a:r>
+                        <a:rPr lang="en-US"/>
+                        <a:t>F</a:t>
+                      </a:r>
+                    </a:p>
+                  </a:txBody>
+                  <a:tcPr/>
+                </a:tc>
+                <a:tc>
+                  <a:txBody>
+                    <a:bodyPr/>
+                    <a:lstStyle/>
+                    <a:p>
+                      <a:r>
+                        <a:rPr lang="en-US"/>
+                        <a:t>H</a:t>
+                      </a:r>
+                      <a:r>
+                        <a:rPr lang="en-US" baseline="30000"/>
+                        <a:t>(0)</a:t>
+                      </a:r>
+                    </a:p>
+                  </a:txBody>
+                  <a:tcPr/>
+                </a:tc>
+                <a:tc>
+                  <a:txBody>
+                    <a:bodyPr/>
+                    <a:lstStyle/>
+                    <a:p>
+                      <a:pPr marL="0" marR="0" lvl="0" indent="0" algn="l" defTabSz="1425732" rtl="0" eaLnBrk="1" fontAlgn="auto" latinLnBrk="0" hangingPunct="1">
+                        <a:lnSpc>
+                          <a:spcPct val="100000"/>
+                        </a:lnSpc>
+                        <a:spcBef>
+                          <a:spcPts val="0"/>
+                        </a:spcBef>
+                        <a:spcAft>
+                          <a:spcPts val="0"/>
+                        </a:spcAft>
+                        <a:buClrTx/>
+                        <a:buSzTx/>
+                        <a:buFontTx/>
+                        <a:buNone/>
+                        <a:tabLst/>
+                        <a:defRPr/>
+                      </a:pPr>
+                      <a:r>
+                        <a:rPr lang="en-US"/>
+                        <a:t>H</a:t>
+                      </a:r>
+                      <a:r>
+                        <a:rPr lang="en-US" sz="2807" kern="1200" baseline="30000">
+                          <a:solidFill>
+                            <a:schemeClr val="dk1"/>
+                          </a:solidFill>
+                          <a:latin typeface="+mn-lt"/>
+                          <a:ea typeface="+mn-ea"/>
+                          <a:cs typeface="+mn-cs"/>
+                        </a:rPr>
+                        <a:t>(0)</a:t>
+                      </a:r>
+                      <a:r>
+                        <a:rPr lang="en-US"/>
+                        <a:t>, D</a:t>
+                      </a:r>
+                      <a:r>
+                        <a:rPr lang="en-US" sz="2807" kern="1200" baseline="30000">
+                          <a:solidFill>
+                            <a:schemeClr val="dk1"/>
+                          </a:solidFill>
+                          <a:latin typeface="+mn-lt"/>
+                          <a:ea typeface="+mn-ea"/>
+                          <a:cs typeface="+mn-cs"/>
+                        </a:rPr>
+                        <a:t>(6)</a:t>
+                      </a:r>
+                      <a:r>
+                        <a:rPr lang="en-US"/>
+                        <a:t>, C</a:t>
+                      </a:r>
+                      <a:r>
+                        <a:rPr lang="en-US" baseline="30000"/>
+                        <a:t>(7)</a:t>
+                      </a:r>
+                      <a:endParaRPr lang="en-US"/>
+                    </a:p>
+                  </a:txBody>
+                  <a:tcPr/>
+                </a:tc>
+                <a:tc>
+                  <a:txBody>
+                    <a:bodyPr/>
+                    <a:lstStyle/>
+                    <a:p>
+                      <a:pPr algn="ctr"/>
+                      <a:r>
+                        <a:rPr lang="en-US"/>
+                        <a:t>F</a:t>
+                      </a:r>
+                    </a:p>
+                  </a:txBody>
+                  <a:tcPr/>
+                </a:tc>
+                <a:extLst>
+                  <a:ext uri="{0D108BD9-81ED-4DB2-BD59-A6C34878D82A}">
+                    <a16:rowId xmlns:a16="http://schemas.microsoft.com/office/drawing/2014/main" val="991579569"/>
+                  </a:ext>
+                </a:extLst>
+              </a:tr>
+              <a:tr h="370840">
+                <a:tc>
+                  <a:txBody>
+                    <a:bodyPr/>
+                    <a:lstStyle/>
+                    <a:p>
+                      <a:pPr algn="ctr"/>
+                      <a:r>
+                        <a:rPr lang="en-US"/>
+                        <a:t>5</a:t>
+                      </a:r>
+                    </a:p>
+                  </a:txBody>
+                  <a:tcPr/>
+                </a:tc>
+                <a:tc>
+                  <a:txBody>
+                    <a:bodyPr/>
+                    <a:lstStyle/>
+                    <a:p>
+                      <a:r>
+                        <a:rPr lang="en-US"/>
+                        <a:t>H</a:t>
+                      </a:r>
+                    </a:p>
+                  </a:txBody>
+                  <a:tcPr/>
+                </a:tc>
+                <a:tc>
+                  <a:txBody>
+                    <a:bodyPr/>
+                    <a:lstStyle/>
+                    <a:p>
+                      <a:r>
+                        <a:rPr lang="en-US" baseline="0"/>
+                        <a:t>TRUE</a:t>
+                      </a:r>
+                    </a:p>
+                  </a:txBody>
+                  <a:tcPr/>
+                </a:tc>
+                <a:tc>
+                  <a:txBody>
+                    <a:bodyPr/>
+                    <a:lstStyle/>
+                    <a:p>
+                      <a:pPr marL="0" marR="0" lvl="0" indent="0" algn="l" defTabSz="1425732" rtl="0" eaLnBrk="1" fontAlgn="auto" latinLnBrk="0" hangingPunct="1">
+                        <a:lnSpc>
+                          <a:spcPct val="100000"/>
+                        </a:lnSpc>
+                        <a:spcBef>
+                          <a:spcPts val="0"/>
+                        </a:spcBef>
+                        <a:spcAft>
+                          <a:spcPts val="0"/>
+                        </a:spcAft>
+                        <a:buClrTx/>
+                        <a:buSzTx/>
+                        <a:buFontTx/>
+                        <a:buNone/>
+                        <a:tabLst/>
+                        <a:defRPr/>
+                      </a:pPr>
+                      <a:endParaRPr lang="en-US"/>
+                    </a:p>
+                  </a:txBody>
+                  <a:tcPr/>
+                </a:tc>
+                <a:tc>
+                  <a:txBody>
+                    <a:bodyPr/>
+                    <a:lstStyle/>
+                    <a:p>
+                      <a:pPr algn="ctr"/>
+                      <a:endParaRPr lang="en-US"/>
+                    </a:p>
+                  </a:txBody>
+                  <a:tcPr/>
+                </a:tc>
+                <a:extLst>
+                  <a:ext uri="{0D108BD9-81ED-4DB2-BD59-A6C34878D82A}">
+                    <a16:rowId xmlns:a16="http://schemas.microsoft.com/office/drawing/2014/main" val="34602482"/>
+                  </a:ext>
+                </a:extLst>
+              </a:tr>
+            </a:tbl>
+          </a:graphicData>
+        </a:graphic>
+      </p:graphicFrame>
+      <p:sp>
+        <p:nvSpPr>
+          <p:cNvPr id="9" name="object 20">
+            <a:extLst>
+              <a:ext uri="{FF2B5EF4-FFF2-40B4-BE49-F238E27FC236}">
+                <a16:creationId xmlns:a16="http://schemas.microsoft.com/office/drawing/2014/main" id="{833B066A-6216-4521-63E5-8516F6BF33DB}"/>
+              </a:ext>
+            </a:extLst>
+          </p:cNvPr>
+          <p:cNvSpPr txBox="1"/>
+          <p:nvPr/>
+        </p:nvSpPr>
+        <p:spPr>
+          <a:xfrm>
+            <a:off x="515482" y="6517303"/>
+            <a:ext cx="6017873" cy="812145"/>
+          </a:xfrm>
+          <a:prstGeom prst="rect">
+            <a:avLst/>
+          </a:prstGeom>
+        </p:spPr>
+        <p:style>
+          <a:lnRef idx="1">
+            <a:schemeClr val="dk1"/>
+          </a:lnRef>
+          <a:fillRef idx="2">
+            <a:schemeClr val="dk1"/>
+          </a:fillRef>
+          <a:effectRef idx="1">
+            <a:schemeClr val="dk1"/>
+          </a:effectRef>
+          <a:fontRef idx="minor">
+            <a:schemeClr val="dk1"/>
+          </a:fontRef>
+        </p:style>
+        <p:txBody>
+          <a:bodyPr vert="horz" wrap="square" lIns="0" tIns="12700" rIns="0" bIns="0" rtlCol="0">
+            <a:spAutoFit/>
+          </a:bodyPr>
+          <a:lstStyle/>
+          <a:p>
+            <a:pPr marL="583565" marR="5080" indent="-571500" algn="just">
+              <a:lnSpc>
+                <a:spcPct val="130000"/>
+              </a:lnSpc>
+              <a:buFont typeface="Wingdings" panose="05000000000000000000" pitchFamily="2" charset="2"/>
+              <a:buChar char="§"/>
+            </a:pPr>
+            <a:r>
+              <a:rPr lang="en-US" sz="4400" spc="-5">
+                <a:solidFill>
+                  <a:schemeClr val="bg1"/>
+                </a:solidFill>
+                <a:cs typeface="Source Sans Pro Light"/>
+              </a:rPr>
+              <a:t>A </a:t>
+            </a:r>
+            <a:r>
+              <a:rPr lang="en-US" sz="4400" spc="-5">
+                <a:solidFill>
+                  <a:schemeClr val="bg1"/>
+                </a:solidFill>
+                <a:cs typeface="Source Sans Pro Light"/>
+                <a:sym typeface="Wingdings" panose="05000000000000000000" pitchFamily="2" charset="2"/>
+              </a:rPr>
+              <a:t> B  E  F  H</a:t>
+            </a:r>
+            <a:endParaRPr lang="vi-VN" sz="4400" spc="-5">
+              <a:solidFill>
+                <a:schemeClr val="bg1"/>
+              </a:solidFill>
+              <a:cs typeface="Source Sans Pro Light"/>
+            </a:endParaRPr>
+          </a:p>
+        </p:txBody>
+      </p:sp>
+    </p:spTree>
+    <p:extLst>
+      <p:ext uri="{BB962C8B-B14F-4D97-AF65-F5344CB8AC3E}">
+        <p14:creationId xmlns:p14="http://schemas.microsoft.com/office/powerpoint/2010/main" val="1783960701"/>
+      </p:ext>
+    </p:extLst>
+  </p:cSld>
+  <p:clrMapOvr>
+    <a:masterClrMapping/>
+  </p:clrMapOvr>
+</p:sld>
+</file>
+
+<file path=ppt/slides/slide28.xml><?xml version="1.0" encoding="utf-8"?>
+<p:sld xmlns:a="http://schemas.openxmlformats.org/drawingml/2006/main" xmlns:r="http://schemas.openxmlformats.org/officeDocument/2006/relationships" xmlns:p="http://schemas.openxmlformats.org/presentationml/2006/main">
+  <p:cSld>
+    <p:spTree>
+      <p:nvGrpSpPr>
+        <p:cNvPr id="1" name=""/>
+        <p:cNvGrpSpPr/>
+        <p:nvPr/>
+      </p:nvGrpSpPr>
+      <p:grpSpPr>
+        <a:xfrm>
+          <a:off x="0" y="0"/>
+          <a:ext cx="0" cy="0"/>
+          <a:chOff x="0" y="0"/>
+          <a:chExt cx="0" cy="0"/>
+        </a:xfrm>
+      </p:grpSpPr>
+      <p:sp>
+        <p:nvSpPr>
+          <p:cNvPr id="2" name="object 2"/>
+          <p:cNvSpPr/>
+          <p:nvPr/>
+        </p:nvSpPr>
+        <p:spPr>
+          <a:xfrm>
+            <a:off x="-1" y="0"/>
+            <a:ext cx="19010313" cy="1112119"/>
+          </a:xfrm>
+          <a:custGeom>
+            <a:avLst/>
+            <a:gdLst/>
+            <a:ahLst/>
+            <a:cxnLst/>
+            <a:rect l="l" t="t" r="r" b="b"/>
+            <a:pathLst>
+              <a:path w="1892300" h="440055">
+                <a:moveTo>
+                  <a:pt x="0" y="439737"/>
+                </a:moveTo>
+                <a:lnTo>
+                  <a:pt x="1892300" y="439737"/>
+                </a:lnTo>
+                <a:lnTo>
+                  <a:pt x="1892300" y="0"/>
+                </a:lnTo>
+                <a:lnTo>
+                  <a:pt x="0" y="0"/>
+                </a:lnTo>
+                <a:lnTo>
+                  <a:pt x="0" y="439737"/>
+                </a:lnTo>
+                <a:close/>
+              </a:path>
+            </a:pathLst>
+          </a:custGeom>
+          <a:solidFill>
+            <a:srgbClr val="009EF3"/>
+          </a:solidFill>
+        </p:spPr>
+        <p:txBody>
+          <a:bodyPr wrap="square" lIns="0" tIns="0" rIns="0" bIns="0" rtlCol="0"/>
+          <a:lstStyle/>
+          <a:p>
+            <a:endParaRPr dirty="0"/>
+          </a:p>
+        </p:txBody>
+      </p:sp>
+      <p:sp>
+        <p:nvSpPr>
+          <p:cNvPr id="4" name="object 4"/>
+          <p:cNvSpPr txBox="1"/>
+          <p:nvPr/>
+        </p:nvSpPr>
+        <p:spPr>
+          <a:xfrm>
+            <a:off x="818356" y="317499"/>
+            <a:ext cx="17145000" cy="751488"/>
+          </a:xfrm>
+          <a:prstGeom prst="rect">
+            <a:avLst/>
+          </a:prstGeom>
+        </p:spPr>
+        <p:txBody>
+          <a:bodyPr vert="horz" wrap="square" lIns="0" tIns="12700" rIns="0" bIns="0" rtlCol="0">
+            <a:spAutoFit/>
+          </a:bodyPr>
+          <a:lstStyle/>
+          <a:p>
+            <a:pPr marL="12700">
+              <a:spcBef>
+                <a:spcPts val="100"/>
+              </a:spcBef>
+            </a:pPr>
+            <a:r>
+              <a:rPr lang="vi-VN" sz="4800" spc="-10">
+                <a:solidFill>
+                  <a:srgbClr val="FFFFFF"/>
+                </a:solidFill>
+                <a:cs typeface="Source Sans Pro Light"/>
+              </a:rPr>
+              <a:t>Chương 3. HEURISTIC</a:t>
+            </a:r>
+            <a:endParaRPr lang="vi-VN" sz="4800" dirty="0">
+              <a:cs typeface="Source Sans Pro Light"/>
+            </a:endParaRPr>
+          </a:p>
+        </p:txBody>
+      </p:sp>
+      <p:sp>
+        <p:nvSpPr>
+          <p:cNvPr id="3" name="Freeform: Shape 2">
+            <a:extLst>
+              <a:ext uri="{FF2B5EF4-FFF2-40B4-BE49-F238E27FC236}">
+                <a16:creationId xmlns:a16="http://schemas.microsoft.com/office/drawing/2014/main" id="{5A35C8CA-EC7D-38C1-C466-3E3510053E7C}"/>
+              </a:ext>
+            </a:extLst>
+          </p:cNvPr>
+          <p:cNvSpPr/>
+          <p:nvPr/>
+        </p:nvSpPr>
+        <p:spPr>
+          <a:xfrm>
+            <a:off x="0" y="1124818"/>
+            <a:ext cx="17963356" cy="1000863"/>
+          </a:xfrm>
+          <a:custGeom>
+            <a:avLst/>
+            <a:gdLst>
+              <a:gd name="connsiteX0" fmla="*/ 0 w 19044896"/>
+              <a:gd name="connsiteY0" fmla="*/ 0 h 814838"/>
+              <a:gd name="connsiteX1" fmla="*/ 17382432 w 19044896"/>
+              <a:gd name="connsiteY1" fmla="*/ 0 h 814838"/>
+              <a:gd name="connsiteX2" fmla="*/ 18288000 w 19044896"/>
+              <a:gd name="connsiteY2" fmla="*/ 0 h 814838"/>
+              <a:gd name="connsiteX3" fmla="*/ 18726162 w 19044896"/>
+              <a:gd name="connsiteY3" fmla="*/ 0 h 814838"/>
+              <a:gd name="connsiteX4" fmla="*/ 19044896 w 19044896"/>
+              <a:gd name="connsiteY4" fmla="*/ 407419 h 814838"/>
+              <a:gd name="connsiteX5" fmla="*/ 18726162 w 19044896"/>
+              <a:gd name="connsiteY5" fmla="*/ 814838 h 814838"/>
+              <a:gd name="connsiteX6" fmla="*/ 18288000 w 19044896"/>
+              <a:gd name="connsiteY6" fmla="*/ 814838 h 814838"/>
+              <a:gd name="connsiteX7" fmla="*/ 17382432 w 19044896"/>
+              <a:gd name="connsiteY7" fmla="*/ 814838 h 814838"/>
+              <a:gd name="connsiteX8" fmla="*/ 0 w 19044896"/>
+              <a:gd name="connsiteY8" fmla="*/ 814838 h 814838"/>
+            </a:gdLst>
+            <a:ahLst/>
+            <a:cxnLst>
+              <a:cxn ang="0">
+                <a:pos x="connsiteX0" y="connsiteY0"/>
+              </a:cxn>
+              <a:cxn ang="0">
+                <a:pos x="connsiteX1" y="connsiteY1"/>
+              </a:cxn>
+              <a:cxn ang="0">
+                <a:pos x="connsiteX2" y="connsiteY2"/>
+              </a:cxn>
+              <a:cxn ang="0">
+                <a:pos x="connsiteX3" y="connsiteY3"/>
+              </a:cxn>
+              <a:cxn ang="0">
+                <a:pos x="connsiteX4" y="connsiteY4"/>
+              </a:cxn>
+              <a:cxn ang="0">
+                <a:pos x="connsiteX5" y="connsiteY5"/>
+              </a:cxn>
+              <a:cxn ang="0">
+                <a:pos x="connsiteX6" y="connsiteY6"/>
+              </a:cxn>
+              <a:cxn ang="0">
+                <a:pos x="connsiteX7" y="connsiteY7"/>
+              </a:cxn>
+              <a:cxn ang="0">
+                <a:pos x="connsiteX8" y="connsiteY8"/>
+              </a:cxn>
+            </a:cxnLst>
+            <a:rect l="l" t="t" r="r" b="b"/>
+            <a:pathLst>
+              <a:path w="19044896" h="814838">
+                <a:moveTo>
+                  <a:pt x="0" y="0"/>
+                </a:moveTo>
+                <a:lnTo>
+                  <a:pt x="17382432" y="0"/>
+                </a:lnTo>
+                <a:lnTo>
+                  <a:pt x="18288000" y="0"/>
+                </a:lnTo>
+                <a:lnTo>
+                  <a:pt x="18726162" y="0"/>
+                </a:lnTo>
+                <a:cubicBezTo>
+                  <a:pt x="18902178" y="0"/>
+                  <a:pt x="19044896" y="182396"/>
+                  <a:pt x="19044896" y="407419"/>
+                </a:cubicBezTo>
+                <a:cubicBezTo>
+                  <a:pt x="19044896" y="632443"/>
+                  <a:pt x="18902178" y="814838"/>
+                  <a:pt x="18726162" y="814838"/>
+                </a:cubicBezTo>
+                <a:lnTo>
+                  <a:pt x="18288000" y="814838"/>
+                </a:lnTo>
+                <a:lnTo>
+                  <a:pt x="17382432" y="814838"/>
+                </a:lnTo>
+                <a:lnTo>
+                  <a:pt x="0" y="814838"/>
+                </a:lnTo>
+                <a:close/>
+              </a:path>
+            </a:pathLst>
+          </a:custGeom>
+          <a:ln>
+            <a:noFill/>
+          </a:ln>
+        </p:spPr>
+        <p:style>
+          <a:lnRef idx="3">
+            <a:schemeClr val="lt1"/>
+          </a:lnRef>
+          <a:fillRef idx="1">
+            <a:schemeClr val="accent2"/>
+          </a:fillRef>
+          <a:effectRef idx="1">
+            <a:schemeClr val="accent2"/>
+          </a:effectRef>
+          <a:fontRef idx="minor">
+            <a:schemeClr val="lt1"/>
+          </a:fontRef>
+        </p:style>
+        <p:txBody>
+          <a:bodyPr wrap="square" rtlCol="0" anchor="ctr">
+            <a:noAutofit/>
+          </a:bodyPr>
+          <a:lstStyle/>
+          <a:p>
+            <a:pPr algn="ctr"/>
+            <a:endParaRPr lang="en-US"/>
+          </a:p>
+        </p:txBody>
+      </p:sp>
+      <p:sp>
+        <p:nvSpPr>
+          <p:cNvPr id="5" name="object 20">
+            <a:extLst>
+              <a:ext uri="{FF2B5EF4-FFF2-40B4-BE49-F238E27FC236}">
+                <a16:creationId xmlns:a16="http://schemas.microsoft.com/office/drawing/2014/main" id="{3F042C35-B62C-BAB3-0123-EA2CFC8E5BEF}"/>
+              </a:ext>
+            </a:extLst>
+          </p:cNvPr>
+          <p:cNvSpPr txBox="1"/>
+          <p:nvPr/>
+        </p:nvSpPr>
+        <p:spPr>
+          <a:xfrm>
+            <a:off x="757564" y="1179062"/>
+            <a:ext cx="17205792" cy="814838"/>
+          </a:xfrm>
+          <a:prstGeom prst="rect">
+            <a:avLst/>
+          </a:prstGeom>
+        </p:spPr>
+        <p:txBody>
+          <a:bodyPr vert="horz" wrap="square" lIns="0" tIns="12700" rIns="0" bIns="0" rtlCol="0">
+            <a:spAutoFit/>
+          </a:bodyPr>
+          <a:lstStyle/>
+          <a:p>
+            <a:pPr marL="583565" marR="5080" indent="-571500" algn="just">
+              <a:lnSpc>
+                <a:spcPct val="130000"/>
+              </a:lnSpc>
+              <a:buFont typeface="Wingdings" panose="05000000000000000000" pitchFamily="2" charset="2"/>
+              <a:buChar char="§"/>
+            </a:pPr>
+            <a:r>
+              <a:rPr lang="en-US" sz="4400" spc="-5">
+                <a:cs typeface="Source Sans Pro Light"/>
+              </a:rPr>
+              <a:t>Tìm kiếm leo đồi (Hill Climbing Search)</a:t>
+            </a:r>
+            <a:endParaRPr lang="vi-VN" sz="4400" spc="-5">
+              <a:cs typeface="Source Sans Pro Light"/>
+            </a:endParaRPr>
+          </a:p>
+        </p:txBody>
+      </p:sp>
+      <p:sp>
+        <p:nvSpPr>
+          <p:cNvPr id="7" name="object 20">
+            <a:extLst>
+              <a:ext uri="{FF2B5EF4-FFF2-40B4-BE49-F238E27FC236}">
+                <a16:creationId xmlns:a16="http://schemas.microsoft.com/office/drawing/2014/main" id="{99CAFD30-61EA-2AF6-98B6-D9FD92AD26C8}"/>
+              </a:ext>
+            </a:extLst>
+          </p:cNvPr>
+          <p:cNvSpPr txBox="1"/>
+          <p:nvPr/>
+        </p:nvSpPr>
+        <p:spPr>
+          <a:xfrm>
+            <a:off x="748607" y="2212279"/>
+            <a:ext cx="7384950" cy="6343468"/>
+          </a:xfrm>
+          <a:prstGeom prst="rect">
+            <a:avLst/>
+          </a:prstGeom>
+        </p:spPr>
+        <p:txBody>
+          <a:bodyPr vert="horz" wrap="square" lIns="0" tIns="12700" rIns="0" bIns="0" rtlCol="0">
+            <a:spAutoFit/>
+          </a:bodyPr>
+          <a:lstStyle/>
+          <a:p>
+            <a:pPr marL="583565" marR="5080" indent="-571500" algn="just">
+              <a:lnSpc>
+                <a:spcPct val="130000"/>
+              </a:lnSpc>
+              <a:buFont typeface="Wingdings" panose="05000000000000000000" pitchFamily="2" charset="2"/>
+              <a:buChar char="§"/>
+            </a:pPr>
+            <a:r>
+              <a:rPr lang="vi-VN" sz="4000" spc="-5"/>
+              <a:t>Trình bày thuật toán leo đồi dốc đứng. Áp dụng thuật toán để tìm đường đi ngắn nhất từ đỉnh </a:t>
+            </a:r>
+            <a:r>
+              <a:rPr lang="en-US" sz="4000" spc="-5"/>
+              <a:t>A</a:t>
+            </a:r>
+            <a:r>
+              <a:rPr lang="vi-VN" sz="4000" spc="-5"/>
+              <a:t> đến </a:t>
+            </a:r>
+            <a:r>
+              <a:rPr lang="en-US" sz="4000" spc="-5"/>
+              <a:t>N</a:t>
+            </a:r>
+            <a:r>
+              <a:rPr lang="vi-VN" sz="4000" spc="-5"/>
+              <a:t> trên đồ thị, với các ước lượng heuristic của các trạng thái so với trạng thái đích được cho trong </a:t>
+            </a:r>
+            <a:r>
+              <a:rPr lang="en-US" sz="4000" spc="-5"/>
+              <a:t>hình</a:t>
+            </a:r>
+            <a:r>
+              <a:rPr lang="vi-VN" sz="4000" spc="-5"/>
+              <a:t>.</a:t>
+            </a:r>
+            <a:endParaRPr lang="en-US" sz="3600" i="1" spc="-5">
+              <a:highlight>
+                <a:srgbClr val="FF0000"/>
+              </a:highlight>
+            </a:endParaRPr>
+          </a:p>
+        </p:txBody>
+      </p:sp>
+      <p:pic>
+        <p:nvPicPr>
+          <p:cNvPr id="9" name="Picture 8">
+            <a:extLst>
+              <a:ext uri="{FF2B5EF4-FFF2-40B4-BE49-F238E27FC236}">
+                <a16:creationId xmlns:a16="http://schemas.microsoft.com/office/drawing/2014/main" id="{BB9ED843-E83C-1AF9-22E5-1D70C6ADFD40}"/>
+              </a:ext>
+            </a:extLst>
+          </p:cNvPr>
+          <p:cNvPicPr>
+            <a:picLocks noChangeAspect="1"/>
+          </p:cNvPicPr>
+          <p:nvPr/>
+        </p:nvPicPr>
+        <p:blipFill>
+          <a:blip r:embed="rId3">
+            <a:extLst>
+              <a:ext uri="{28A0092B-C50C-407E-A947-70E740481C1C}">
+                <a14:useLocalDpi xmlns:a14="http://schemas.microsoft.com/office/drawing/2010/main" val="0"/>
+              </a:ext>
+            </a:extLst>
+          </a:blip>
+          <a:stretch>
+            <a:fillRect/>
+          </a:stretch>
+        </p:blipFill>
+        <p:spPr>
+          <a:xfrm>
+            <a:off x="8224203" y="2224978"/>
+            <a:ext cx="10037503" cy="7922321"/>
+          </a:xfrm>
+          <a:prstGeom prst="rect">
+            <a:avLst/>
+          </a:prstGeom>
+        </p:spPr>
+      </p:pic>
+    </p:spTree>
+    <p:extLst>
+      <p:ext uri="{BB962C8B-B14F-4D97-AF65-F5344CB8AC3E}">
+        <p14:creationId xmlns:p14="http://schemas.microsoft.com/office/powerpoint/2010/main" val="671947339"/>
+      </p:ext>
+    </p:extLst>
+  </p:cSld>
+  <p:clrMapOvr>
+    <a:masterClrMapping/>
+  </p:clrMapOvr>
+</p:sld>
+</file>
+
+<file path=ppt/slides/slide29.xml><?xml version="1.0" encoding="utf-8"?>
+<p:sld xmlns:a="http://schemas.openxmlformats.org/drawingml/2006/main" xmlns:r="http://schemas.openxmlformats.org/officeDocument/2006/relationships" xmlns:p="http://schemas.openxmlformats.org/presentationml/2006/main" show="0">
+  <p:cSld>
+    <p:spTree>
+      <p:nvGrpSpPr>
+        <p:cNvPr id="1" name=""/>
+        <p:cNvGrpSpPr/>
+        <p:nvPr/>
+      </p:nvGrpSpPr>
+      <p:grpSpPr>
+        <a:xfrm>
+          <a:off x="0" y="0"/>
+          <a:ext cx="0" cy="0"/>
+          <a:chOff x="0" y="0"/>
+          <a:chExt cx="0" cy="0"/>
+        </a:xfrm>
+      </p:grpSpPr>
+      <p:sp>
+        <p:nvSpPr>
+          <p:cNvPr id="2" name="object 2"/>
+          <p:cNvSpPr/>
+          <p:nvPr/>
+        </p:nvSpPr>
+        <p:spPr>
+          <a:xfrm>
+            <a:off x="-1" y="0"/>
+            <a:ext cx="19010313" cy="1112119"/>
+          </a:xfrm>
+          <a:custGeom>
+            <a:avLst/>
+            <a:gdLst/>
+            <a:ahLst/>
+            <a:cxnLst/>
+            <a:rect l="l" t="t" r="r" b="b"/>
+            <a:pathLst>
+              <a:path w="1892300" h="440055">
+                <a:moveTo>
+                  <a:pt x="0" y="439737"/>
+                </a:moveTo>
+                <a:lnTo>
+                  <a:pt x="1892300" y="439737"/>
+                </a:lnTo>
+                <a:lnTo>
+                  <a:pt x="1892300" y="0"/>
+                </a:lnTo>
+                <a:lnTo>
+                  <a:pt x="0" y="0"/>
+                </a:lnTo>
+                <a:lnTo>
+                  <a:pt x="0" y="439737"/>
+                </a:lnTo>
+                <a:close/>
+              </a:path>
+            </a:pathLst>
+          </a:custGeom>
+          <a:solidFill>
+            <a:srgbClr val="009EF3"/>
+          </a:solidFill>
+        </p:spPr>
+        <p:txBody>
+          <a:bodyPr wrap="square" lIns="0" tIns="0" rIns="0" bIns="0" rtlCol="0"/>
+          <a:lstStyle/>
+          <a:p>
+            <a:endParaRPr dirty="0"/>
+          </a:p>
+        </p:txBody>
+      </p:sp>
+      <p:sp>
+        <p:nvSpPr>
+          <p:cNvPr id="4" name="object 4"/>
+          <p:cNvSpPr txBox="1"/>
+          <p:nvPr/>
+        </p:nvSpPr>
+        <p:spPr>
+          <a:xfrm>
+            <a:off x="818356" y="317499"/>
+            <a:ext cx="17145000" cy="751488"/>
+          </a:xfrm>
+          <a:prstGeom prst="rect">
+            <a:avLst/>
+          </a:prstGeom>
+        </p:spPr>
+        <p:txBody>
+          <a:bodyPr vert="horz" wrap="square" lIns="0" tIns="12700" rIns="0" bIns="0" rtlCol="0">
+            <a:spAutoFit/>
+          </a:bodyPr>
+          <a:lstStyle/>
+          <a:p>
+            <a:pPr marL="12700">
+              <a:spcBef>
+                <a:spcPts val="100"/>
+              </a:spcBef>
+            </a:pPr>
+            <a:r>
+              <a:rPr lang="vi-VN" sz="4800" spc="-10">
+                <a:solidFill>
+                  <a:srgbClr val="FFFFFF"/>
+                </a:solidFill>
+                <a:cs typeface="Source Sans Pro Light"/>
+              </a:rPr>
+              <a:t>Chương 3. HEURISTIC</a:t>
+            </a:r>
+            <a:endParaRPr lang="vi-VN" sz="4800" dirty="0">
+              <a:cs typeface="Source Sans Pro Light"/>
+            </a:endParaRPr>
+          </a:p>
+        </p:txBody>
+      </p:sp>
+      <p:sp>
+        <p:nvSpPr>
+          <p:cNvPr id="3" name="Freeform: Shape 2">
+            <a:extLst>
+              <a:ext uri="{FF2B5EF4-FFF2-40B4-BE49-F238E27FC236}">
+                <a16:creationId xmlns:a16="http://schemas.microsoft.com/office/drawing/2014/main" id="{5A35C8CA-EC7D-38C1-C466-3E3510053E7C}"/>
+              </a:ext>
+            </a:extLst>
+          </p:cNvPr>
+          <p:cNvSpPr/>
+          <p:nvPr/>
+        </p:nvSpPr>
+        <p:spPr>
+          <a:xfrm>
+            <a:off x="0" y="1124818"/>
+            <a:ext cx="17963356" cy="1000863"/>
+          </a:xfrm>
+          <a:custGeom>
+            <a:avLst/>
+            <a:gdLst>
+              <a:gd name="connsiteX0" fmla="*/ 0 w 19044896"/>
+              <a:gd name="connsiteY0" fmla="*/ 0 h 814838"/>
+              <a:gd name="connsiteX1" fmla="*/ 17382432 w 19044896"/>
+              <a:gd name="connsiteY1" fmla="*/ 0 h 814838"/>
+              <a:gd name="connsiteX2" fmla="*/ 18288000 w 19044896"/>
+              <a:gd name="connsiteY2" fmla="*/ 0 h 814838"/>
+              <a:gd name="connsiteX3" fmla="*/ 18726162 w 19044896"/>
+              <a:gd name="connsiteY3" fmla="*/ 0 h 814838"/>
+              <a:gd name="connsiteX4" fmla="*/ 19044896 w 19044896"/>
+              <a:gd name="connsiteY4" fmla="*/ 407419 h 814838"/>
+              <a:gd name="connsiteX5" fmla="*/ 18726162 w 19044896"/>
+              <a:gd name="connsiteY5" fmla="*/ 814838 h 814838"/>
+              <a:gd name="connsiteX6" fmla="*/ 18288000 w 19044896"/>
+              <a:gd name="connsiteY6" fmla="*/ 814838 h 814838"/>
+              <a:gd name="connsiteX7" fmla="*/ 17382432 w 19044896"/>
+              <a:gd name="connsiteY7" fmla="*/ 814838 h 814838"/>
+              <a:gd name="connsiteX8" fmla="*/ 0 w 19044896"/>
+              <a:gd name="connsiteY8" fmla="*/ 814838 h 814838"/>
+            </a:gdLst>
+            <a:ahLst/>
+            <a:cxnLst>
+              <a:cxn ang="0">
+                <a:pos x="connsiteX0" y="connsiteY0"/>
+              </a:cxn>
+              <a:cxn ang="0">
+                <a:pos x="connsiteX1" y="connsiteY1"/>
+              </a:cxn>
+              <a:cxn ang="0">
+                <a:pos x="connsiteX2" y="connsiteY2"/>
+              </a:cxn>
+              <a:cxn ang="0">
+                <a:pos x="connsiteX3" y="connsiteY3"/>
+              </a:cxn>
+              <a:cxn ang="0">
+                <a:pos x="connsiteX4" y="connsiteY4"/>
+              </a:cxn>
+              <a:cxn ang="0">
+                <a:pos x="connsiteX5" y="connsiteY5"/>
+              </a:cxn>
+              <a:cxn ang="0">
+                <a:pos x="connsiteX6" y="connsiteY6"/>
+              </a:cxn>
+              <a:cxn ang="0">
+                <a:pos x="connsiteX7" y="connsiteY7"/>
+              </a:cxn>
+              <a:cxn ang="0">
+                <a:pos x="connsiteX8" y="connsiteY8"/>
+              </a:cxn>
+            </a:cxnLst>
+            <a:rect l="l" t="t" r="r" b="b"/>
+            <a:pathLst>
+              <a:path w="19044896" h="814838">
+                <a:moveTo>
+                  <a:pt x="0" y="0"/>
+                </a:moveTo>
+                <a:lnTo>
+                  <a:pt x="17382432" y="0"/>
+                </a:lnTo>
+                <a:lnTo>
+                  <a:pt x="18288000" y="0"/>
+                </a:lnTo>
+                <a:lnTo>
+                  <a:pt x="18726162" y="0"/>
+                </a:lnTo>
+                <a:cubicBezTo>
+                  <a:pt x="18902178" y="0"/>
+                  <a:pt x="19044896" y="182396"/>
+                  <a:pt x="19044896" y="407419"/>
+                </a:cubicBezTo>
+                <a:cubicBezTo>
+                  <a:pt x="19044896" y="632443"/>
+                  <a:pt x="18902178" y="814838"/>
+                  <a:pt x="18726162" y="814838"/>
+                </a:cubicBezTo>
+                <a:lnTo>
+                  <a:pt x="18288000" y="814838"/>
+                </a:lnTo>
+                <a:lnTo>
+                  <a:pt x="17382432" y="814838"/>
+                </a:lnTo>
+                <a:lnTo>
+                  <a:pt x="0" y="814838"/>
+                </a:lnTo>
+                <a:close/>
+              </a:path>
+            </a:pathLst>
+          </a:custGeom>
+          <a:ln>
+            <a:noFill/>
+          </a:ln>
+        </p:spPr>
+        <p:style>
+          <a:lnRef idx="3">
+            <a:schemeClr val="lt1"/>
+          </a:lnRef>
+          <a:fillRef idx="1">
+            <a:schemeClr val="accent2"/>
+          </a:fillRef>
+          <a:effectRef idx="1">
+            <a:schemeClr val="accent2"/>
+          </a:effectRef>
+          <a:fontRef idx="minor">
+            <a:schemeClr val="lt1"/>
+          </a:fontRef>
+        </p:style>
+        <p:txBody>
+          <a:bodyPr wrap="square" rtlCol="0" anchor="ctr">
+            <a:noAutofit/>
+          </a:bodyPr>
+          <a:lstStyle/>
+          <a:p>
+            <a:pPr algn="ctr"/>
+            <a:endParaRPr lang="en-US"/>
+          </a:p>
+        </p:txBody>
+      </p:sp>
+      <p:sp>
+        <p:nvSpPr>
+          <p:cNvPr id="5" name="object 20">
+            <a:extLst>
+              <a:ext uri="{FF2B5EF4-FFF2-40B4-BE49-F238E27FC236}">
+                <a16:creationId xmlns:a16="http://schemas.microsoft.com/office/drawing/2014/main" id="{3F042C35-B62C-BAB3-0123-EA2CFC8E5BEF}"/>
+              </a:ext>
+            </a:extLst>
+          </p:cNvPr>
+          <p:cNvSpPr txBox="1"/>
+          <p:nvPr/>
+        </p:nvSpPr>
+        <p:spPr>
+          <a:xfrm>
+            <a:off x="757564" y="1179062"/>
+            <a:ext cx="17205792" cy="814838"/>
+          </a:xfrm>
+          <a:prstGeom prst="rect">
+            <a:avLst/>
+          </a:prstGeom>
+        </p:spPr>
+        <p:txBody>
+          <a:bodyPr vert="horz" wrap="square" lIns="0" tIns="12700" rIns="0" bIns="0" rtlCol="0">
+            <a:spAutoFit/>
+          </a:bodyPr>
+          <a:lstStyle/>
+          <a:p>
+            <a:pPr marL="583565" marR="5080" indent="-571500" algn="just">
+              <a:lnSpc>
+                <a:spcPct val="130000"/>
+              </a:lnSpc>
+              <a:buFont typeface="Wingdings" panose="05000000000000000000" pitchFamily="2" charset="2"/>
+              <a:buChar char="§"/>
+            </a:pPr>
+            <a:r>
+              <a:rPr lang="en-US" sz="4400" spc="-5">
+                <a:cs typeface="Source Sans Pro Light"/>
+              </a:rPr>
+              <a:t>Tìm kiếm leo đồi (Hill Climbing Search)</a:t>
+            </a:r>
+            <a:endParaRPr lang="vi-VN" sz="4400" spc="-5">
+              <a:cs typeface="Source Sans Pro Light"/>
+            </a:endParaRPr>
+          </a:p>
+        </p:txBody>
+      </p:sp>
+      <p:pic>
+        <p:nvPicPr>
+          <p:cNvPr id="11" name="Picture 10">
+            <a:extLst>
+              <a:ext uri="{FF2B5EF4-FFF2-40B4-BE49-F238E27FC236}">
+                <a16:creationId xmlns:a16="http://schemas.microsoft.com/office/drawing/2014/main" id="{148C2C68-860A-F9AC-5436-E330E7E0A0E1}"/>
+              </a:ext>
+            </a:extLst>
+          </p:cNvPr>
+          <p:cNvPicPr>
+            <a:picLocks noChangeAspect="1"/>
+          </p:cNvPicPr>
+          <p:nvPr/>
+        </p:nvPicPr>
+        <p:blipFill>
+          <a:blip r:embed="rId3">
+            <a:extLst>
+              <a:ext uri="{28A0092B-C50C-407E-A947-70E740481C1C}">
+                <a14:useLocalDpi xmlns:a14="http://schemas.microsoft.com/office/drawing/2010/main" val="0"/>
+              </a:ext>
+            </a:extLst>
+          </a:blip>
+          <a:srcRect/>
+          <a:stretch/>
+        </p:blipFill>
+        <p:spPr>
+          <a:xfrm>
+            <a:off x="11020287" y="2179926"/>
+            <a:ext cx="7970181" cy="6290974"/>
+          </a:xfrm>
+          <a:prstGeom prst="rect">
+            <a:avLst/>
+          </a:prstGeom>
+        </p:spPr>
+      </p:pic>
+      <p:graphicFrame>
+        <p:nvGraphicFramePr>
+          <p:cNvPr id="6" name="Table 7">
+            <a:extLst>
+              <a:ext uri="{FF2B5EF4-FFF2-40B4-BE49-F238E27FC236}">
+                <a16:creationId xmlns:a16="http://schemas.microsoft.com/office/drawing/2014/main" id="{040EA5F2-350A-1D21-6882-91AB466377ED}"/>
+              </a:ext>
+            </a:extLst>
+          </p:cNvPr>
+          <p:cNvGraphicFramePr>
+            <a:graphicFrameLocks noGrp="1"/>
+          </p:cNvGraphicFramePr>
+          <p:nvPr>
+            <p:extLst>
+              <p:ext uri="{D42A27DB-BD31-4B8C-83A1-F6EECF244321}">
+                <p14:modId xmlns:p14="http://schemas.microsoft.com/office/powerpoint/2010/main" val="223740449"/>
+              </p:ext>
+            </p:extLst>
+          </p:nvPr>
+        </p:nvGraphicFramePr>
+        <p:xfrm>
+          <a:off x="513557" y="2603500"/>
+          <a:ext cx="10901052" cy="4918077"/>
+        </p:xfrm>
+        <a:graphic>
+          <a:graphicData uri="http://schemas.openxmlformats.org/drawingml/2006/table">
+            <a:tbl>
+              <a:tblPr firstRow="1" bandRow="1">
+                <a:tableStyleId>{5C22544A-7EE6-4342-B048-85BDC9FD1C3A}</a:tableStyleId>
+              </a:tblPr>
+              <a:tblGrid>
+                <a:gridCol w="1187768">
+                  <a:extLst>
+                    <a:ext uri="{9D8B030D-6E8A-4147-A177-3AD203B41FA5}">
+                      <a16:colId xmlns:a16="http://schemas.microsoft.com/office/drawing/2014/main" val="3447785761"/>
+                    </a:ext>
+                  </a:extLst>
+                </a:gridCol>
+                <a:gridCol w="440807">
+                  <a:extLst>
+                    <a:ext uri="{9D8B030D-6E8A-4147-A177-3AD203B41FA5}">
+                      <a16:colId xmlns:a16="http://schemas.microsoft.com/office/drawing/2014/main" val="2962333438"/>
+                    </a:ext>
+                  </a:extLst>
+                </a:gridCol>
+                <a:gridCol w="3691255">
+                  <a:extLst>
+                    <a:ext uri="{9D8B030D-6E8A-4147-A177-3AD203B41FA5}">
+                      <a16:colId xmlns:a16="http://schemas.microsoft.com/office/drawing/2014/main" val="880620419"/>
+                    </a:ext>
+                  </a:extLst>
+                </a:gridCol>
+                <a:gridCol w="4057221">
+                  <a:extLst>
+                    <a:ext uri="{9D8B030D-6E8A-4147-A177-3AD203B41FA5}">
+                      <a16:colId xmlns:a16="http://schemas.microsoft.com/office/drawing/2014/main" val="862872195"/>
+                    </a:ext>
+                  </a:extLst>
+                </a:gridCol>
+                <a:gridCol w="1524001">
+                  <a:extLst>
+                    <a:ext uri="{9D8B030D-6E8A-4147-A177-3AD203B41FA5}">
+                      <a16:colId xmlns:a16="http://schemas.microsoft.com/office/drawing/2014/main" val="2348659563"/>
+                    </a:ext>
+                  </a:extLst>
+                </a:gridCol>
+              </a:tblGrid>
+              <a:tr h="370840">
+                <a:tc>
+                  <a:txBody>
+                    <a:bodyPr/>
+                    <a:lstStyle/>
+                    <a:p>
+                      <a:r>
+                        <a:rPr lang="en-US"/>
+                        <a:t>Bước</a:t>
+                      </a:r>
+                    </a:p>
+                  </a:txBody>
+                  <a:tcPr/>
+                </a:tc>
+                <a:tc>
+                  <a:txBody>
+                    <a:bodyPr/>
+                    <a:lstStyle/>
+                    <a:p>
+                      <a:r>
+                        <a:rPr lang="en-US"/>
+                        <a:t>n</a:t>
+                      </a:r>
+                    </a:p>
+                  </a:txBody>
+                  <a:tcPr/>
+                </a:tc>
+                <a:tc>
+                  <a:txBody>
+                    <a:bodyPr/>
+                    <a:lstStyle/>
+                    <a:p>
+                      <a:r>
+                        <a:rPr lang="en-US">
+                          <a:sym typeface="Symbol" panose="05050102010706020507" pitchFamily="18" charset="2"/>
+                        </a:rPr>
+                        <a:t>(n)</a:t>
+                      </a:r>
+                      <a:endParaRPr lang="en-US"/>
+                    </a:p>
+                  </a:txBody>
+                  <a:tcPr/>
+                </a:tc>
+                <a:tc>
+                  <a:txBody>
+                    <a:bodyPr/>
+                    <a:lstStyle/>
+                    <a:p>
+                      <a:r>
+                        <a:rPr lang="en-US"/>
+                        <a:t>OPEN</a:t>
+                      </a:r>
+                    </a:p>
+                  </a:txBody>
+                  <a:tcPr/>
+                </a:tc>
+                <a:tc>
+                  <a:txBody>
+                    <a:bodyPr/>
+                    <a:lstStyle/>
+                    <a:p>
+                      <a:r>
+                        <a:rPr lang="en-US"/>
+                        <a:t>CLOSE</a:t>
+                      </a:r>
+                    </a:p>
+                  </a:txBody>
+                  <a:tcPr/>
+                </a:tc>
+                <a:extLst>
+                  <a:ext uri="{0D108BD9-81ED-4DB2-BD59-A6C34878D82A}">
+                    <a16:rowId xmlns:a16="http://schemas.microsoft.com/office/drawing/2014/main" val="2535001764"/>
+                  </a:ext>
+                </a:extLst>
+              </a:tr>
+              <a:tr h="370840">
+                <a:tc>
+                  <a:txBody>
+                    <a:bodyPr/>
+                    <a:lstStyle/>
+                    <a:p>
+                      <a:pPr algn="ctr"/>
+                      <a:r>
+                        <a:rPr lang="en-US"/>
+                        <a:t>0</a:t>
+                      </a:r>
+                    </a:p>
+                  </a:txBody>
+                  <a:tcPr/>
+                </a:tc>
+                <a:tc>
+                  <a:txBody>
+                    <a:bodyPr/>
+                    <a:lstStyle/>
+                    <a:p>
+                      <a:endParaRPr lang="en-US"/>
+                    </a:p>
+                  </a:txBody>
+                  <a:tcPr/>
+                </a:tc>
+                <a:tc>
+                  <a:txBody>
+                    <a:bodyPr/>
+                    <a:lstStyle/>
+                    <a:p>
+                      <a:endParaRPr lang="en-US" baseline="0"/>
+                    </a:p>
+                  </a:txBody>
+                  <a:tcPr/>
+                </a:tc>
+                <a:tc>
+                  <a:txBody>
+                    <a:bodyPr/>
+                    <a:lstStyle/>
+                    <a:p>
+                      <a:r>
+                        <a:rPr lang="en-US">
+                          <a:sym typeface="Symbol" panose="05050102010706020507" pitchFamily="18" charset="2"/>
+                        </a:rPr>
+                        <a:t></a:t>
+                      </a:r>
+                      <a:endParaRPr lang="en-US"/>
+                    </a:p>
+                  </a:txBody>
+                  <a:tcPr/>
+                </a:tc>
+                <a:tc>
+                  <a:txBody>
+                    <a:bodyPr/>
+                    <a:lstStyle/>
+                    <a:p>
+                      <a:pPr algn="ctr"/>
+                      <a:r>
+                        <a:rPr lang="en-US">
+                          <a:sym typeface="Symbol" panose="05050102010706020507" pitchFamily="18" charset="2"/>
+                        </a:rPr>
+                        <a:t></a:t>
+                      </a:r>
+                      <a:endParaRPr lang="en-US"/>
+                    </a:p>
+                  </a:txBody>
+                  <a:tcPr/>
+                </a:tc>
+                <a:extLst>
+                  <a:ext uri="{0D108BD9-81ED-4DB2-BD59-A6C34878D82A}">
+                    <a16:rowId xmlns:a16="http://schemas.microsoft.com/office/drawing/2014/main" val="1128574199"/>
+                  </a:ext>
+                </a:extLst>
+              </a:tr>
+              <a:tr h="370840">
+                <a:tc>
+                  <a:txBody>
+                    <a:bodyPr/>
+                    <a:lstStyle/>
+                    <a:p>
+                      <a:pPr algn="ctr"/>
+                      <a:r>
+                        <a:rPr lang="en-US"/>
+                        <a:t>1</a:t>
+                      </a:r>
+                    </a:p>
+                  </a:txBody>
+                  <a:tcPr/>
+                </a:tc>
+                <a:tc>
+                  <a:txBody>
+                    <a:bodyPr/>
+                    <a:lstStyle/>
+                    <a:p>
+                      <a:r>
+                        <a:rPr lang="en-US"/>
+                        <a:t>A</a:t>
+                      </a:r>
+                    </a:p>
+                  </a:txBody>
+                  <a:tcPr/>
+                </a:tc>
+                <a:tc>
+                  <a:txBody>
+                    <a:bodyPr/>
+                    <a:lstStyle/>
+                    <a:p>
+                      <a:r>
+                        <a:rPr lang="en-US"/>
+                        <a:t>B</a:t>
+                      </a:r>
+                      <a:r>
+                        <a:rPr lang="en-US" baseline="30000"/>
+                        <a:t>(38)</a:t>
+                      </a:r>
+                      <a:r>
+                        <a:rPr lang="en-US"/>
+                        <a:t>,C</a:t>
+                      </a:r>
+                      <a:r>
+                        <a:rPr lang="en-US" baseline="30000"/>
+                        <a:t>(20)</a:t>
+                      </a:r>
+                      <a:r>
+                        <a:rPr lang="en-US"/>
+                        <a:t>,D</a:t>
+                      </a:r>
+                      <a:r>
+                        <a:rPr lang="en-US" baseline="30000"/>
+                        <a:t>(15)</a:t>
+                      </a:r>
+                    </a:p>
+                  </a:txBody>
+                  <a:tcPr/>
+                </a:tc>
+                <a:tc>
+                  <a:txBody>
+                    <a:bodyPr/>
+                    <a:lstStyle/>
+                    <a:p>
+                      <a:r>
+                        <a:rPr lang="en-US"/>
+                        <a:t>D</a:t>
+                      </a:r>
+                      <a:r>
+                        <a:rPr lang="en-US" baseline="30000"/>
+                        <a:t>(15)</a:t>
+                      </a:r>
+                      <a:r>
+                        <a:rPr lang="en-US"/>
+                        <a:t>, C</a:t>
+                      </a:r>
+                      <a:r>
+                        <a:rPr lang="en-US" baseline="30000"/>
+                        <a:t>(20)</a:t>
+                      </a:r>
+                      <a:r>
+                        <a:rPr lang="en-US"/>
+                        <a:t>,B</a:t>
+                      </a:r>
+                      <a:r>
+                        <a:rPr lang="en-US" baseline="30000"/>
+                        <a:t>(28)</a:t>
+                      </a:r>
+                    </a:p>
+                  </a:txBody>
+                  <a:tcPr/>
+                </a:tc>
+                <a:tc>
+                  <a:txBody>
+                    <a:bodyPr/>
+                    <a:lstStyle/>
+                    <a:p>
+                      <a:pPr algn="ctr"/>
+                      <a:r>
+                        <a:rPr lang="en-US"/>
+                        <a:t>A</a:t>
+                      </a:r>
+                    </a:p>
+                  </a:txBody>
+                  <a:tcPr/>
+                </a:tc>
+                <a:extLst>
+                  <a:ext uri="{0D108BD9-81ED-4DB2-BD59-A6C34878D82A}">
+                    <a16:rowId xmlns:a16="http://schemas.microsoft.com/office/drawing/2014/main" val="1474527544"/>
+                  </a:ext>
+                </a:extLst>
+              </a:tr>
+              <a:tr h="370840">
+                <a:tc>
+                  <a:txBody>
+                    <a:bodyPr/>
+                    <a:lstStyle/>
+                    <a:p>
+                      <a:pPr algn="ctr"/>
+                      <a:r>
+                        <a:rPr lang="en-US"/>
+                        <a:t>2</a:t>
+                      </a:r>
+                    </a:p>
+                  </a:txBody>
+                  <a:tcPr/>
+                </a:tc>
+                <a:tc>
+                  <a:txBody>
+                    <a:bodyPr/>
+                    <a:lstStyle/>
+                    <a:p>
+                      <a:r>
+                        <a:rPr lang="en-US"/>
+                        <a:t>D</a:t>
+                      </a:r>
+                    </a:p>
+                  </a:txBody>
+                  <a:tcPr/>
+                </a:tc>
+                <a:tc>
+                  <a:txBody>
+                    <a:bodyPr/>
+                    <a:lstStyle/>
+                    <a:p>
+                      <a:pPr marL="0" marR="0" lvl="0" indent="0" algn="l" defTabSz="1425732" rtl="0" eaLnBrk="1" fontAlgn="auto" latinLnBrk="0" hangingPunct="1">
+                        <a:lnSpc>
+                          <a:spcPct val="100000"/>
+                        </a:lnSpc>
+                        <a:spcBef>
+                          <a:spcPts val="0"/>
+                        </a:spcBef>
+                        <a:spcAft>
+                          <a:spcPts val="0"/>
+                        </a:spcAft>
+                        <a:buClrTx/>
+                        <a:buSzTx/>
+                        <a:buFontTx/>
+                        <a:buNone/>
+                        <a:tabLst/>
+                        <a:defRPr/>
+                      </a:pPr>
+                      <a:r>
+                        <a:rPr lang="en-US"/>
+                        <a:t>G</a:t>
+                      </a:r>
+                      <a:r>
+                        <a:rPr lang="en-US" baseline="30000"/>
+                        <a:t>(25)</a:t>
+                      </a:r>
+                      <a:r>
+                        <a:rPr lang="en-US"/>
+                        <a:t>, H</a:t>
+                      </a:r>
+                      <a:r>
+                        <a:rPr lang="en-US" baseline="30000"/>
+                        <a:t>(23)</a:t>
+                      </a:r>
+                      <a:r>
+                        <a:rPr lang="en-US"/>
+                        <a:t>, I</a:t>
+                      </a:r>
+                      <a:r>
+                        <a:rPr lang="en-US" baseline="30000"/>
+                        <a:t>(28)</a:t>
+                      </a:r>
+                      <a:r>
+                        <a:rPr lang="en-US"/>
+                        <a:t>, J</a:t>
+                      </a:r>
+                      <a:r>
+                        <a:rPr lang="en-US" baseline="30000"/>
+                        <a:t>(40)</a:t>
+                      </a:r>
+                    </a:p>
+                  </a:txBody>
+                  <a:tcPr/>
+                </a:tc>
+                <a:tc>
+                  <a:txBody>
+                    <a:bodyPr/>
+                    <a:lstStyle/>
+                    <a:p>
+                      <a:r>
+                        <a:rPr lang="en-US"/>
+                        <a:t>H</a:t>
+                      </a:r>
+                      <a:r>
+                        <a:rPr lang="en-US" baseline="30000"/>
+                        <a:t>(23)</a:t>
+                      </a:r>
+                      <a:r>
+                        <a:rPr lang="en-US"/>
+                        <a:t>, G</a:t>
+                      </a:r>
+                      <a:r>
+                        <a:rPr lang="en-US" baseline="30000"/>
+                        <a:t>(25)</a:t>
+                      </a:r>
+                      <a:r>
+                        <a:rPr lang="en-US"/>
+                        <a:t>, I</a:t>
+                      </a:r>
+                      <a:r>
+                        <a:rPr lang="en-US" baseline="30000"/>
+                        <a:t>(28)</a:t>
+                      </a:r>
+                      <a:r>
+                        <a:rPr lang="en-US"/>
+                        <a:t>, J</a:t>
+                      </a:r>
+                      <a:r>
+                        <a:rPr lang="en-US" baseline="30000"/>
+                        <a:t>(40)</a:t>
+                      </a:r>
+                      <a:r>
+                        <a:rPr lang="en-US" baseline="0"/>
+                        <a:t>,</a:t>
+                      </a:r>
+                      <a:r>
+                        <a:rPr lang="en-US" baseline="30000"/>
+                        <a:t> </a:t>
+                      </a:r>
+                      <a:r>
+                        <a:rPr lang="en-US"/>
+                        <a:t>C</a:t>
+                      </a:r>
+                      <a:r>
+                        <a:rPr lang="en-US" baseline="30000"/>
+                        <a:t>(20)</a:t>
+                      </a:r>
+                      <a:r>
+                        <a:rPr lang="en-US"/>
+                        <a:t>, B</a:t>
+                      </a:r>
+                      <a:r>
+                        <a:rPr lang="en-US" baseline="30000"/>
+                        <a:t>(28)</a:t>
+                      </a:r>
+                    </a:p>
+                  </a:txBody>
+                  <a:tcPr/>
+                </a:tc>
+                <a:tc>
+                  <a:txBody>
+                    <a:bodyPr/>
+                    <a:lstStyle/>
+                    <a:p>
+                      <a:pPr algn="ctr"/>
+                      <a:r>
+                        <a:rPr lang="en-US"/>
+                        <a:t>D</a:t>
+                      </a:r>
+                    </a:p>
+                  </a:txBody>
+                  <a:tcPr/>
+                </a:tc>
+                <a:extLst>
+                  <a:ext uri="{0D108BD9-81ED-4DB2-BD59-A6C34878D82A}">
+                    <a16:rowId xmlns:a16="http://schemas.microsoft.com/office/drawing/2014/main" val="3800380317"/>
+                  </a:ext>
+                </a:extLst>
+              </a:tr>
+              <a:tr h="370840">
+                <a:tc>
+                  <a:txBody>
+                    <a:bodyPr/>
+                    <a:lstStyle/>
+                    <a:p>
+                      <a:pPr algn="ctr"/>
+                      <a:r>
+                        <a:rPr lang="en-US"/>
+                        <a:t>3</a:t>
+                      </a:r>
+                    </a:p>
+                  </a:txBody>
+                  <a:tcPr/>
+                </a:tc>
+                <a:tc>
+                  <a:txBody>
+                    <a:bodyPr/>
+                    <a:lstStyle/>
+                    <a:p>
+                      <a:r>
+                        <a:rPr lang="en-US"/>
+                        <a:t>H</a:t>
+                      </a:r>
+                    </a:p>
+                  </a:txBody>
+                  <a:tcPr/>
+                </a:tc>
+                <a:tc>
+                  <a:txBody>
+                    <a:bodyPr/>
+                    <a:lstStyle/>
+                    <a:p>
+                      <a:r>
+                        <a:rPr lang="en-US"/>
+                        <a:t>L</a:t>
+                      </a:r>
+                      <a:r>
+                        <a:rPr lang="en-US" baseline="30000"/>
+                        <a:t>(5)</a:t>
+                      </a:r>
+                    </a:p>
+                  </a:txBody>
+                  <a:tcPr/>
+                </a:tc>
+                <a:tc>
+                  <a:txBody>
+                    <a:bodyPr/>
+                    <a:lstStyle/>
+                    <a:p>
+                      <a:r>
+                        <a:rPr lang="en-US"/>
+                        <a:t>L</a:t>
+                      </a:r>
+                      <a:r>
+                        <a:rPr lang="en-US" baseline="30000"/>
+                        <a:t>(5)</a:t>
+                      </a:r>
+                      <a:r>
+                        <a:rPr lang="en-US"/>
+                        <a:t>, G</a:t>
+                      </a:r>
+                      <a:r>
+                        <a:rPr lang="en-US" baseline="30000"/>
+                        <a:t>(25)</a:t>
+                      </a:r>
+                      <a:r>
+                        <a:rPr lang="en-US"/>
+                        <a:t>, I</a:t>
+                      </a:r>
+                      <a:r>
+                        <a:rPr lang="en-US" baseline="30000"/>
+                        <a:t>(28)</a:t>
+                      </a:r>
+                      <a:r>
+                        <a:rPr lang="en-US"/>
+                        <a:t>, J</a:t>
+                      </a:r>
+                      <a:r>
+                        <a:rPr lang="en-US" baseline="30000"/>
+                        <a:t>(40)</a:t>
+                      </a:r>
+                      <a:r>
+                        <a:rPr lang="en-US" baseline="0"/>
+                        <a:t>,</a:t>
+                      </a:r>
+                      <a:r>
+                        <a:rPr lang="en-US" baseline="30000"/>
+                        <a:t> </a:t>
+                      </a:r>
+                      <a:r>
+                        <a:rPr lang="en-US"/>
+                        <a:t>C</a:t>
+                      </a:r>
+                      <a:r>
+                        <a:rPr lang="en-US" baseline="30000"/>
+                        <a:t>(20)</a:t>
+                      </a:r>
+                      <a:r>
+                        <a:rPr lang="en-US"/>
+                        <a:t>, B</a:t>
+                      </a:r>
+                      <a:r>
+                        <a:rPr lang="en-US" baseline="30000"/>
+                        <a:t>(28)</a:t>
+                      </a:r>
+                    </a:p>
+                  </a:txBody>
+                  <a:tcPr/>
+                </a:tc>
+                <a:tc>
+                  <a:txBody>
+                    <a:bodyPr/>
+                    <a:lstStyle/>
+                    <a:p>
+                      <a:pPr algn="ctr"/>
+                      <a:r>
+                        <a:rPr lang="en-US"/>
+                        <a:t>H</a:t>
+                      </a:r>
+                    </a:p>
+                  </a:txBody>
+                  <a:tcPr/>
+                </a:tc>
+                <a:extLst>
+                  <a:ext uri="{0D108BD9-81ED-4DB2-BD59-A6C34878D82A}">
+                    <a16:rowId xmlns:a16="http://schemas.microsoft.com/office/drawing/2014/main" val="2763049288"/>
+                  </a:ext>
+                </a:extLst>
+              </a:tr>
+              <a:tr h="370840">
+                <a:tc>
+                  <a:txBody>
+                    <a:bodyPr/>
+                    <a:lstStyle/>
+                    <a:p>
+                      <a:pPr algn="ctr"/>
+                      <a:r>
+                        <a:rPr lang="en-US"/>
+                        <a:t>4</a:t>
+                      </a:r>
+                    </a:p>
+                  </a:txBody>
+                  <a:tcPr/>
+                </a:tc>
+                <a:tc>
+                  <a:txBody>
+                    <a:bodyPr/>
+                    <a:lstStyle/>
+                    <a:p>
+                      <a:r>
+                        <a:rPr lang="en-US"/>
+                        <a:t>L</a:t>
+                      </a:r>
+                    </a:p>
+                  </a:txBody>
+                  <a:tcPr/>
+                </a:tc>
+                <a:tc>
+                  <a:txBody>
+                    <a:bodyPr/>
+                    <a:lstStyle/>
+                    <a:p>
+                      <a:r>
+                        <a:rPr lang="en-US"/>
+                        <a:t>N</a:t>
+                      </a:r>
+                      <a:r>
+                        <a:rPr lang="en-US" baseline="30000"/>
+                        <a:t>(0)</a:t>
+                      </a:r>
+                    </a:p>
+                  </a:txBody>
+                  <a:tcPr/>
+                </a:tc>
+                <a:tc>
+                  <a:txBody>
+                    <a:bodyPr/>
+                    <a:lstStyle/>
+                    <a:p>
+                      <a:r>
+                        <a:rPr lang="en-US"/>
+                        <a:t>N</a:t>
+                      </a:r>
+                      <a:r>
+                        <a:rPr lang="en-US" baseline="30000"/>
+                        <a:t>(0)</a:t>
+                      </a:r>
+                      <a:r>
+                        <a:rPr lang="en-US"/>
+                        <a:t>, G</a:t>
+                      </a:r>
+                      <a:r>
+                        <a:rPr lang="en-US" baseline="30000"/>
+                        <a:t>(25)</a:t>
+                      </a:r>
+                      <a:r>
+                        <a:rPr lang="en-US"/>
+                        <a:t>, I</a:t>
+                      </a:r>
+                      <a:r>
+                        <a:rPr lang="en-US" baseline="30000"/>
+                        <a:t>(28)</a:t>
+                      </a:r>
+                      <a:r>
+                        <a:rPr lang="en-US"/>
+                        <a:t>, J</a:t>
+                      </a:r>
+                      <a:r>
+                        <a:rPr lang="en-US" baseline="30000"/>
+                        <a:t>(40)</a:t>
+                      </a:r>
+                      <a:r>
+                        <a:rPr lang="en-US" baseline="0"/>
+                        <a:t>,</a:t>
+                      </a:r>
+                      <a:r>
+                        <a:rPr lang="en-US" baseline="30000"/>
+                        <a:t> </a:t>
+                      </a:r>
+                      <a:r>
+                        <a:rPr lang="en-US"/>
+                        <a:t>C</a:t>
+                      </a:r>
+                      <a:r>
+                        <a:rPr lang="en-US" baseline="30000"/>
+                        <a:t>(20)</a:t>
+                      </a:r>
+                      <a:r>
+                        <a:rPr lang="en-US"/>
+                        <a:t>, B</a:t>
+                      </a:r>
+                      <a:r>
+                        <a:rPr lang="en-US" baseline="30000"/>
+                        <a:t>(28)</a:t>
+                      </a:r>
+                    </a:p>
+                  </a:txBody>
+                  <a:tcPr/>
+                </a:tc>
+                <a:tc>
+                  <a:txBody>
+                    <a:bodyPr/>
+                    <a:lstStyle/>
+                    <a:p>
+                      <a:pPr algn="ctr"/>
+                      <a:r>
+                        <a:rPr lang="en-US"/>
+                        <a:t>L</a:t>
+                      </a:r>
+                    </a:p>
+                  </a:txBody>
+                  <a:tcPr/>
+                </a:tc>
+                <a:extLst>
+                  <a:ext uri="{0D108BD9-81ED-4DB2-BD59-A6C34878D82A}">
+                    <a16:rowId xmlns:a16="http://schemas.microsoft.com/office/drawing/2014/main" val="991579569"/>
+                  </a:ext>
+                </a:extLst>
+              </a:tr>
+              <a:tr h="370840">
+                <a:tc>
+                  <a:txBody>
+                    <a:bodyPr/>
+                    <a:lstStyle/>
+                    <a:p>
+                      <a:pPr algn="ctr"/>
+                      <a:r>
+                        <a:rPr lang="en-US"/>
+                        <a:t>5</a:t>
+                      </a:r>
+                    </a:p>
+                  </a:txBody>
+                  <a:tcPr/>
+                </a:tc>
+                <a:tc>
+                  <a:txBody>
+                    <a:bodyPr/>
+                    <a:lstStyle/>
+                    <a:p>
+                      <a:r>
+                        <a:rPr lang="en-US"/>
+                        <a:t>N</a:t>
+                      </a:r>
+                    </a:p>
+                  </a:txBody>
+                  <a:tcPr/>
+                </a:tc>
+                <a:tc>
+                  <a:txBody>
+                    <a:bodyPr/>
+                    <a:lstStyle/>
+                    <a:p>
+                      <a:r>
+                        <a:rPr lang="en-US" baseline="0"/>
+                        <a:t>TRUE</a:t>
+                      </a:r>
+                    </a:p>
+                  </a:txBody>
+                  <a:tcPr/>
+                </a:tc>
+                <a:tc>
+                  <a:txBody>
+                    <a:bodyPr/>
+                    <a:lstStyle/>
+                    <a:p>
+                      <a:pPr marL="0" marR="0" lvl="0" indent="0" algn="l" defTabSz="1425732" rtl="0" eaLnBrk="1" fontAlgn="auto" latinLnBrk="0" hangingPunct="1">
+                        <a:lnSpc>
+                          <a:spcPct val="100000"/>
+                        </a:lnSpc>
+                        <a:spcBef>
+                          <a:spcPts val="0"/>
+                        </a:spcBef>
+                        <a:spcAft>
+                          <a:spcPts val="0"/>
+                        </a:spcAft>
+                        <a:buClrTx/>
+                        <a:buSzTx/>
+                        <a:buFontTx/>
+                        <a:buNone/>
+                        <a:tabLst/>
+                        <a:defRPr/>
+                      </a:pPr>
+                      <a:endParaRPr lang="en-US"/>
+                    </a:p>
+                  </a:txBody>
+                  <a:tcPr/>
+                </a:tc>
+                <a:tc>
+                  <a:txBody>
+                    <a:bodyPr/>
+                    <a:lstStyle/>
+                    <a:p>
+                      <a:pPr algn="ctr"/>
+                      <a:endParaRPr lang="en-US"/>
+                    </a:p>
+                  </a:txBody>
+                  <a:tcPr/>
+                </a:tc>
+                <a:extLst>
+                  <a:ext uri="{0D108BD9-81ED-4DB2-BD59-A6C34878D82A}">
+                    <a16:rowId xmlns:a16="http://schemas.microsoft.com/office/drawing/2014/main" val="34602482"/>
+                  </a:ext>
+                </a:extLst>
+              </a:tr>
+            </a:tbl>
+          </a:graphicData>
+        </a:graphic>
+      </p:graphicFrame>
+      <p:sp>
+        <p:nvSpPr>
+          <p:cNvPr id="9" name="object 20">
+            <a:extLst>
+              <a:ext uri="{FF2B5EF4-FFF2-40B4-BE49-F238E27FC236}">
+                <a16:creationId xmlns:a16="http://schemas.microsoft.com/office/drawing/2014/main" id="{833B066A-6216-4521-63E5-8516F6BF33DB}"/>
+              </a:ext>
+            </a:extLst>
+          </p:cNvPr>
+          <p:cNvSpPr txBox="1"/>
+          <p:nvPr/>
+        </p:nvSpPr>
+        <p:spPr>
+          <a:xfrm>
+            <a:off x="513557" y="8059057"/>
+            <a:ext cx="6017873" cy="812145"/>
+          </a:xfrm>
+          <a:prstGeom prst="rect">
+            <a:avLst/>
+          </a:prstGeom>
+        </p:spPr>
+        <p:style>
+          <a:lnRef idx="1">
+            <a:schemeClr val="dk1"/>
+          </a:lnRef>
+          <a:fillRef idx="2">
+            <a:schemeClr val="dk1"/>
+          </a:fillRef>
+          <a:effectRef idx="1">
+            <a:schemeClr val="dk1"/>
+          </a:effectRef>
+          <a:fontRef idx="minor">
+            <a:schemeClr val="dk1"/>
+          </a:fontRef>
+        </p:style>
+        <p:txBody>
+          <a:bodyPr vert="horz" wrap="square" lIns="0" tIns="12700" rIns="0" bIns="0" rtlCol="0">
+            <a:spAutoFit/>
+          </a:bodyPr>
+          <a:lstStyle/>
+          <a:p>
+            <a:pPr marL="583565" marR="5080" indent="-571500" algn="just">
+              <a:lnSpc>
+                <a:spcPct val="130000"/>
+              </a:lnSpc>
+              <a:buFont typeface="Wingdings" panose="05000000000000000000" pitchFamily="2" charset="2"/>
+              <a:buChar char="§"/>
+            </a:pPr>
+            <a:r>
+              <a:rPr lang="en-US" sz="4400" spc="-5">
+                <a:solidFill>
+                  <a:schemeClr val="bg1"/>
+                </a:solidFill>
+                <a:cs typeface="Source Sans Pro Light"/>
+              </a:rPr>
+              <a:t>A </a:t>
+            </a:r>
+            <a:r>
+              <a:rPr lang="en-US" sz="4400" spc="-5">
+                <a:solidFill>
+                  <a:schemeClr val="bg1"/>
+                </a:solidFill>
+                <a:cs typeface="Source Sans Pro Light"/>
+                <a:sym typeface="Wingdings" panose="05000000000000000000" pitchFamily="2" charset="2"/>
+              </a:rPr>
+              <a:t> D  H  L  N</a:t>
+            </a:r>
+            <a:endParaRPr lang="vi-VN" sz="4400" spc="-5">
+              <a:solidFill>
+                <a:schemeClr val="bg1"/>
+              </a:solidFill>
+              <a:cs typeface="Source Sans Pro Light"/>
+            </a:endParaRPr>
+          </a:p>
+        </p:txBody>
+      </p:sp>
+    </p:spTree>
+    <p:extLst>
+      <p:ext uri="{BB962C8B-B14F-4D97-AF65-F5344CB8AC3E}">
+        <p14:creationId xmlns:p14="http://schemas.microsoft.com/office/powerpoint/2010/main" val="719634033"/>
       </p:ext>
     </p:extLst>
   </p:cSld>

--- a/Slides/Chuong3_Heutistic.pptx
+++ b/Slides/Chuong3_Heutistic.pptx
@@ -5,7 +5,7 @@
     <p:sldMasterId id="2147483690" r:id="rId1"/>
   </p:sldMasterIdLst>
   <p:notesMasterIdLst>
-    <p:notesMasterId r:id="rId31"/>
+    <p:notesMasterId r:id="rId32"/>
   </p:notesMasterIdLst>
   <p:sldIdLst>
     <p:sldId id="256" r:id="rId2"/>
@@ -37,6 +37,7 @@
     <p:sldId id="313" r:id="rId28"/>
     <p:sldId id="314" r:id="rId29"/>
     <p:sldId id="315" r:id="rId30"/>
+    <p:sldId id="316" r:id="rId31"/>
   </p:sldIdLst>
   <p:sldSz cx="19010313" cy="10693400"/>
   <p:notesSz cx="7556500" cy="10693400"/>
@@ -205,6 +206,7 @@
           <p14:sldIdLst>
             <p14:sldId id="314"/>
             <p14:sldId id="315"/>
+            <p14:sldId id="316"/>
           </p14:sldIdLst>
         </p14:section>
       </p14:sectionLst>
@@ -319,7 +321,7 @@
           <a:p>
             <a:fld id="{A2BF3456-A29E-41FE-BFB7-B24F24BEE47B}" type="datetimeFigureOut">
               <a:rPr lang="cs-CZ" smtClean="0"/>
-              <a:t>14.06.2023</a:t>
+              <a:t>03.07.2023</a:t>
             </a:fld>
             <a:endParaRPr lang="cs-CZ"/>
           </a:p>
@@ -3154,7 +3156,7 @@
           <a:p>
             <a:fld id="{1D8BD707-D9CF-40AE-B4C6-C98DA3205C09}" type="datetimeFigureOut">
               <a:rPr lang="en-US" smtClean="0"/>
-              <a:t>14/06/2023</a:t>
+              <a:t>03/07/2023</a:t>
             </a:fld>
             <a:endParaRPr lang="en-US" dirty="0"/>
           </a:p>
@@ -3324,7 +3326,7 @@
           <a:p>
             <a:fld id="{1D8BD707-D9CF-40AE-B4C6-C98DA3205C09}" type="datetimeFigureOut">
               <a:rPr lang="en-US" smtClean="0"/>
-              <a:t>14/06/2023</a:t>
+              <a:t>03/07/2023</a:t>
             </a:fld>
             <a:endParaRPr lang="en-US" dirty="0"/>
           </a:p>
@@ -3504,7 +3506,7 @@
           <a:p>
             <a:fld id="{1D8BD707-D9CF-40AE-B4C6-C98DA3205C09}" type="datetimeFigureOut">
               <a:rPr lang="en-US" smtClean="0"/>
-              <a:t>14/06/2023</a:t>
+              <a:t>03/07/2023</a:t>
             </a:fld>
             <a:endParaRPr lang="en-US" dirty="0"/>
           </a:p>
@@ -3674,7 +3676,7 @@
           <a:p>
             <a:fld id="{1D8BD707-D9CF-40AE-B4C6-C98DA3205C09}" type="datetimeFigureOut">
               <a:rPr lang="en-US" smtClean="0"/>
-              <a:t>14/06/2023</a:t>
+              <a:t>03/07/2023</a:t>
             </a:fld>
             <a:endParaRPr lang="en-US" dirty="0"/>
           </a:p>
@@ -3920,7 +3922,7 @@
           <a:p>
             <a:fld id="{1D8BD707-D9CF-40AE-B4C6-C98DA3205C09}" type="datetimeFigureOut">
               <a:rPr lang="en-US" smtClean="0"/>
-              <a:t>14/06/2023</a:t>
+              <a:t>03/07/2023</a:t>
             </a:fld>
             <a:endParaRPr lang="en-US" dirty="0"/>
           </a:p>
@@ -4152,7 +4154,7 @@
           <a:p>
             <a:fld id="{1D8BD707-D9CF-40AE-B4C6-C98DA3205C09}" type="datetimeFigureOut">
               <a:rPr lang="en-US" smtClean="0"/>
-              <a:t>14/06/2023</a:t>
+              <a:t>03/07/2023</a:t>
             </a:fld>
             <a:endParaRPr lang="en-US" dirty="0"/>
           </a:p>
@@ -4519,7 +4521,7 @@
           <a:p>
             <a:fld id="{1D8BD707-D9CF-40AE-B4C6-C98DA3205C09}" type="datetimeFigureOut">
               <a:rPr lang="en-US" smtClean="0"/>
-              <a:t>14/06/2023</a:t>
+              <a:t>03/07/2023</a:t>
             </a:fld>
             <a:endParaRPr lang="en-US" dirty="0"/>
           </a:p>
@@ -4637,7 +4639,7 @@
           <a:p>
             <a:fld id="{1D8BD707-D9CF-40AE-B4C6-C98DA3205C09}" type="datetimeFigureOut">
               <a:rPr lang="en-US" smtClean="0"/>
-              <a:t>14/06/2023</a:t>
+              <a:t>03/07/2023</a:t>
             </a:fld>
             <a:endParaRPr lang="en-US" dirty="0"/>
           </a:p>
@@ -4732,7 +4734,7 @@
           <a:p>
             <a:fld id="{1D8BD707-D9CF-40AE-B4C6-C98DA3205C09}" type="datetimeFigureOut">
               <a:rPr lang="en-US" smtClean="0"/>
-              <a:t>14/06/2023</a:t>
+              <a:t>03/07/2023</a:t>
             </a:fld>
             <a:endParaRPr lang="en-US" dirty="0"/>
           </a:p>
@@ -5009,7 +5011,7 @@
           <a:p>
             <a:fld id="{1D8BD707-D9CF-40AE-B4C6-C98DA3205C09}" type="datetimeFigureOut">
               <a:rPr lang="en-US" smtClean="0"/>
-              <a:t>14/06/2023</a:t>
+              <a:t>03/07/2023</a:t>
             </a:fld>
             <a:endParaRPr lang="en-US" dirty="0"/>
           </a:p>
@@ -5266,7 +5268,7 @@
           <a:p>
             <a:fld id="{1D8BD707-D9CF-40AE-B4C6-C98DA3205C09}" type="datetimeFigureOut">
               <a:rPr lang="en-US" smtClean="0"/>
-              <a:t>14/06/2023</a:t>
+              <a:t>03/07/2023</a:t>
             </a:fld>
             <a:endParaRPr lang="en-US" dirty="0"/>
           </a:p>
@@ -5464,7 +5466,7 @@
           <a:p>
             <a:fld id="{1D8BD707-D9CF-40AE-B4C6-C98DA3205C09}" type="datetimeFigureOut">
               <a:rPr lang="en-US" smtClean="0"/>
-              <a:t>14/06/2023</a:t>
+              <a:t>03/07/2023</a:t>
             </a:fld>
             <a:endParaRPr lang="en-US" dirty="0"/>
           </a:p>
@@ -29927,6 +29929,72 @@
 </p:sld>
 </file>
 
+<file path=ppt/slides/slide30.xml><?xml version="1.0" encoding="utf-8"?>
+<p:sld xmlns:a="http://schemas.openxmlformats.org/drawingml/2006/main" xmlns:r="http://schemas.openxmlformats.org/officeDocument/2006/relationships" xmlns:p="http://schemas.openxmlformats.org/presentationml/2006/main">
+  <p:cSld>
+    <p:spTree>
+      <p:nvGrpSpPr>
+        <p:cNvPr id="1" name=""/>
+        <p:cNvGrpSpPr/>
+        <p:nvPr/>
+      </p:nvGrpSpPr>
+      <p:grpSpPr>
+        <a:xfrm>
+          <a:off x="0" y="0"/>
+          <a:ext cx="0" cy="0"/>
+          <a:chOff x="0" y="0"/>
+          <a:chExt cx="0" cy="0"/>
+        </a:xfrm>
+      </p:grpSpPr>
+      <p:sp>
+        <p:nvSpPr>
+          <p:cNvPr id="2" name="Title 1">
+            <a:extLst>
+              <a:ext uri="{FF2B5EF4-FFF2-40B4-BE49-F238E27FC236}">
+                <a16:creationId xmlns:a16="http://schemas.microsoft.com/office/drawing/2014/main" id="{174BBA82-DE6E-83EA-0441-32B847EDCAAA}"/>
+              </a:ext>
+            </a:extLst>
+          </p:cNvPr>
+          <p:cNvSpPr>
+            <a:spLocks noGrp="1"/>
+          </p:cNvSpPr>
+          <p:nvPr>
+            <p:ph type="title"/>
+          </p:nvPr>
+        </p:nvSpPr>
+        <p:spPr>
+          <a:xfrm>
+            <a:off x="1306958" y="4660900"/>
+            <a:ext cx="16396395" cy="1767382"/>
+          </a:xfrm>
+        </p:spPr>
+        <p:txBody>
+          <a:bodyPr>
+            <a:normAutofit/>
+          </a:bodyPr>
+          <a:lstStyle/>
+          <a:p>
+            <a:pPr algn="ctr"/>
+            <a:r>
+              <a:rPr lang="en-US" sz="5000"/>
+              <a:t>HẾT CHƯƠNG 3</a:t>
+            </a:r>
+          </a:p>
+        </p:txBody>
+      </p:sp>
+    </p:spTree>
+    <p:extLst>
+      <p:ext uri="{BB962C8B-B14F-4D97-AF65-F5344CB8AC3E}">
+        <p14:creationId xmlns:p14="http://schemas.microsoft.com/office/powerpoint/2010/main" val="459092232"/>
+      </p:ext>
+    </p:extLst>
+  </p:cSld>
+  <p:clrMapOvr>
+    <a:masterClrMapping/>
+  </p:clrMapOvr>
+</p:sld>
+</file>
+
 <file path=ppt/slides/slide4.xml><?xml version="1.0" encoding="utf-8"?>
 <p:sld xmlns:a="http://schemas.openxmlformats.org/drawingml/2006/main" xmlns:r="http://schemas.openxmlformats.org/officeDocument/2006/relationships" xmlns:p="http://schemas.openxmlformats.org/presentationml/2006/main">
   <p:cSld>

--- a/Slides/Chuong3_Heutistic.pptx
+++ b/Slides/Chuong3_Heutistic.pptx
@@ -321,7 +321,7 @@
           <a:p>
             <a:fld id="{A2BF3456-A29E-41FE-BFB7-B24F24BEE47B}" type="datetimeFigureOut">
               <a:rPr lang="cs-CZ" smtClean="0"/>
-              <a:t>03.07.2023</a:t>
+              <a:t>14.09.2023</a:t>
             </a:fld>
             <a:endParaRPr lang="cs-CZ"/>
           </a:p>
@@ -3156,7 +3156,7 @@
           <a:p>
             <a:fld id="{1D8BD707-D9CF-40AE-B4C6-C98DA3205C09}" type="datetimeFigureOut">
               <a:rPr lang="en-US" smtClean="0"/>
-              <a:t>03/07/2023</a:t>
+              <a:t>9/14/23</a:t>
             </a:fld>
             <a:endParaRPr lang="en-US" dirty="0"/>
           </a:p>
@@ -3326,7 +3326,7 @@
           <a:p>
             <a:fld id="{1D8BD707-D9CF-40AE-B4C6-C98DA3205C09}" type="datetimeFigureOut">
               <a:rPr lang="en-US" smtClean="0"/>
-              <a:t>03/07/2023</a:t>
+              <a:t>9/14/23</a:t>
             </a:fld>
             <a:endParaRPr lang="en-US" dirty="0"/>
           </a:p>
@@ -3506,7 +3506,7 @@
           <a:p>
             <a:fld id="{1D8BD707-D9CF-40AE-B4C6-C98DA3205C09}" type="datetimeFigureOut">
               <a:rPr lang="en-US" smtClean="0"/>
-              <a:t>03/07/2023</a:t>
+              <a:t>9/14/23</a:t>
             </a:fld>
             <a:endParaRPr lang="en-US" dirty="0"/>
           </a:p>
@@ -3676,7 +3676,7 @@
           <a:p>
             <a:fld id="{1D8BD707-D9CF-40AE-B4C6-C98DA3205C09}" type="datetimeFigureOut">
               <a:rPr lang="en-US" smtClean="0"/>
-              <a:t>03/07/2023</a:t>
+              <a:t>9/14/23</a:t>
             </a:fld>
             <a:endParaRPr lang="en-US" dirty="0"/>
           </a:p>
@@ -3922,7 +3922,7 @@
           <a:p>
             <a:fld id="{1D8BD707-D9CF-40AE-B4C6-C98DA3205C09}" type="datetimeFigureOut">
               <a:rPr lang="en-US" smtClean="0"/>
-              <a:t>03/07/2023</a:t>
+              <a:t>9/14/23</a:t>
             </a:fld>
             <a:endParaRPr lang="en-US" dirty="0"/>
           </a:p>
@@ -4154,7 +4154,7 @@
           <a:p>
             <a:fld id="{1D8BD707-D9CF-40AE-B4C6-C98DA3205C09}" type="datetimeFigureOut">
               <a:rPr lang="en-US" smtClean="0"/>
-              <a:t>03/07/2023</a:t>
+              <a:t>9/14/23</a:t>
             </a:fld>
             <a:endParaRPr lang="en-US" dirty="0"/>
           </a:p>
@@ -4521,7 +4521,7 @@
           <a:p>
             <a:fld id="{1D8BD707-D9CF-40AE-B4C6-C98DA3205C09}" type="datetimeFigureOut">
               <a:rPr lang="en-US" smtClean="0"/>
-              <a:t>03/07/2023</a:t>
+              <a:t>9/14/23</a:t>
             </a:fld>
             <a:endParaRPr lang="en-US" dirty="0"/>
           </a:p>
@@ -4639,7 +4639,7 @@
           <a:p>
             <a:fld id="{1D8BD707-D9CF-40AE-B4C6-C98DA3205C09}" type="datetimeFigureOut">
               <a:rPr lang="en-US" smtClean="0"/>
-              <a:t>03/07/2023</a:t>
+              <a:t>9/14/23</a:t>
             </a:fld>
             <a:endParaRPr lang="en-US" dirty="0"/>
           </a:p>
@@ -4734,7 +4734,7 @@
           <a:p>
             <a:fld id="{1D8BD707-D9CF-40AE-B4C6-C98DA3205C09}" type="datetimeFigureOut">
               <a:rPr lang="en-US" smtClean="0"/>
-              <a:t>03/07/2023</a:t>
+              <a:t>9/14/23</a:t>
             </a:fld>
             <a:endParaRPr lang="en-US" dirty="0"/>
           </a:p>
@@ -5011,7 +5011,7 @@
           <a:p>
             <a:fld id="{1D8BD707-D9CF-40AE-B4C6-C98DA3205C09}" type="datetimeFigureOut">
               <a:rPr lang="en-US" smtClean="0"/>
-              <a:t>03/07/2023</a:t>
+              <a:t>9/14/23</a:t>
             </a:fld>
             <a:endParaRPr lang="en-US" dirty="0"/>
           </a:p>
@@ -5268,7 +5268,7 @@
           <a:p>
             <a:fld id="{1D8BD707-D9CF-40AE-B4C6-C98DA3205C09}" type="datetimeFigureOut">
               <a:rPr lang="en-US" smtClean="0"/>
-              <a:t>03/07/2023</a:t>
+              <a:t>9/14/23</a:t>
             </a:fld>
             <a:endParaRPr lang="en-US" dirty="0"/>
           </a:p>
@@ -5466,7 +5466,7 @@
           <a:p>
             <a:fld id="{1D8BD707-D9CF-40AE-B4C6-C98DA3205C09}" type="datetimeFigureOut">
               <a:rPr lang="en-US" smtClean="0"/>
-              <a:t>03/07/2023</a:t>
+              <a:t>9/14/23</a:t>
             </a:fld>
             <a:endParaRPr lang="en-US" dirty="0"/>
           </a:p>
@@ -6611,10 +6611,52 @@
               <a:buChar char="§"/>
             </a:pPr>
             <a:r>
-              <a:rPr lang="en-US" sz="3600" spc="-5">
-                <a:cs typeface="Source Sans Pro Light"/>
-              </a:rPr>
-              <a:t>Tổ chức dữ liệu:</a:t>
+              <a:rPr lang="en-US" sz="3600" spc="-5" dirty="0" err="1">
+                <a:cs typeface="Source Sans Pro Light"/>
+              </a:rPr>
+              <a:t>Tổ</a:t>
+            </a:r>
+            <a:r>
+              <a:rPr lang="en-US" sz="3600" spc="-5" dirty="0">
+                <a:cs typeface="Source Sans Pro Light"/>
+              </a:rPr>
+              <a:t> </a:t>
+            </a:r>
+            <a:r>
+              <a:rPr lang="en-US" sz="3600" spc="-5" dirty="0" err="1">
+                <a:cs typeface="Source Sans Pro Light"/>
+              </a:rPr>
+              <a:t>chức</a:t>
+            </a:r>
+            <a:r>
+              <a:rPr lang="en-US" sz="3600" spc="-5" dirty="0">
+                <a:cs typeface="Source Sans Pro Light"/>
+              </a:rPr>
+              <a:t> </a:t>
+            </a:r>
+            <a:r>
+              <a:rPr lang="en-US" sz="3600" spc="-5" dirty="0" err="1">
+                <a:cs typeface="Source Sans Pro Light"/>
+              </a:rPr>
+              <a:t>dữ</a:t>
+            </a:r>
+            <a:r>
+              <a:rPr lang="en-US" sz="3600" spc="-5" dirty="0">
+                <a:cs typeface="Source Sans Pro Light"/>
+              </a:rPr>
+              <a:t> </a:t>
+            </a:r>
+            <a:r>
+              <a:rPr lang="en-US" sz="3600" spc="-5" dirty="0" err="1">
+                <a:cs typeface="Source Sans Pro Light"/>
+              </a:rPr>
+              <a:t>liệu</a:t>
+            </a:r>
+            <a:r>
+              <a:rPr lang="en-US" sz="3600" spc="-5" dirty="0">
+                <a:cs typeface="Source Sans Pro Light"/>
+              </a:rPr>
+              <a:t>:</a:t>
             </a:r>
           </a:p>
           <a:p>
@@ -6626,11 +6668,86 @@
               <a:buChar char="§"/>
             </a:pPr>
             <a:r>
-              <a:rPr lang="en-US" sz="3600" spc="-5">
-                <a:cs typeface="Source Sans Pro Light"/>
-              </a:rPr>
-              <a:t>Mảng 2 chiều P[], W[]: thể tích và giá trị</a:t>
-            </a:r>
+              <a:rPr lang="en-US" sz="3600" spc="-5" dirty="0" err="1">
+                <a:cs typeface="Source Sans Pro Light"/>
+              </a:rPr>
+              <a:t>Mảng</a:t>
+            </a:r>
+            <a:r>
+              <a:rPr lang="en-US" sz="3600" spc="-5" dirty="0">
+                <a:cs typeface="Source Sans Pro Light"/>
+              </a:rPr>
+              <a:t> 1 </a:t>
+            </a:r>
+            <a:r>
+              <a:rPr lang="en-US" sz="3600" spc="-5" dirty="0" err="1">
+                <a:cs typeface="Source Sans Pro Light"/>
+              </a:rPr>
+              <a:t>chiều</a:t>
+            </a:r>
+            <a:r>
+              <a:rPr lang="en-US" sz="3600" spc="-5" dirty="0">
+                <a:cs typeface="Source Sans Pro Light"/>
+              </a:rPr>
+              <a:t> P[], W[]: </a:t>
+            </a:r>
+            <a:r>
+              <a:rPr lang="en-US" sz="3600" spc="-5" dirty="0" err="1">
+                <a:cs typeface="Source Sans Pro Light"/>
+              </a:rPr>
+              <a:t>thể</a:t>
+            </a:r>
+            <a:r>
+              <a:rPr lang="en-US" sz="3600" spc="-5" dirty="0">
+                <a:cs typeface="Source Sans Pro Light"/>
+              </a:rPr>
+              <a:t> </a:t>
+            </a:r>
+            <a:r>
+              <a:rPr lang="en-US" sz="3600" spc="-5" dirty="0" err="1">
+                <a:cs typeface="Source Sans Pro Light"/>
+              </a:rPr>
+              <a:t>tích</a:t>
+            </a:r>
+            <a:r>
+              <a:rPr lang="en-US" sz="3600" spc="-5" dirty="0">
+                <a:cs typeface="Source Sans Pro Light"/>
+              </a:rPr>
+              <a:t> </a:t>
+            </a:r>
+            <a:r>
+              <a:rPr lang="en-US" sz="3600" spc="-5" dirty="0" err="1">
+                <a:cs typeface="Source Sans Pro Light"/>
+              </a:rPr>
+              <a:t>và</a:t>
+            </a:r>
+            <a:r>
+              <a:rPr lang="en-US" sz="3600" spc="-5" dirty="0">
+                <a:cs typeface="Source Sans Pro Light"/>
+              </a:rPr>
+              <a:t> </a:t>
+            </a:r>
+            <a:r>
+              <a:rPr lang="en-US" sz="3600" spc="-5" dirty="0" err="1">
+                <a:cs typeface="Source Sans Pro Light"/>
+              </a:rPr>
+              <a:t>giá</a:t>
+            </a:r>
+            <a:r>
+              <a:rPr lang="en-US" sz="3600" spc="-5" dirty="0">
+                <a:cs typeface="Source Sans Pro Light"/>
+              </a:rPr>
+              <a:t> </a:t>
+            </a:r>
+            <a:r>
+              <a:rPr lang="en-US" sz="3600" spc="-5" dirty="0" err="1">
+                <a:cs typeface="Source Sans Pro Light"/>
+              </a:rPr>
+              <a:t>trị</a:t>
+            </a:r>
+            <a:endParaRPr lang="en-US" sz="3600" spc="-5" dirty="0">
+              <a:cs typeface="Source Sans Pro Light"/>
+            </a:endParaRPr>
           </a:p>
           <a:p>
             <a:pPr marL="583565" marR="5080" indent="-571500" algn="just">
@@ -6641,11 +6758,134 @@
               <a:buChar char="§"/>
             </a:pPr>
             <a:r>
-              <a:rPr lang="en-US" sz="3600" spc="-5">
-                <a:cs typeface="Source Sans Pro Light"/>
-              </a:rPr>
-              <a:t>Mảng 1 chiều cs[]: thứ tự giảm dần theo trọng số ưu tiên</a:t>
-            </a:r>
+              <a:rPr lang="en-US" sz="3600" spc="-5" dirty="0" err="1">
+                <a:cs typeface="Source Sans Pro Light"/>
+              </a:rPr>
+              <a:t>Mảng</a:t>
+            </a:r>
+            <a:r>
+              <a:rPr lang="en-US" sz="3600" spc="-5" dirty="0">
+                <a:cs typeface="Source Sans Pro Light"/>
+              </a:rPr>
+              <a:t> 1 </a:t>
+            </a:r>
+            <a:r>
+              <a:rPr lang="en-US" sz="3600" spc="-5" dirty="0" err="1">
+                <a:cs typeface="Source Sans Pro Light"/>
+              </a:rPr>
+              <a:t>chiều</a:t>
+            </a:r>
+            <a:r>
+              <a:rPr lang="en-US" sz="3600" spc="-5" dirty="0">
+                <a:cs typeface="Source Sans Pro Light"/>
+              </a:rPr>
+              <a:t> cs[]: </a:t>
+            </a:r>
+            <a:r>
+              <a:rPr lang="en-US" sz="3600" spc="-5" dirty="0" err="1">
+                <a:cs typeface="Source Sans Pro Light"/>
+              </a:rPr>
+              <a:t>thứ</a:t>
+            </a:r>
+            <a:r>
+              <a:rPr lang="en-US" sz="3600" spc="-5" dirty="0">
+                <a:cs typeface="Source Sans Pro Light"/>
+              </a:rPr>
+              <a:t> </a:t>
+            </a:r>
+            <a:r>
+              <a:rPr lang="en-US" sz="3600" spc="-5" dirty="0" err="1">
+                <a:cs typeface="Source Sans Pro Light"/>
+              </a:rPr>
+              <a:t>tự</a:t>
+            </a:r>
+            <a:r>
+              <a:rPr lang="en-US" sz="3600" spc="-5" dirty="0">
+                <a:cs typeface="Source Sans Pro Light"/>
+              </a:rPr>
+              <a:t> </a:t>
+            </a:r>
+            <a:r>
+              <a:rPr lang="en-US" sz="3600" spc="-5" dirty="0" err="1">
+                <a:cs typeface="Source Sans Pro Light"/>
+              </a:rPr>
+              <a:t>giảm</a:t>
+            </a:r>
+            <a:r>
+              <a:rPr lang="en-US" sz="3600" spc="-5" dirty="0">
+                <a:cs typeface="Source Sans Pro Light"/>
+              </a:rPr>
+              <a:t> </a:t>
+            </a:r>
+            <a:r>
+              <a:rPr lang="en-US" sz="3600" spc="-5" dirty="0" err="1">
+                <a:cs typeface="Source Sans Pro Light"/>
+              </a:rPr>
+              <a:t>dần</a:t>
+            </a:r>
+            <a:r>
+              <a:rPr lang="en-US" sz="3600" spc="-5" dirty="0">
+                <a:cs typeface="Source Sans Pro Light"/>
+              </a:rPr>
+              <a:t> </a:t>
+            </a:r>
+            <a:r>
+              <a:rPr lang="en-US" sz="3600" spc="-5" dirty="0" err="1">
+                <a:cs typeface="Source Sans Pro Light"/>
+              </a:rPr>
+              <a:t>theo</a:t>
+            </a:r>
+            <a:r>
+              <a:rPr lang="en-US" sz="3600" spc="-5" dirty="0">
+                <a:cs typeface="Source Sans Pro Light"/>
+              </a:rPr>
+              <a:t> </a:t>
+            </a:r>
+            <a:r>
+              <a:rPr lang="en-US" sz="3600" spc="-5" dirty="0" err="1">
+                <a:cs typeface="Source Sans Pro Light"/>
+              </a:rPr>
+              <a:t>trọng</a:t>
+            </a:r>
+            <a:r>
+              <a:rPr lang="en-US" sz="3600" spc="-5" dirty="0">
+                <a:cs typeface="Source Sans Pro Light"/>
+              </a:rPr>
+              <a:t> </a:t>
+            </a:r>
+            <a:r>
+              <a:rPr lang="en-US" sz="3600" spc="-5" dirty="0" err="1">
+                <a:cs typeface="Source Sans Pro Light"/>
+              </a:rPr>
+              <a:t>số</a:t>
+            </a:r>
+            <a:r>
+              <a:rPr lang="en-US" sz="3600" spc="-5" dirty="0">
+                <a:cs typeface="Source Sans Pro Light"/>
+              </a:rPr>
+              <a:t> </a:t>
+            </a:r>
+            <a:r>
+              <a:rPr lang="en-US" sz="3600" spc="-5" dirty="0" err="1">
+                <a:cs typeface="Source Sans Pro Light"/>
+              </a:rPr>
+              <a:t>ưu</a:t>
+            </a:r>
+            <a:r>
+              <a:rPr lang="en-US" sz="3600" spc="-5" dirty="0">
+                <a:cs typeface="Source Sans Pro Light"/>
+              </a:rPr>
+              <a:t> </a:t>
+            </a:r>
+            <a:r>
+              <a:rPr lang="en-US" sz="3600" spc="-5" dirty="0" err="1">
+                <a:cs typeface="Source Sans Pro Light"/>
+              </a:rPr>
+              <a:t>tiên</a:t>
+            </a:r>
+            <a:endParaRPr lang="en-US" sz="3600" spc="-5" dirty="0">
+              <a:cs typeface="Source Sans Pro Light"/>
+            </a:endParaRPr>
           </a:p>
           <a:p>
             <a:pPr marL="583565" marR="5080" indent="-571500" algn="just">
@@ -6656,10 +6896,376 @@
               <a:buChar char="§"/>
             </a:pPr>
             <a:r>
-              <a:rPr lang="en-US" sz="3600" spc="-5">
-                <a:cs typeface="Source Sans Pro Light"/>
-              </a:rPr>
-              <a:t>Mảng cs chỉ chứa các chỉ số của phần tử có trọng số ưu tiên giảm dần, thứ tự các vật theo đề bài không đổi trong suốt quá trình xử lý.</a:t>
+              <a:rPr lang="en-US" sz="3600" spc="-5" dirty="0" err="1">
+                <a:cs typeface="Source Sans Pro Light"/>
+              </a:rPr>
+              <a:t>Mảng</a:t>
+            </a:r>
+            <a:r>
+              <a:rPr lang="en-US" sz="3600" spc="-5" dirty="0">
+                <a:cs typeface="Source Sans Pro Light"/>
+              </a:rPr>
+              <a:t> cs </a:t>
+            </a:r>
+            <a:r>
+              <a:rPr lang="en-US" sz="3600" spc="-5" dirty="0" err="1">
+                <a:cs typeface="Source Sans Pro Light"/>
+              </a:rPr>
+              <a:t>chỉ</a:t>
+            </a:r>
+            <a:r>
+              <a:rPr lang="en-US" sz="3600" spc="-5" dirty="0">
+                <a:cs typeface="Source Sans Pro Light"/>
+              </a:rPr>
+              <a:t> </a:t>
+            </a:r>
+            <a:r>
+              <a:rPr lang="en-US" sz="3600" spc="-5" dirty="0" err="1">
+                <a:cs typeface="Source Sans Pro Light"/>
+              </a:rPr>
+              <a:t>chứa</a:t>
+            </a:r>
+            <a:r>
+              <a:rPr lang="en-US" sz="3600" spc="-5" dirty="0">
+                <a:cs typeface="Source Sans Pro Light"/>
+              </a:rPr>
+              <a:t> </a:t>
+            </a:r>
+            <a:r>
+              <a:rPr lang="en-US" sz="3600" spc="-5" dirty="0" err="1">
+                <a:cs typeface="Source Sans Pro Light"/>
+              </a:rPr>
+              <a:t>các</a:t>
+            </a:r>
+            <a:r>
+              <a:rPr lang="en-US" sz="3600" spc="-5" dirty="0">
+                <a:cs typeface="Source Sans Pro Light"/>
+              </a:rPr>
+              <a:t> </a:t>
+            </a:r>
+            <a:r>
+              <a:rPr lang="en-US" sz="3600" spc="-5" dirty="0" err="1">
+                <a:cs typeface="Source Sans Pro Light"/>
+              </a:rPr>
+              <a:t>chỉ</a:t>
+            </a:r>
+            <a:r>
+              <a:rPr lang="en-US" sz="3600" spc="-5" dirty="0">
+                <a:cs typeface="Source Sans Pro Light"/>
+              </a:rPr>
+              <a:t> </a:t>
+            </a:r>
+            <a:r>
+              <a:rPr lang="en-US" sz="3600" spc="-5" dirty="0" err="1">
+                <a:cs typeface="Source Sans Pro Light"/>
+              </a:rPr>
+              <a:t>số</a:t>
+            </a:r>
+            <a:r>
+              <a:rPr lang="en-US" sz="3600" spc="-5" dirty="0">
+                <a:cs typeface="Source Sans Pro Light"/>
+              </a:rPr>
+              <a:t> </a:t>
+            </a:r>
+            <a:r>
+              <a:rPr lang="en-US" sz="3600" spc="-5" dirty="0" err="1">
+                <a:cs typeface="Source Sans Pro Light"/>
+              </a:rPr>
+              <a:t>của</a:t>
+            </a:r>
+            <a:r>
+              <a:rPr lang="en-US" sz="3600" spc="-5" dirty="0">
+                <a:cs typeface="Source Sans Pro Light"/>
+              </a:rPr>
+              <a:t> </a:t>
+            </a:r>
+            <a:r>
+              <a:rPr lang="en-US" sz="3600" spc="-5" dirty="0" err="1">
+                <a:cs typeface="Source Sans Pro Light"/>
+              </a:rPr>
+              <a:t>phần</a:t>
+            </a:r>
+            <a:r>
+              <a:rPr lang="en-US" sz="3600" spc="-5" dirty="0">
+                <a:cs typeface="Source Sans Pro Light"/>
+              </a:rPr>
+              <a:t> </a:t>
+            </a:r>
+            <a:r>
+              <a:rPr lang="en-US" sz="3600" spc="-5" dirty="0" err="1">
+                <a:cs typeface="Source Sans Pro Light"/>
+              </a:rPr>
+              <a:t>tử</a:t>
+            </a:r>
+            <a:r>
+              <a:rPr lang="en-US" sz="3600" spc="-5" dirty="0">
+                <a:cs typeface="Source Sans Pro Light"/>
+              </a:rPr>
+              <a:t> </a:t>
+            </a:r>
+            <a:r>
+              <a:rPr lang="en-US" sz="3600" spc="-5" dirty="0" err="1">
+                <a:cs typeface="Source Sans Pro Light"/>
+              </a:rPr>
+              <a:t>có</a:t>
+            </a:r>
+            <a:r>
+              <a:rPr lang="en-US" sz="3600" spc="-5" dirty="0">
+                <a:cs typeface="Source Sans Pro Light"/>
+              </a:rPr>
+              <a:t> </a:t>
+            </a:r>
+            <a:r>
+              <a:rPr lang="en-US" sz="3600" spc="-5" dirty="0" err="1">
+                <a:cs typeface="Source Sans Pro Light"/>
+              </a:rPr>
+              <a:t>trọng</a:t>
+            </a:r>
+            <a:r>
+              <a:rPr lang="en-US" sz="3600" spc="-5" dirty="0">
+                <a:cs typeface="Source Sans Pro Light"/>
+              </a:rPr>
+              <a:t> </a:t>
+            </a:r>
+            <a:r>
+              <a:rPr lang="en-US" sz="3600" spc="-5" dirty="0" err="1">
+                <a:cs typeface="Source Sans Pro Light"/>
+              </a:rPr>
+              <a:t>số</a:t>
+            </a:r>
+            <a:r>
+              <a:rPr lang="en-US" sz="3600" spc="-5" dirty="0">
+                <a:cs typeface="Source Sans Pro Light"/>
+              </a:rPr>
+              <a:t> </a:t>
+            </a:r>
+            <a:r>
+              <a:rPr lang="en-US" sz="3600" spc="-5" dirty="0" err="1">
+                <a:cs typeface="Source Sans Pro Light"/>
+              </a:rPr>
+              <a:t>ưu</a:t>
+            </a:r>
+            <a:r>
+              <a:rPr lang="en-US" sz="3600" spc="-5" dirty="0">
+                <a:cs typeface="Source Sans Pro Light"/>
+              </a:rPr>
+              <a:t> </a:t>
+            </a:r>
+            <a:r>
+              <a:rPr lang="en-US" sz="3600" spc="-5" dirty="0" err="1">
+                <a:cs typeface="Source Sans Pro Light"/>
+              </a:rPr>
+              <a:t>tiên</a:t>
+            </a:r>
+            <a:r>
+              <a:rPr lang="en-US" sz="3600" spc="-5" dirty="0">
+                <a:cs typeface="Source Sans Pro Light"/>
+              </a:rPr>
+              <a:t> </a:t>
+            </a:r>
+            <a:r>
+              <a:rPr lang="en-US" sz="3600" spc="-5" dirty="0" err="1">
+                <a:cs typeface="Source Sans Pro Light"/>
+              </a:rPr>
+              <a:t>giảm</a:t>
+            </a:r>
+            <a:r>
+              <a:rPr lang="en-US" sz="3600" spc="-5" dirty="0">
+                <a:cs typeface="Source Sans Pro Light"/>
+              </a:rPr>
+              <a:t> </a:t>
+            </a:r>
+            <a:r>
+              <a:rPr lang="en-US" sz="3600" spc="-5" dirty="0" err="1">
+                <a:cs typeface="Source Sans Pro Light"/>
+              </a:rPr>
+              <a:t>dần</a:t>
+            </a:r>
+            <a:r>
+              <a:rPr lang="en-US" sz="3600" spc="-5" dirty="0">
+                <a:cs typeface="Source Sans Pro Light"/>
+              </a:rPr>
+              <a:t>, </a:t>
+            </a:r>
+            <a:r>
+              <a:rPr lang="en-US" sz="3600" spc="-5" dirty="0" err="1">
+                <a:cs typeface="Source Sans Pro Light"/>
+              </a:rPr>
+              <a:t>thứ</a:t>
+            </a:r>
+            <a:r>
+              <a:rPr lang="en-US" sz="3600" spc="-5" dirty="0">
+                <a:cs typeface="Source Sans Pro Light"/>
+              </a:rPr>
+              <a:t> </a:t>
+            </a:r>
+            <a:r>
+              <a:rPr lang="en-US" sz="3600" spc="-5" dirty="0" err="1">
+                <a:cs typeface="Source Sans Pro Light"/>
+              </a:rPr>
+              <a:t>tự</a:t>
+            </a:r>
+            <a:r>
+              <a:rPr lang="en-US" sz="3600" spc="-5" dirty="0">
+                <a:cs typeface="Source Sans Pro Light"/>
+              </a:rPr>
+              <a:t> </a:t>
+            </a:r>
+            <a:r>
+              <a:rPr lang="en-US" sz="3600" spc="-5" dirty="0" err="1">
+                <a:cs typeface="Source Sans Pro Light"/>
+              </a:rPr>
+              <a:t>các</a:t>
+            </a:r>
+            <a:r>
+              <a:rPr lang="en-US" sz="3600" spc="-5" dirty="0">
+                <a:cs typeface="Source Sans Pro Light"/>
+              </a:rPr>
+              <a:t> </a:t>
+            </a:r>
+            <a:r>
+              <a:rPr lang="en-US" sz="3600" spc="-5" dirty="0" err="1">
+                <a:cs typeface="Source Sans Pro Light"/>
+              </a:rPr>
+              <a:t>vật</a:t>
+            </a:r>
+            <a:r>
+              <a:rPr lang="en-US" sz="3600" spc="-5" dirty="0">
+                <a:cs typeface="Source Sans Pro Light"/>
+              </a:rPr>
+              <a:t> </a:t>
+            </a:r>
+            <a:r>
+              <a:rPr lang="en-US" sz="3600" spc="-5" dirty="0" err="1">
+                <a:cs typeface="Source Sans Pro Light"/>
+              </a:rPr>
+              <a:t>theo</a:t>
+            </a:r>
+            <a:r>
+              <a:rPr lang="en-US" sz="3600" spc="-5" dirty="0">
+                <a:cs typeface="Source Sans Pro Light"/>
+              </a:rPr>
+              <a:t> </a:t>
+            </a:r>
+            <a:r>
+              <a:rPr lang="en-US" sz="3600" spc="-5" dirty="0" err="1">
+                <a:cs typeface="Source Sans Pro Light"/>
+              </a:rPr>
+              <a:t>đề</a:t>
+            </a:r>
+            <a:r>
+              <a:rPr lang="en-US" sz="3600" spc="-5" dirty="0">
+                <a:cs typeface="Source Sans Pro Light"/>
+              </a:rPr>
+              <a:t> </a:t>
+            </a:r>
+            <a:r>
+              <a:rPr lang="en-US" sz="3600" spc="-5" dirty="0" err="1">
+                <a:cs typeface="Source Sans Pro Light"/>
+              </a:rPr>
+              <a:t>bài</a:t>
+            </a:r>
+            <a:r>
+              <a:rPr lang="en-US" sz="3600" spc="-5" dirty="0">
+                <a:cs typeface="Source Sans Pro Light"/>
+              </a:rPr>
+              <a:t> </a:t>
+            </a:r>
+            <a:r>
+              <a:rPr lang="en-US" sz="3600" spc="-5" dirty="0" err="1">
+                <a:cs typeface="Source Sans Pro Light"/>
+              </a:rPr>
+              <a:t>không</a:t>
+            </a:r>
+            <a:r>
+              <a:rPr lang="en-US" sz="3600" spc="-5" dirty="0">
+                <a:cs typeface="Source Sans Pro Light"/>
+              </a:rPr>
+              <a:t> </a:t>
+            </a:r>
+            <a:r>
+              <a:rPr lang="en-US" sz="3600" spc="-5" dirty="0" err="1">
+                <a:cs typeface="Source Sans Pro Light"/>
+              </a:rPr>
+              <a:t>đổi</a:t>
+            </a:r>
+            <a:r>
+              <a:rPr lang="en-US" sz="3600" spc="-5" dirty="0">
+                <a:cs typeface="Source Sans Pro Light"/>
+              </a:rPr>
+              <a:t> </a:t>
+            </a:r>
+            <a:r>
+              <a:rPr lang="en-US" sz="3600" spc="-5" dirty="0" err="1">
+                <a:cs typeface="Source Sans Pro Light"/>
+              </a:rPr>
+              <a:t>trong</a:t>
+            </a:r>
+            <a:r>
+              <a:rPr lang="en-US" sz="3600" spc="-5" dirty="0">
+                <a:cs typeface="Source Sans Pro Light"/>
+              </a:rPr>
+              <a:t> </a:t>
+            </a:r>
+            <a:r>
+              <a:rPr lang="en-US" sz="3600" spc="-5" dirty="0" err="1">
+                <a:cs typeface="Source Sans Pro Light"/>
+              </a:rPr>
+              <a:t>suốt</a:t>
+            </a:r>
+            <a:r>
+              <a:rPr lang="en-US" sz="3600" spc="-5" dirty="0">
+                <a:cs typeface="Source Sans Pro Light"/>
+              </a:rPr>
+              <a:t> </a:t>
+            </a:r>
+            <a:r>
+              <a:rPr lang="en-US" sz="3600" spc="-5" dirty="0" err="1">
+                <a:cs typeface="Source Sans Pro Light"/>
+              </a:rPr>
+              <a:t>quá</a:t>
+            </a:r>
+            <a:r>
+              <a:rPr lang="en-US" sz="3600" spc="-5" dirty="0">
+                <a:cs typeface="Source Sans Pro Light"/>
+              </a:rPr>
+              <a:t> </a:t>
+            </a:r>
+            <a:r>
+              <a:rPr lang="en-US" sz="3600" spc="-5" dirty="0" err="1">
+                <a:cs typeface="Source Sans Pro Light"/>
+              </a:rPr>
+              <a:t>trình</a:t>
+            </a:r>
+            <a:r>
+              <a:rPr lang="en-US" sz="3600" spc="-5" dirty="0">
+                <a:cs typeface="Source Sans Pro Light"/>
+              </a:rPr>
+              <a:t> </a:t>
+            </a:r>
+            <a:r>
+              <a:rPr lang="en-US" sz="3600" spc="-5" dirty="0" err="1">
+                <a:cs typeface="Source Sans Pro Light"/>
+              </a:rPr>
+              <a:t>xử</a:t>
+            </a:r>
+            <a:r>
+              <a:rPr lang="en-US" sz="3600" spc="-5" dirty="0">
+                <a:cs typeface="Source Sans Pro Light"/>
+              </a:rPr>
+              <a:t> </a:t>
+            </a:r>
+            <a:r>
+              <a:rPr lang="en-US" sz="3600" spc="-5" dirty="0" err="1">
+                <a:cs typeface="Source Sans Pro Light"/>
+              </a:rPr>
+              <a:t>lý</a:t>
+            </a:r>
+            <a:r>
+              <a:rPr lang="en-US" sz="3600" spc="-5" dirty="0">
+                <a:cs typeface="Source Sans Pro Light"/>
+              </a:rPr>
+              <a:t>.</a:t>
             </a:r>
           </a:p>
         </p:txBody>
@@ -8075,7 +8681,7 @@
                     </m:r>
                   </m:oMath>
                 </a14:m>
-                <a:endParaRPr lang="en-US" sz="3200" b="0" spc="-5">
+                <a:endParaRPr lang="en-US" sz="3200" b="0" spc="-5" dirty="0">
                   <a:cs typeface="Source Sans Pro Light"/>
                 </a:endParaRPr>
               </a:p>
@@ -8190,7 +8796,7 @@
                     </m:r>
                   </m:oMath>
                 </a14:m>
-                <a:endParaRPr lang="en-US" sz="3200" b="0" spc="-5">
+                <a:endParaRPr lang="en-US" sz="3200" b="0" spc="-5" dirty="0">
                   <a:cs typeface="Source Sans Pro Light"/>
                 </a:endParaRPr>
               </a:p>
@@ -8309,7 +8915,7 @@
                     </m:r>
                   </m:oMath>
                 </a14:m>
-                <a:endParaRPr lang="en-US" sz="3200" b="0" spc="-5">
+                <a:endParaRPr lang="en-US" sz="3200" b="0" spc="-5" dirty="0">
                   <a:cs typeface="Source Sans Pro Light"/>
                 </a:endParaRPr>
               </a:p>
@@ -8395,7 +9001,7 @@
                     </m:r>
                   </m:oMath>
                 </a14:m>
-                <a:endParaRPr lang="en-US" sz="3200" b="0" spc="-5">
+                <a:endParaRPr lang="en-US" sz="3200" b="0" spc="-5" dirty="0">
                   <a:cs typeface="Source Sans Pro Light"/>
                 </a:endParaRPr>
               </a:p>
@@ -8434,7 +9040,7 @@
                             <a:latin typeface="Cambria Math" panose="02040503050406030204" pitchFamily="18" charset="0"/>
                             <a:cs typeface="Source Sans Pro Light"/>
                           </a:rPr>
-                          <m:t>$5</m:t>
+                          <m:t>%5</m:t>
                         </m:r>
                         <m:r>
                           <m:rPr>
@@ -8492,7 +9098,7 @@
                     </m:r>
                   </m:oMath>
                 </a14:m>
-                <a:endParaRPr lang="en-US" sz="3200" b="0" spc="-5">
+                <a:endParaRPr lang="en-US" sz="3200" b="0" spc="-5" dirty="0">
                   <a:cs typeface="Source Sans Pro Light"/>
                 </a:endParaRPr>
               </a:p>
@@ -8522,7 +9128,7 @@
                     </m:r>
                   </m:oMath>
                 </a14:m>
-                <a:endParaRPr lang="en-US" sz="3200" spc="-5">
+                <a:endParaRPr lang="en-US" sz="3200" spc="-5" dirty="0">
                   <a:cs typeface="Source Sans Pro Light"/>
                 </a:endParaRPr>
               </a:p>
@@ -8555,7 +9161,7 @@
               <a:blipFill>
                 <a:blip r:embed="rId5"/>
                 <a:stretch>
-                  <a:fillRect/>
+                  <a:fillRect l="-1635" b="-4050"/>
                 </a:stretch>
               </a:blipFill>
             </p:spPr>
@@ -8564,7 +9170,7 @@
               <a:lstStyle/>
               <a:p>
                 <a:r>
-                  <a:rPr lang="en-US">
+                  <a:rPr lang="en-VN">
                     <a:noFill/>
                   </a:rPr>
                   <a:t> </a:t>
@@ -9843,8 +10449,16 @@
                     <a:lstStyle/>
                     <a:p>
                       <a:r>
-                        <a:rPr lang="en-US"/>
-                        <a:t>Greedy 2: i={1,2,3,4}, Value = 15$, Weight = 8kg</a:t>
+                        <a:rPr lang="en-US" dirty="0"/>
+                        <a:t>Greedy 2: </a:t>
+                      </a:r>
+                      <a:r>
+                        <a:rPr lang="en-US" dirty="0" err="1"/>
+                        <a:t>i</a:t>
+                      </a:r>
+                      <a:r>
+                        <a:rPr lang="en-US" dirty="0"/>
+                        <a:t>={1,2,3,4}, Value = 15$, Weight = 8kg</a:t>
                       </a:r>
                     </a:p>
                   </a:txBody>
@@ -13451,8 +14065,44 @@
               <a:buChar char="§"/>
             </a:pPr>
             <a:r>
-              <a:rPr lang="pt-BR" sz="3600" b="0" i="0" u="none" strike="noStrike" baseline="0"/>
-              <a:t>Greedy 1: A→ G → F→ B → H → E → D → C → A</a:t>
+              <a:rPr lang="pt-BR" sz="3600" b="0" i="0" u="none" strike="noStrike" baseline="0" dirty="0" err="1"/>
+              <a:t>Greedy</a:t>
+            </a:r>
+            <a:r>
+              <a:rPr lang="pt-BR" sz="3600" b="0" i="0" u="none" strike="noStrike" baseline="0" dirty="0"/>
+              <a:t> 1: A→ </a:t>
+            </a:r>
+            <a:r>
+              <a:rPr lang="pt-BR" sz="3600" b="0" i="0" u="none" strike="noStrike" baseline="0" dirty="0" err="1"/>
+              <a:t>G</a:t>
+            </a:r>
+            <a:r>
+              <a:rPr lang="pt-BR" sz="3600" b="0" i="0" u="none" strike="noStrike" baseline="0" dirty="0"/>
+              <a:t> → </a:t>
+            </a:r>
+            <a:r>
+              <a:rPr lang="pt-BR" sz="3600" b="0" i="0" u="none" strike="noStrike" baseline="0" dirty="0" err="1"/>
+              <a:t>F</a:t>
+            </a:r>
+            <a:r>
+              <a:rPr lang="pt-BR" sz="3600" b="0" i="0" u="none" strike="noStrike" baseline="0" dirty="0"/>
+              <a:t>→ </a:t>
+            </a:r>
+            <a:r>
+              <a:rPr lang="pt-BR" sz="3600" b="0" i="0" u="none" strike="noStrike" baseline="0" dirty="0" err="1"/>
+              <a:t>B</a:t>
+            </a:r>
+            <a:r>
+              <a:rPr lang="pt-BR" sz="3600" b="0" i="0" u="none" strike="noStrike" baseline="0" dirty="0"/>
+              <a:t> → H → E → </a:t>
+            </a:r>
+            <a:r>
+              <a:rPr lang="pt-BR" sz="3600" b="0" i="0" u="none" strike="noStrike" baseline="0" dirty="0" err="1"/>
+              <a:t>D</a:t>
+            </a:r>
+            <a:r>
+              <a:rPr lang="pt-BR" sz="3600" b="0" i="0" u="none" strike="noStrike" baseline="0" dirty="0"/>
+              <a:t> → C → A</a:t>
             </a:r>
           </a:p>
         </p:txBody>
@@ -13472,7 +14122,7 @@
           <p:nvPr>
             <p:extLst>
               <p:ext uri="{D42A27DB-BD31-4B8C-83A1-F6EECF244321}">
-                <p14:modId xmlns:p14="http://schemas.microsoft.com/office/powerpoint/2010/main" val="3560566128"/>
+                <p14:modId xmlns:p14="http://schemas.microsoft.com/office/powerpoint/2010/main" val="4151181000"/>
               </p:ext>
             </p:extLst>
           </p:nvPr>
@@ -13887,10 +14537,60 @@
                     <a:p>
                       <a:pPr algn="r" fontAlgn="b"/>
                       <a:r>
+                        <a:rPr lang="en-US" sz="3000" u="none" strike="noStrike" dirty="0">
+                          <a:effectLst/>
+                        </a:rPr>
+                        <a:t>640</a:t>
+                      </a:r>
+                      <a:endParaRPr lang="en-US" sz="3000" b="0" i="0" u="none" strike="noStrike" dirty="0">
+                        <a:solidFill>
+                          <a:srgbClr val="000000"/>
+                        </a:solidFill>
+                        <a:effectLst/>
+                        <a:latin typeface="Calibri" panose="020F0502020204030204" pitchFamily="34" charset="0"/>
+                      </a:endParaRPr>
+                    </a:p>
+                  </a:txBody>
+                  <a:tcPr marL="9525" marR="9525" marT="9525" marB="0" anchor="b">
+                    <a:solidFill>
+                      <a:srgbClr val="FF0000"/>
+                    </a:solidFill>
+                  </a:tcPr>
+                </a:tc>
+                <a:tc>
+                  <a:txBody>
+                    <a:bodyPr/>
+                    <a:lstStyle/>
+                    <a:p>
+                      <a:pPr algn="r" fontAlgn="b"/>
+                      <a:r>
+                        <a:rPr lang="en-US" sz="3000" u="none" strike="noStrike" dirty="0">
+                          <a:effectLst/>
+                        </a:rPr>
+                        <a:t>840</a:t>
+                      </a:r>
+                      <a:endParaRPr lang="en-US" sz="3000" b="0" i="0" u="none" strike="noStrike" dirty="0">
+                        <a:solidFill>
+                          <a:srgbClr val="000000"/>
+                        </a:solidFill>
+                        <a:effectLst/>
+                        <a:latin typeface="Calibri" panose="020F0502020204030204" pitchFamily="34" charset="0"/>
+                      </a:endParaRPr>
+                    </a:p>
+                  </a:txBody>
+                  <a:tcPr marL="9525" marR="9525" marT="9525" marB="0" anchor="b"/>
+                </a:tc>
+                <a:tc>
+                  <a:txBody>
+                    <a:bodyPr/>
+                    <a:lstStyle/>
+                    <a:p>
+                      <a:pPr algn="r" fontAlgn="b"/>
+                      <a:r>
                         <a:rPr lang="en-US" sz="3000" u="none" strike="noStrike">
                           <a:effectLst/>
                         </a:rPr>
-                        <a:t>640</a:t>
+                        <a:t>800</a:t>
                       </a:r>
                       <a:endParaRPr lang="en-US" sz="3000" b="0" i="0" u="none" strike="noStrike">
                         <a:solidFill>
@@ -13913,7 +14613,7 @@
                         <a:rPr lang="en-US" sz="3000" u="none" strike="noStrike">
                           <a:effectLst/>
                         </a:rPr>
-                        <a:t>840</a:t>
+                        <a:t>430</a:t>
                       </a:r>
                       <a:endParaRPr lang="en-US" sz="3000" b="0" i="0" u="none" strike="noStrike">
                         <a:solidFill>
@@ -13936,7 +14636,7 @@
                         <a:rPr lang="en-US" sz="3000" u="none" strike="noStrike">
                           <a:effectLst/>
                         </a:rPr>
-                        <a:t>800</a:t>
+                        <a:t>380</a:t>
                       </a:r>
                       <a:endParaRPr lang="en-US" sz="3000" b="0" i="0" u="none" strike="noStrike">
                         <a:solidFill>
@@ -13959,7 +14659,7 @@
                         <a:rPr lang="en-US" sz="3000" u="none" strike="noStrike">
                           <a:effectLst/>
                         </a:rPr>
-                        <a:t>430</a:t>
+                        <a:t>1010</a:t>
                       </a:r>
                       <a:endParaRPr lang="en-US" sz="3000" b="0" i="0" u="none" strike="noStrike">
                         <a:solidFill>
@@ -13972,17 +14672,24 @@
                   </a:txBody>
                   <a:tcPr marL="9525" marR="9525" marT="9525" marB="0" anchor="b"/>
                 </a:tc>
-                <a:tc>
-                  <a:txBody>
-                    <a:bodyPr/>
-                    <a:lstStyle/>
-                    <a:p>
-                      <a:pPr algn="r" fontAlgn="b"/>
+                <a:extLst>
+                  <a:ext uri="{0D108BD9-81ED-4DB2-BD59-A6C34878D82A}">
+                    <a16:rowId xmlns:a16="http://schemas.microsoft.com/office/drawing/2014/main" val="2032413932"/>
+                  </a:ext>
+                </a:extLst>
+              </a:tr>
+              <a:tr h="685398">
+                <a:tc>
+                  <a:txBody>
+                    <a:bodyPr/>
+                    <a:lstStyle/>
+                    <a:p>
+                      <a:pPr algn="l" fontAlgn="b"/>
                       <a:r>
                         <a:rPr lang="en-US" sz="3000" u="none" strike="noStrike">
                           <a:effectLst/>
                         </a:rPr>
-                        <a:t>380</a:t>
+                        <a:t>B</a:t>
                       </a:r>
                       <a:endParaRPr lang="en-US" sz="3000" b="0" i="0" u="none" strike="noStrike">
                         <a:solidFill>
@@ -13993,7 +14700,11 @@
                       </a:endParaRPr>
                     </a:p>
                   </a:txBody>
-                  <a:tcPr marL="9525" marR="9525" marT="9525" marB="0" anchor="b"/>
+                  <a:tcPr marL="9525" marR="9525" marT="9525" marB="0" anchor="b">
+                    <a:solidFill>
+                      <a:schemeClr val="accent2"/>
+                    </a:solidFill>
+                  </a:tcPr>
                 </a:tc>
                 <a:tc>
                   <a:txBody>
@@ -14005,7 +14716,7 @@
                         <a:rPr lang="en-US" sz="3000" u="none" strike="noStrike">
                           <a:effectLst/>
                         </a:rPr>
-                        <a:t>1010</a:t>
+                        <a:t>730</a:t>
                       </a:r>
                       <a:endParaRPr lang="en-US" sz="3000" b="0" i="0" u="none" strike="noStrike">
                         <a:solidFill>
@@ -14018,24 +14729,17 @@
                   </a:txBody>
                   <a:tcPr marL="9525" marR="9525" marT="9525" marB="0" anchor="b"/>
                 </a:tc>
-                <a:extLst>
-                  <a:ext uri="{0D108BD9-81ED-4DB2-BD59-A6C34878D82A}">
-                    <a16:rowId xmlns:a16="http://schemas.microsoft.com/office/drawing/2014/main" val="2032413932"/>
-                  </a:ext>
-                </a:extLst>
-              </a:tr>
-              <a:tr h="685398">
-                <a:tc>
-                  <a:txBody>
-                    <a:bodyPr/>
-                    <a:lstStyle/>
-                    <a:p>
-                      <a:pPr algn="l" fontAlgn="b"/>
+                <a:tc>
+                  <a:txBody>
+                    <a:bodyPr/>
+                    <a:lstStyle/>
+                    <a:p>
+                      <a:pPr algn="r" fontAlgn="b"/>
                       <a:r>
                         <a:rPr lang="en-US" sz="3000" u="none" strike="noStrike">
                           <a:effectLst/>
                         </a:rPr>
-                        <a:t>B</a:t>
+                        <a:t>0</a:t>
                       </a:r>
                       <a:endParaRPr lang="en-US" sz="3000" b="0" i="0" u="none" strike="noStrike">
                         <a:solidFill>
@@ -14046,11 +14750,7 @@
                       </a:endParaRPr>
                     </a:p>
                   </a:txBody>
-                  <a:tcPr marL="9525" marR="9525" marT="9525" marB="0" anchor="b">
-                    <a:solidFill>
-                      <a:schemeClr val="accent2"/>
-                    </a:solidFill>
-                  </a:tcPr>
+                  <a:tcPr marL="9525" marR="9525" marT="9525" marB="0" anchor="b"/>
                 </a:tc>
                 <a:tc>
                   <a:txBody>
@@ -14062,7 +14762,7 @@
                         <a:rPr lang="en-US" sz="3000" u="none" strike="noStrike">
                           <a:effectLst/>
                         </a:rPr>
-                        <a:t>730</a:t>
+                        <a:t>710</a:t>
                       </a:r>
                       <a:endParaRPr lang="en-US" sz="3000" b="0" i="0" u="none" strike="noStrike">
                         <a:solidFill>
@@ -14085,7 +14785,7 @@
                         <a:rPr lang="en-US" sz="3000" u="none" strike="noStrike">
                           <a:effectLst/>
                         </a:rPr>
-                        <a:t>0</a:t>
+                        <a:t>1040</a:t>
                       </a:r>
                       <a:endParaRPr lang="en-US" sz="3000" b="0" i="0" u="none" strike="noStrike">
                         <a:solidFill>
@@ -14108,7 +14808,7 @@
                         <a:rPr lang="en-US" sz="3000" u="none" strike="noStrike">
                           <a:effectLst/>
                         </a:rPr>
-                        <a:t>710</a:t>
+                        <a:t>500</a:t>
                       </a:r>
                       <a:endParaRPr lang="en-US" sz="3000" b="0" i="0" u="none" strike="noStrike">
                         <a:solidFill>
@@ -14131,7 +14831,7 @@
                         <a:rPr lang="en-US" sz="3000" u="none" strike="noStrike">
                           <a:effectLst/>
                         </a:rPr>
-                        <a:t>1040</a:t>
+                        <a:t>300</a:t>
                       </a:r>
                       <a:endParaRPr lang="en-US" sz="3000" b="0" i="0" u="none" strike="noStrike">
                         <a:solidFill>
@@ -14142,7 +14842,11 @@
                       </a:endParaRPr>
                     </a:p>
                   </a:txBody>
-                  <a:tcPr marL="9525" marR="9525" marT="9525" marB="0" anchor="b"/>
+                  <a:tcPr marL="9525" marR="9525" marT="9525" marB="0" anchor="b">
+                    <a:solidFill>
+                      <a:srgbClr val="92D050"/>
+                    </a:solidFill>
+                  </a:tcPr>
                 </a:tc>
                 <a:tc>
                   <a:txBody>
@@ -14154,7 +14858,7 @@
                         <a:rPr lang="en-US" sz="3000" u="none" strike="noStrike">
                           <a:effectLst/>
                         </a:rPr>
-                        <a:t>500</a:t>
+                        <a:t>540</a:t>
                       </a:r>
                       <a:endParaRPr lang="en-US" sz="3000" b="0" i="0" u="none" strike="noStrike">
                         <a:solidFill>
@@ -14177,7 +14881,7 @@
                         <a:rPr lang="en-US" sz="3000" u="none" strike="noStrike">
                           <a:effectLst/>
                         </a:rPr>
-                        <a:t>300</a:t>
+                        <a:t>470</a:t>
                       </a:r>
                       <a:endParaRPr lang="en-US" sz="3000" b="0" i="0" u="none" strike="noStrike">
                         <a:solidFill>
@@ -14188,23 +14892,26 @@
                       </a:endParaRPr>
                     </a:p>
                   </a:txBody>
-                  <a:tcPr marL="9525" marR="9525" marT="9525" marB="0" anchor="b">
-                    <a:solidFill>
-                      <a:srgbClr val="92D050"/>
-                    </a:solidFill>
-                  </a:tcPr>
-                </a:tc>
-                <a:tc>
-                  <a:txBody>
-                    <a:bodyPr/>
-                    <a:lstStyle/>
-                    <a:p>
-                      <a:pPr algn="r" fontAlgn="b"/>
+                  <a:tcPr marL="9525" marR="9525" marT="9525" marB="0" anchor="b"/>
+                </a:tc>
+                <a:extLst>
+                  <a:ext uri="{0D108BD9-81ED-4DB2-BD59-A6C34878D82A}">
+                    <a16:rowId xmlns:a16="http://schemas.microsoft.com/office/drawing/2014/main" val="3817562027"/>
+                  </a:ext>
+                </a:extLst>
+              </a:tr>
+              <a:tr h="685398">
+                <a:tc>
+                  <a:txBody>
+                    <a:bodyPr/>
+                    <a:lstStyle/>
+                    <a:p>
+                      <a:pPr algn="l" fontAlgn="b"/>
                       <a:r>
                         <a:rPr lang="en-US" sz="3000" u="none" strike="noStrike">
                           <a:effectLst/>
                         </a:rPr>
-                        <a:t>540</a:t>
+                        <a:t>C</a:t>
                       </a:r>
                       <a:endParaRPr lang="en-US" sz="3000" b="0" i="0" u="none" strike="noStrike">
                         <a:solidFill>
@@ -14215,7 +14922,11 @@
                       </a:endParaRPr>
                     </a:p>
                   </a:txBody>
-                  <a:tcPr marL="9525" marR="9525" marT="9525" marB="0" anchor="b"/>
+                  <a:tcPr marL="9525" marR="9525" marT="9525" marB="0" anchor="b">
+                    <a:solidFill>
+                      <a:schemeClr val="accent2"/>
+                    </a:solidFill>
+                  </a:tcPr>
                 </a:tc>
                 <a:tc>
                   <a:txBody>
@@ -14227,7 +14938,7 @@
                         <a:rPr lang="en-US" sz="3000" u="none" strike="noStrike">
                           <a:effectLst/>
                         </a:rPr>
-                        <a:t>470</a:t>
+                        <a:t>640</a:t>
                       </a:r>
                       <a:endParaRPr lang="en-US" sz="3000" b="0" i="0" u="none" strike="noStrike">
                         <a:solidFill>
@@ -14240,24 +14951,17 @@
                   </a:txBody>
                   <a:tcPr marL="9525" marR="9525" marT="9525" marB="0" anchor="b"/>
                 </a:tc>
-                <a:extLst>
-                  <a:ext uri="{0D108BD9-81ED-4DB2-BD59-A6C34878D82A}">
-                    <a16:rowId xmlns:a16="http://schemas.microsoft.com/office/drawing/2014/main" val="3817562027"/>
-                  </a:ext>
-                </a:extLst>
-              </a:tr>
-              <a:tr h="685398">
-                <a:tc>
-                  <a:txBody>
-                    <a:bodyPr/>
-                    <a:lstStyle/>
-                    <a:p>
-                      <a:pPr algn="l" fontAlgn="b"/>
+                <a:tc>
+                  <a:txBody>
+                    <a:bodyPr/>
+                    <a:lstStyle/>
+                    <a:p>
+                      <a:pPr algn="r" fontAlgn="b"/>
                       <a:r>
                         <a:rPr lang="en-US" sz="3000" u="none" strike="noStrike">
                           <a:effectLst/>
                         </a:rPr>
-                        <a:t>C</a:t>
+                        <a:t>710</a:t>
                       </a:r>
                       <a:endParaRPr lang="en-US" sz="3000" b="0" i="0" u="none" strike="noStrike">
                         <a:solidFill>
@@ -14268,11 +14972,7 @@
                       </a:endParaRPr>
                     </a:p>
                   </a:txBody>
-                  <a:tcPr marL="9525" marR="9525" marT="9525" marB="0" anchor="b">
-                    <a:solidFill>
-                      <a:schemeClr val="accent2"/>
-                    </a:solidFill>
-                  </a:tcPr>
+                  <a:tcPr marL="9525" marR="9525" marT="9525" marB="0" anchor="b"/>
                 </a:tc>
                 <a:tc>
                   <a:txBody>
@@ -14284,7 +14984,7 @@
                         <a:rPr lang="en-US" sz="3000" u="none" strike="noStrike">
                           <a:effectLst/>
                         </a:rPr>
-                        <a:t>640</a:t>
+                        <a:t>0</a:t>
                       </a:r>
                       <a:endParaRPr lang="en-US" sz="3000" b="0" i="0" u="none" strike="noStrike">
                         <a:solidFill>
@@ -14307,7 +15007,7 @@
                         <a:rPr lang="en-US" sz="3000" u="none" strike="noStrike">
                           <a:effectLst/>
                         </a:rPr>
-                        <a:t>710</a:t>
+                        <a:t>1420</a:t>
                       </a:r>
                       <a:endParaRPr lang="en-US" sz="3000" b="0" i="0" u="none" strike="noStrike">
                         <a:solidFill>
@@ -14318,7 +15018,11 @@
                       </a:endParaRPr>
                     </a:p>
                   </a:txBody>
-                  <a:tcPr marL="9525" marR="9525" marT="9525" marB="0" anchor="b"/>
+                  <a:tcPr marL="9525" marR="9525" marT="9525" marB="0" anchor="b">
+                    <a:solidFill>
+                      <a:srgbClr val="92D050"/>
+                    </a:solidFill>
+                  </a:tcPr>
                 </a:tc>
                 <a:tc>
                   <a:txBody>
@@ -14330,7 +15034,7 @@
                         <a:rPr lang="en-US" sz="3000" u="none" strike="noStrike">
                           <a:effectLst/>
                         </a:rPr>
-                        <a:t>0</a:t>
+                        <a:t>1050</a:t>
                       </a:r>
                       <a:endParaRPr lang="en-US" sz="3000" b="0" i="0" u="none" strike="noStrike">
                         <a:solidFill>
@@ -14350,10 +15054,33 @@
                     <a:p>
                       <a:pPr algn="r" fontAlgn="b"/>
                       <a:r>
+                        <a:rPr lang="en-US" sz="3000" u="none" strike="noStrike" dirty="0">
+                          <a:effectLst/>
+                        </a:rPr>
+                        <a:t>600</a:t>
+                      </a:r>
+                      <a:endParaRPr lang="en-US" sz="3000" b="0" i="0" u="none" strike="noStrike" dirty="0">
+                        <a:solidFill>
+                          <a:srgbClr val="000000"/>
+                        </a:solidFill>
+                        <a:effectLst/>
+                        <a:latin typeface="Calibri" panose="020F0502020204030204" pitchFamily="34" charset="0"/>
+                      </a:endParaRPr>
+                    </a:p>
+                  </a:txBody>
+                  <a:tcPr marL="9525" marR="9525" marT="9525" marB="0" anchor="b"/>
+                </a:tc>
+                <a:tc>
+                  <a:txBody>
+                    <a:bodyPr/>
+                    <a:lstStyle/>
+                    <a:p>
+                      <a:pPr algn="r" fontAlgn="b"/>
+                      <a:r>
                         <a:rPr lang="en-US" sz="3000" u="none" strike="noStrike">
                           <a:effectLst/>
                         </a:rPr>
-                        <a:t>1420</a:t>
+                        <a:t>920</a:t>
                       </a:r>
                       <a:endParaRPr lang="en-US" sz="3000" b="0" i="0" u="none" strike="noStrike">
                         <a:solidFill>
@@ -14364,11 +15091,7 @@
                       </a:endParaRPr>
                     </a:p>
                   </a:txBody>
-                  <a:tcPr marL="9525" marR="9525" marT="9525" marB="0" anchor="b">
-                    <a:solidFill>
-                      <a:srgbClr val="92D050"/>
-                    </a:solidFill>
-                  </a:tcPr>
+                  <a:tcPr marL="9525" marR="9525" marT="9525" marB="0" anchor="b"/>
                 </a:tc>
                 <a:tc>
                   <a:txBody>
@@ -14380,7 +15103,7 @@
                         <a:rPr lang="en-US" sz="3000" u="none" strike="noStrike">
                           <a:effectLst/>
                         </a:rPr>
-                        <a:t>1050</a:t>
+                        <a:t>1160</a:t>
                       </a:r>
                       <a:endParaRPr lang="en-US" sz="3000" b="0" i="0" u="none" strike="noStrike">
                         <a:solidFill>
@@ -14393,17 +15116,24 @@
                   </a:txBody>
                   <a:tcPr marL="9525" marR="9525" marT="9525" marB="0" anchor="b"/>
                 </a:tc>
-                <a:tc>
-                  <a:txBody>
-                    <a:bodyPr/>
-                    <a:lstStyle/>
-                    <a:p>
-                      <a:pPr algn="r" fontAlgn="b"/>
+                <a:extLst>
+                  <a:ext uri="{0D108BD9-81ED-4DB2-BD59-A6C34878D82A}">
+                    <a16:rowId xmlns:a16="http://schemas.microsoft.com/office/drawing/2014/main" val="2722092592"/>
+                  </a:ext>
+                </a:extLst>
+              </a:tr>
+              <a:tr h="685398">
+                <a:tc>
+                  <a:txBody>
+                    <a:bodyPr/>
+                    <a:lstStyle/>
+                    <a:p>
+                      <a:pPr algn="l" fontAlgn="b"/>
                       <a:r>
                         <a:rPr lang="en-US" sz="3000" u="none" strike="noStrike">
                           <a:effectLst/>
                         </a:rPr>
-                        <a:t>600</a:t>
+                        <a:t>D</a:t>
                       </a:r>
                       <a:endParaRPr lang="en-US" sz="3000" b="0" i="0" u="none" strike="noStrike">
                         <a:solidFill>
@@ -14414,7 +15144,11 @@
                       </a:endParaRPr>
                     </a:p>
                   </a:txBody>
-                  <a:tcPr marL="9525" marR="9525" marT="9525" marB="0" anchor="b"/>
+                  <a:tcPr marL="9525" marR="9525" marT="9525" marB="0" anchor="b">
+                    <a:solidFill>
+                      <a:schemeClr val="accent2"/>
+                    </a:solidFill>
+                  </a:tcPr>
                 </a:tc>
                 <a:tc>
                   <a:txBody>
@@ -14426,7 +15160,7 @@
                         <a:rPr lang="en-US" sz="3000" u="none" strike="noStrike">
                           <a:effectLst/>
                         </a:rPr>
-                        <a:t>920</a:t>
+                        <a:t>840</a:t>
                       </a:r>
                       <a:endParaRPr lang="en-US" sz="3000" b="0" i="0" u="none" strike="noStrike">
                         <a:solidFill>
@@ -14449,7 +15183,7 @@
                         <a:rPr lang="en-US" sz="3000" u="none" strike="noStrike">
                           <a:effectLst/>
                         </a:rPr>
-                        <a:t>1160</a:t>
+                        <a:t>1040</a:t>
                       </a:r>
                       <a:endParaRPr lang="en-US" sz="3000" b="0" i="0" u="none" strike="noStrike">
                         <a:solidFill>
@@ -14462,24 +15196,17 @@
                   </a:txBody>
                   <a:tcPr marL="9525" marR="9525" marT="9525" marB="0" anchor="b"/>
                 </a:tc>
-                <a:extLst>
-                  <a:ext uri="{0D108BD9-81ED-4DB2-BD59-A6C34878D82A}">
-                    <a16:rowId xmlns:a16="http://schemas.microsoft.com/office/drawing/2014/main" val="2722092592"/>
-                  </a:ext>
-                </a:extLst>
-              </a:tr>
-              <a:tr h="685398">
-                <a:tc>
-                  <a:txBody>
-                    <a:bodyPr/>
-                    <a:lstStyle/>
-                    <a:p>
-                      <a:pPr algn="l" fontAlgn="b"/>
+                <a:tc>
+                  <a:txBody>
+                    <a:bodyPr/>
+                    <a:lstStyle/>
+                    <a:p>
+                      <a:pPr algn="r" fontAlgn="b"/>
                       <a:r>
                         <a:rPr lang="en-US" sz="3000" u="none" strike="noStrike">
                           <a:effectLst/>
                         </a:rPr>
-                        <a:t>D</a:t>
+                        <a:t>1420</a:t>
                       </a:r>
                       <a:endParaRPr lang="en-US" sz="3000" b="0" i="0" u="none" strike="noStrike">
                         <a:solidFill>
@@ -14490,11 +15217,7 @@
                       </a:endParaRPr>
                     </a:p>
                   </a:txBody>
-                  <a:tcPr marL="9525" marR="9525" marT="9525" marB="0" anchor="b">
-                    <a:solidFill>
-                      <a:schemeClr val="accent2"/>
-                    </a:solidFill>
-                  </a:tcPr>
+                  <a:tcPr marL="9525" marR="9525" marT="9525" marB="0" anchor="b"/>
                 </a:tc>
                 <a:tc>
                   <a:txBody>
@@ -14506,7 +15229,7 @@
                         <a:rPr lang="en-US" sz="3000" u="none" strike="noStrike">
                           <a:effectLst/>
                         </a:rPr>
-                        <a:t>840</a:t>
+                        <a:t>0</a:t>
                       </a:r>
                       <a:endParaRPr lang="en-US" sz="3000" b="0" i="0" u="none" strike="noStrike">
                         <a:solidFill>
@@ -14529,7 +15252,7 @@
                         <a:rPr lang="en-US" sz="3000" u="none" strike="noStrike">
                           <a:effectLst/>
                         </a:rPr>
-                        <a:t>1040</a:t>
+                        <a:t>740</a:t>
                       </a:r>
                       <a:endParaRPr lang="en-US" sz="3000" b="0" i="0" u="none" strike="noStrike">
                         <a:solidFill>
@@ -14540,7 +15263,11 @@
                       </a:endParaRPr>
                     </a:p>
                   </a:txBody>
-                  <a:tcPr marL="9525" marR="9525" marT="9525" marB="0" anchor="b"/>
+                  <a:tcPr marL="9525" marR="9525" marT="9525" marB="0" anchor="b">
+                    <a:solidFill>
+                      <a:srgbClr val="92D050"/>
+                    </a:solidFill>
+                  </a:tcPr>
                 </a:tc>
                 <a:tc>
                   <a:txBody>
@@ -14552,7 +15279,7 @@
                         <a:rPr lang="en-US" sz="3000" u="none" strike="noStrike">
                           <a:effectLst/>
                         </a:rPr>
-                        <a:t>1420</a:t>
+                        <a:t>950</a:t>
                       </a:r>
                       <a:endParaRPr lang="en-US" sz="3000" b="0" i="0" u="none" strike="noStrike">
                         <a:solidFill>
@@ -14575,7 +15302,7 @@
                         <a:rPr lang="en-US" sz="3000" u="none" strike="noStrike">
                           <a:effectLst/>
                         </a:rPr>
-                        <a:t>0</a:t>
+                        <a:t>570</a:t>
                       </a:r>
                       <a:endParaRPr lang="en-US" sz="3000" b="0" i="0" u="none" strike="noStrike">
                         <a:solidFill>
@@ -14598,7 +15325,7 @@
                         <a:rPr lang="en-US" sz="3000" u="none" strike="noStrike">
                           <a:effectLst/>
                         </a:rPr>
-                        <a:t>740</a:t>
+                        <a:t>900</a:t>
                       </a:r>
                       <a:endParaRPr lang="en-US" sz="3000" b="0" i="0" u="none" strike="noStrike">
                         <a:solidFill>
@@ -14609,23 +15336,26 @@
                       </a:endParaRPr>
                     </a:p>
                   </a:txBody>
-                  <a:tcPr marL="9525" marR="9525" marT="9525" marB="0" anchor="b">
-                    <a:solidFill>
-                      <a:srgbClr val="92D050"/>
-                    </a:solidFill>
-                  </a:tcPr>
-                </a:tc>
-                <a:tc>
-                  <a:txBody>
-                    <a:bodyPr/>
-                    <a:lstStyle/>
-                    <a:p>
-                      <a:pPr algn="r" fontAlgn="b"/>
+                  <a:tcPr marL="9525" marR="9525" marT="9525" marB="0" anchor="b"/>
+                </a:tc>
+                <a:extLst>
+                  <a:ext uri="{0D108BD9-81ED-4DB2-BD59-A6C34878D82A}">
+                    <a16:rowId xmlns:a16="http://schemas.microsoft.com/office/drawing/2014/main" val="2168906843"/>
+                  </a:ext>
+                </a:extLst>
+              </a:tr>
+              <a:tr h="685398">
+                <a:tc>
+                  <a:txBody>
+                    <a:bodyPr/>
+                    <a:lstStyle/>
+                    <a:p>
+                      <a:pPr algn="l" fontAlgn="b"/>
                       <a:r>
                         <a:rPr lang="en-US" sz="3000" u="none" strike="noStrike">
                           <a:effectLst/>
                         </a:rPr>
-                        <a:t>950</a:t>
+                        <a:t>E</a:t>
                       </a:r>
                       <a:endParaRPr lang="en-US" sz="3000" b="0" i="0" u="none" strike="noStrike">
                         <a:solidFill>
@@ -14636,7 +15366,11 @@
                       </a:endParaRPr>
                     </a:p>
                   </a:txBody>
-                  <a:tcPr marL="9525" marR="9525" marT="9525" marB="0" anchor="b"/>
+                  <a:tcPr marL="9525" marR="9525" marT="9525" marB="0" anchor="b">
+                    <a:solidFill>
+                      <a:schemeClr val="accent2"/>
+                    </a:solidFill>
+                  </a:tcPr>
                 </a:tc>
                 <a:tc>
                   <a:txBody>
@@ -14648,7 +15382,7 @@
                         <a:rPr lang="en-US" sz="3000" u="none" strike="noStrike">
                           <a:effectLst/>
                         </a:rPr>
-                        <a:t>570</a:t>
+                        <a:t>800</a:t>
                       </a:r>
                       <a:endParaRPr lang="en-US" sz="3000" b="0" i="0" u="none" strike="noStrike">
                         <a:solidFill>
@@ -14671,7 +15405,7 @@
                         <a:rPr lang="en-US" sz="3000" u="none" strike="noStrike">
                           <a:effectLst/>
                         </a:rPr>
-                        <a:t>900</a:t>
+                        <a:t>500</a:t>
                       </a:r>
                       <a:endParaRPr lang="en-US" sz="3000" b="0" i="0" u="none" strike="noStrike">
                         <a:solidFill>
@@ -14684,24 +15418,17 @@
                   </a:txBody>
                   <a:tcPr marL="9525" marR="9525" marT="9525" marB="0" anchor="b"/>
                 </a:tc>
-                <a:extLst>
-                  <a:ext uri="{0D108BD9-81ED-4DB2-BD59-A6C34878D82A}">
-                    <a16:rowId xmlns:a16="http://schemas.microsoft.com/office/drawing/2014/main" val="2168906843"/>
-                  </a:ext>
-                </a:extLst>
-              </a:tr>
-              <a:tr h="685398">
-                <a:tc>
-                  <a:txBody>
-                    <a:bodyPr/>
-                    <a:lstStyle/>
-                    <a:p>
-                      <a:pPr algn="l" fontAlgn="b"/>
+                <a:tc>
+                  <a:txBody>
+                    <a:bodyPr/>
+                    <a:lstStyle/>
+                    <a:p>
+                      <a:pPr algn="r" fontAlgn="b"/>
                       <a:r>
                         <a:rPr lang="en-US" sz="3000" u="none" strike="noStrike">
                           <a:effectLst/>
                         </a:rPr>
-                        <a:t>E</a:t>
+                        <a:t>1050</a:t>
                       </a:r>
                       <a:endParaRPr lang="en-US" sz="3000" b="0" i="0" u="none" strike="noStrike">
                         <a:solidFill>
@@ -14712,11 +15439,7 @@
                       </a:endParaRPr>
                     </a:p>
                   </a:txBody>
-                  <a:tcPr marL="9525" marR="9525" marT="9525" marB="0" anchor="b">
-                    <a:solidFill>
-                      <a:schemeClr val="accent2"/>
-                    </a:solidFill>
-                  </a:tcPr>
+                  <a:tcPr marL="9525" marR="9525" marT="9525" marB="0" anchor="b"/>
                 </a:tc>
                 <a:tc>
                   <a:txBody>
@@ -14728,7 +15451,7 @@
                         <a:rPr lang="en-US" sz="3000" u="none" strike="noStrike">
                           <a:effectLst/>
                         </a:rPr>
-                        <a:t>800</a:t>
+                        <a:t>740</a:t>
                       </a:r>
                       <a:endParaRPr lang="en-US" sz="3000" b="0" i="0" u="none" strike="noStrike">
                         <a:solidFill>
@@ -14751,7 +15474,7 @@
                         <a:rPr lang="en-US" sz="3000" u="none" strike="noStrike">
                           <a:effectLst/>
                         </a:rPr>
-                        <a:t>500</a:t>
+                        <a:t>0</a:t>
                       </a:r>
                       <a:endParaRPr lang="en-US" sz="3000" b="0" i="0" u="none" strike="noStrike">
                         <a:solidFill>
@@ -14774,7 +15497,7 @@
                         <a:rPr lang="en-US" sz="3000" u="none" strike="noStrike">
                           <a:effectLst/>
                         </a:rPr>
-                        <a:t>1050</a:t>
+                        <a:t>520</a:t>
                       </a:r>
                       <a:endParaRPr lang="en-US" sz="3000" b="0" i="0" u="none" strike="noStrike">
                         <a:solidFill>
@@ -14794,10 +15517,33 @@
                     <a:p>
                       <a:pPr algn="r" fontAlgn="b"/>
                       <a:r>
+                        <a:rPr lang="en-US" sz="3000" u="none" strike="noStrike" dirty="0">
+                          <a:effectLst/>
+                        </a:rPr>
+                        <a:t>460</a:t>
+                      </a:r>
+                      <a:endParaRPr lang="en-US" sz="3000" b="0" i="0" u="none" strike="noStrike" dirty="0">
+                        <a:solidFill>
+                          <a:srgbClr val="000000"/>
+                        </a:solidFill>
+                        <a:effectLst/>
+                        <a:latin typeface="Calibri" panose="020F0502020204030204" pitchFamily="34" charset="0"/>
+                      </a:endParaRPr>
+                    </a:p>
+                  </a:txBody>
+                  <a:tcPr marL="9525" marR="9525" marT="9525" marB="0" anchor="b"/>
+                </a:tc>
+                <a:tc>
+                  <a:txBody>
+                    <a:bodyPr/>
+                    <a:lstStyle/>
+                    <a:p>
+                      <a:pPr algn="r" fontAlgn="b"/>
+                      <a:r>
                         <a:rPr lang="en-US" sz="3000" u="none" strike="noStrike">
                           <a:effectLst/>
                         </a:rPr>
-                        <a:t>740</a:t>
+                        <a:t>200</a:t>
                       </a:r>
                       <a:endParaRPr lang="en-US" sz="3000" b="0" i="0" u="none" strike="noStrike">
                         <a:solidFill>
@@ -14808,19 +15554,30 @@
                       </a:endParaRPr>
                     </a:p>
                   </a:txBody>
-                  <a:tcPr marL="9525" marR="9525" marT="9525" marB="0" anchor="b"/>
-                </a:tc>
-                <a:tc>
-                  <a:txBody>
-                    <a:bodyPr/>
-                    <a:lstStyle/>
-                    <a:p>
-                      <a:pPr algn="r" fontAlgn="b"/>
+                  <a:tcPr marL="9525" marR="9525" marT="9525" marB="0" anchor="b">
+                    <a:solidFill>
+                      <a:srgbClr val="92D050"/>
+                    </a:solidFill>
+                  </a:tcPr>
+                </a:tc>
+                <a:extLst>
+                  <a:ext uri="{0D108BD9-81ED-4DB2-BD59-A6C34878D82A}">
+                    <a16:rowId xmlns:a16="http://schemas.microsoft.com/office/drawing/2014/main" val="1816415563"/>
+                  </a:ext>
+                </a:extLst>
+              </a:tr>
+              <a:tr h="685398">
+                <a:tc>
+                  <a:txBody>
+                    <a:bodyPr/>
+                    <a:lstStyle/>
+                    <a:p>
+                      <a:pPr algn="l" fontAlgn="b"/>
                       <a:r>
                         <a:rPr lang="en-US" sz="3000" u="none" strike="noStrike">
                           <a:effectLst/>
                         </a:rPr>
-                        <a:t>0</a:t>
+                        <a:t>F</a:t>
                       </a:r>
                       <a:endParaRPr lang="en-US" sz="3000" b="0" i="0" u="none" strike="noStrike">
                         <a:solidFill>
@@ -14831,7 +15588,11 @@
                       </a:endParaRPr>
                     </a:p>
                   </a:txBody>
-                  <a:tcPr marL="9525" marR="9525" marT="9525" marB="0" anchor="b"/>
+                  <a:tcPr marL="9525" marR="9525" marT="9525" marB="0" anchor="b">
+                    <a:solidFill>
+                      <a:schemeClr val="accent2"/>
+                    </a:solidFill>
+                  </a:tcPr>
                 </a:tc>
                 <a:tc>
                   <a:txBody>
@@ -14843,7 +15604,7 @@
                         <a:rPr lang="en-US" sz="3000" u="none" strike="noStrike">
                           <a:effectLst/>
                         </a:rPr>
-                        <a:t>520</a:t>
+                        <a:t>430</a:t>
                       </a:r>
                       <a:endParaRPr lang="en-US" sz="3000" b="0" i="0" u="none" strike="noStrike">
                         <a:solidFill>
@@ -14863,10 +15624,60 @@
                     <a:p>
                       <a:pPr algn="r" fontAlgn="b"/>
                       <a:r>
+                        <a:rPr lang="en-US" sz="3000" u="none" strike="noStrike" dirty="0">
+                          <a:effectLst/>
+                        </a:rPr>
+                        <a:t>300</a:t>
+                      </a:r>
+                      <a:endParaRPr lang="en-US" sz="3000" b="0" i="0" u="none" strike="noStrike" dirty="0">
+                        <a:solidFill>
+                          <a:srgbClr val="000000"/>
+                        </a:solidFill>
+                        <a:effectLst/>
+                        <a:latin typeface="Calibri" panose="020F0502020204030204" pitchFamily="34" charset="0"/>
+                      </a:endParaRPr>
+                    </a:p>
+                  </a:txBody>
+                  <a:tcPr marL="9525" marR="9525" marT="9525" marB="0" anchor="b">
+                    <a:solidFill>
+                      <a:schemeClr val="bg2"/>
+                    </a:solidFill>
+                  </a:tcPr>
+                </a:tc>
+                <a:tc>
+                  <a:txBody>
+                    <a:bodyPr/>
+                    <a:lstStyle/>
+                    <a:p>
+                      <a:pPr algn="r" fontAlgn="b"/>
+                      <a:r>
+                        <a:rPr lang="en-US" sz="3000" u="none" strike="noStrike" dirty="0">
+                          <a:effectLst/>
+                        </a:rPr>
+                        <a:t>600</a:t>
+                      </a:r>
+                      <a:endParaRPr lang="en-US" sz="3000" b="0" i="0" u="none" strike="noStrike" dirty="0">
+                        <a:solidFill>
+                          <a:srgbClr val="000000"/>
+                        </a:solidFill>
+                        <a:effectLst/>
+                        <a:latin typeface="Calibri" panose="020F0502020204030204" pitchFamily="34" charset="0"/>
+                      </a:endParaRPr>
+                    </a:p>
+                  </a:txBody>
+                  <a:tcPr marL="9525" marR="9525" marT="9525" marB="0" anchor="b"/>
+                </a:tc>
+                <a:tc>
+                  <a:txBody>
+                    <a:bodyPr/>
+                    <a:lstStyle/>
+                    <a:p>
+                      <a:pPr algn="r" fontAlgn="b"/>
+                      <a:r>
                         <a:rPr lang="en-US" sz="3000" u="none" strike="noStrike">
                           <a:effectLst/>
                         </a:rPr>
-                        <a:t>460</a:t>
+                        <a:t>950</a:t>
                       </a:r>
                       <a:endParaRPr lang="en-US" sz="3000" b="0" i="0" u="none" strike="noStrike">
                         <a:solidFill>
@@ -14889,7 +15700,7 @@
                         <a:rPr lang="en-US" sz="3000" u="none" strike="noStrike">
                           <a:effectLst/>
                         </a:rPr>
-                        <a:t>200</a:t>
+                        <a:t>520</a:t>
                       </a:r>
                       <a:endParaRPr lang="en-US" sz="3000" b="0" i="0" u="none" strike="noStrike">
                         <a:solidFill>
@@ -14900,30 +15711,19 @@
                       </a:endParaRPr>
                     </a:p>
                   </a:txBody>
-                  <a:tcPr marL="9525" marR="9525" marT="9525" marB="0" anchor="b">
-                    <a:solidFill>
-                      <a:srgbClr val="92D050"/>
-                    </a:solidFill>
-                  </a:tcPr>
-                </a:tc>
-                <a:extLst>
-                  <a:ext uri="{0D108BD9-81ED-4DB2-BD59-A6C34878D82A}">
-                    <a16:rowId xmlns:a16="http://schemas.microsoft.com/office/drawing/2014/main" val="1816415563"/>
-                  </a:ext>
-                </a:extLst>
-              </a:tr>
-              <a:tr h="685398">
-                <a:tc>
-                  <a:txBody>
-                    <a:bodyPr/>
-                    <a:lstStyle/>
-                    <a:p>
-                      <a:pPr algn="l" fontAlgn="b"/>
+                  <a:tcPr marL="9525" marR="9525" marT="9525" marB="0" anchor="b"/>
+                </a:tc>
+                <a:tc>
+                  <a:txBody>
+                    <a:bodyPr/>
+                    <a:lstStyle/>
+                    <a:p>
+                      <a:pPr algn="r" fontAlgn="b"/>
                       <a:r>
                         <a:rPr lang="en-US" sz="3000" u="none" strike="noStrike">
                           <a:effectLst/>
                         </a:rPr>
-                        <a:t>F</a:t>
+                        <a:t>0</a:t>
                       </a:r>
                       <a:endParaRPr lang="en-US" sz="3000" b="0" i="0" u="none" strike="noStrike">
                         <a:solidFill>
@@ -14934,9 +15734,32 @@
                       </a:endParaRPr>
                     </a:p>
                   </a:txBody>
+                  <a:tcPr marL="9525" marR="9525" marT="9525" marB="0" anchor="b"/>
+                </a:tc>
+                <a:tc>
+                  <a:txBody>
+                    <a:bodyPr/>
+                    <a:lstStyle/>
+                    <a:p>
+                      <a:pPr algn="r" fontAlgn="b"/>
+                      <a:r>
+                        <a:rPr lang="en-US" sz="3000" u="none" strike="noStrike" dirty="0">
+                          <a:effectLst/>
+                        </a:rPr>
+                        <a:t>390</a:t>
+                      </a:r>
+                      <a:endParaRPr lang="en-US" sz="3000" b="0" i="0" u="none" strike="noStrike" dirty="0">
+                        <a:solidFill>
+                          <a:srgbClr val="000000"/>
+                        </a:solidFill>
+                        <a:effectLst/>
+                        <a:latin typeface="Calibri" panose="020F0502020204030204" pitchFamily="34" charset="0"/>
+                      </a:endParaRPr>
+                    </a:p>
+                  </a:txBody>
                   <a:tcPr marL="9525" marR="9525" marT="9525" marB="0" anchor="b">
                     <a:solidFill>
-                      <a:schemeClr val="accent2"/>
+                      <a:srgbClr val="92D050"/>
                     </a:solidFill>
                   </a:tcPr>
                 </a:tc>
@@ -14950,7 +15773,7 @@
                         <a:rPr lang="en-US" sz="3000" u="none" strike="noStrike">
                           <a:effectLst/>
                         </a:rPr>
-                        <a:t>430</a:t>
+                        <a:t>690</a:t>
                       </a:r>
                       <a:endParaRPr lang="en-US" sz="3000" b="0" i="0" u="none" strike="noStrike">
                         <a:solidFill>
@@ -14963,17 +15786,24 @@
                   </a:txBody>
                   <a:tcPr marL="9525" marR="9525" marT="9525" marB="0" anchor="b"/>
                 </a:tc>
-                <a:tc>
-                  <a:txBody>
-                    <a:bodyPr/>
-                    <a:lstStyle/>
-                    <a:p>
-                      <a:pPr algn="r" fontAlgn="b"/>
+                <a:extLst>
+                  <a:ext uri="{0D108BD9-81ED-4DB2-BD59-A6C34878D82A}">
+                    <a16:rowId xmlns:a16="http://schemas.microsoft.com/office/drawing/2014/main" val="4039789490"/>
+                  </a:ext>
+                </a:extLst>
+              </a:tr>
+              <a:tr h="685398">
+                <a:tc>
+                  <a:txBody>
+                    <a:bodyPr/>
+                    <a:lstStyle/>
+                    <a:p>
+                      <a:pPr algn="l" fontAlgn="b"/>
                       <a:r>
                         <a:rPr lang="en-US" sz="3000" u="none" strike="noStrike">
                           <a:effectLst/>
                         </a:rPr>
-                        <a:t>300</a:t>
+                        <a:t>G</a:t>
                       </a:r>
                       <a:endParaRPr lang="en-US" sz="3000" b="0" i="0" u="none" strike="noStrike">
                         <a:solidFill>
@@ -14986,7 +15816,7 @@
                   </a:txBody>
                   <a:tcPr marL="9525" marR="9525" marT="9525" marB="0" anchor="b">
                     <a:solidFill>
-                      <a:srgbClr val="92D050"/>
+                      <a:schemeClr val="accent2"/>
                     </a:solidFill>
                   </a:tcPr>
                 </a:tc>
@@ -15000,7 +15830,7 @@
                         <a:rPr lang="en-US" sz="3000" u="none" strike="noStrike">
                           <a:effectLst/>
                         </a:rPr>
-                        <a:t>600</a:t>
+                        <a:t>380</a:t>
                       </a:r>
                       <a:endParaRPr lang="en-US" sz="3000" b="0" i="0" u="none" strike="noStrike">
                         <a:solidFill>
@@ -15011,7 +15841,11 @@
                       </a:endParaRPr>
                     </a:p>
                   </a:txBody>
-                  <a:tcPr marL="9525" marR="9525" marT="9525" marB="0" anchor="b"/>
+                  <a:tcPr marL="9525" marR="9525" marT="9525" marB="0" anchor="b">
+                    <a:solidFill>
+                      <a:srgbClr val="92D050"/>
+                    </a:solidFill>
+                  </a:tcPr>
                 </a:tc>
                 <a:tc>
                   <a:txBody>
@@ -15023,7 +15857,7 @@
                         <a:rPr lang="en-US" sz="3000" u="none" strike="noStrike">
                           <a:effectLst/>
                         </a:rPr>
-                        <a:t>950</a:t>
+                        <a:t>540</a:t>
                       </a:r>
                       <a:endParaRPr lang="en-US" sz="3000" b="0" i="0" u="none" strike="noStrike">
                         <a:solidFill>
@@ -15046,7 +15880,7 @@
                         <a:rPr lang="en-US" sz="3000" u="none" strike="noStrike">
                           <a:effectLst/>
                         </a:rPr>
-                        <a:t>520</a:t>
+                        <a:t>920</a:t>
                       </a:r>
                       <a:endParaRPr lang="en-US" sz="3000" b="0" i="0" u="none" strike="noStrike">
                         <a:solidFill>
@@ -15069,7 +15903,7 @@
                         <a:rPr lang="en-US" sz="3000" u="none" strike="noStrike">
                           <a:effectLst/>
                         </a:rPr>
-                        <a:t>0</a:t>
+                        <a:t>570</a:t>
                       </a:r>
                       <a:endParaRPr lang="en-US" sz="3000" b="0" i="0" u="none" strike="noStrike">
                         <a:solidFill>
@@ -15092,7 +15926,7 @@
                         <a:rPr lang="en-US" sz="3000" u="none" strike="noStrike">
                           <a:effectLst/>
                         </a:rPr>
-                        <a:t>390</a:t>
+                        <a:t>460</a:t>
                       </a:r>
                       <a:endParaRPr lang="en-US" sz="3000" b="0" i="0" u="none" strike="noStrike">
                         <a:solidFill>
@@ -15115,7 +15949,7 @@
                         <a:rPr lang="en-US" sz="3000" u="none" strike="noStrike">
                           <a:effectLst/>
                         </a:rPr>
-                        <a:t>690</a:t>
+                        <a:t>390</a:t>
                       </a:r>
                       <a:endParaRPr lang="en-US" sz="3000" b="0" i="0" u="none" strike="noStrike">
                         <a:solidFill>
@@ -15128,24 +15962,17 @@
                   </a:txBody>
                   <a:tcPr marL="9525" marR="9525" marT="9525" marB="0" anchor="b"/>
                 </a:tc>
-                <a:extLst>
-                  <a:ext uri="{0D108BD9-81ED-4DB2-BD59-A6C34878D82A}">
-                    <a16:rowId xmlns:a16="http://schemas.microsoft.com/office/drawing/2014/main" val="4039789490"/>
-                  </a:ext>
-                </a:extLst>
-              </a:tr>
-              <a:tr h="685398">
-                <a:tc>
-                  <a:txBody>
-                    <a:bodyPr/>
-                    <a:lstStyle/>
-                    <a:p>
-                      <a:pPr algn="l" fontAlgn="b"/>
+                <a:tc>
+                  <a:txBody>
+                    <a:bodyPr/>
+                    <a:lstStyle/>
+                    <a:p>
+                      <a:pPr algn="r" fontAlgn="b"/>
                       <a:r>
                         <a:rPr lang="en-US" sz="3000" u="none" strike="noStrike">
                           <a:effectLst/>
                         </a:rPr>
-                        <a:t>G</a:t>
+                        <a:t>0</a:t>
                       </a:r>
                       <a:endParaRPr lang="en-US" sz="3000" b="0" i="0" u="none" strike="noStrike">
                         <a:solidFill>
@@ -15156,11 +15983,7 @@
                       </a:endParaRPr>
                     </a:p>
                   </a:txBody>
-                  <a:tcPr marL="9525" marR="9525" marT="9525" marB="0" anchor="b">
-                    <a:solidFill>
-                      <a:schemeClr val="accent2"/>
-                    </a:solidFill>
-                  </a:tcPr>
+                  <a:tcPr marL="9525" marR="9525" marT="9525" marB="0" anchor="b"/>
                 </a:tc>
                 <a:tc>
                   <a:txBody>
@@ -15172,7 +15995,7 @@
                         <a:rPr lang="en-US" sz="3000" u="none" strike="noStrike">
                           <a:effectLst/>
                         </a:rPr>
-                        <a:t>380</a:t>
+                        <a:t>660</a:t>
                       </a:r>
                       <a:endParaRPr lang="en-US" sz="3000" b="0" i="0" u="none" strike="noStrike">
                         <a:solidFill>
@@ -15183,23 +16006,26 @@
                       </a:endParaRPr>
                     </a:p>
                   </a:txBody>
-                  <a:tcPr marL="9525" marR="9525" marT="9525" marB="0" anchor="b">
-                    <a:solidFill>
-                      <a:srgbClr val="92D050"/>
-                    </a:solidFill>
-                  </a:tcPr>
-                </a:tc>
-                <a:tc>
-                  <a:txBody>
-                    <a:bodyPr/>
-                    <a:lstStyle/>
-                    <a:p>
-                      <a:pPr algn="r" fontAlgn="b"/>
+                  <a:tcPr marL="9525" marR="9525" marT="9525" marB="0" anchor="b"/>
+                </a:tc>
+                <a:extLst>
+                  <a:ext uri="{0D108BD9-81ED-4DB2-BD59-A6C34878D82A}">
+                    <a16:rowId xmlns:a16="http://schemas.microsoft.com/office/drawing/2014/main" val="1160794582"/>
+                  </a:ext>
+                </a:extLst>
+              </a:tr>
+              <a:tr h="685398">
+                <a:tc>
+                  <a:txBody>
+                    <a:bodyPr/>
+                    <a:lstStyle/>
+                    <a:p>
+                      <a:pPr algn="l" fontAlgn="b"/>
                       <a:r>
                         <a:rPr lang="en-US" sz="3000" u="none" strike="noStrike">
                           <a:effectLst/>
                         </a:rPr>
-                        <a:t>540</a:t>
+                        <a:t>H</a:t>
                       </a:r>
                       <a:endParaRPr lang="en-US" sz="3000" b="0" i="0" u="none" strike="noStrike">
                         <a:solidFill>
@@ -15210,7 +16036,11 @@
                       </a:endParaRPr>
                     </a:p>
                   </a:txBody>
-                  <a:tcPr marL="9525" marR="9525" marT="9525" marB="0" anchor="b"/>
+                  <a:tcPr marL="9525" marR="9525" marT="9525" marB="0" anchor="b">
+                    <a:solidFill>
+                      <a:schemeClr val="accent2"/>
+                    </a:solidFill>
+                  </a:tcPr>
                 </a:tc>
                 <a:tc>
                   <a:txBody>
@@ -15222,7 +16052,7 @@
                         <a:rPr lang="en-US" sz="3000" u="none" strike="noStrike">
                           <a:effectLst/>
                         </a:rPr>
-                        <a:t>920</a:t>
+                        <a:t>1010</a:t>
                       </a:r>
                       <a:endParaRPr lang="en-US" sz="3000" b="0" i="0" u="none" strike="noStrike">
                         <a:solidFill>
@@ -15245,7 +16075,7 @@
                         <a:rPr lang="en-US" sz="3000" u="none" strike="noStrike">
                           <a:effectLst/>
                         </a:rPr>
-                        <a:t>570</a:t>
+                        <a:t>470</a:t>
                       </a:r>
                       <a:endParaRPr lang="en-US" sz="3000" b="0" i="0" u="none" strike="noStrike">
                         <a:solidFill>
@@ -15256,7 +16086,11 @@
                       </a:endParaRPr>
                     </a:p>
                   </a:txBody>
-                  <a:tcPr marL="9525" marR="9525" marT="9525" marB="0" anchor="b"/>
+                  <a:tcPr marL="9525" marR="9525" marT="9525" marB="0" anchor="b">
+                    <a:solidFill>
+                      <a:srgbClr val="92D050"/>
+                    </a:solidFill>
+                  </a:tcPr>
                 </a:tc>
                 <a:tc>
                   <a:txBody>
@@ -15268,7 +16102,7 @@
                         <a:rPr lang="en-US" sz="3000" u="none" strike="noStrike">
                           <a:effectLst/>
                         </a:rPr>
-                        <a:t>460</a:t>
+                        <a:t>1160</a:t>
                       </a:r>
                       <a:endParaRPr lang="en-US" sz="3000" b="0" i="0" u="none" strike="noStrike">
                         <a:solidFill>
@@ -15291,7 +16125,7 @@
                         <a:rPr lang="en-US" sz="3000" u="none" strike="noStrike">
                           <a:effectLst/>
                         </a:rPr>
-                        <a:t>390</a:t>
+                        <a:t>900</a:t>
                       </a:r>
                       <a:endParaRPr lang="en-US" sz="3000" b="0" i="0" u="none" strike="noStrike">
                         <a:solidFill>
@@ -15314,7 +16148,7 @@
                         <a:rPr lang="en-US" sz="3000" u="none" strike="noStrike">
                           <a:effectLst/>
                         </a:rPr>
-                        <a:t>0</a:t>
+                        <a:t>200</a:t>
                       </a:r>
                       <a:endParaRPr lang="en-US" sz="3000" b="0" i="0" u="none" strike="noStrike">
                         <a:solidFill>
@@ -15337,7 +16171,7 @@
                         <a:rPr lang="en-US" sz="3000" u="none" strike="noStrike">
                           <a:effectLst/>
                         </a:rPr>
-                        <a:t>660</a:t>
+                        <a:t>690</a:t>
                       </a:r>
                       <a:endParaRPr lang="en-US" sz="3000" b="0" i="0" u="none" strike="noStrike">
                         <a:solidFill>
@@ -15350,24 +16184,17 @@
                   </a:txBody>
                   <a:tcPr marL="9525" marR="9525" marT="9525" marB="0" anchor="b"/>
                 </a:tc>
-                <a:extLst>
-                  <a:ext uri="{0D108BD9-81ED-4DB2-BD59-A6C34878D82A}">
-                    <a16:rowId xmlns:a16="http://schemas.microsoft.com/office/drawing/2014/main" val="1160794582"/>
-                  </a:ext>
-                </a:extLst>
-              </a:tr>
-              <a:tr h="685398">
-                <a:tc>
-                  <a:txBody>
-                    <a:bodyPr/>
-                    <a:lstStyle/>
-                    <a:p>
-                      <a:pPr algn="l" fontAlgn="b"/>
+                <a:tc>
+                  <a:txBody>
+                    <a:bodyPr/>
+                    <a:lstStyle/>
+                    <a:p>
+                      <a:pPr algn="r" fontAlgn="b"/>
                       <a:r>
                         <a:rPr lang="en-US" sz="3000" u="none" strike="noStrike">
                           <a:effectLst/>
                         </a:rPr>
-                        <a:t>H</a:t>
+                        <a:t>660</a:t>
                       </a:r>
                       <a:endParaRPr lang="en-US" sz="3000" b="0" i="0" u="none" strike="noStrike">
                         <a:solidFill>
@@ -15378,11 +16205,7 @@
                       </a:endParaRPr>
                     </a:p>
                   </a:txBody>
-                  <a:tcPr marL="9525" marR="9525" marT="9525" marB="0" anchor="b">
-                    <a:solidFill>
-                      <a:schemeClr val="accent2"/>
-                    </a:solidFill>
-                  </a:tcPr>
+                  <a:tcPr marL="9525" marR="9525" marT="9525" marB="0" anchor="b"/>
                 </a:tc>
                 <a:tc>
                   <a:txBody>
@@ -15391,177 +16214,12 @@
                     <a:p>
                       <a:pPr algn="r" fontAlgn="b"/>
                       <a:r>
-                        <a:rPr lang="en-US" sz="3000" u="none" strike="noStrike">
-                          <a:effectLst/>
-                        </a:rPr>
-                        <a:t>1010</a:t>
-                      </a:r>
-                      <a:endParaRPr lang="en-US" sz="3000" b="0" i="0" u="none" strike="noStrike">
-                        <a:solidFill>
-                          <a:srgbClr val="000000"/>
-                        </a:solidFill>
-                        <a:effectLst/>
-                        <a:latin typeface="Calibri" panose="020F0502020204030204" pitchFamily="34" charset="0"/>
-                      </a:endParaRPr>
-                    </a:p>
-                  </a:txBody>
-                  <a:tcPr marL="9525" marR="9525" marT="9525" marB="0" anchor="b"/>
-                </a:tc>
-                <a:tc>
-                  <a:txBody>
-                    <a:bodyPr/>
-                    <a:lstStyle/>
-                    <a:p>
-                      <a:pPr algn="r" fontAlgn="b"/>
-                      <a:r>
-                        <a:rPr lang="en-US" sz="3000" u="none" strike="noStrike">
-                          <a:effectLst/>
-                        </a:rPr>
-                        <a:t>470</a:t>
-                      </a:r>
-                      <a:endParaRPr lang="en-US" sz="3000" b="0" i="0" u="none" strike="noStrike">
-                        <a:solidFill>
-                          <a:srgbClr val="000000"/>
-                        </a:solidFill>
-                        <a:effectLst/>
-                        <a:latin typeface="Calibri" panose="020F0502020204030204" pitchFamily="34" charset="0"/>
-                      </a:endParaRPr>
-                    </a:p>
-                  </a:txBody>
-                  <a:tcPr marL="9525" marR="9525" marT="9525" marB="0" anchor="b">
-                    <a:solidFill>
-                      <a:srgbClr val="92D050"/>
-                    </a:solidFill>
-                  </a:tcPr>
-                </a:tc>
-                <a:tc>
-                  <a:txBody>
-                    <a:bodyPr/>
-                    <a:lstStyle/>
-                    <a:p>
-                      <a:pPr algn="r" fontAlgn="b"/>
-                      <a:r>
-                        <a:rPr lang="en-US" sz="3000" u="none" strike="noStrike">
-                          <a:effectLst/>
-                        </a:rPr>
-                        <a:t>1160</a:t>
-                      </a:r>
-                      <a:endParaRPr lang="en-US" sz="3000" b="0" i="0" u="none" strike="noStrike">
-                        <a:solidFill>
-                          <a:srgbClr val="000000"/>
-                        </a:solidFill>
-                        <a:effectLst/>
-                        <a:latin typeface="Calibri" panose="020F0502020204030204" pitchFamily="34" charset="0"/>
-                      </a:endParaRPr>
-                    </a:p>
-                  </a:txBody>
-                  <a:tcPr marL="9525" marR="9525" marT="9525" marB="0" anchor="b"/>
-                </a:tc>
-                <a:tc>
-                  <a:txBody>
-                    <a:bodyPr/>
-                    <a:lstStyle/>
-                    <a:p>
-                      <a:pPr algn="r" fontAlgn="b"/>
-                      <a:r>
-                        <a:rPr lang="en-US" sz="3000" u="none" strike="noStrike">
-                          <a:effectLst/>
-                        </a:rPr>
-                        <a:t>900</a:t>
-                      </a:r>
-                      <a:endParaRPr lang="en-US" sz="3000" b="0" i="0" u="none" strike="noStrike">
-                        <a:solidFill>
-                          <a:srgbClr val="000000"/>
-                        </a:solidFill>
-                        <a:effectLst/>
-                        <a:latin typeface="Calibri" panose="020F0502020204030204" pitchFamily="34" charset="0"/>
-                      </a:endParaRPr>
-                    </a:p>
-                  </a:txBody>
-                  <a:tcPr marL="9525" marR="9525" marT="9525" marB="0" anchor="b"/>
-                </a:tc>
-                <a:tc>
-                  <a:txBody>
-                    <a:bodyPr/>
-                    <a:lstStyle/>
-                    <a:p>
-                      <a:pPr algn="r" fontAlgn="b"/>
-                      <a:r>
-                        <a:rPr lang="en-US" sz="3000" u="none" strike="noStrike">
-                          <a:effectLst/>
-                        </a:rPr>
-                        <a:t>200</a:t>
-                      </a:r>
-                      <a:endParaRPr lang="en-US" sz="3000" b="0" i="0" u="none" strike="noStrike">
-                        <a:solidFill>
-                          <a:srgbClr val="000000"/>
-                        </a:solidFill>
-                        <a:effectLst/>
-                        <a:latin typeface="Calibri" panose="020F0502020204030204" pitchFamily="34" charset="0"/>
-                      </a:endParaRPr>
-                    </a:p>
-                  </a:txBody>
-                  <a:tcPr marL="9525" marR="9525" marT="9525" marB="0" anchor="b"/>
-                </a:tc>
-                <a:tc>
-                  <a:txBody>
-                    <a:bodyPr/>
-                    <a:lstStyle/>
-                    <a:p>
-                      <a:pPr algn="r" fontAlgn="b"/>
-                      <a:r>
-                        <a:rPr lang="en-US" sz="3000" u="none" strike="noStrike">
-                          <a:effectLst/>
-                        </a:rPr>
-                        <a:t>690</a:t>
-                      </a:r>
-                      <a:endParaRPr lang="en-US" sz="3000" b="0" i="0" u="none" strike="noStrike">
-                        <a:solidFill>
-                          <a:srgbClr val="000000"/>
-                        </a:solidFill>
-                        <a:effectLst/>
-                        <a:latin typeface="Calibri" panose="020F0502020204030204" pitchFamily="34" charset="0"/>
-                      </a:endParaRPr>
-                    </a:p>
-                  </a:txBody>
-                  <a:tcPr marL="9525" marR="9525" marT="9525" marB="0" anchor="b"/>
-                </a:tc>
-                <a:tc>
-                  <a:txBody>
-                    <a:bodyPr/>
-                    <a:lstStyle/>
-                    <a:p>
-                      <a:pPr algn="r" fontAlgn="b"/>
-                      <a:r>
-                        <a:rPr lang="en-US" sz="3000" u="none" strike="noStrike">
-                          <a:effectLst/>
-                        </a:rPr>
-                        <a:t>660</a:t>
-                      </a:r>
-                      <a:endParaRPr lang="en-US" sz="3000" b="0" i="0" u="none" strike="noStrike">
-                        <a:solidFill>
-                          <a:srgbClr val="000000"/>
-                        </a:solidFill>
-                        <a:effectLst/>
-                        <a:latin typeface="Calibri" panose="020F0502020204030204" pitchFamily="34" charset="0"/>
-                      </a:endParaRPr>
-                    </a:p>
-                  </a:txBody>
-                  <a:tcPr marL="9525" marR="9525" marT="9525" marB="0" anchor="b"/>
-                </a:tc>
-                <a:tc>
-                  <a:txBody>
-                    <a:bodyPr/>
-                    <a:lstStyle/>
-                    <a:p>
-                      <a:pPr algn="r" fontAlgn="b"/>
-                      <a:r>
-                        <a:rPr lang="en-US" sz="3000" u="none" strike="noStrike">
+                        <a:rPr lang="en-US" sz="3000" u="none" strike="noStrike" dirty="0">
                           <a:effectLst/>
                         </a:rPr>
                         <a:t>0</a:t>
                       </a:r>
-                      <a:endParaRPr lang="en-US" sz="3000" b="0" i="0" u="none" strike="noStrike">
+                      <a:endParaRPr lang="en-US" sz="3000" b="0" i="0" u="none" strike="noStrike" dirty="0">
                         <a:solidFill>
                           <a:srgbClr val="000000"/>
                         </a:solidFill>
@@ -15984,37 +16642,37 @@
               <a:buChar char="§"/>
             </a:pPr>
             <a:r>
-              <a:rPr lang="vi-VN" sz="3600" spc="-5">
+              <a:rPr lang="vi-VN" sz="3600" spc="-5" dirty="0">
                 <a:cs typeface="Source Sans Pro Light"/>
               </a:rPr>
               <a:t>Ví dụ, nước Australia có 7 bang như hình vẽ, chỉ sử dụng ba màu: đỏ, xanh lơ</a:t>
             </a:r>
             <a:r>
-              <a:rPr lang="en-US" sz="3600" spc="-5">
+              <a:rPr lang="en-US" sz="3600" spc="-5" dirty="0">
                 <a:cs typeface="Source Sans Pro Light"/>
               </a:rPr>
               <a:t> </a:t>
             </a:r>
             <a:r>
-              <a:rPr lang="vi-VN" sz="3600" spc="-5">
+              <a:rPr lang="vi-VN" sz="3600" spc="-5" dirty="0">
                 <a:cs typeface="Source Sans Pro Light"/>
               </a:rPr>
               <a:t>và xanh da trời để tô màu 7 bang của nước Australia sao cho không có hai bang nào kề</a:t>
             </a:r>
             <a:r>
-              <a:rPr lang="en-US" sz="3600" spc="-5">
+              <a:rPr lang="en-US" sz="3600" spc="-5" dirty="0">
                 <a:cs typeface="Source Sans Pro Light"/>
               </a:rPr>
               <a:t> </a:t>
             </a:r>
             <a:r>
-              <a:rPr lang="vi-VN" sz="3600" spc="-5">
+              <a:rPr lang="vi-VN" sz="3600" spc="-5" dirty="0">
                 <a:cs typeface="Source Sans Pro Light"/>
               </a:rPr>
               <a:t>nhau lại có màu giống nhau</a:t>
             </a:r>
             <a:r>
-              <a:rPr lang="en-US" sz="3600" spc="-5">
+              <a:rPr lang="en-US" sz="3600" spc="-5" dirty="0">
                 <a:cs typeface="Source Sans Pro Light"/>
               </a:rPr>
               <a:t>.</a:t>
@@ -22078,53 +22736,6 @@
           </a:p>
         </p:txBody>
       </p:sp>
-      <p:sp>
-        <p:nvSpPr>
-          <p:cNvPr id="11" name="object 4">
-            <a:extLst>
-              <a:ext uri="{FF2B5EF4-FFF2-40B4-BE49-F238E27FC236}">
-                <a16:creationId xmlns:a16="http://schemas.microsoft.com/office/drawing/2014/main" id="{4F14CB7F-DC49-4247-FF71-478A44B0EC63}"/>
-              </a:ext>
-            </a:extLst>
-          </p:cNvPr>
-          <p:cNvSpPr txBox="1"/>
-          <p:nvPr/>
-        </p:nvSpPr>
-        <p:spPr>
-          <a:xfrm>
-            <a:off x="970756" y="469899"/>
-            <a:ext cx="17145000" cy="751488"/>
-          </a:xfrm>
-          <a:prstGeom prst="rect">
-            <a:avLst/>
-          </a:prstGeom>
-        </p:spPr>
-        <p:txBody>
-          <a:bodyPr vert="horz" wrap="square" lIns="0" tIns="12700" rIns="0" bIns="0" rtlCol="0">
-            <a:spAutoFit/>
-          </a:bodyPr>
-          <a:lstStyle/>
-          <a:p>
-            <a:pPr marL="12700">
-              <a:spcBef>
-                <a:spcPts val="100"/>
-              </a:spcBef>
-            </a:pPr>
-            <a:r>
-              <a:rPr lang="en-US" sz="4800" spc="-10">
-                <a:solidFill>
-                  <a:srgbClr val="FFFFFF"/>
-                </a:solidFill>
-                <a:cs typeface="Source Sans Pro Light"/>
-              </a:rPr>
-              <a:t>Chương 3. HEURISTIC</a:t>
-            </a:r>
-            <a:endParaRPr sz="4800" dirty="0">
-              <a:cs typeface="Source Sans Pro Light"/>
-            </a:endParaRPr>
-          </a:p>
-        </p:txBody>
-      </p:sp>
     </p:spTree>
     <p:extLst>
       <p:ext uri="{BB962C8B-B14F-4D97-AF65-F5344CB8AC3E}">
@@ -24620,7 +25231,13 @@
           <p:cNvGraphicFramePr>
             <a:graphicFrameLocks noGrp="1"/>
           </p:cNvGraphicFramePr>
-          <p:nvPr/>
+          <p:nvPr>
+            <p:extLst>
+              <p:ext uri="{D42A27DB-BD31-4B8C-83A1-F6EECF244321}">
+                <p14:modId xmlns:p14="http://schemas.microsoft.com/office/powerpoint/2010/main" val="4070727248"/>
+              </p:ext>
+            </p:extLst>
+          </p:nvPr>
         </p:nvGraphicFramePr>
         <p:xfrm>
           <a:off x="513556" y="2603500"/>
@@ -24785,12 +25402,12 @@
                     <a:lstStyle/>
                     <a:p>
                       <a:r>
-                        <a:rPr lang="en-US">
+                        <a:rPr lang="en-US" dirty="0">
                           <a:sym typeface="Symbol" panose="05050102010706020507" pitchFamily="18" charset="2"/>
                         </a:rPr>
-                        <a:t></a:t>
-                      </a:r>
-                      <a:endParaRPr lang="en-US"/>
+                        <a:t>A</a:t>
+                      </a:r>
+                      <a:endParaRPr lang="en-US" dirty="0"/>
                     </a:p>
                   </a:txBody>
                   <a:tcPr/>
@@ -25293,7 +25910,7 @@
                     <a:lstStyle/>
                     <a:p>
                       <a:pPr algn="ctr"/>
-                      <a:endParaRPr lang="en-US"/>
+                      <a:endParaRPr lang="en-US" dirty="0"/>
                     </a:p>
                   </a:txBody>
                   <a:tcPr/>
@@ -27837,7 +28454,7 @@
           <p:nvPr>
             <p:extLst>
               <p:ext uri="{D42A27DB-BD31-4B8C-83A1-F6EECF244321}">
-                <p14:modId xmlns:p14="http://schemas.microsoft.com/office/powerpoint/2010/main" val="223740449"/>
+                <p14:modId xmlns:p14="http://schemas.microsoft.com/office/powerpoint/2010/main" val="2071135767"/>
               </p:ext>
             </p:extLst>
           </p:nvPr>
@@ -28486,77 +29103,118 @@
                     <a:bodyPr/>
                     <a:lstStyle/>
                     <a:p>
+                      <a:pPr marL="0" marR="0" lvl="0" indent="0" algn="l" defTabSz="1425732" rtl="0" eaLnBrk="1" fontAlgn="auto" latinLnBrk="0" hangingPunct="1">
+                        <a:lnSpc>
+                          <a:spcPct val="100000"/>
+                        </a:lnSpc>
+                        <a:spcBef>
+                          <a:spcPts val="0"/>
+                        </a:spcBef>
+                        <a:spcAft>
+                          <a:spcPts val="0"/>
+                        </a:spcAft>
+                        <a:buClrTx/>
+                        <a:buSzTx/>
+                        <a:buFontTx/>
+                        <a:buNone/>
+                        <a:tabLst/>
+                        <a:defRPr/>
+                      </a:pPr>
+                      <a:r>
+                        <a:rPr lang="en-US" dirty="0"/>
+                        <a:t>N</a:t>
+                      </a:r>
+                      <a:r>
+                        <a:rPr lang="en-US" baseline="30000" dirty="0"/>
+                        <a:t>(0</a:t>
+                      </a:r>
+                      <a:r>
+                        <a:rPr lang="en-US" baseline="30000"/>
+                        <a:t>)</a:t>
+                      </a:r>
                       <a:r>
                         <a:rPr lang="en-US"/>
+                        <a:t>, M</a:t>
+                      </a:r>
+                      <a:r>
+                        <a:rPr lang="en-US" baseline="30000"/>
+                        <a:t>(20</a:t>
+                      </a:r>
+                      <a:r>
+                        <a:rPr lang="en-US" baseline="30000" dirty="0"/>
+                        <a:t>)</a:t>
+                      </a:r>
+                    </a:p>
+                  </a:txBody>
+                  <a:tcPr/>
+                </a:tc>
+                <a:tc>
+                  <a:txBody>
+                    <a:bodyPr/>
+                    <a:lstStyle/>
+                    <a:p>
+                      <a:r>
+                        <a:rPr lang="en-US" dirty="0"/>
                         <a:t>N</a:t>
                       </a:r>
                       <a:r>
-                        <a:rPr lang="en-US" baseline="30000"/>
+                        <a:rPr lang="en-US" baseline="30000" dirty="0"/>
                         <a:t>(0)</a:t>
                       </a:r>
-                    </a:p>
-                  </a:txBody>
-                  <a:tcPr/>
-                </a:tc>
-                <a:tc>
-                  <a:txBody>
-                    <a:bodyPr/>
-                    <a:lstStyle/>
-                    <a:p>
-                      <a:r>
-                        <a:rPr lang="en-US"/>
-                        <a:t>N</a:t>
-                      </a:r>
-                      <a:r>
-                        <a:rPr lang="en-US" baseline="30000"/>
-                        <a:t>(0)</a:t>
-                      </a:r>
-                      <a:r>
-                        <a:rPr lang="en-US"/>
-                        <a:t>, G</a:t>
-                      </a:r>
-                      <a:r>
-                        <a:rPr lang="en-US" baseline="30000"/>
+                      <a:r>
+                        <a:rPr lang="en-US" dirty="0"/>
+                        <a:t>, M</a:t>
+                      </a:r>
+                      <a:r>
+                        <a:rPr lang="en-US" baseline="30000" dirty="0"/>
+                        <a:t>(20)</a:t>
+                      </a:r>
+                      <a:r>
+                        <a:rPr lang="en-US" dirty="0"/>
+                        <a:t>,G</a:t>
+                      </a:r>
+                      <a:r>
+                        <a:rPr lang="en-US" baseline="30000" dirty="0"/>
                         <a:t>(25)</a:t>
                       </a:r>
                       <a:r>
-                        <a:rPr lang="en-US"/>
+                        <a:rPr lang="en-US" dirty="0"/>
                         <a:t>, I</a:t>
                       </a:r>
                       <a:r>
-                        <a:rPr lang="en-US" baseline="30000"/>
+                        <a:rPr lang="en-US" baseline="30000" dirty="0"/>
                         <a:t>(28)</a:t>
                       </a:r>
                       <a:r>
-                        <a:rPr lang="en-US"/>
+                        <a:rPr lang="en-US" dirty="0"/>
                         <a:t>, J</a:t>
                       </a:r>
                       <a:r>
-                        <a:rPr lang="en-US" baseline="30000"/>
+                        <a:rPr lang="en-US" baseline="30000" dirty="0"/>
                         <a:t>(40)</a:t>
                       </a:r>
                       <a:r>
-                        <a:rPr lang="en-US" baseline="0"/>
+                        <a:rPr lang="en-US" baseline="0" dirty="0"/>
                         <a:t>,</a:t>
                       </a:r>
                       <a:r>
-                        <a:rPr lang="en-US" baseline="30000"/>
+                        <a:rPr lang="en-US" baseline="30000" dirty="0"/>
                         <a:t> </a:t>
                       </a:r>
                       <a:r>
-                        <a:rPr lang="en-US"/>
+                        <a:rPr lang="en-US" dirty="0"/>
                         <a:t>C</a:t>
                       </a:r>
                       <a:r>
-                        <a:rPr lang="en-US" baseline="30000"/>
+                        <a:rPr lang="en-US" baseline="30000" dirty="0"/>
                         <a:t>(20)</a:t>
                       </a:r>
                       <a:r>
-                        <a:rPr lang="en-US"/>
+                        <a:rPr lang="en-US" dirty="0"/>
                         <a:t>, B</a:t>
                       </a:r>
                       <a:r>
-                        <a:rPr lang="en-US" baseline="30000"/>
+                        <a:rPr lang="en-US" baseline="30000" dirty="0"/>
                         <a:t>(28)</a:t>
                       </a:r>
                     </a:p>
@@ -28657,7 +29315,7 @@
                     <a:lstStyle/>
                     <a:p>
                       <a:pPr algn="ctr"/>
-                      <a:endParaRPr lang="en-US"/>
+                      <a:endParaRPr lang="en-US" dirty="0"/>
                     </a:p>
                   </a:txBody>
                   <a:tcPr/>
@@ -30279,10 +30937,412 @@
               <a:buChar char="§"/>
             </a:pPr>
             <a:r>
-              <a:rPr lang="en-US" sz="3600" spc="-5">
-                <a:cs typeface="Source Sans Pro Light"/>
-              </a:rPr>
-              <a:t>Phương pháp tham lam là đưa ra các quyết định dựa vapf ngay thông tin đang có và trong tương lai sẽ không xem xét lại các tác động của các quyết định trong quá khứ.</a:t>
+              <a:rPr lang="en-US" sz="3600" spc="-5" dirty="0" err="1">
+                <a:cs typeface="Source Sans Pro Light"/>
+              </a:rPr>
+              <a:t>Phương</a:t>
+            </a:r>
+            <a:r>
+              <a:rPr lang="en-US" sz="3600" spc="-5" dirty="0">
+                <a:cs typeface="Source Sans Pro Light"/>
+              </a:rPr>
+              <a:t> </a:t>
+            </a:r>
+            <a:r>
+              <a:rPr lang="en-US" sz="3600" spc="-5" dirty="0" err="1">
+                <a:cs typeface="Source Sans Pro Light"/>
+              </a:rPr>
+              <a:t>pháp</a:t>
+            </a:r>
+            <a:r>
+              <a:rPr lang="en-US" sz="3600" spc="-5" dirty="0">
+                <a:cs typeface="Source Sans Pro Light"/>
+              </a:rPr>
+              <a:t> </a:t>
+            </a:r>
+            <a:r>
+              <a:rPr lang="en-US" sz="3600" spc="-5" dirty="0" err="1">
+                <a:cs typeface="Source Sans Pro Light"/>
+              </a:rPr>
+              <a:t>tham</a:t>
+            </a:r>
+            <a:r>
+              <a:rPr lang="en-US" sz="3600" spc="-5" dirty="0">
+                <a:cs typeface="Source Sans Pro Light"/>
+              </a:rPr>
+              <a:t> lam </a:t>
+            </a:r>
+            <a:r>
+              <a:rPr lang="en-US" sz="3600" spc="-5" dirty="0" err="1">
+                <a:cs typeface="Source Sans Pro Light"/>
+              </a:rPr>
+              <a:t>là</a:t>
+            </a:r>
+            <a:r>
+              <a:rPr lang="en-US" sz="3600" spc="-5" dirty="0">
+                <a:cs typeface="Source Sans Pro Light"/>
+              </a:rPr>
+              <a:t> </a:t>
+            </a:r>
+            <a:r>
+              <a:rPr lang="en-US" sz="3600" spc="-5" dirty="0" err="1">
+                <a:cs typeface="Source Sans Pro Light"/>
+              </a:rPr>
+              <a:t>đưa</a:t>
+            </a:r>
+            <a:r>
+              <a:rPr lang="en-US" sz="3600" spc="-5" dirty="0">
+                <a:cs typeface="Source Sans Pro Light"/>
+              </a:rPr>
+              <a:t> </a:t>
+            </a:r>
+            <a:r>
+              <a:rPr lang="en-US" sz="3600" spc="-5" dirty="0" err="1">
+                <a:cs typeface="Source Sans Pro Light"/>
+              </a:rPr>
+              <a:t>ra</a:t>
+            </a:r>
+            <a:r>
+              <a:rPr lang="en-US" sz="3600" spc="-5" dirty="0">
+                <a:cs typeface="Source Sans Pro Light"/>
+              </a:rPr>
+              <a:t> </a:t>
+            </a:r>
+            <a:r>
+              <a:rPr lang="en-US" sz="3600" spc="-5" dirty="0" err="1">
+                <a:cs typeface="Source Sans Pro Light"/>
+              </a:rPr>
+              <a:t>các</a:t>
+            </a:r>
+            <a:r>
+              <a:rPr lang="en-US" sz="3600" spc="-5" dirty="0">
+                <a:cs typeface="Source Sans Pro Light"/>
+              </a:rPr>
+              <a:t> </a:t>
+            </a:r>
+            <a:r>
+              <a:rPr lang="en-US" sz="3600" spc="-5" dirty="0" err="1">
+                <a:cs typeface="Source Sans Pro Light"/>
+              </a:rPr>
+              <a:t>quyết</a:t>
+            </a:r>
+            <a:r>
+              <a:rPr lang="en-US" sz="3600" spc="-5" dirty="0">
+                <a:cs typeface="Source Sans Pro Light"/>
+              </a:rPr>
+              <a:t> </a:t>
+            </a:r>
+            <a:r>
+              <a:rPr lang="en-US" sz="3600" spc="-5" dirty="0" err="1">
+                <a:cs typeface="Source Sans Pro Light"/>
+              </a:rPr>
+              <a:t>định</a:t>
+            </a:r>
+            <a:r>
+              <a:rPr lang="en-US" sz="3600" spc="-5" dirty="0">
+                <a:cs typeface="Source Sans Pro Light"/>
+              </a:rPr>
+              <a:t> </a:t>
+            </a:r>
+            <a:r>
+              <a:rPr lang="en-US" sz="3600" spc="-5" dirty="0" err="1">
+                <a:cs typeface="Source Sans Pro Light"/>
+              </a:rPr>
+              <a:t>dựa</a:t>
+            </a:r>
+            <a:r>
+              <a:rPr lang="en-US" sz="3600" spc="-5" dirty="0">
+                <a:cs typeface="Source Sans Pro Light"/>
+              </a:rPr>
+              <a:t> </a:t>
+            </a:r>
+            <a:r>
+              <a:rPr lang="en-US" sz="3600" spc="-5" dirty="0" err="1">
+                <a:cs typeface="Source Sans Pro Light"/>
+              </a:rPr>
+              <a:t>vào</a:t>
+            </a:r>
+            <a:r>
+              <a:rPr lang="en-US" sz="3600" spc="-5" dirty="0">
+                <a:cs typeface="Source Sans Pro Light"/>
+              </a:rPr>
+              <a:t> </a:t>
+            </a:r>
+            <a:r>
+              <a:rPr lang="en-US" sz="3600" spc="-5" dirty="0" err="1">
+                <a:cs typeface="Source Sans Pro Light"/>
+              </a:rPr>
+              <a:t>ngay</a:t>
+            </a:r>
+            <a:r>
+              <a:rPr lang="en-US" sz="3600" spc="-5" dirty="0">
+                <a:cs typeface="Source Sans Pro Light"/>
+              </a:rPr>
+              <a:t> </a:t>
+            </a:r>
+            <a:r>
+              <a:rPr lang="en-US" sz="3600" spc="-5" dirty="0" err="1">
+                <a:cs typeface="Source Sans Pro Light"/>
+              </a:rPr>
+              <a:t>thông</a:t>
+            </a:r>
+            <a:r>
+              <a:rPr lang="en-US" sz="3600" spc="-5" dirty="0">
+                <a:cs typeface="Source Sans Pro Light"/>
+              </a:rPr>
+              <a:t> tin </a:t>
+            </a:r>
+            <a:r>
+              <a:rPr lang="en-US" sz="3600" spc="-5" dirty="0" err="1">
+                <a:cs typeface="Source Sans Pro Light"/>
+              </a:rPr>
+              <a:t>đang</a:t>
+            </a:r>
+            <a:r>
+              <a:rPr lang="en-US" sz="3600" spc="-5" dirty="0">
+                <a:cs typeface="Source Sans Pro Light"/>
+              </a:rPr>
+              <a:t> </a:t>
+            </a:r>
+            <a:r>
+              <a:rPr lang="en-US" sz="3600" spc="-5" dirty="0" err="1">
+                <a:cs typeface="Source Sans Pro Light"/>
+              </a:rPr>
+              <a:t>có</a:t>
+            </a:r>
+            <a:r>
+              <a:rPr lang="en-US" sz="3600" spc="-5" dirty="0">
+                <a:cs typeface="Source Sans Pro Light"/>
+              </a:rPr>
+              <a:t> </a:t>
+            </a:r>
+            <a:r>
+              <a:rPr lang="en-US" sz="3600" spc="-5" dirty="0" err="1">
+                <a:cs typeface="Source Sans Pro Light"/>
+              </a:rPr>
+              <a:t>và</a:t>
+            </a:r>
+            <a:r>
+              <a:rPr lang="en-US" sz="3600" spc="-5" dirty="0">
+                <a:cs typeface="Source Sans Pro Light"/>
+              </a:rPr>
+              <a:t> </a:t>
+            </a:r>
+            <a:r>
+              <a:rPr lang="en-US" sz="3600" spc="-5" dirty="0" err="1">
+                <a:cs typeface="Source Sans Pro Light"/>
+              </a:rPr>
+              <a:t>trong</a:t>
+            </a:r>
+            <a:r>
+              <a:rPr lang="en-US" sz="3600" spc="-5" dirty="0">
+                <a:cs typeface="Source Sans Pro Light"/>
+              </a:rPr>
+              <a:t> </a:t>
+            </a:r>
+            <a:r>
+              <a:rPr lang="en-US" sz="3600" spc="-5" dirty="0" err="1">
+                <a:cs typeface="Source Sans Pro Light"/>
+              </a:rPr>
+              <a:t>tương</a:t>
+            </a:r>
+            <a:r>
+              <a:rPr lang="en-US" sz="3600" spc="-5" dirty="0">
+                <a:cs typeface="Source Sans Pro Light"/>
+              </a:rPr>
+              <a:t> </a:t>
+            </a:r>
+            <a:r>
+              <a:rPr lang="en-US" sz="3600" spc="-5" dirty="0" err="1">
+                <a:cs typeface="Source Sans Pro Light"/>
+              </a:rPr>
+              <a:t>lai</a:t>
+            </a:r>
+            <a:r>
+              <a:rPr lang="en-US" sz="3600" spc="-5" dirty="0">
+                <a:cs typeface="Source Sans Pro Light"/>
+              </a:rPr>
+              <a:t> </a:t>
+            </a:r>
+            <a:r>
+              <a:rPr lang="en-US" sz="3600" spc="-5" dirty="0" err="1">
+                <a:cs typeface="Source Sans Pro Light"/>
+              </a:rPr>
+              <a:t>sẽ</a:t>
+            </a:r>
+            <a:r>
+              <a:rPr lang="en-US" sz="3600" spc="-5" dirty="0">
+                <a:cs typeface="Source Sans Pro Light"/>
+              </a:rPr>
+              <a:t> </a:t>
+            </a:r>
+            <a:r>
+              <a:rPr lang="en-US" sz="3600" spc="-5" dirty="0" err="1">
+                <a:cs typeface="Source Sans Pro Light"/>
+              </a:rPr>
+              <a:t>không</a:t>
+            </a:r>
+            <a:r>
+              <a:rPr lang="en-US" sz="3600" spc="-5" dirty="0">
+                <a:cs typeface="Source Sans Pro Light"/>
+              </a:rPr>
+              <a:t> </a:t>
+            </a:r>
+            <a:r>
+              <a:rPr lang="en-US" sz="3600" spc="-5" dirty="0" err="1">
+                <a:cs typeface="Source Sans Pro Light"/>
+              </a:rPr>
+              <a:t>xem</a:t>
+            </a:r>
+            <a:r>
+              <a:rPr lang="en-US" sz="3600" spc="-5" dirty="0">
+                <a:cs typeface="Source Sans Pro Light"/>
+              </a:rPr>
+              <a:t> </a:t>
+            </a:r>
+            <a:r>
+              <a:rPr lang="en-US" sz="3600" spc="-5" dirty="0" err="1">
+                <a:cs typeface="Source Sans Pro Light"/>
+              </a:rPr>
+              <a:t>xét</a:t>
+            </a:r>
+            <a:r>
+              <a:rPr lang="en-US" sz="3600" spc="-5" dirty="0">
+                <a:cs typeface="Source Sans Pro Light"/>
+              </a:rPr>
+              <a:t> </a:t>
+            </a:r>
+            <a:r>
+              <a:rPr lang="en-US" sz="3600" spc="-5" dirty="0" err="1">
+                <a:cs typeface="Source Sans Pro Light"/>
+              </a:rPr>
+              <a:t>lại</a:t>
+            </a:r>
+            <a:r>
+              <a:rPr lang="en-US" sz="3600" spc="-5" dirty="0">
+                <a:cs typeface="Source Sans Pro Light"/>
+              </a:rPr>
+              <a:t> </a:t>
+            </a:r>
+            <a:r>
+              <a:rPr lang="en-US" sz="3600" spc="-5" dirty="0" err="1">
+                <a:cs typeface="Source Sans Pro Light"/>
+              </a:rPr>
+              <a:t>các</a:t>
+            </a:r>
+            <a:r>
+              <a:rPr lang="en-US" sz="3600" spc="-5" dirty="0">
+                <a:cs typeface="Source Sans Pro Light"/>
+              </a:rPr>
+              <a:t> </a:t>
+            </a:r>
+            <a:r>
+              <a:rPr lang="en-US" sz="3600" spc="-5" dirty="0" err="1">
+                <a:cs typeface="Source Sans Pro Light"/>
+              </a:rPr>
+              <a:t>tác</a:t>
+            </a:r>
+            <a:r>
+              <a:rPr lang="en-US" sz="3600" spc="-5" dirty="0">
+                <a:cs typeface="Source Sans Pro Light"/>
+              </a:rPr>
+              <a:t> </a:t>
+            </a:r>
+            <a:r>
+              <a:rPr lang="en-US" sz="3600" spc="-5" dirty="0" err="1">
+                <a:cs typeface="Source Sans Pro Light"/>
+              </a:rPr>
+              <a:t>động</a:t>
+            </a:r>
+            <a:r>
+              <a:rPr lang="en-US" sz="3600" spc="-5" dirty="0">
+                <a:cs typeface="Source Sans Pro Light"/>
+              </a:rPr>
+              <a:t> </a:t>
+            </a:r>
+            <a:r>
+              <a:rPr lang="en-US" sz="3600" spc="-5" dirty="0" err="1">
+                <a:cs typeface="Source Sans Pro Light"/>
+              </a:rPr>
+              <a:t>của</a:t>
+            </a:r>
+            <a:r>
+              <a:rPr lang="en-US" sz="3600" spc="-5" dirty="0">
+                <a:cs typeface="Source Sans Pro Light"/>
+              </a:rPr>
+              <a:t> </a:t>
+            </a:r>
+            <a:r>
+              <a:rPr lang="en-US" sz="3600" spc="-5" dirty="0" err="1">
+                <a:cs typeface="Source Sans Pro Light"/>
+              </a:rPr>
+              <a:t>các</a:t>
+            </a:r>
+            <a:r>
+              <a:rPr lang="en-US" sz="3600" spc="-5" dirty="0">
+                <a:cs typeface="Source Sans Pro Light"/>
+              </a:rPr>
+              <a:t> </a:t>
+            </a:r>
+            <a:r>
+              <a:rPr lang="en-US" sz="3600" spc="-5" dirty="0" err="1">
+                <a:cs typeface="Source Sans Pro Light"/>
+              </a:rPr>
+              <a:t>quyết</a:t>
+            </a:r>
+            <a:r>
+              <a:rPr lang="en-US" sz="3600" spc="-5" dirty="0">
+                <a:cs typeface="Source Sans Pro Light"/>
+              </a:rPr>
+              <a:t> </a:t>
+            </a:r>
+            <a:r>
+              <a:rPr lang="en-US" sz="3600" spc="-5" dirty="0" err="1">
+                <a:cs typeface="Source Sans Pro Light"/>
+              </a:rPr>
+              <a:t>định</a:t>
+            </a:r>
+            <a:r>
+              <a:rPr lang="en-US" sz="3600" spc="-5" dirty="0">
+                <a:cs typeface="Source Sans Pro Light"/>
+              </a:rPr>
+              <a:t> </a:t>
+            </a:r>
+            <a:r>
+              <a:rPr lang="en-US" sz="3600" spc="-5" dirty="0" err="1">
+                <a:cs typeface="Source Sans Pro Light"/>
+              </a:rPr>
+              <a:t>trong</a:t>
+            </a:r>
+            <a:r>
+              <a:rPr lang="en-US" sz="3600" spc="-5" dirty="0">
+                <a:cs typeface="Source Sans Pro Light"/>
+              </a:rPr>
+              <a:t> </a:t>
+            </a:r>
+            <a:r>
+              <a:rPr lang="en-US" sz="3600" spc="-5" dirty="0" err="1">
+                <a:cs typeface="Source Sans Pro Light"/>
+              </a:rPr>
+              <a:t>quá</a:t>
+            </a:r>
+            <a:r>
+              <a:rPr lang="en-US" sz="3600" spc="-5" dirty="0">
+                <a:cs typeface="Source Sans Pro Light"/>
+              </a:rPr>
+              <a:t> </a:t>
+            </a:r>
+            <a:r>
+              <a:rPr lang="en-US" sz="3600" spc="-5" dirty="0" err="1">
+                <a:cs typeface="Source Sans Pro Light"/>
+              </a:rPr>
+              <a:t>khứ</a:t>
+            </a:r>
+            <a:r>
+              <a:rPr lang="en-US" sz="3600" spc="-5" dirty="0">
+                <a:cs typeface="Source Sans Pro Light"/>
+              </a:rPr>
+              <a:t>.</a:t>
             </a:r>
           </a:p>
           <a:p>
@@ -30294,19 +31354,133 @@
               <a:buChar char="§"/>
             </a:pPr>
             <a:r>
-              <a:rPr lang="en-US" sz="3600" spc="-5">
-                <a:cs typeface="Source Sans Pro Light"/>
-              </a:rPr>
-              <a:t>Hàm Solution (S): nhận biết tính chấp nhận được của lời giải S(S = </a:t>
-            </a:r>
-            <a:r>
-              <a:rPr lang="en-US" sz="3600" spc="-5">
+              <a:rPr lang="en-US" sz="3600" spc="-5" dirty="0" err="1">
+                <a:cs typeface="Source Sans Pro Light"/>
+              </a:rPr>
+              <a:t>Hàm</a:t>
+            </a:r>
+            <a:r>
+              <a:rPr lang="en-US" sz="3600" spc="-5" dirty="0">
+                <a:cs typeface="Source Sans Pro Light"/>
+              </a:rPr>
+              <a:t> Solution (S): </a:t>
+            </a:r>
+            <a:r>
+              <a:rPr lang="en-US" sz="3600" spc="-5" dirty="0" err="1">
+                <a:cs typeface="Source Sans Pro Light"/>
+              </a:rPr>
+              <a:t>nhận</a:t>
+            </a:r>
+            <a:r>
+              <a:rPr lang="en-US" sz="3600" spc="-5" dirty="0">
+                <a:cs typeface="Source Sans Pro Light"/>
+              </a:rPr>
+              <a:t> </a:t>
+            </a:r>
+            <a:r>
+              <a:rPr lang="en-US" sz="3600" spc="-5" dirty="0" err="1">
+                <a:cs typeface="Source Sans Pro Light"/>
+              </a:rPr>
+              <a:t>biết</a:t>
+            </a:r>
+            <a:r>
+              <a:rPr lang="en-US" sz="3600" spc="-5" dirty="0">
+                <a:cs typeface="Source Sans Pro Light"/>
+              </a:rPr>
+              <a:t> </a:t>
+            </a:r>
+            <a:r>
+              <a:rPr lang="en-US" sz="3600" spc="-5" dirty="0" err="1">
+                <a:cs typeface="Source Sans Pro Light"/>
+              </a:rPr>
+              <a:t>tính</a:t>
+            </a:r>
+            <a:r>
+              <a:rPr lang="en-US" sz="3600" spc="-5" dirty="0">
+                <a:cs typeface="Source Sans Pro Light"/>
+              </a:rPr>
+              <a:t> </a:t>
+            </a:r>
+            <a:r>
+              <a:rPr lang="en-US" sz="3600" spc="-5" dirty="0" err="1">
+                <a:cs typeface="Source Sans Pro Light"/>
+              </a:rPr>
+              <a:t>chấp</a:t>
+            </a:r>
+            <a:r>
+              <a:rPr lang="en-US" sz="3600" spc="-5" dirty="0">
+                <a:cs typeface="Source Sans Pro Light"/>
+              </a:rPr>
+              <a:t> </a:t>
+            </a:r>
+            <a:r>
+              <a:rPr lang="en-US" sz="3600" spc="-5" dirty="0" err="1">
+                <a:cs typeface="Source Sans Pro Light"/>
+              </a:rPr>
+              <a:t>nhận</a:t>
+            </a:r>
+            <a:r>
+              <a:rPr lang="en-US" sz="3600" spc="-5" dirty="0">
+                <a:cs typeface="Source Sans Pro Light"/>
+              </a:rPr>
+              <a:t> </a:t>
+            </a:r>
+            <a:r>
+              <a:rPr lang="en-US" sz="3600" spc="-5" dirty="0" err="1">
+                <a:cs typeface="Source Sans Pro Light"/>
+              </a:rPr>
+              <a:t>được</a:t>
+            </a:r>
+            <a:r>
+              <a:rPr lang="en-US" sz="3600" spc="-5" dirty="0">
+                <a:cs typeface="Source Sans Pro Light"/>
+              </a:rPr>
+              <a:t> </a:t>
+            </a:r>
+            <a:r>
+              <a:rPr lang="en-US" sz="3600" spc="-5" dirty="0" err="1">
+                <a:cs typeface="Source Sans Pro Light"/>
+              </a:rPr>
+              <a:t>của</a:t>
+            </a:r>
+            <a:r>
+              <a:rPr lang="en-US" sz="3600" spc="-5" dirty="0">
+                <a:cs typeface="Source Sans Pro Light"/>
+              </a:rPr>
+              <a:t> </a:t>
+            </a:r>
+            <a:r>
+              <a:rPr lang="en-US" sz="3600" spc="-5" dirty="0" err="1">
+                <a:cs typeface="Source Sans Pro Light"/>
+              </a:rPr>
+              <a:t>lời</a:t>
+            </a:r>
+            <a:r>
+              <a:rPr lang="en-US" sz="3600" spc="-5" dirty="0">
+                <a:cs typeface="Source Sans Pro Light"/>
+              </a:rPr>
+              <a:t> </a:t>
+            </a:r>
+            <a:r>
+              <a:rPr lang="en-US" sz="3600" spc="-5" dirty="0" err="1">
+                <a:cs typeface="Source Sans Pro Light"/>
+              </a:rPr>
+              <a:t>giải</a:t>
+            </a:r>
+            <a:r>
+              <a:rPr lang="en-US" sz="3600" spc="-5" dirty="0">
+                <a:cs typeface="Source Sans Pro Light"/>
+              </a:rPr>
+              <a:t> S(S = </a:t>
+            </a:r>
+            <a:r>
+              <a:rPr lang="en-US" sz="3600" spc="-5" dirty="0">
                 <a:cs typeface="Source Sans Pro Light"/>
                 <a:sym typeface="Symbol" panose="05050102010706020507" pitchFamily="18" charset="2"/>
               </a:rPr>
               <a:t>)</a:t>
             </a:r>
-            <a:endParaRPr lang="en-US" sz="3600" spc="-5">
+            <a:endParaRPr lang="en-US" sz="3600" spc="-5" dirty="0">
               <a:cs typeface="Source Sans Pro Light"/>
             </a:endParaRPr>
           </a:p>
@@ -30319,10 +31493,196 @@
               <a:buChar char="§"/>
             </a:pPr>
             <a:r>
-              <a:rPr lang="en-US" sz="3600" spc="-5">
-                <a:cs typeface="Source Sans Pro Light"/>
-              </a:rPr>
-              <a:t>Hàm Select (C): chọn từ tập C ứng viên triển vọng nhất để bổ sung vào lời giải hiện có.</a:t>
+              <a:rPr lang="en-US" sz="3600" spc="-5" dirty="0" err="1">
+                <a:cs typeface="Source Sans Pro Light"/>
+              </a:rPr>
+              <a:t>Hàm</a:t>
+            </a:r>
+            <a:r>
+              <a:rPr lang="en-US" sz="3600" spc="-5" dirty="0">
+                <a:cs typeface="Source Sans Pro Light"/>
+              </a:rPr>
+              <a:t> Select (C): </a:t>
+            </a:r>
+            <a:r>
+              <a:rPr lang="en-US" sz="3600" spc="-5" dirty="0" err="1">
+                <a:cs typeface="Source Sans Pro Light"/>
+              </a:rPr>
+              <a:t>chọn</a:t>
+            </a:r>
+            <a:r>
+              <a:rPr lang="en-US" sz="3600" spc="-5" dirty="0">
+                <a:cs typeface="Source Sans Pro Light"/>
+              </a:rPr>
+              <a:t> </a:t>
+            </a:r>
+            <a:r>
+              <a:rPr lang="en-US" sz="3600" spc="-5" dirty="0" err="1">
+                <a:cs typeface="Source Sans Pro Light"/>
+              </a:rPr>
+              <a:t>từ</a:t>
+            </a:r>
+            <a:r>
+              <a:rPr lang="en-US" sz="3600" spc="-5" dirty="0">
+                <a:cs typeface="Source Sans Pro Light"/>
+              </a:rPr>
+              <a:t> </a:t>
+            </a:r>
+            <a:r>
+              <a:rPr lang="en-US" sz="3600" spc="-5" dirty="0" err="1">
+                <a:cs typeface="Source Sans Pro Light"/>
+              </a:rPr>
+              <a:t>tập</a:t>
+            </a:r>
+            <a:r>
+              <a:rPr lang="en-US" sz="3600" spc="-5" dirty="0">
+                <a:cs typeface="Source Sans Pro Light"/>
+              </a:rPr>
+              <a:t> C </a:t>
+            </a:r>
+            <a:r>
+              <a:rPr lang="en-US" sz="3600" spc="-5" dirty="0" err="1">
+                <a:cs typeface="Source Sans Pro Light"/>
+              </a:rPr>
+              <a:t>ứng</a:t>
+            </a:r>
+            <a:r>
+              <a:rPr lang="en-US" sz="3600" spc="-5" dirty="0">
+                <a:cs typeface="Source Sans Pro Light"/>
+              </a:rPr>
+              <a:t> </a:t>
+            </a:r>
+            <a:r>
+              <a:rPr lang="en-US" sz="3600" spc="-5" dirty="0" err="1">
+                <a:cs typeface="Source Sans Pro Light"/>
+              </a:rPr>
+              <a:t>viên</a:t>
+            </a:r>
+            <a:r>
+              <a:rPr lang="en-US" sz="3600" spc="-5" dirty="0">
+                <a:cs typeface="Source Sans Pro Light"/>
+              </a:rPr>
+              <a:t> </a:t>
+            </a:r>
+            <a:r>
+              <a:rPr lang="en-US" sz="3600" spc="-5" dirty="0" err="1">
+                <a:cs typeface="Source Sans Pro Light"/>
+              </a:rPr>
+              <a:t>triển</a:t>
+            </a:r>
+            <a:r>
+              <a:rPr lang="en-US" sz="3600" spc="-5" dirty="0">
+                <a:cs typeface="Source Sans Pro Light"/>
+              </a:rPr>
+              <a:t> </a:t>
+            </a:r>
+            <a:r>
+              <a:rPr lang="en-US" sz="3600" spc="-5" dirty="0" err="1">
+                <a:cs typeface="Source Sans Pro Light"/>
+              </a:rPr>
+              <a:t>vọng</a:t>
+            </a:r>
+            <a:r>
+              <a:rPr lang="en-US" sz="3600" spc="-5" dirty="0">
+                <a:cs typeface="Source Sans Pro Light"/>
+              </a:rPr>
+              <a:t> </a:t>
+            </a:r>
+            <a:r>
+              <a:rPr lang="en-US" sz="3600" spc="-5" dirty="0" err="1">
+                <a:cs typeface="Source Sans Pro Light"/>
+              </a:rPr>
+              <a:t>nhất</a:t>
+            </a:r>
+            <a:r>
+              <a:rPr lang="en-US" sz="3600" spc="-5" dirty="0">
+                <a:cs typeface="Source Sans Pro Light"/>
+              </a:rPr>
+              <a:t> </a:t>
+            </a:r>
+            <a:r>
+              <a:rPr lang="en-US" sz="3600" spc="-5" dirty="0" err="1">
+                <a:cs typeface="Source Sans Pro Light"/>
+              </a:rPr>
+              <a:t>để</a:t>
+            </a:r>
+            <a:r>
+              <a:rPr lang="en-US" sz="3600" spc="-5" dirty="0">
+                <a:cs typeface="Source Sans Pro Light"/>
+              </a:rPr>
+              <a:t> </a:t>
+            </a:r>
+            <a:r>
+              <a:rPr lang="en-US" sz="3600" spc="-5" dirty="0" err="1">
+                <a:cs typeface="Source Sans Pro Light"/>
+              </a:rPr>
+              <a:t>bổ</a:t>
+            </a:r>
+            <a:r>
+              <a:rPr lang="en-US" sz="3600" spc="-5" dirty="0">
+                <a:cs typeface="Source Sans Pro Light"/>
+              </a:rPr>
+              <a:t> sung </a:t>
+            </a:r>
+            <a:r>
+              <a:rPr lang="en-US" sz="3600" spc="-5" dirty="0" err="1">
+                <a:cs typeface="Source Sans Pro Light"/>
+              </a:rPr>
+              <a:t>vào</a:t>
+            </a:r>
+            <a:r>
+              <a:rPr lang="en-US" sz="3600" spc="-5" dirty="0">
+                <a:cs typeface="Source Sans Pro Light"/>
+              </a:rPr>
+              <a:t> </a:t>
+            </a:r>
+            <a:r>
+              <a:rPr lang="en-US" sz="3600" spc="-5" dirty="0" err="1">
+                <a:cs typeface="Source Sans Pro Light"/>
+              </a:rPr>
+              <a:t>lời</a:t>
+            </a:r>
+            <a:r>
+              <a:rPr lang="en-US" sz="3600" spc="-5" dirty="0">
+                <a:cs typeface="Source Sans Pro Light"/>
+              </a:rPr>
+              <a:t> </a:t>
+            </a:r>
+            <a:r>
+              <a:rPr lang="en-US" sz="3600" spc="-5" dirty="0" err="1">
+                <a:cs typeface="Source Sans Pro Light"/>
+              </a:rPr>
+              <a:t>giải</a:t>
+            </a:r>
+            <a:r>
+              <a:rPr lang="en-US" sz="3600" spc="-5" dirty="0">
+                <a:cs typeface="Source Sans Pro Light"/>
+              </a:rPr>
+              <a:t> </a:t>
+            </a:r>
+            <a:r>
+              <a:rPr lang="en-US" sz="3600" spc="-5" dirty="0" err="1">
+                <a:cs typeface="Source Sans Pro Light"/>
+              </a:rPr>
+              <a:t>hiện</a:t>
+            </a:r>
+            <a:r>
+              <a:rPr lang="en-US" sz="3600" spc="-5" dirty="0">
+                <a:cs typeface="Source Sans Pro Light"/>
+              </a:rPr>
+              <a:t> </a:t>
+            </a:r>
+            <a:r>
+              <a:rPr lang="en-US" sz="3600" spc="-5" dirty="0" err="1">
+                <a:cs typeface="Source Sans Pro Light"/>
+              </a:rPr>
+              <a:t>có</a:t>
+            </a:r>
+            <a:r>
+              <a:rPr lang="en-US" sz="3600" spc="-5" dirty="0">
+                <a:cs typeface="Source Sans Pro Light"/>
+              </a:rPr>
+              <a:t>.</a:t>
             </a:r>
           </a:p>
           <a:p>
@@ -30334,10 +31694,184 @@
               <a:buChar char="§"/>
             </a:pPr>
             <a:r>
-              <a:rPr lang="en-US" sz="3600" spc="-5">
-                <a:cs typeface="Source Sans Pro Light"/>
-              </a:rPr>
-              <a:t>Hàm Feasibe (S+x): Kiểm tra tính chấp nhận được của lời giải bộ phận S+x.</a:t>
+              <a:rPr lang="en-US" sz="3600" spc="-5" dirty="0" err="1">
+                <a:cs typeface="Source Sans Pro Light"/>
+              </a:rPr>
+              <a:t>Hàm</a:t>
+            </a:r>
+            <a:r>
+              <a:rPr lang="en-US" sz="3600" spc="-5" dirty="0">
+                <a:cs typeface="Source Sans Pro Light"/>
+              </a:rPr>
+              <a:t> </a:t>
+            </a:r>
+            <a:r>
+              <a:rPr lang="en-US" sz="3600" spc="-5" dirty="0" err="1">
+                <a:cs typeface="Source Sans Pro Light"/>
+              </a:rPr>
+              <a:t>Feasibe</a:t>
+            </a:r>
+            <a:r>
+              <a:rPr lang="en-US" sz="3600" spc="-5" dirty="0">
+                <a:cs typeface="Source Sans Pro Light"/>
+              </a:rPr>
+              <a:t> (</a:t>
+            </a:r>
+            <a:r>
+              <a:rPr lang="en-US" sz="3600" spc="-5" dirty="0" err="1">
+                <a:cs typeface="Source Sans Pro Light"/>
+              </a:rPr>
+              <a:t>S+x</a:t>
+            </a:r>
+            <a:r>
+              <a:rPr lang="en-US" sz="3600" spc="-5" dirty="0">
+                <a:cs typeface="Source Sans Pro Light"/>
+              </a:rPr>
+              <a:t>): </a:t>
+            </a:r>
+            <a:r>
+              <a:rPr lang="en-US" sz="3600" spc="-5" dirty="0" err="1">
+                <a:cs typeface="Source Sans Pro Light"/>
+              </a:rPr>
+              <a:t>Kiểm</a:t>
+            </a:r>
+            <a:r>
+              <a:rPr lang="en-US" sz="3600" spc="-5" dirty="0">
+                <a:cs typeface="Source Sans Pro Light"/>
+              </a:rPr>
+              <a:t> </a:t>
+            </a:r>
+            <a:r>
+              <a:rPr lang="en-US" sz="3600" spc="-5" dirty="0" err="1">
+                <a:cs typeface="Source Sans Pro Light"/>
+              </a:rPr>
+              <a:t>tra</a:t>
+            </a:r>
+            <a:r>
+              <a:rPr lang="en-US" sz="3600" spc="-5" dirty="0">
+                <a:cs typeface="Source Sans Pro Light"/>
+              </a:rPr>
+              <a:t> </a:t>
+            </a:r>
+            <a:r>
+              <a:rPr lang="en-US" sz="3600" spc="-5" dirty="0" err="1">
+                <a:cs typeface="Source Sans Pro Light"/>
+              </a:rPr>
+              <a:t>tính</a:t>
+            </a:r>
+            <a:r>
+              <a:rPr lang="en-US" sz="3600" spc="-5" dirty="0">
+                <a:cs typeface="Source Sans Pro Light"/>
+              </a:rPr>
+              <a:t> </a:t>
+            </a:r>
+            <a:r>
+              <a:rPr lang="en-US" sz="3600" spc="-5" dirty="0" err="1">
+                <a:cs typeface="Source Sans Pro Light"/>
+              </a:rPr>
+              <a:t>chấp</a:t>
+            </a:r>
+            <a:r>
+              <a:rPr lang="en-US" sz="3600" spc="-5" dirty="0">
+                <a:cs typeface="Source Sans Pro Light"/>
+              </a:rPr>
+              <a:t> </a:t>
+            </a:r>
+            <a:r>
+              <a:rPr lang="en-US" sz="3600" spc="-5" dirty="0" err="1">
+                <a:cs typeface="Source Sans Pro Light"/>
+              </a:rPr>
+              <a:t>nhận</a:t>
+            </a:r>
+            <a:r>
+              <a:rPr lang="en-US" sz="3600" spc="-5" dirty="0">
+                <a:cs typeface="Source Sans Pro Light"/>
+              </a:rPr>
+              <a:t> </a:t>
+            </a:r>
+            <a:r>
+              <a:rPr lang="en-US" sz="3600" spc="-5" dirty="0" err="1">
+                <a:cs typeface="Source Sans Pro Light"/>
+              </a:rPr>
+              <a:t>được</a:t>
+            </a:r>
+            <a:r>
+              <a:rPr lang="en-US" sz="3600" spc="-5" dirty="0">
+                <a:cs typeface="Source Sans Pro Light"/>
+              </a:rPr>
+              <a:t> </a:t>
+            </a:r>
+            <a:r>
+              <a:rPr lang="en-US" sz="3600" spc="-5" dirty="0" err="1">
+                <a:cs typeface="Source Sans Pro Light"/>
+              </a:rPr>
+              <a:t>của</a:t>
+            </a:r>
+            <a:r>
+              <a:rPr lang="en-US" sz="3600" spc="-5" dirty="0">
+                <a:cs typeface="Source Sans Pro Light"/>
+              </a:rPr>
+              <a:t> </a:t>
+            </a:r>
+            <a:r>
+              <a:rPr lang="en-US" sz="3600" spc="-5" dirty="0" err="1">
+                <a:cs typeface="Source Sans Pro Light"/>
+              </a:rPr>
+              <a:t>lời</a:t>
+            </a:r>
+            <a:r>
+              <a:rPr lang="en-US" sz="3600" spc="-5" dirty="0">
+                <a:cs typeface="Source Sans Pro Light"/>
+              </a:rPr>
+              <a:t> </a:t>
+            </a:r>
+            <a:r>
+              <a:rPr lang="en-US" sz="3600" spc="-5" dirty="0" err="1">
+                <a:cs typeface="Source Sans Pro Light"/>
+              </a:rPr>
+              <a:t>giải</a:t>
+            </a:r>
+            <a:r>
+              <a:rPr lang="en-US" sz="3600" spc="-5" dirty="0">
+                <a:cs typeface="Source Sans Pro Light"/>
+              </a:rPr>
+              <a:t> </a:t>
+            </a:r>
+            <a:r>
+              <a:rPr lang="en-US" sz="3600" spc="-5" dirty="0" err="1">
+                <a:cs typeface="Source Sans Pro Light"/>
+              </a:rPr>
+              <a:t>bộ</a:t>
+            </a:r>
+            <a:r>
+              <a:rPr lang="en-US" sz="3600" spc="-5" dirty="0">
+                <a:cs typeface="Source Sans Pro Light"/>
+              </a:rPr>
+              <a:t> </a:t>
+            </a:r>
+            <a:r>
+              <a:rPr lang="en-US" sz="3600" spc="-5" dirty="0" err="1">
+                <a:cs typeface="Source Sans Pro Light"/>
+              </a:rPr>
+              <a:t>phận</a:t>
+            </a:r>
+            <a:r>
+              <a:rPr lang="en-US" sz="3600" spc="-5" dirty="0">
+                <a:cs typeface="Source Sans Pro Light"/>
+              </a:rPr>
+              <a:t> </a:t>
+            </a:r>
+            <a:r>
+              <a:rPr lang="en-US" sz="3600" spc="-5" dirty="0" err="1">
+                <a:cs typeface="Source Sans Pro Light"/>
+              </a:rPr>
+              <a:t>S+x</a:t>
+            </a:r>
+            <a:r>
+              <a:rPr lang="en-US" sz="3600" spc="-5" dirty="0">
+                <a:cs typeface="Source Sans Pro Light"/>
+              </a:rPr>
+              <a:t>.</a:t>
             </a:r>
           </a:p>
           <a:p>
@@ -30349,19 +31883,398 @@
               <a:buChar char="§"/>
             </a:pPr>
             <a:r>
-              <a:rPr lang="en-US" sz="3600" spc="-5">
-                <a:cs typeface="Source Sans Pro Light"/>
-              </a:rPr>
-              <a:t>Ý tưởng: Xuất phát từ lời giải </a:t>
-            </a:r>
-            <a:r>
-              <a:rPr lang="en-US" sz="3600" spc="-5">
+              <a:rPr lang="en-US" sz="3600" spc="-5" dirty="0" err="1">
+                <a:cs typeface="Source Sans Pro Light"/>
+              </a:rPr>
+              <a:t>Ý</a:t>
+            </a:r>
+            <a:r>
+              <a:rPr lang="en-US" sz="3600" spc="-5" dirty="0">
+                <a:cs typeface="Source Sans Pro Light"/>
+              </a:rPr>
+              <a:t> </a:t>
+            </a:r>
+            <a:r>
+              <a:rPr lang="en-US" sz="3600" spc="-5" dirty="0" err="1">
+                <a:cs typeface="Source Sans Pro Light"/>
+              </a:rPr>
+              <a:t>tưởng</a:t>
+            </a:r>
+            <a:r>
+              <a:rPr lang="en-US" sz="3600" spc="-5" dirty="0">
+                <a:cs typeface="Source Sans Pro Light"/>
+              </a:rPr>
+              <a:t>: </a:t>
+            </a:r>
+            <a:r>
+              <a:rPr lang="en-US" sz="3600" spc="-5" dirty="0" err="1">
+                <a:cs typeface="Source Sans Pro Light"/>
+              </a:rPr>
+              <a:t>Xuất</a:t>
+            </a:r>
+            <a:r>
+              <a:rPr lang="en-US" sz="3600" spc="-5" dirty="0">
+                <a:cs typeface="Source Sans Pro Light"/>
+              </a:rPr>
+              <a:t> </a:t>
+            </a:r>
+            <a:r>
+              <a:rPr lang="en-US" sz="3600" spc="-5" dirty="0" err="1">
+                <a:cs typeface="Source Sans Pro Light"/>
+              </a:rPr>
+              <a:t>phát</a:t>
+            </a:r>
+            <a:r>
+              <a:rPr lang="en-US" sz="3600" spc="-5" dirty="0">
+                <a:cs typeface="Source Sans Pro Light"/>
+              </a:rPr>
+              <a:t> </a:t>
+            </a:r>
+            <a:r>
+              <a:rPr lang="en-US" sz="3600" spc="-5" dirty="0" err="1">
+                <a:cs typeface="Source Sans Pro Light"/>
+              </a:rPr>
+              <a:t>từ</a:t>
+            </a:r>
+            <a:r>
+              <a:rPr lang="en-US" sz="3600" spc="-5" dirty="0">
+                <a:cs typeface="Source Sans Pro Light"/>
+              </a:rPr>
+              <a:t> </a:t>
+            </a:r>
+            <a:r>
+              <a:rPr lang="en-US" sz="3600" spc="-5" dirty="0" err="1">
+                <a:cs typeface="Source Sans Pro Light"/>
+              </a:rPr>
+              <a:t>lời</a:t>
+            </a:r>
+            <a:r>
+              <a:rPr lang="en-US" sz="3600" spc="-5" dirty="0">
+                <a:cs typeface="Source Sans Pro Light"/>
+              </a:rPr>
+              <a:t> </a:t>
+            </a:r>
+            <a:r>
+              <a:rPr lang="en-US" sz="3600" spc="-5" dirty="0" err="1">
+                <a:cs typeface="Source Sans Pro Light"/>
+              </a:rPr>
+              <a:t>giải</a:t>
+            </a:r>
+            <a:r>
+              <a:rPr lang="en-US" sz="3600" spc="-5" dirty="0">
+                <a:cs typeface="Source Sans Pro Light"/>
+              </a:rPr>
+              <a:t> </a:t>
+            </a:r>
+            <a:r>
+              <a:rPr lang="en-US" sz="3600" spc="-5" dirty="0">
                 <a:cs typeface="Source Sans Pro Light"/>
                 <a:sym typeface="Symbol" panose="05050102010706020507" pitchFamily="18" charset="2"/>
               </a:rPr>
-              <a:t>, xây dựng lời giải của bài toán theo từng bước, mỗi bước sẽ chọn 1 p.tử để bổ sung vào lời giải hiện có</a:t>
-            </a:r>
-            <a:endParaRPr lang="en-US" sz="3600" spc="-5">
+              <a:t>, </a:t>
+            </a:r>
+            <a:r>
+              <a:rPr lang="en-US" sz="3600" spc="-5" dirty="0" err="1">
+                <a:cs typeface="Source Sans Pro Light"/>
+                <a:sym typeface="Symbol" panose="05050102010706020507" pitchFamily="18" charset="2"/>
+              </a:rPr>
+              <a:t>xây</a:t>
+            </a:r>
+            <a:r>
+              <a:rPr lang="en-US" sz="3600" spc="-5" dirty="0">
+                <a:cs typeface="Source Sans Pro Light"/>
+                <a:sym typeface="Symbol" panose="05050102010706020507" pitchFamily="18" charset="2"/>
+              </a:rPr>
+              <a:t> </a:t>
+            </a:r>
+            <a:r>
+              <a:rPr lang="en-US" sz="3600" spc="-5" dirty="0" err="1">
+                <a:cs typeface="Source Sans Pro Light"/>
+                <a:sym typeface="Symbol" panose="05050102010706020507" pitchFamily="18" charset="2"/>
+              </a:rPr>
+              <a:t>dựng</a:t>
+            </a:r>
+            <a:r>
+              <a:rPr lang="en-US" sz="3600" spc="-5" dirty="0">
+                <a:cs typeface="Source Sans Pro Light"/>
+                <a:sym typeface="Symbol" panose="05050102010706020507" pitchFamily="18" charset="2"/>
+              </a:rPr>
+              <a:t> </a:t>
+            </a:r>
+            <a:r>
+              <a:rPr lang="en-US" sz="3600" spc="-5" dirty="0" err="1">
+                <a:cs typeface="Source Sans Pro Light"/>
+                <a:sym typeface="Symbol" panose="05050102010706020507" pitchFamily="18" charset="2"/>
+              </a:rPr>
+              <a:t>lời</a:t>
+            </a:r>
+            <a:r>
+              <a:rPr lang="en-US" sz="3600" spc="-5" dirty="0">
+                <a:cs typeface="Source Sans Pro Light"/>
+                <a:sym typeface="Symbol" panose="05050102010706020507" pitchFamily="18" charset="2"/>
+              </a:rPr>
+              <a:t> </a:t>
+            </a:r>
+            <a:r>
+              <a:rPr lang="en-US" sz="3600" spc="-5" dirty="0" err="1">
+                <a:cs typeface="Source Sans Pro Light"/>
+                <a:sym typeface="Symbol" panose="05050102010706020507" pitchFamily="18" charset="2"/>
+              </a:rPr>
+              <a:t>giải</a:t>
+            </a:r>
+            <a:r>
+              <a:rPr lang="en-US" sz="3600" spc="-5" dirty="0">
+                <a:cs typeface="Source Sans Pro Light"/>
+                <a:sym typeface="Symbol" panose="05050102010706020507" pitchFamily="18" charset="2"/>
+              </a:rPr>
+              <a:t> </a:t>
+            </a:r>
+            <a:r>
+              <a:rPr lang="en-US" sz="3600" spc="-5" dirty="0" err="1">
+                <a:cs typeface="Source Sans Pro Light"/>
+                <a:sym typeface="Symbol" panose="05050102010706020507" pitchFamily="18" charset="2"/>
+              </a:rPr>
+              <a:t>của</a:t>
+            </a:r>
+            <a:r>
+              <a:rPr lang="en-US" sz="3600" spc="-5" dirty="0">
+                <a:cs typeface="Source Sans Pro Light"/>
+                <a:sym typeface="Symbol" panose="05050102010706020507" pitchFamily="18" charset="2"/>
+              </a:rPr>
+              <a:t> </a:t>
+            </a:r>
+            <a:r>
+              <a:rPr lang="en-US" sz="3600" spc="-5" dirty="0" err="1">
+                <a:cs typeface="Source Sans Pro Light"/>
+                <a:sym typeface="Symbol" panose="05050102010706020507" pitchFamily="18" charset="2"/>
+              </a:rPr>
+              <a:t>bài</a:t>
+            </a:r>
+            <a:r>
+              <a:rPr lang="en-US" sz="3600" spc="-5" dirty="0">
+                <a:cs typeface="Source Sans Pro Light"/>
+                <a:sym typeface="Symbol" panose="05050102010706020507" pitchFamily="18" charset="2"/>
+              </a:rPr>
+              <a:t> </a:t>
+            </a:r>
+            <a:r>
+              <a:rPr lang="en-US" sz="3600" spc="-5" dirty="0" err="1">
+                <a:cs typeface="Source Sans Pro Light"/>
+                <a:sym typeface="Symbol" panose="05050102010706020507" pitchFamily="18" charset="2"/>
+              </a:rPr>
+              <a:t>toán</a:t>
+            </a:r>
+            <a:r>
+              <a:rPr lang="en-US" sz="3600" spc="-5" dirty="0">
+                <a:cs typeface="Source Sans Pro Light"/>
+                <a:sym typeface="Symbol" panose="05050102010706020507" pitchFamily="18" charset="2"/>
+              </a:rPr>
+              <a:t> </a:t>
+            </a:r>
+            <a:r>
+              <a:rPr lang="en-US" sz="3600" spc="-5" dirty="0" err="1">
+                <a:cs typeface="Source Sans Pro Light"/>
+                <a:sym typeface="Symbol" panose="05050102010706020507" pitchFamily="18" charset="2"/>
+              </a:rPr>
+              <a:t>theo</a:t>
+            </a:r>
+            <a:r>
+              <a:rPr lang="en-US" sz="3600" spc="-5" dirty="0">
+                <a:cs typeface="Source Sans Pro Light"/>
+                <a:sym typeface="Symbol" panose="05050102010706020507" pitchFamily="18" charset="2"/>
+              </a:rPr>
+              <a:t> </a:t>
+            </a:r>
+            <a:r>
+              <a:rPr lang="en-US" sz="3600" spc="-5" dirty="0" err="1">
+                <a:cs typeface="Source Sans Pro Light"/>
+                <a:sym typeface="Symbol" panose="05050102010706020507" pitchFamily="18" charset="2"/>
+              </a:rPr>
+              <a:t>từng</a:t>
+            </a:r>
+            <a:r>
+              <a:rPr lang="en-US" sz="3600" spc="-5" dirty="0">
+                <a:cs typeface="Source Sans Pro Light"/>
+                <a:sym typeface="Symbol" panose="05050102010706020507" pitchFamily="18" charset="2"/>
+              </a:rPr>
+              <a:t> </a:t>
+            </a:r>
+            <a:r>
+              <a:rPr lang="en-US" sz="3600" spc="-5" dirty="0" err="1">
+                <a:cs typeface="Source Sans Pro Light"/>
+                <a:sym typeface="Symbol" panose="05050102010706020507" pitchFamily="18" charset="2"/>
+              </a:rPr>
+              <a:t>bước</a:t>
+            </a:r>
+            <a:r>
+              <a:rPr lang="en-US" sz="3600" spc="-5" dirty="0">
+                <a:cs typeface="Source Sans Pro Light"/>
+                <a:sym typeface="Symbol" panose="05050102010706020507" pitchFamily="18" charset="2"/>
+              </a:rPr>
+              <a:t>, </a:t>
+            </a:r>
+            <a:r>
+              <a:rPr lang="en-US" sz="3600" spc="-5" dirty="0" err="1">
+                <a:cs typeface="Source Sans Pro Light"/>
+                <a:sym typeface="Symbol" panose="05050102010706020507" pitchFamily="18" charset="2"/>
+              </a:rPr>
+              <a:t>mỗi</a:t>
+            </a:r>
+            <a:r>
+              <a:rPr lang="en-US" sz="3600" spc="-5" dirty="0">
+                <a:cs typeface="Source Sans Pro Light"/>
+                <a:sym typeface="Symbol" panose="05050102010706020507" pitchFamily="18" charset="2"/>
+              </a:rPr>
+              <a:t> </a:t>
+            </a:r>
+            <a:r>
+              <a:rPr lang="en-US" sz="3600" spc="-5" dirty="0" err="1">
+                <a:cs typeface="Source Sans Pro Light"/>
+                <a:sym typeface="Symbol" panose="05050102010706020507" pitchFamily="18" charset="2"/>
+              </a:rPr>
+              <a:t>bước</a:t>
+            </a:r>
+            <a:r>
+              <a:rPr lang="en-US" sz="3600" spc="-5" dirty="0">
+                <a:cs typeface="Source Sans Pro Light"/>
+                <a:sym typeface="Symbol" panose="05050102010706020507" pitchFamily="18" charset="2"/>
+              </a:rPr>
+              <a:t> </a:t>
+            </a:r>
+            <a:r>
+              <a:rPr lang="en-US" sz="3600" spc="-5" dirty="0" err="1">
+                <a:cs typeface="Source Sans Pro Light"/>
+                <a:sym typeface="Symbol" panose="05050102010706020507" pitchFamily="18" charset="2"/>
+              </a:rPr>
+              <a:t>sẽ</a:t>
+            </a:r>
+            <a:r>
+              <a:rPr lang="en-US" sz="3600" spc="-5" dirty="0">
+                <a:cs typeface="Source Sans Pro Light"/>
+                <a:sym typeface="Symbol" panose="05050102010706020507" pitchFamily="18" charset="2"/>
+              </a:rPr>
+              <a:t> </a:t>
+            </a:r>
+            <a:r>
+              <a:rPr lang="en-US" sz="3600" spc="-5" dirty="0" err="1">
+                <a:cs typeface="Source Sans Pro Light"/>
+                <a:sym typeface="Symbol" panose="05050102010706020507" pitchFamily="18" charset="2"/>
+              </a:rPr>
+              <a:t>chọn</a:t>
+            </a:r>
+            <a:r>
+              <a:rPr lang="en-US" sz="3600" spc="-5" dirty="0">
+                <a:cs typeface="Source Sans Pro Light"/>
+                <a:sym typeface="Symbol" panose="05050102010706020507" pitchFamily="18" charset="2"/>
+              </a:rPr>
+              <a:t> 1 </a:t>
+            </a:r>
+            <a:r>
+              <a:rPr lang="en-US" sz="3600" spc="-5" dirty="0" err="1">
+                <a:cs typeface="Source Sans Pro Light"/>
+                <a:sym typeface="Symbol" panose="05050102010706020507" pitchFamily="18" charset="2"/>
+              </a:rPr>
+              <a:t>p.tử</a:t>
+            </a:r>
+            <a:r>
+              <a:rPr lang="en-US" sz="3600" spc="-5" dirty="0">
+                <a:cs typeface="Source Sans Pro Light"/>
+                <a:sym typeface="Symbol" panose="05050102010706020507" pitchFamily="18" charset="2"/>
+              </a:rPr>
+              <a:t> </a:t>
+            </a:r>
+            <a:r>
+              <a:rPr lang="en-US" sz="3600" spc="-5" dirty="0" err="1">
+                <a:cs typeface="Source Sans Pro Light"/>
+                <a:sym typeface="Symbol" panose="05050102010706020507" pitchFamily="18" charset="2"/>
+              </a:rPr>
+              <a:t>để</a:t>
+            </a:r>
+            <a:r>
+              <a:rPr lang="en-US" sz="3600" spc="-5" dirty="0">
+                <a:cs typeface="Source Sans Pro Light"/>
+                <a:sym typeface="Symbol" panose="05050102010706020507" pitchFamily="18" charset="2"/>
+              </a:rPr>
+              <a:t> </a:t>
+            </a:r>
+            <a:r>
+              <a:rPr lang="en-US" sz="3600" spc="-5" dirty="0" err="1">
+                <a:cs typeface="Source Sans Pro Light"/>
+                <a:sym typeface="Symbol" panose="05050102010706020507" pitchFamily="18" charset="2"/>
+              </a:rPr>
+              <a:t>bổ</a:t>
+            </a:r>
+            <a:r>
+              <a:rPr lang="en-US" sz="3600" spc="-5" dirty="0">
+                <a:cs typeface="Source Sans Pro Light"/>
+                <a:sym typeface="Symbol" panose="05050102010706020507" pitchFamily="18" charset="2"/>
+              </a:rPr>
+              <a:t> sung </a:t>
+            </a:r>
+            <a:r>
+              <a:rPr lang="en-US" sz="3600" spc="-5" dirty="0" err="1">
+                <a:cs typeface="Source Sans Pro Light"/>
+                <a:sym typeface="Symbol" panose="05050102010706020507" pitchFamily="18" charset="2"/>
+              </a:rPr>
+              <a:t>vào</a:t>
+            </a:r>
+            <a:r>
+              <a:rPr lang="en-US" sz="3600" spc="-5" dirty="0">
+                <a:cs typeface="Source Sans Pro Light"/>
+                <a:sym typeface="Symbol" panose="05050102010706020507" pitchFamily="18" charset="2"/>
+              </a:rPr>
+              <a:t> </a:t>
+            </a:r>
+            <a:r>
+              <a:rPr lang="en-US" sz="3600" spc="-5" dirty="0" err="1">
+                <a:cs typeface="Source Sans Pro Light"/>
+                <a:sym typeface="Symbol" panose="05050102010706020507" pitchFamily="18" charset="2"/>
+              </a:rPr>
+              <a:t>lời</a:t>
+            </a:r>
+            <a:r>
+              <a:rPr lang="en-US" sz="3600" spc="-5" dirty="0">
+                <a:cs typeface="Source Sans Pro Light"/>
+                <a:sym typeface="Symbol" panose="05050102010706020507" pitchFamily="18" charset="2"/>
+              </a:rPr>
+              <a:t> </a:t>
+            </a:r>
+            <a:r>
+              <a:rPr lang="en-US" sz="3600" spc="-5" dirty="0" err="1">
+                <a:cs typeface="Source Sans Pro Light"/>
+                <a:sym typeface="Symbol" panose="05050102010706020507" pitchFamily="18" charset="2"/>
+              </a:rPr>
+              <a:t>giải</a:t>
+            </a:r>
+            <a:r>
+              <a:rPr lang="en-US" sz="3600" spc="-5" dirty="0">
+                <a:cs typeface="Source Sans Pro Light"/>
+                <a:sym typeface="Symbol" panose="05050102010706020507" pitchFamily="18" charset="2"/>
+              </a:rPr>
+              <a:t> </a:t>
+            </a:r>
+            <a:r>
+              <a:rPr lang="en-US" sz="3600" spc="-5" dirty="0" err="1">
+                <a:cs typeface="Source Sans Pro Light"/>
+                <a:sym typeface="Symbol" panose="05050102010706020507" pitchFamily="18" charset="2"/>
+              </a:rPr>
+              <a:t>hiện</a:t>
+            </a:r>
+            <a:r>
+              <a:rPr lang="en-US" sz="3600" spc="-5" dirty="0">
+                <a:cs typeface="Source Sans Pro Light"/>
+                <a:sym typeface="Symbol" panose="05050102010706020507" pitchFamily="18" charset="2"/>
+              </a:rPr>
+              <a:t> </a:t>
+            </a:r>
+            <a:r>
+              <a:rPr lang="en-US" sz="3600" spc="-5" dirty="0" err="1">
+                <a:cs typeface="Source Sans Pro Light"/>
+                <a:sym typeface="Symbol" panose="05050102010706020507" pitchFamily="18" charset="2"/>
+              </a:rPr>
+              <a:t>có</a:t>
+            </a:r>
+            <a:endParaRPr lang="en-US" sz="3600" spc="-5" dirty="0">
               <a:cs typeface="Source Sans Pro Light"/>
             </a:endParaRPr>
           </a:p>
@@ -31358,10 +33271,16 @@
               <a:buChar char="§"/>
             </a:pPr>
             <a:r>
-              <a:rPr lang="en-US" sz="4000" spc="-5">
-                <a:cs typeface="Source Sans Pro Light"/>
-              </a:rPr>
-              <a:t>Tham lam 2</a:t>
+              <a:rPr lang="en-US" sz="4000" spc="-5" dirty="0" err="1">
+                <a:cs typeface="Source Sans Pro Light"/>
+              </a:rPr>
+              <a:t>Tham</a:t>
+            </a:r>
+            <a:r>
+              <a:rPr lang="en-US" sz="4000" spc="-5" dirty="0">
+                <a:cs typeface="Source Sans Pro Light"/>
+              </a:rPr>
+              <a:t> lam 2</a:t>
             </a:r>
           </a:p>
           <a:p>
@@ -31373,11 +33292,110 @@
               <a:buChar char="§"/>
             </a:pPr>
             <a:r>
-              <a:rPr lang="en-US" sz="3600" spc="-5">
-                <a:cs typeface="Source Sans Pro Light"/>
-              </a:rPr>
-              <a:t>Sắp xếp đồ vật theo thứ tự tăng dần</a:t>
-            </a:r>
+              <a:rPr lang="en-US" sz="3600" spc="-5" dirty="0" err="1">
+                <a:cs typeface="Source Sans Pro Light"/>
+              </a:rPr>
+              <a:t>Sắp</a:t>
+            </a:r>
+            <a:r>
+              <a:rPr lang="en-US" sz="3600" spc="-5" dirty="0">
+                <a:cs typeface="Source Sans Pro Light"/>
+              </a:rPr>
+              <a:t> </a:t>
+            </a:r>
+            <a:r>
+              <a:rPr lang="en-US" sz="3600" spc="-5" dirty="0" err="1">
+                <a:cs typeface="Source Sans Pro Light"/>
+              </a:rPr>
+              <a:t>xếp</a:t>
+            </a:r>
+            <a:r>
+              <a:rPr lang="en-US" sz="3600" spc="-5" dirty="0">
+                <a:cs typeface="Source Sans Pro Light"/>
+              </a:rPr>
+              <a:t> </a:t>
+            </a:r>
+            <a:r>
+              <a:rPr lang="en-US" sz="3600" spc="-5" dirty="0" err="1">
+                <a:cs typeface="Source Sans Pro Light"/>
+              </a:rPr>
+              <a:t>đồ</a:t>
+            </a:r>
+            <a:r>
+              <a:rPr lang="en-US" sz="3600" spc="-5" dirty="0">
+                <a:cs typeface="Source Sans Pro Light"/>
+              </a:rPr>
+              <a:t> </a:t>
+            </a:r>
+            <a:r>
+              <a:rPr lang="en-US" sz="3600" spc="-5" dirty="0" err="1">
+                <a:cs typeface="Source Sans Pro Light"/>
+              </a:rPr>
+              <a:t>vật</a:t>
+            </a:r>
+            <a:r>
+              <a:rPr lang="en-US" sz="3600" spc="-5" dirty="0">
+                <a:cs typeface="Source Sans Pro Light"/>
+              </a:rPr>
+              <a:t> </a:t>
+            </a:r>
+            <a:r>
+              <a:rPr lang="en-US" sz="3600" spc="-5" dirty="0" err="1">
+                <a:cs typeface="Source Sans Pro Light"/>
+              </a:rPr>
+              <a:t>theo</a:t>
+            </a:r>
+            <a:r>
+              <a:rPr lang="en-US" sz="3600" spc="-5" dirty="0">
+                <a:cs typeface="Source Sans Pro Light"/>
+              </a:rPr>
+              <a:t> </a:t>
+            </a:r>
+            <a:r>
+              <a:rPr lang="en-US" sz="3600" spc="-5" dirty="0" err="1">
+                <a:cs typeface="Source Sans Pro Light"/>
+              </a:rPr>
+              <a:t>trọng</a:t>
+            </a:r>
+            <a:r>
+              <a:rPr lang="en-US" sz="3600" spc="-5" dirty="0">
+                <a:cs typeface="Source Sans Pro Light"/>
+              </a:rPr>
+              <a:t> </a:t>
+            </a:r>
+            <a:r>
+              <a:rPr lang="en-US" sz="3600" spc="-5" dirty="0" err="1">
+                <a:cs typeface="Source Sans Pro Light"/>
+              </a:rPr>
+              <a:t>lượng</a:t>
+            </a:r>
+            <a:r>
+              <a:rPr lang="en-US" sz="3600" spc="-5" dirty="0">
+                <a:cs typeface="Source Sans Pro Light"/>
+              </a:rPr>
+              <a:t> </a:t>
+            </a:r>
+            <a:r>
+              <a:rPr lang="en-US" sz="3600" spc="-5" dirty="0" err="1">
+                <a:cs typeface="Source Sans Pro Light"/>
+              </a:rPr>
+              <a:t>tăng</a:t>
+            </a:r>
+            <a:r>
+              <a:rPr lang="en-US" sz="3600" spc="-5" dirty="0">
+                <a:cs typeface="Source Sans Pro Light"/>
+              </a:rPr>
+              <a:t> </a:t>
+            </a:r>
+            <a:r>
+              <a:rPr lang="en-US" sz="3600" spc="-5" dirty="0" err="1">
+                <a:cs typeface="Source Sans Pro Light"/>
+              </a:rPr>
+              <a:t>dần</a:t>
+            </a:r>
+            <a:endParaRPr lang="en-US" sz="3600" spc="-5" dirty="0">
+              <a:cs typeface="Source Sans Pro Light"/>
+            </a:endParaRPr>
           </a:p>
           <a:p>
             <a:pPr marL="583565" marR="5080" indent="-571500" algn="just">
@@ -31388,11 +33406,62 @@
               <a:buChar char="§"/>
             </a:pPr>
             <a:r>
-              <a:rPr lang="en-US" sz="3600" spc="-5">
-                <a:cs typeface="Source Sans Pro Light"/>
-              </a:rPr>
-              <a:t>Chọn đồ từ đầu – cuối</a:t>
-            </a:r>
+              <a:rPr lang="en-US" sz="3600" spc="-5" dirty="0" err="1">
+                <a:cs typeface="Source Sans Pro Light"/>
+              </a:rPr>
+              <a:t>Chọn</a:t>
+            </a:r>
+            <a:r>
+              <a:rPr lang="en-US" sz="3600" spc="-5" dirty="0">
+                <a:cs typeface="Source Sans Pro Light"/>
+              </a:rPr>
+              <a:t> </a:t>
+            </a:r>
+            <a:r>
+              <a:rPr lang="en-US" sz="3600" spc="-5" dirty="0" err="1">
+                <a:cs typeface="Source Sans Pro Light"/>
+              </a:rPr>
+              <a:t>đồ</a:t>
+            </a:r>
+            <a:r>
+              <a:rPr lang="en-US" sz="3600" spc="-5" dirty="0">
+                <a:cs typeface="Source Sans Pro Light"/>
+              </a:rPr>
+              <a:t> </a:t>
+            </a:r>
+            <a:r>
+              <a:rPr lang="en-US" sz="3600" spc="-5" dirty="0" err="1">
+                <a:cs typeface="Source Sans Pro Light"/>
+              </a:rPr>
+              <a:t>từ</a:t>
+            </a:r>
+            <a:r>
+              <a:rPr lang="en-US" sz="3600" spc="-5" dirty="0">
+                <a:cs typeface="Source Sans Pro Light"/>
+              </a:rPr>
+              <a:t> </a:t>
+            </a:r>
+            <a:r>
+              <a:rPr lang="en-US" sz="3600" spc="-5" dirty="0" err="1">
+                <a:cs typeface="Source Sans Pro Light"/>
+              </a:rPr>
+              <a:t>đầu</a:t>
+            </a:r>
+            <a:r>
+              <a:rPr lang="en-US" sz="3600" spc="-5" dirty="0">
+                <a:cs typeface="Source Sans Pro Light"/>
+              </a:rPr>
+              <a:t> – </a:t>
+            </a:r>
+            <a:r>
+              <a:rPr lang="en-US" sz="3600" spc="-5" dirty="0" err="1">
+                <a:cs typeface="Source Sans Pro Light"/>
+              </a:rPr>
+              <a:t>cuối</a:t>
+            </a:r>
+            <a:endParaRPr lang="en-US" sz="3600" spc="-5" dirty="0">
+              <a:cs typeface="Source Sans Pro Light"/>
+            </a:endParaRPr>
           </a:p>
         </p:txBody>
       </p:sp>
